--- a/MT/Matlab.pptx
+++ b/MT/Matlab.pptx
@@ -45,18 +45,18 @@
     <p:sldId id="285" r:id="rId36"/>
     <p:sldId id="286" r:id="rId37"/>
     <p:sldId id="307" r:id="rId38"/>
-    <p:sldId id="316" r:id="rId39"/>
-    <p:sldId id="317" r:id="rId40"/>
-    <p:sldId id="318" r:id="rId41"/>
-    <p:sldId id="322" r:id="rId42"/>
-    <p:sldId id="308" r:id="rId43"/>
-    <p:sldId id="309" r:id="rId44"/>
-    <p:sldId id="310" r:id="rId45"/>
-    <p:sldId id="311" r:id="rId46"/>
-    <p:sldId id="312" r:id="rId47"/>
-    <p:sldId id="313" r:id="rId48"/>
-    <p:sldId id="314" r:id="rId49"/>
-    <p:sldId id="315" r:id="rId50"/>
+    <p:sldId id="308" r:id="rId39"/>
+    <p:sldId id="309" r:id="rId40"/>
+    <p:sldId id="310" r:id="rId41"/>
+    <p:sldId id="311" r:id="rId42"/>
+    <p:sldId id="312" r:id="rId43"/>
+    <p:sldId id="313" r:id="rId44"/>
+    <p:sldId id="314" r:id="rId45"/>
+    <p:sldId id="315" r:id="rId46"/>
+    <p:sldId id="382" r:id="rId47"/>
+    <p:sldId id="383" r:id="rId48"/>
+    <p:sldId id="384" r:id="rId49"/>
+    <p:sldId id="381" r:id="rId50"/>
     <p:sldId id="320" r:id="rId51"/>
     <p:sldId id="331" r:id="rId52"/>
     <p:sldId id="332" r:id="rId53"/>
@@ -298,7 +298,7 @@
             <a:fld id="{C15F28F4-7B23-4356-B9B2-4CE17234FFAD}" type="datetimeFigureOut">
               <a:rPr lang="en-US" smtClean="0"/>
               <a:pPr/>
-              <a:t>13.11.2016</a:t>
+              <a:t>26.03.2017</a:t>
             </a:fld>
             <a:endParaRPr lang="en-US" dirty="0"/>
           </a:p>
@@ -374,7 +374,7 @@
     </p:spTree>
     <p:extLst>
       <p:ext uri="{BB962C8B-B14F-4D97-AF65-F5344CB8AC3E}">
-        <p14:creationId xmlns="" xmlns:p14="http://schemas.microsoft.com/office/powerpoint/2010/main" val="1779392234"/>
+        <p14:creationId xmlns:p14="http://schemas.microsoft.com/office/powerpoint/2010/main" val="1779392234"/>
       </p:ext>
     </p:extLst>
   </p:cSld>
@@ -556,7 +556,7 @@
             <a:fld id="{635693BF-99C6-4686-80F7-1E28324EA339}" type="datetimeFigureOut">
               <a:rPr lang="en-US" smtClean="0"/>
               <a:pPr/>
-              <a:t>13.11.2016</a:t>
+              <a:t>26.03.2017</a:t>
             </a:fld>
             <a:endParaRPr lang="en-US" dirty="0"/>
           </a:p>
@@ -723,7 +723,7 @@
             <a:fld id="{635693BF-99C6-4686-80F7-1E28324EA339}" type="datetimeFigureOut">
               <a:rPr lang="en-US" smtClean="0"/>
               <a:pPr/>
-              <a:t>13.11.2016</a:t>
+              <a:t>26.03.2017</a:t>
             </a:fld>
             <a:endParaRPr lang="en-US" dirty="0"/>
           </a:p>
@@ -900,7 +900,7 @@
             <a:fld id="{635693BF-99C6-4686-80F7-1E28324EA339}" type="datetimeFigureOut">
               <a:rPr lang="en-US" smtClean="0"/>
               <a:pPr/>
-              <a:t>13.11.2016</a:t>
+              <a:t>26.03.2017</a:t>
             </a:fld>
             <a:endParaRPr lang="en-US" dirty="0"/>
           </a:p>
@@ -1332,7 +1332,7 @@
             <a:fld id="{635693BF-99C6-4686-80F7-1E28324EA339}" type="datetimeFigureOut">
               <a:rPr lang="en-US" smtClean="0"/>
               <a:pPr/>
-              <a:t>13.11.2016</a:t>
+              <a:t>26.03.2017</a:t>
             </a:fld>
             <a:endParaRPr lang="en-US" dirty="0"/>
           </a:p>
@@ -1598,7 +1598,7 @@
             <a:fld id="{635693BF-99C6-4686-80F7-1E28324EA339}" type="datetimeFigureOut">
               <a:rPr lang="en-US" smtClean="0"/>
               <a:pPr/>
-              <a:t>13.11.2016</a:t>
+              <a:t>26.03.2017</a:t>
             </a:fld>
             <a:endParaRPr lang="en-US" dirty="0"/>
           </a:p>
@@ -1978,7 +1978,7 @@
             <a:fld id="{635693BF-99C6-4686-80F7-1E28324EA339}" type="datetimeFigureOut">
               <a:rPr lang="en-US" smtClean="0"/>
               <a:pPr/>
-              <a:t>13.11.2016</a:t>
+              <a:t>26.03.2017</a:t>
             </a:fld>
             <a:endParaRPr lang="en-US" dirty="0"/>
           </a:p>
@@ -2130,7 +2130,7 @@
             <a:fld id="{635693BF-99C6-4686-80F7-1E28324EA339}" type="datetimeFigureOut">
               <a:rPr lang="en-US" smtClean="0"/>
               <a:pPr/>
-              <a:t>13.11.2016</a:t>
+              <a:t>26.03.2017</a:t>
             </a:fld>
             <a:endParaRPr lang="en-US" dirty="0"/>
           </a:p>
@@ -2222,7 +2222,7 @@
             <a:fld id="{635693BF-99C6-4686-80F7-1E28324EA339}" type="datetimeFigureOut">
               <a:rPr lang="en-US" smtClean="0"/>
               <a:pPr/>
-              <a:t>13.11.2016</a:t>
+              <a:t>26.03.2017</a:t>
             </a:fld>
             <a:endParaRPr lang="en-US" dirty="0"/>
           </a:p>
@@ -2485,7 +2485,7 @@
             <a:fld id="{635693BF-99C6-4686-80F7-1E28324EA339}" type="datetimeFigureOut">
               <a:rPr lang="en-US" smtClean="0"/>
               <a:pPr/>
-              <a:t>13.11.2016</a:t>
+              <a:t>26.03.2017</a:t>
             </a:fld>
             <a:endParaRPr lang="en-US" dirty="0"/>
           </a:p>
@@ -2775,7 +2775,7 @@
             <a:fld id="{635693BF-99C6-4686-80F7-1E28324EA339}" type="datetimeFigureOut">
               <a:rPr lang="en-US" smtClean="0"/>
               <a:pPr/>
-              <a:t>13.11.2016</a:t>
+              <a:t>26.03.2017</a:t>
             </a:fld>
             <a:endParaRPr lang="en-US" dirty="0"/>
           </a:p>
@@ -4641,7 +4641,7 @@
               <a:t>סימולציה ב </a:t>
             </a:r>
             <a:r>
-              <a:rPr dirty="0" err="1" smtClean="0"/>
+              <a:rPr dirty="0" smtClean="0"/>
               <a:t>simulink</a:t>
             </a:r>
             <a:endParaRPr lang="en-US" dirty="0"/>
@@ -4932,7 +4932,7 @@
               <a:t>סימולציה ב </a:t>
             </a:r>
             <a:r>
-              <a:rPr dirty="0" err="1" smtClean="0"/>
+              <a:rPr dirty="0" smtClean="0"/>
               <a:t>simulink</a:t>
             </a:r>
             <a:endParaRPr lang="en-US" dirty="0"/>
@@ -5191,7 +5191,7 @@
               <a:t>סימולציה ב </a:t>
             </a:r>
             <a:r>
-              <a:rPr dirty="0" err="1" smtClean="0"/>
+              <a:rPr dirty="0" smtClean="0"/>
               <a:t>simulink</a:t>
             </a:r>
             <a:endParaRPr lang="en-US" dirty="0"/>
@@ -6442,7 +6442,15 @@
           <a:p>
             <a:r>
               <a:rPr lang="he-IL" dirty="0" smtClean="0"/>
-              <a:t>מחקו את המתשנים שהוגדרו עד כה:</a:t>
+              <a:t>מחקו את </a:t>
+            </a:r>
+            <a:r>
+              <a:rPr lang="he-IL" dirty="0" smtClean="0"/>
+              <a:t>המשתנים </a:t>
+            </a:r>
+            <a:r>
+              <a:rPr lang="he-IL" dirty="0" smtClean="0"/>
+              <a:t>שהוגדרו עד כה:</a:t>
             </a:r>
           </a:p>
           <a:p>
@@ -6685,14 +6693,7 @@
                 <a:latin typeface="Courier New" pitchFamily="49" charset="0"/>
                 <a:cs typeface="Courier New" pitchFamily="49" charset="0"/>
               </a:rPr>
-              <a:t>A </a:t>
-            </a:r>
-            <a:r>
-              <a:rPr lang="en-US" sz="1600" dirty="0" smtClean="0">
-                <a:latin typeface="Courier New" pitchFamily="49" charset="0"/>
-                <a:cs typeface="Courier New" pitchFamily="49" charset="0"/>
-              </a:rPr>
-              <a:t>= ones(m,n)</a:t>
+              <a:t>A = ones(m,n)</a:t>
             </a:r>
             <a:endParaRPr lang="he-IL" sz="1600" dirty="0" smtClean="0">
               <a:latin typeface="Courier New" pitchFamily="49" charset="0"/>
@@ -6711,25 +6712,14 @@
             </a:r>
             <a:r>
               <a:rPr lang="he-IL" sz="1600" dirty="0" smtClean="0"/>
-              <a:t>  </a:t>
-            </a:r>
-            <a:r>
-              <a:rPr lang="he-IL" sz="1600" dirty="0" smtClean="0"/>
-              <a:t>   </a:t>
+              <a:t>     </a:t>
             </a:r>
             <a:r>
               <a:rPr lang="en-US" sz="1600" dirty="0" smtClean="0">
                 <a:latin typeface="Courier New" pitchFamily="49" charset="0"/>
                 <a:cs typeface="Courier New" pitchFamily="49" charset="0"/>
               </a:rPr>
-              <a:t>A </a:t>
-            </a:r>
-            <a:r>
-              <a:rPr lang="en-US" sz="1600" dirty="0" smtClean="0">
-                <a:latin typeface="Courier New" pitchFamily="49" charset="0"/>
-                <a:cs typeface="Courier New" pitchFamily="49" charset="0"/>
-              </a:rPr>
-              <a:t>= eye(n)</a:t>
+              <a:t>A = eye(n)</a:t>
             </a:r>
             <a:r>
               <a:rPr lang="he-IL" sz="1600" dirty="0" smtClean="0">
@@ -7246,9 +7236,59 @@
         </p:xfrm>
         <a:graphic>
           <a:graphicData uri="http://schemas.openxmlformats.org/presentationml/2006/ole">
-            <p:oleObj spid="_x0000_s3077" name="Equation" r:id="rId3" imgW="1536700" imgH="1143000" progId="Equation.DSMT4">
-              <p:embed/>
-            </p:oleObj>
+            <mc:AlternateContent xmlns:mc="http://schemas.openxmlformats.org/markup-compatibility/2006">
+              <mc:Choice xmlns:v="urn:schemas-microsoft-com:vml" Requires="v">
+                <p:oleObj spid="_x0000_s3084" name="Equation" r:id="rId3" imgW="1536700" imgH="1143000" progId="Equation.DSMT4">
+                  <p:embed/>
+                </p:oleObj>
+              </mc:Choice>
+              <mc:Fallback>
+                <p:oleObj name="Equation" r:id="rId3" imgW="1536700" imgH="1143000" progId="Equation.DSMT4">
+                  <p:embed/>
+                  <p:pic>
+                    <p:nvPicPr>
+                      <p:cNvPr id="0" name="Picture 5"/>
+                      <p:cNvPicPr>
+                        <a:picLocks noChangeAspect="1" noChangeArrowheads="1"/>
+                      </p:cNvPicPr>
+                      <p:nvPr/>
+                    </p:nvPicPr>
+                    <p:blipFill>
+                      <a:blip r:embed="rId4">
+                        <a:extLst>
+                          <a:ext uri="{28A0092B-C50C-407E-A947-70E740481C1C}">
+                            <a14:useLocalDpi xmlns:a14="http://schemas.microsoft.com/office/drawing/2010/main" val="0"/>
+                          </a:ext>
+                        </a:extLst>
+                      </a:blip>
+                      <a:srcRect/>
+                      <a:stretch>
+                        <a:fillRect/>
+                      </a:stretch>
+                    </p:blipFill>
+                    <p:spPr bwMode="auto">
+                      <a:xfrm>
+                        <a:off x="2286000" y="3505200"/>
+                        <a:ext cx="1752600" cy="1313167"/>
+                      </a:xfrm>
+                      <a:prstGeom prst="rect">
+                        <a:avLst/>
+                      </a:prstGeom>
+                      <a:noFill/>
+                      <a:extLst>
+                        <a:ext uri="{909E8E84-426E-40DD-AFC4-6F175D3DCCD1}">
+                          <a14:hiddenFill xmlns:a14="http://schemas.microsoft.com/office/drawing/2010/main">
+                            <a:solidFill>
+                              <a:srgbClr val="FFFFFF"/>
+                            </a:solidFill>
+                          </a14:hiddenFill>
+                        </a:ext>
+                      </a:extLst>
+                    </p:spPr>
+                  </p:pic>
+                </p:oleObj>
+              </mc:Fallback>
+            </mc:AlternateContent>
           </a:graphicData>
         </a:graphic>
       </p:graphicFrame>
@@ -7531,15 +7571,7 @@
           <a:p>
             <a:r>
               <a:rPr lang="he-IL" sz="2000" dirty="0" smtClean="0"/>
-              <a:t>ניתן לבצע את כל הפעולות האלגבריות </a:t>
-            </a:r>
-            <a:r>
-              <a:rPr lang="he-IL" sz="2000" dirty="0" smtClean="0"/>
-              <a:t>תוך שמירה </a:t>
-            </a:r>
-            <a:r>
-              <a:rPr lang="he-IL" sz="2000" dirty="0" smtClean="0"/>
-              <a:t>על מימדים נכונים:</a:t>
+              <a:t>ניתן לבצע את כל הפעולות האלגבריות תוך שמירה על מימדים נכונים:</a:t>
             </a:r>
           </a:p>
           <a:p>
@@ -7687,15 +7719,7 @@
             </a:pPr>
             <a:r>
               <a:rPr lang="en-US" sz="1600" dirty="0" smtClean="0"/>
-              <a:t>&gt;&gt; B </a:t>
-            </a:r>
-            <a:r>
-              <a:rPr lang="en-US" sz="1600" dirty="0" smtClean="0"/>
-              <a:t>= </a:t>
-            </a:r>
-            <a:r>
-              <a:rPr lang="en-US" sz="1600" dirty="0" smtClean="0"/>
-              <a:t>2*A</a:t>
+              <a:t>&gt;&gt; B = 2*A</a:t>
             </a:r>
           </a:p>
         </p:txBody>
@@ -7714,9 +7738,59 @@
         </p:xfrm>
         <a:graphic>
           <a:graphicData uri="http://schemas.openxmlformats.org/presentationml/2006/ole">
-            <p:oleObj spid="_x0000_s22531" name="Equation" r:id="rId3" imgW="647700" imgH="457200" progId="Equation.DSMT4">
-              <p:embed/>
-            </p:oleObj>
+            <mc:AlternateContent xmlns:mc="http://schemas.openxmlformats.org/markup-compatibility/2006">
+              <mc:Choice xmlns:v="urn:schemas-microsoft-com:vml" Requires="v">
+                <p:oleObj spid="_x0000_s22538" name="Equation" r:id="rId3" imgW="647700" imgH="457200" progId="Equation.DSMT4">
+                  <p:embed/>
+                </p:oleObj>
+              </mc:Choice>
+              <mc:Fallback>
+                <p:oleObj name="Equation" r:id="rId3" imgW="647700" imgH="457200" progId="Equation.DSMT4">
+                  <p:embed/>
+                  <p:pic>
+                    <p:nvPicPr>
+                      <p:cNvPr id="0" name="Picture 3"/>
+                      <p:cNvPicPr>
+                        <a:picLocks noChangeAspect="1" noChangeArrowheads="1"/>
+                      </p:cNvPicPr>
+                      <p:nvPr/>
+                    </p:nvPicPr>
+                    <p:blipFill>
+                      <a:blip r:embed="rId4">
+                        <a:extLst>
+                          <a:ext uri="{28A0092B-C50C-407E-A947-70E740481C1C}">
+                            <a14:useLocalDpi xmlns:a14="http://schemas.microsoft.com/office/drawing/2010/main" val="0"/>
+                          </a:ext>
+                        </a:extLst>
+                      </a:blip>
+                      <a:srcRect/>
+                      <a:stretch>
+                        <a:fillRect/>
+                      </a:stretch>
+                    </p:blipFill>
+                    <p:spPr bwMode="auto">
+                      <a:xfrm>
+                        <a:off x="2286000" y="5603845"/>
+                        <a:ext cx="927100" cy="658843"/>
+                      </a:xfrm>
+                      <a:prstGeom prst="rect">
+                        <a:avLst/>
+                      </a:prstGeom>
+                      <a:noFill/>
+                      <a:extLst>
+                        <a:ext uri="{909E8E84-426E-40DD-AFC4-6F175D3DCCD1}">
+                          <a14:hiddenFill xmlns:a14="http://schemas.microsoft.com/office/drawing/2010/main">
+                            <a:solidFill>
+                              <a:srgbClr val="FFFFFF"/>
+                            </a:solidFill>
+                          </a14:hiddenFill>
+                        </a:ext>
+                      </a:extLst>
+                    </p:spPr>
+                  </p:pic>
+                </p:oleObj>
+              </mc:Fallback>
+            </mc:AlternateContent>
           </a:graphicData>
         </a:graphic>
       </p:graphicFrame>
@@ -7956,7 +8030,7 @@
                 <a:latin typeface="Courier New" pitchFamily="49" charset="0"/>
                 <a:cs typeface="Courier New" pitchFamily="49" charset="0"/>
               </a:rPr>
-              <a:t>&gt;&gt; a = [1 2 3]’; b = [10 20 30]’</a:t>
+              <a:t>&gt;&gt; a = [1 2 3]'; b = [10 20 30]'</a:t>
             </a:r>
             <a:endParaRPr lang="he-IL" sz="1600" dirty="0" smtClean="0"/>
           </a:p>
@@ -8001,7 +8075,21 @@
                 <a:latin typeface="Courier New" pitchFamily="49" charset="0"/>
                 <a:cs typeface="Courier New" pitchFamily="49" charset="0"/>
               </a:rPr>
-              <a:t>c = a’*b</a:t>
+              <a:t>c = a</a:t>
+            </a:r>
+            <a:r>
+              <a:rPr lang="pt-BR" sz="1600" dirty="0">
+                <a:latin typeface="Courier New" pitchFamily="49" charset="0"/>
+                <a:cs typeface="Courier New" pitchFamily="49" charset="0"/>
+              </a:rPr>
+              <a:t>'</a:t>
+            </a:r>
+            <a:r>
+              <a:rPr lang="en-US" sz="1600" dirty="0" smtClean="0">
+                <a:latin typeface="Courier New" pitchFamily="49" charset="0"/>
+                <a:cs typeface="Courier New" pitchFamily="49" charset="0"/>
+              </a:rPr>
+              <a:t>*b</a:t>
             </a:r>
           </a:p>
           <a:p>
@@ -8030,7 +8118,14 @@
                 <a:latin typeface="Courier New" pitchFamily="49" charset="0"/>
                 <a:cs typeface="Courier New" pitchFamily="49" charset="0"/>
               </a:rPr>
-              <a:t>&gt;&gt; c = a*b’</a:t>
+              <a:t>&gt;&gt; c = a*b</a:t>
+            </a:r>
+            <a:r>
+              <a:rPr lang="pt-BR" sz="1600" dirty="0">
+                <a:latin typeface="Courier New" pitchFamily="49" charset="0"/>
+                <a:cs typeface="Courier New" pitchFamily="49" charset="0"/>
+              </a:rPr>
+              <a:t>'</a:t>
             </a:r>
             <a:endParaRPr lang="he-IL" sz="1600" dirty="0" smtClean="0"/>
           </a:p>
@@ -8139,9 +8234,59 @@
         </p:xfrm>
         <a:graphic>
           <a:graphicData uri="http://schemas.openxmlformats.org/presentationml/2006/ole">
-            <p:oleObj spid="_x0000_s20487" name="Equation" r:id="rId3" imgW="2298700" imgH="711200" progId="Equation.DSMT4">
-              <p:embed/>
-            </p:oleObj>
+            <mc:AlternateContent xmlns:mc="http://schemas.openxmlformats.org/markup-compatibility/2006">
+              <mc:Choice xmlns:v="urn:schemas-microsoft-com:vml" Requires="v">
+                <p:oleObj spid="_x0000_s20508" name="Equation" r:id="rId3" imgW="2298700" imgH="711200" progId="Equation.DSMT4">
+                  <p:embed/>
+                </p:oleObj>
+              </mc:Choice>
+              <mc:Fallback>
+                <p:oleObj name="Equation" r:id="rId3" imgW="2298700" imgH="711200" progId="Equation.DSMT4">
+                  <p:embed/>
+                  <p:pic>
+                    <p:nvPicPr>
+                      <p:cNvPr id="0" name="Picture 7"/>
+                      <p:cNvPicPr>
+                        <a:picLocks noChangeAspect="1" noChangeArrowheads="1"/>
+                      </p:cNvPicPr>
+                      <p:nvPr/>
+                    </p:nvPicPr>
+                    <p:blipFill>
+                      <a:blip r:embed="rId4">
+                        <a:extLst>
+                          <a:ext uri="{28A0092B-C50C-407E-A947-70E740481C1C}">
+                            <a14:useLocalDpi xmlns:a14="http://schemas.microsoft.com/office/drawing/2010/main" val="0"/>
+                          </a:ext>
+                        </a:extLst>
+                      </a:blip>
+                      <a:srcRect/>
+                      <a:stretch>
+                        <a:fillRect/>
+                      </a:stretch>
+                    </p:blipFill>
+                    <p:spPr bwMode="auto">
+                      <a:xfrm>
+                        <a:off x="3797300" y="1716743"/>
+                        <a:ext cx="2527300" cy="787952"/>
+                      </a:xfrm>
+                      <a:prstGeom prst="rect">
+                        <a:avLst/>
+                      </a:prstGeom>
+                      <a:noFill/>
+                      <a:extLst>
+                        <a:ext uri="{909E8E84-426E-40DD-AFC4-6F175D3DCCD1}">
+                          <a14:hiddenFill xmlns:a14="http://schemas.microsoft.com/office/drawing/2010/main">
+                            <a:solidFill>
+                              <a:srgbClr val="FFFFFF"/>
+                            </a:solidFill>
+                          </a14:hiddenFill>
+                        </a:ext>
+                      </a:extLst>
+                    </p:spPr>
+                  </p:pic>
+                </p:oleObj>
+              </mc:Fallback>
+            </mc:AlternateContent>
           </a:graphicData>
         </a:graphic>
       </p:graphicFrame>
@@ -8159,9 +8304,59 @@
         </p:xfrm>
         <a:graphic>
           <a:graphicData uri="http://schemas.openxmlformats.org/presentationml/2006/ole">
-            <p:oleObj spid="_x0000_s20488" name="Equation" r:id="rId4" imgW="1435100" imgH="711200" progId="Equation.DSMT4">
-              <p:embed/>
-            </p:oleObj>
+            <mc:AlternateContent xmlns:mc="http://schemas.openxmlformats.org/markup-compatibility/2006">
+              <mc:Choice xmlns:v="urn:schemas-microsoft-com:vml" Requires="v">
+                <p:oleObj spid="_x0000_s20509" name="Equation" r:id="rId5" imgW="1435100" imgH="711200" progId="Equation.DSMT4">
+                  <p:embed/>
+                </p:oleObj>
+              </mc:Choice>
+              <mc:Fallback>
+                <p:oleObj name="Equation" r:id="rId5" imgW="1435100" imgH="711200" progId="Equation.DSMT4">
+                  <p:embed/>
+                  <p:pic>
+                    <p:nvPicPr>
+                      <p:cNvPr id="0" name="Picture 8"/>
+                      <p:cNvPicPr>
+                        <a:picLocks noChangeAspect="1" noChangeArrowheads="1"/>
+                      </p:cNvPicPr>
+                      <p:nvPr/>
+                    </p:nvPicPr>
+                    <p:blipFill>
+                      <a:blip r:embed="rId6">
+                        <a:extLst>
+                          <a:ext uri="{28A0092B-C50C-407E-A947-70E740481C1C}">
+                            <a14:useLocalDpi xmlns:a14="http://schemas.microsoft.com/office/drawing/2010/main" val="0"/>
+                          </a:ext>
+                        </a:extLst>
+                      </a:blip>
+                      <a:srcRect/>
+                      <a:stretch>
+                        <a:fillRect/>
+                      </a:stretch>
+                    </p:blipFill>
+                    <p:spPr bwMode="auto">
+                      <a:xfrm>
+                        <a:off x="2671882" y="3209368"/>
+                        <a:ext cx="1471683" cy="734704"/>
+                      </a:xfrm>
+                      <a:prstGeom prst="rect">
+                        <a:avLst/>
+                      </a:prstGeom>
+                      <a:noFill/>
+                      <a:extLst>
+                        <a:ext uri="{909E8E84-426E-40DD-AFC4-6F175D3DCCD1}">
+                          <a14:hiddenFill xmlns:a14="http://schemas.microsoft.com/office/drawing/2010/main">
+                            <a:solidFill>
+                              <a:srgbClr val="FFFFFF"/>
+                            </a:solidFill>
+                          </a14:hiddenFill>
+                        </a:ext>
+                      </a:extLst>
+                    </p:spPr>
+                  </p:pic>
+                </p:oleObj>
+              </mc:Fallback>
+            </mc:AlternateContent>
           </a:graphicData>
         </a:graphic>
       </p:graphicFrame>
@@ -8179,9 +8374,59 @@
         </p:xfrm>
         <a:graphic>
           <a:graphicData uri="http://schemas.openxmlformats.org/presentationml/2006/ole">
-            <p:oleObj spid="_x0000_s20489" name="Equation" r:id="rId5" imgW="1943100" imgH="711200" progId="Equation.DSMT4">
-              <p:embed/>
-            </p:oleObj>
+            <mc:AlternateContent xmlns:mc="http://schemas.openxmlformats.org/markup-compatibility/2006">
+              <mc:Choice xmlns:v="urn:schemas-microsoft-com:vml" Requires="v">
+                <p:oleObj spid="_x0000_s20510" name="Equation" r:id="rId7" imgW="1943100" imgH="711200" progId="Equation.DSMT4">
+                  <p:embed/>
+                </p:oleObj>
+              </mc:Choice>
+              <mc:Fallback>
+                <p:oleObj name="Equation" r:id="rId7" imgW="1943100" imgH="711200" progId="Equation.DSMT4">
+                  <p:embed/>
+                  <p:pic>
+                    <p:nvPicPr>
+                      <p:cNvPr id="0" name="Picture 9"/>
+                      <p:cNvPicPr>
+                        <a:picLocks noChangeAspect="1" noChangeArrowheads="1"/>
+                      </p:cNvPicPr>
+                      <p:nvPr/>
+                    </p:nvPicPr>
+                    <p:blipFill>
+                      <a:blip r:embed="rId8">
+                        <a:extLst>
+                          <a:ext uri="{28A0092B-C50C-407E-A947-70E740481C1C}">
+                            <a14:useLocalDpi xmlns:a14="http://schemas.microsoft.com/office/drawing/2010/main" val="0"/>
+                          </a:ext>
+                        </a:extLst>
+                      </a:blip>
+                      <a:srcRect/>
+                      <a:stretch>
+                        <a:fillRect/>
+                      </a:stretch>
+                    </p:blipFill>
+                    <p:spPr bwMode="auto">
+                      <a:xfrm>
+                        <a:off x="2667000" y="4026680"/>
+                        <a:ext cx="1892300" cy="697720"/>
+                      </a:xfrm>
+                      <a:prstGeom prst="rect">
+                        <a:avLst/>
+                      </a:prstGeom>
+                      <a:noFill/>
+                      <a:extLst>
+                        <a:ext uri="{909E8E84-426E-40DD-AFC4-6F175D3DCCD1}">
+                          <a14:hiddenFill xmlns:a14="http://schemas.microsoft.com/office/drawing/2010/main">
+                            <a:solidFill>
+                              <a:srgbClr val="FFFFFF"/>
+                            </a:solidFill>
+                          </a14:hiddenFill>
+                        </a:ext>
+                      </a:extLst>
+                    </p:spPr>
+                  </p:pic>
+                </p:oleObj>
+              </mc:Fallback>
+            </mc:AlternateContent>
           </a:graphicData>
         </a:graphic>
       </p:graphicFrame>
@@ -8594,7 +8839,14 @@
                 <a:latin typeface="Courier New" pitchFamily="49" charset="0"/>
                 <a:cs typeface="Courier New" pitchFamily="49" charset="0"/>
               </a:rPr>
-              <a:t>&gt;&gt;A = [1 2; 3 4]; inv(A) or A^(-1)</a:t>
+              <a:t>&gt;&gt;A = [1 2; 3 4]; inv(A) or A^(-1</a:t>
+            </a:r>
+            <a:r>
+              <a:rPr lang="en-US" sz="1400" dirty="0" smtClean="0">
+                <a:latin typeface="Courier New" pitchFamily="49" charset="0"/>
+                <a:cs typeface="Courier New" pitchFamily="49" charset="0"/>
+              </a:rPr>
+              <a:t>)     </a:t>
             </a:r>
             <a:endParaRPr lang="he-IL" sz="1800" dirty="0" smtClean="0">
               <a:latin typeface="Courier New" pitchFamily="49" charset="0"/>
@@ -8605,7 +8857,34 @@
             <a:pPr lvl="1"/>
             <a:r>
               <a:rPr lang="he-IL" sz="1800" dirty="0" smtClean="0"/>
-              <a:t>חלוקה שמאלית - \</a:t>
+              <a:t>חלוקה שמאלית - </a:t>
+            </a:r>
+            <a:r>
+              <a:rPr lang="he-IL" sz="1800" dirty="0" smtClean="0"/>
+              <a:t>\      פתרון מערכת המשוואות </a:t>
+            </a:r>
+            <a:r>
+              <a:rPr lang="en-US" sz="1800" dirty="0" smtClean="0"/>
+              <a:t>Ax=v</a:t>
+            </a:r>
+            <a:r>
+              <a:rPr lang="he-IL" sz="1800" dirty="0"/>
+              <a:t>:     </a:t>
+            </a:r>
+            <a:r>
+              <a:rPr lang="en-US" sz="1800" dirty="0" smtClean="0"/>
+              <a:t>                </a:t>
+            </a:r>
+            <a:r>
+              <a:rPr lang="he-IL" sz="1800" dirty="0" smtClean="0"/>
+              <a:t> </a:t>
+            </a:r>
+            <a:r>
+              <a:rPr lang="en-US" sz="1600" dirty="0" smtClean="0">
+                <a:latin typeface="Courier New" pitchFamily="49" charset="0"/>
+                <a:cs typeface="Courier New" pitchFamily="49" charset="0"/>
+              </a:rPr>
+              <a:t>&gt;&gt;x = A \ v;</a:t>
             </a:r>
             <a:endParaRPr lang="en-US" sz="1800" dirty="0" smtClean="0"/>
           </a:p>
@@ -8621,8 +8900,58 @@
             </a:r>
             <a:r>
               <a:rPr lang="he-IL" sz="1800" dirty="0" smtClean="0"/>
-              <a:t> (פחות שימושי)</a:t>
-            </a:r>
+              <a:t> (פחות שימושי</a:t>
+            </a:r>
+            <a:r>
+              <a:rPr lang="he-IL" sz="1800" dirty="0" smtClean="0"/>
+              <a:t>)</a:t>
+            </a:r>
+            <a:r>
+              <a:rPr lang="en-US" sz="1800" dirty="0" smtClean="0"/>
+              <a:t> </a:t>
+            </a:r>
+            <a:r>
+              <a:rPr lang="he-IL" sz="1800" dirty="0"/>
+              <a:t>פתרון מערכת המשוואות </a:t>
+            </a:r>
+            <a:r>
+              <a:rPr lang="en-US" sz="1800" dirty="0" smtClean="0"/>
+              <a:t>xA=B</a:t>
+            </a:r>
+            <a:r>
+              <a:rPr lang="he-IL" sz="1800" dirty="0" smtClean="0"/>
+              <a:t>:</a:t>
+            </a:r>
+            <a:r>
+              <a:rPr lang="en-US" sz="1800" dirty="0" smtClean="0"/>
+              <a:t>    </a:t>
+            </a:r>
+            <a:r>
+              <a:rPr lang="he-IL" sz="1800" dirty="0" smtClean="0"/>
+              <a:t> </a:t>
+            </a:r>
+            <a:r>
+              <a:rPr lang="en-US" sz="1600" dirty="0" smtClean="0">
+                <a:latin typeface="Courier New" pitchFamily="49" charset="0"/>
+                <a:cs typeface="Courier New" pitchFamily="49" charset="0"/>
+              </a:rPr>
+              <a:t>&gt;&gt;</a:t>
+            </a:r>
+            <a:r>
+              <a:rPr lang="en-US" sz="1600" dirty="0">
+                <a:latin typeface="Courier New" pitchFamily="49" charset="0"/>
+                <a:cs typeface="Courier New" pitchFamily="49" charset="0"/>
+              </a:rPr>
+              <a:t>x = </a:t>
+            </a:r>
+            <a:r>
+              <a:rPr lang="en-US" sz="1600" dirty="0" smtClean="0">
+                <a:latin typeface="Courier New" pitchFamily="49" charset="0"/>
+                <a:cs typeface="Courier New" pitchFamily="49" charset="0"/>
+              </a:rPr>
+              <a:t>B \ A;</a:t>
+            </a:r>
+            <a:endParaRPr lang="he-IL" sz="1800" dirty="0" smtClean="0"/>
           </a:p>
           <a:p>
             <a:endParaRPr lang="en-US" sz="2000" dirty="0" smtClean="0"/>
@@ -8632,6 +8961,7 @@
               <a:rPr lang="he-IL" sz="2000" dirty="0" smtClean="0"/>
               <a:t>תרגילים</a:t>
             </a:r>
+            <a:endParaRPr lang="he-IL" sz="2000" dirty="0" smtClean="0"/>
           </a:p>
           <a:p>
             <a:pPr lvl="1"/>
@@ -9247,9 +9577,59 @@
         </p:xfrm>
         <a:graphic>
           <a:graphicData uri="http://schemas.openxmlformats.org/presentationml/2006/ole">
-            <p:oleObj spid="_x0000_s18437" name="Equation" r:id="rId3" imgW="558558" imgH="177723" progId="Equation.DSMT4">
-              <p:embed/>
-            </p:oleObj>
+            <mc:AlternateContent xmlns:mc="http://schemas.openxmlformats.org/markup-compatibility/2006">
+              <mc:Choice xmlns:v="urn:schemas-microsoft-com:vml" Requires="v">
+                <p:oleObj spid="_x0000_s18451" name="Equation" r:id="rId3" imgW="558558" imgH="177723" progId="Equation.DSMT4">
+                  <p:embed/>
+                </p:oleObj>
+              </mc:Choice>
+              <mc:Fallback>
+                <p:oleObj name="Equation" r:id="rId3" imgW="558558" imgH="177723" progId="Equation.DSMT4">
+                  <p:embed/>
+                  <p:pic>
+                    <p:nvPicPr>
+                      <p:cNvPr id="0" name="Picture 5"/>
+                      <p:cNvPicPr>
+                        <a:picLocks noChangeAspect="1" noChangeArrowheads="1"/>
+                      </p:cNvPicPr>
+                      <p:nvPr/>
+                    </p:nvPicPr>
+                    <p:blipFill>
+                      <a:blip r:embed="rId4">
+                        <a:extLst>
+                          <a:ext uri="{28A0092B-C50C-407E-A947-70E740481C1C}">
+                            <a14:useLocalDpi xmlns:a14="http://schemas.microsoft.com/office/drawing/2010/main" val="0"/>
+                          </a:ext>
+                        </a:extLst>
+                      </a:blip>
+                      <a:srcRect/>
+                      <a:stretch>
+                        <a:fillRect/>
+                      </a:stretch>
+                    </p:blipFill>
+                    <p:spPr bwMode="auto">
+                      <a:xfrm>
+                        <a:off x="867833" y="1828800"/>
+                        <a:ext cx="1037167" cy="333375"/>
+                      </a:xfrm>
+                      <a:prstGeom prst="rect">
+                        <a:avLst/>
+                      </a:prstGeom>
+                      <a:noFill/>
+                      <a:extLst>
+                        <a:ext uri="{909E8E84-426E-40DD-AFC4-6F175D3DCCD1}">
+                          <a14:hiddenFill xmlns:a14="http://schemas.microsoft.com/office/drawing/2010/main">
+                            <a:solidFill>
+                              <a:srgbClr val="FFFFFF"/>
+                            </a:solidFill>
+                          </a14:hiddenFill>
+                        </a:ext>
+                      </a:extLst>
+                    </p:spPr>
+                  </p:pic>
+                </p:oleObj>
+              </mc:Fallback>
+            </mc:AlternateContent>
           </a:graphicData>
         </a:graphic>
       </p:graphicFrame>
@@ -9267,9 +9647,59 @@
         </p:xfrm>
         <a:graphic>
           <a:graphicData uri="http://schemas.openxmlformats.org/presentationml/2006/ole">
-            <p:oleObj spid="_x0000_s18438" name="Equation" r:id="rId4" imgW="723586" imgH="203112" progId="Equation.DSMT4">
-              <p:embed/>
-            </p:oleObj>
+            <mc:AlternateContent xmlns:mc="http://schemas.openxmlformats.org/markup-compatibility/2006">
+              <mc:Choice xmlns:v="urn:schemas-microsoft-com:vml" Requires="v">
+                <p:oleObj spid="_x0000_s18452" name="Equation" r:id="rId5" imgW="723586" imgH="203112" progId="Equation.DSMT4">
+                  <p:embed/>
+                </p:oleObj>
+              </mc:Choice>
+              <mc:Fallback>
+                <p:oleObj name="Equation" r:id="rId5" imgW="723586" imgH="203112" progId="Equation.DSMT4">
+                  <p:embed/>
+                  <p:pic>
+                    <p:nvPicPr>
+                      <p:cNvPr id="0" name="Picture 6"/>
+                      <p:cNvPicPr>
+                        <a:picLocks noChangeAspect="1" noChangeArrowheads="1"/>
+                      </p:cNvPicPr>
+                      <p:nvPr/>
+                    </p:nvPicPr>
+                    <p:blipFill>
+                      <a:blip r:embed="rId6">
+                        <a:extLst>
+                          <a:ext uri="{28A0092B-C50C-407E-A947-70E740481C1C}">
+                            <a14:useLocalDpi xmlns:a14="http://schemas.microsoft.com/office/drawing/2010/main" val="0"/>
+                          </a:ext>
+                        </a:extLst>
+                      </a:blip>
+                      <a:srcRect/>
+                      <a:stretch>
+                        <a:fillRect/>
+                      </a:stretch>
+                    </p:blipFill>
+                    <p:spPr bwMode="auto">
+                      <a:xfrm>
+                        <a:off x="919900" y="2133600"/>
+                        <a:ext cx="1344830" cy="381000"/>
+                      </a:xfrm>
+                      <a:prstGeom prst="rect">
+                        <a:avLst/>
+                      </a:prstGeom>
+                      <a:noFill/>
+                      <a:extLst>
+                        <a:ext uri="{909E8E84-426E-40DD-AFC4-6F175D3DCCD1}">
+                          <a14:hiddenFill xmlns:a14="http://schemas.microsoft.com/office/drawing/2010/main">
+                            <a:solidFill>
+                              <a:srgbClr val="FFFFFF"/>
+                            </a:solidFill>
+                          </a14:hiddenFill>
+                        </a:ext>
+                      </a:extLst>
+                    </p:spPr>
+                  </p:pic>
+                </p:oleObj>
+              </mc:Fallback>
+            </mc:AlternateContent>
           </a:graphicData>
         </a:graphic>
       </p:graphicFrame>
@@ -9499,10 +9929,16 @@
           <p:cNvGraphicFramePr>
             <a:graphicFrameLocks noGrp="1"/>
           </p:cNvGraphicFramePr>
-          <p:nvPr/>
+          <p:nvPr>
+            <p:extLst>
+              <p:ext uri="{D42A27DB-BD31-4B8C-83A1-F6EECF244321}">
+                <p14:modId xmlns:p14="http://schemas.microsoft.com/office/powerpoint/2010/main" val="2966590996"/>
+              </p:ext>
+            </p:extLst>
+          </p:nvPr>
         </p:nvGraphicFramePr>
         <p:xfrm>
-          <a:off x="457200" y="4876800"/>
+          <a:off x="533398" y="4572000"/>
           <a:ext cx="3276602" cy="731520"/>
         </p:xfrm>
         <a:graphic>
@@ -10650,15 +11086,7 @@
           <a:p>
             <a:r>
               <a:rPr lang="he-IL" sz="2000" dirty="0" smtClean="0"/>
-              <a:t>בונוס: מהו </a:t>
-            </a:r>
-            <a:r>
-              <a:rPr lang="he-IL" sz="2000" dirty="0" smtClean="0"/>
-              <a:t>מספר </a:t>
-            </a:r>
-            <a:r>
-              <a:rPr lang="he-IL" sz="2000" dirty="0" smtClean="0"/>
-              <a:t>המדידות הנדרש כדי לקבל שגיאה מכסימלית של </a:t>
+              <a:t>בונוס: מהו מספר המדידות הנדרש כדי לקבל שגיאה מכסימלית של </a:t>
             </a:r>
             <a:r>
               <a:rPr lang="en-US" sz="2000" dirty="0" smtClean="0"/>
@@ -11582,7 +12010,21 @@
                 <a:latin typeface="Courier New" pitchFamily="49" charset="0"/>
                 <a:cs typeface="Courier New" pitchFamily="49" charset="0"/>
               </a:rPr>
-              <a:t>t = [0:0.1:50]’;</a:t>
+              <a:t>t = [0:0.1:50]</a:t>
+            </a:r>
+            <a:r>
+              <a:rPr lang="pt-BR" sz="1700" dirty="0" smtClean="0">
+                <a:latin typeface="Courier New" pitchFamily="49" charset="0"/>
+                <a:cs typeface="Courier New" pitchFamily="49" charset="0"/>
+              </a:rPr>
+              <a:t>'</a:t>
+            </a:r>
+            <a:r>
+              <a:rPr lang="en-US" sz="1700" dirty="0" smtClean="0">
+                <a:latin typeface="Courier New" pitchFamily="49" charset="0"/>
+                <a:cs typeface="Courier New" pitchFamily="49" charset="0"/>
+              </a:rPr>
+              <a:t>;</a:t>
             </a:r>
           </a:p>
           <a:p>
@@ -12003,13 +12445,8 @@
           <a:p>
             <a:r>
               <a:rPr lang="he-IL" dirty="0" smtClean="0"/>
-              <a:t>חומר </a:t>
-            </a:r>
-            <a:r>
-              <a:rPr lang="he-IL" dirty="0" smtClean="0"/>
-              <a:t>עזר</a:t>
-            </a:r>
-            <a:endParaRPr lang="he-IL" dirty="0" smtClean="0"/>
+              <a:t>חומר עזר</a:t>
+            </a:r>
           </a:p>
           <a:p>
             <a:pPr lvl="1"/>
@@ -12027,13 +12464,7 @@
               <a:rPr lang="en-US" sz="2000" dirty="0" smtClean="0">
                 <a:hlinkClick r:id="rId4"/>
               </a:rPr>
-              <a:t>http://www.mathworks.com</a:t>
-            </a:r>
-            <a:r>
-              <a:rPr lang="en-US" sz="2000" dirty="0" smtClean="0">
-                <a:hlinkClick r:id="rId4"/>
-              </a:rPr>
-              <a:t>/</a:t>
+              <a:t>http://www.mathworks.com/</a:t>
             </a:r>
             <a:endParaRPr lang="en-US" sz="2000" dirty="0" smtClean="0"/>
           </a:p>
@@ -12072,11 +12503,7 @@
           <a:p>
             <a:r>
               <a:rPr lang="he-IL" dirty="0" smtClean="0"/>
-              <a:t>הפקודה </a:t>
-            </a:r>
-            <a:r>
-              <a:rPr lang="he-IL" dirty="0" smtClean="0"/>
-              <a:t>החשובה ביותר עליכם לזכור: </a:t>
+              <a:t>הפקודה החשובה ביותר עליכם לזכור: </a:t>
             </a:r>
             <a:r>
               <a:rPr lang="en-US" dirty="0" smtClean="0"/>
@@ -12917,17 +13344,12 @@
             </a:pPr>
             <a:r>
               <a:rPr lang="en-US" dirty="0" smtClean="0"/>
-              <a:t>reshape(A,length(A),1</a:t>
-            </a:r>
-            <a:r>
-              <a:rPr lang="en-US" dirty="0" smtClean="0"/>
-              <a:t>)</a:t>
+              <a:t>reshape(A,numel(A),1)</a:t>
             </a:r>
             <a:r>
               <a:rPr lang="he-IL" dirty="0" smtClean="0"/>
               <a:t> ?</a:t>
             </a:r>
-            <a:endParaRPr lang="he-IL" dirty="0" smtClean="0"/>
           </a:p>
           <a:p>
             <a:endParaRPr lang="en-US" dirty="0"/>
@@ -13313,1188 +13735,6 @@
 </file>
 
 <file path=ppt/slides/slide38.xml><?xml version="1.0" encoding="utf-8"?>
-<p:sld xmlns:a="http://schemas.openxmlformats.org/drawingml/2006/main" xmlns:r="http://schemas.openxmlformats.org/officeDocument/2006/relationships" xmlns:p="http://schemas.openxmlformats.org/presentationml/2006/main">
-  <p:cSld>
-    <p:spTree>
-      <p:nvGrpSpPr>
-        <p:cNvPr id="1" name=""/>
-        <p:cNvGrpSpPr/>
-        <p:nvPr/>
-      </p:nvGrpSpPr>
-      <p:grpSpPr>
-        <a:xfrm>
-          <a:off x="0" y="0"/>
-          <a:ext cx="0" cy="0"/>
-          <a:chOff x="0" y="0"/>
-          <a:chExt cx="0" cy="0"/>
-        </a:xfrm>
-      </p:grpSpPr>
-      <p:sp>
-        <p:nvSpPr>
-          <p:cNvPr id="2" name="Title 1"/>
-          <p:cNvSpPr>
-            <a:spLocks noGrp="1"/>
-          </p:cNvSpPr>
-          <p:nvPr>
-            <p:ph type="title"/>
-          </p:nvPr>
-        </p:nvSpPr>
-        <p:spPr/>
-        <p:txBody>
-          <a:bodyPr/>
-          <a:lstStyle/>
-          <a:p>
-            <a:r>
-              <a:rPr lang="he-IL" dirty="0" smtClean="0"/>
-              <a:t>תרגילים</a:t>
-            </a:r>
-            <a:endParaRPr lang="en-US" dirty="0"/>
-          </a:p>
-        </p:txBody>
-      </p:sp>
-      <p:sp>
-        <p:nvSpPr>
-          <p:cNvPr id="3" name="Content Placeholder 2"/>
-          <p:cNvSpPr>
-            <a:spLocks noGrp="1"/>
-          </p:cNvSpPr>
-          <p:nvPr>
-            <p:ph idx="1"/>
-          </p:nvPr>
-        </p:nvSpPr>
-        <p:spPr>
-          <a:xfrm>
-            <a:off x="457200" y="1447800"/>
-            <a:ext cx="8229600" cy="5029200"/>
-          </a:xfrm>
-        </p:spPr>
-        <p:txBody>
-          <a:bodyPr>
-            <a:noAutofit/>
-          </a:bodyPr>
-          <a:lstStyle/>
-          <a:p>
-            <a:pPr>
-              <a:buNone/>
-            </a:pPr>
-            <a:r>
-              <a:rPr lang="he-IL" sz="2000" u="sng" dirty="0" smtClean="0"/>
-              <a:t>תרגיל 1</a:t>
-            </a:r>
-          </a:p>
-          <a:p>
-            <a:r>
-              <a:rPr lang="he-IL" sz="2000" dirty="0" smtClean="0"/>
-              <a:t>צרו באופן הקצר ביותר סדרה הנדסית על בסיס 2, כלומר:</a:t>
-            </a:r>
-          </a:p>
-          <a:p>
-            <a:pPr algn="l" rtl="0">
-              <a:buNone/>
-            </a:pPr>
-            <a:r>
-              <a:rPr lang="en-US" sz="2000" dirty="0" smtClean="0"/>
-              <a:t>a(n+1) = 2*a(n), n=1,…,10</a:t>
-            </a:r>
-          </a:p>
-          <a:p>
-            <a:pPr algn="l" rtl="0">
-              <a:buNone/>
-            </a:pPr>
-            <a:r>
-              <a:rPr lang="en-US" sz="2000" dirty="0" smtClean="0"/>
-              <a:t>a(0) = 1</a:t>
-            </a:r>
-          </a:p>
-          <a:p>
-            <a:pPr>
-              <a:buNone/>
-            </a:pPr>
-            <a:r>
-              <a:rPr lang="he-IL" sz="2000" u="sng" dirty="0" smtClean="0"/>
-              <a:t>תרגיל 2</a:t>
-            </a:r>
-          </a:p>
-          <a:p>
-            <a:r>
-              <a:rPr lang="he-IL" sz="2000" dirty="0" smtClean="0"/>
-              <a:t>צרו וקטור </a:t>
-            </a:r>
-            <a:r>
-              <a:rPr lang="en-US" sz="2000" dirty="0" smtClean="0"/>
-              <a:t>t </a:t>
-            </a:r>
-            <a:r>
-              <a:rPr lang="he-IL" sz="2000" dirty="0" smtClean="0"/>
-              <a:t> באורך 250 מ-0 עד 1, השתמשו ב </a:t>
-            </a:r>
-            <a:r>
-              <a:rPr lang="en-US" sz="2000" dirty="0" smtClean="0"/>
-              <a:t>linspace </a:t>
-            </a:r>
-            <a:r>
-              <a:rPr lang="he-IL" sz="2000" dirty="0" smtClean="0"/>
-              <a:t>. בעזרת  </a:t>
-            </a:r>
-            <a:r>
-              <a:rPr lang="en-US" sz="2000" dirty="0" smtClean="0"/>
-              <a:t>t</a:t>
-            </a:r>
-            <a:r>
-              <a:rPr lang="he-IL" sz="2000" dirty="0" smtClean="0"/>
-              <a:t> צרו וקטור סינוס בשם </a:t>
-            </a:r>
-            <a:r>
-              <a:rPr lang="en-US" sz="2000" dirty="0" smtClean="0"/>
-              <a:t>sin6</a:t>
-            </a:r>
-            <a:r>
-              <a:rPr lang="he-IL" sz="2000" dirty="0" smtClean="0"/>
-              <a:t> שיכיל 6 מחזורים (אל תשכחן להכפיל ב-</a:t>
-            </a:r>
-            <a:r>
-              <a:rPr lang="en-US" sz="2000" dirty="0" smtClean="0"/>
-              <a:t>2</a:t>
-            </a:r>
-            <a:r>
-              <a:rPr lang="en-US" sz="2000" dirty="0" smtClean="0">
-                <a:sym typeface="Symbol"/>
-              </a:rPr>
-              <a:t></a:t>
-            </a:r>
-            <a:r>
-              <a:rPr lang="he-IL" sz="2000" dirty="0" smtClean="0">
-                <a:sym typeface="Symbol"/>
-              </a:rPr>
-              <a:t>). הציגו את </a:t>
-            </a:r>
-            <a:r>
-              <a:rPr lang="en-US" sz="2000" dirty="0" smtClean="0">
-                <a:sym typeface="Symbol"/>
-              </a:rPr>
-              <a:t>sin6</a:t>
-            </a:r>
-            <a:r>
-              <a:rPr lang="he-IL" sz="2000" dirty="0" smtClean="0">
-                <a:sym typeface="Symbol"/>
-              </a:rPr>
-              <a:t> בעזרת </a:t>
-            </a:r>
-            <a:r>
-              <a:rPr lang="en-US" sz="2000" dirty="0" smtClean="0">
-                <a:sym typeface="Symbol"/>
-              </a:rPr>
-              <a:t>plot(t,sin6)</a:t>
-            </a:r>
-            <a:r>
-              <a:rPr lang="he-IL" sz="2000" dirty="0" smtClean="0">
-                <a:sym typeface="Symbol"/>
-              </a:rPr>
-              <a:t> כאשר ציר ה-</a:t>
-            </a:r>
-            <a:r>
-              <a:rPr lang="en-US" sz="2000" dirty="0" smtClean="0">
-                <a:sym typeface="Symbol"/>
-              </a:rPr>
-              <a:t>x</a:t>
-            </a:r>
-            <a:r>
-              <a:rPr lang="he-IL" sz="2000" dirty="0" smtClean="0">
-                <a:sym typeface="Symbol"/>
-              </a:rPr>
-              <a:t> נע בין 0 ל-1.</a:t>
-            </a:r>
-          </a:p>
-          <a:p>
-            <a:r>
-              <a:rPr lang="he-IL" sz="2000" dirty="0" smtClean="0"/>
-              <a:t>כעת צרו וקטור </a:t>
-            </a:r>
-            <a:r>
-              <a:rPr lang="en-US" sz="2000" dirty="0" smtClean="0"/>
-              <a:t>sin7</a:t>
-            </a:r>
-            <a:r>
-              <a:rPr lang="he-IL" sz="2000" dirty="0" smtClean="0"/>
-              <a:t> בעל 7 מחזורים. צרו מטריצה בגודל </a:t>
-            </a:r>
-            <a:r>
-              <a:rPr lang="en-US" sz="2000" dirty="0" smtClean="0"/>
-              <a:t>250x2</a:t>
-            </a:r>
-            <a:r>
-              <a:rPr lang="he-IL" sz="2000" dirty="0" smtClean="0"/>
-              <a:t> ש-</a:t>
-            </a:r>
-            <a:r>
-              <a:rPr lang="en-US" sz="2000" dirty="0" smtClean="0"/>
-              <a:t>sin6</a:t>
-            </a:r>
-            <a:r>
-              <a:rPr lang="he-IL" sz="2000" dirty="0" smtClean="0"/>
-              <a:t> הינו וקטור עמודה אחד שלה ו-</a:t>
-            </a:r>
-            <a:r>
-              <a:rPr lang="en-US" sz="2000" dirty="0" smtClean="0"/>
-              <a:t>sin7</a:t>
-            </a:r>
-            <a:r>
-              <a:rPr lang="he-IL" sz="2000" dirty="0" smtClean="0"/>
-              <a:t> הינו וקטור עמודה שני. הציגו  </a:t>
-            </a:r>
-            <a:r>
-              <a:rPr lang="en-US" sz="2000" dirty="0" smtClean="0"/>
-              <a:t>plot(t,sins)</a:t>
-            </a:r>
-            <a:endParaRPr lang="he-IL" sz="2000" dirty="0" smtClean="0"/>
-          </a:p>
-          <a:p>
-            <a:pPr>
-              <a:buNone/>
-            </a:pPr>
-            <a:r>
-              <a:rPr lang="he-IL" sz="2000" u="sng" dirty="0" smtClean="0"/>
-              <a:t>תרגיל 3</a:t>
-            </a:r>
-          </a:p>
-          <a:p>
-            <a:r>
-              <a:rPr lang="he-IL" sz="2000" dirty="0" smtClean="0"/>
-              <a:t>צרו מטריצה שהיא לוח הכפל אך שכל הערכים הקטנים מ- 20 והגדולים מ- 70 מתאפסים. מצאו את כל המיקומים במטריצה </a:t>
-            </a:r>
-            <a:r>
-              <a:rPr lang="en-US" sz="2000" dirty="0" smtClean="0"/>
-              <a:t>kefel</a:t>
-            </a:r>
-            <a:r>
-              <a:rPr lang="he-IL" sz="2000" dirty="0" smtClean="0"/>
-              <a:t> בהם הערך גדול שווה ל- 81 (שימו לב שהתוצאה מתייחסת ל-</a:t>
-            </a:r>
-            <a:r>
-              <a:rPr lang="en-US" sz="2000" dirty="0" smtClean="0"/>
-              <a:t>kefel </a:t>
-            </a:r>
-            <a:r>
-              <a:rPr lang="he-IL" sz="2000" dirty="0" smtClean="0"/>
-              <a:t>בתור וקטור ולא בתור מטריצה). להתמרת האינדקסים המתקבלים השתמשו </a:t>
-            </a:r>
-            <a:r>
-              <a:rPr lang="he-IL" sz="2000" dirty="0" smtClean="0"/>
-              <a:t>ב-</a:t>
-            </a:r>
-            <a:r>
-              <a:rPr lang="en-US" sz="2000" dirty="0" smtClean="0"/>
-              <a:t>ind2sub</a:t>
-            </a:r>
-            <a:r>
-              <a:rPr lang="he-IL" sz="2000" dirty="0" smtClean="0"/>
-              <a:t> </a:t>
-            </a:r>
-            <a:r>
-              <a:rPr lang="he-IL" sz="2000" dirty="0" smtClean="0"/>
-              <a:t>או כתבו לבד את כלל ההתמרה</a:t>
-            </a:r>
-          </a:p>
-        </p:txBody>
-      </p:sp>
-    </p:spTree>
-  </p:cSld>
-  <p:clrMapOvr>
-    <a:masterClrMapping/>
-  </p:clrMapOvr>
-  <p:timing>
-    <p:tnLst>
-      <p:par>
-        <p:cTn id="1" dur="indefinite" restart="never" nodeType="tmRoot"/>
-      </p:par>
-    </p:tnLst>
-  </p:timing>
-</p:sld>
-</file>
-
-<file path=ppt/slides/slide39.xml><?xml version="1.0" encoding="utf-8"?>
-<p:sld xmlns:a="http://schemas.openxmlformats.org/drawingml/2006/main" xmlns:r="http://schemas.openxmlformats.org/officeDocument/2006/relationships" xmlns:p="http://schemas.openxmlformats.org/presentationml/2006/main">
-  <p:cSld>
-    <p:spTree>
-      <p:nvGrpSpPr>
-        <p:cNvPr id="1" name=""/>
-        <p:cNvGrpSpPr/>
-        <p:nvPr/>
-      </p:nvGrpSpPr>
-      <p:grpSpPr>
-        <a:xfrm>
-          <a:off x="0" y="0"/>
-          <a:ext cx="0" cy="0"/>
-          <a:chOff x="0" y="0"/>
-          <a:chExt cx="0" cy="0"/>
-        </a:xfrm>
-      </p:grpSpPr>
-      <p:sp>
-        <p:nvSpPr>
-          <p:cNvPr id="2" name="Title 1"/>
-          <p:cNvSpPr>
-            <a:spLocks noGrp="1"/>
-          </p:cNvSpPr>
-          <p:nvPr>
-            <p:ph type="title"/>
-          </p:nvPr>
-        </p:nvSpPr>
-        <p:spPr/>
-        <p:txBody>
-          <a:bodyPr/>
-          <a:lstStyle/>
-          <a:p>
-            <a:r>
-              <a:rPr lang="he-IL" dirty="0" smtClean="0"/>
-              <a:t>תרגילים</a:t>
-            </a:r>
-            <a:endParaRPr lang="en-US" dirty="0"/>
-          </a:p>
-        </p:txBody>
-      </p:sp>
-      <p:sp>
-        <p:nvSpPr>
-          <p:cNvPr id="3" name="Content Placeholder 2"/>
-          <p:cNvSpPr>
-            <a:spLocks noGrp="1"/>
-          </p:cNvSpPr>
-          <p:nvPr>
-            <p:ph idx="1"/>
-          </p:nvPr>
-        </p:nvSpPr>
-        <p:spPr>
-          <a:xfrm>
-            <a:off x="228600" y="1447800"/>
-            <a:ext cx="8458200" cy="4953000"/>
-          </a:xfrm>
-        </p:spPr>
-        <p:txBody>
-          <a:bodyPr>
-            <a:noAutofit/>
-          </a:bodyPr>
-          <a:lstStyle/>
-          <a:p>
-            <a:pPr>
-              <a:buNone/>
-            </a:pPr>
-            <a:r>
-              <a:rPr lang="he-IL" sz="2000" u="sng" dirty="0" smtClean="0"/>
-              <a:t>תרגיל 4</a:t>
-            </a:r>
-          </a:p>
-          <a:p>
-            <a:r>
-              <a:rPr lang="he-IL" sz="2000" dirty="0" smtClean="0"/>
-              <a:t>צרו מטריצה נורמלית אקראית בגודל [</a:t>
-            </a:r>
-            <a:r>
-              <a:rPr lang="en-US" sz="2000" dirty="0" smtClean="0"/>
-              <a:t>10x5x3</a:t>
-            </a:r>
-            <a:r>
-              <a:rPr lang="he-IL" sz="2000" dirty="0" smtClean="0"/>
-              <a:t>] בעזרת הפקודה </a:t>
-            </a:r>
-            <a:r>
-              <a:rPr lang="en-US" sz="2000" dirty="0" smtClean="0"/>
-              <a:t>randn</a:t>
-            </a:r>
-            <a:r>
-              <a:rPr lang="he-IL" sz="2000" dirty="0" smtClean="0"/>
-              <a:t>. מצאו את המקסימום בערך המוחלט ואת מיקומו בעזרת הפקודות </a:t>
-            </a:r>
-            <a:r>
-              <a:rPr lang="en-US" sz="2000" dirty="0" smtClean="0"/>
-              <a:t>max ,abs </a:t>
-            </a:r>
-            <a:r>
-              <a:rPr lang="he-IL" sz="2000" dirty="0" smtClean="0"/>
-              <a:t> ו- </a:t>
-            </a:r>
-            <a:r>
-              <a:rPr lang="en-US" sz="2000" dirty="0" smtClean="0"/>
-              <a:t>int2sub</a:t>
-            </a:r>
-            <a:r>
-              <a:rPr lang="he-IL" sz="2000" dirty="0" smtClean="0"/>
-              <a:t>.</a:t>
-            </a:r>
-          </a:p>
-          <a:p>
-            <a:r>
-              <a:rPr lang="he-IL" sz="2000" dirty="0" smtClean="0"/>
-              <a:t>בצעו את אותה </a:t>
-            </a:r>
-            <a:r>
-              <a:rPr lang="he-IL" sz="2000" dirty="0" smtClean="0"/>
-              <a:t>הפעולה </a:t>
-            </a:r>
-            <a:r>
-              <a:rPr lang="he-IL" sz="2000" dirty="0" smtClean="0"/>
-              <a:t>תוך הפעלת הפונקציה </a:t>
-            </a:r>
-            <a:r>
-              <a:rPr lang="en-US" sz="2000" dirty="0" smtClean="0"/>
-              <a:t>max </a:t>
-            </a:r>
-            <a:r>
-              <a:rPr lang="he-IL" sz="2000" dirty="0" smtClean="0"/>
-              <a:t> פעם אחת בלבד.</a:t>
-            </a:r>
-          </a:p>
-          <a:p>
-            <a:pPr>
-              <a:buNone/>
-            </a:pPr>
-            <a:r>
-              <a:rPr lang="he-IL" sz="2000" u="sng" dirty="0" smtClean="0"/>
-              <a:t>תרגיל 5</a:t>
-            </a:r>
-          </a:p>
-          <a:p>
-            <a:r>
-              <a:rPr lang="he-IL" sz="2000" dirty="0" smtClean="0"/>
-              <a:t>צרו סדרת מספרים אקראית אחידה בתחום [</a:t>
-            </a:r>
-            <a:r>
-              <a:rPr lang="en-US" sz="2000" dirty="0" smtClean="0"/>
-              <a:t>-1 1</a:t>
-            </a:r>
-            <a:r>
-              <a:rPr lang="he-IL" sz="2000" dirty="0" smtClean="0"/>
-              <a:t>] באורך 99 בעזרת  </a:t>
-            </a:r>
-            <a:r>
-              <a:rPr lang="en-US" sz="2000" dirty="0" smtClean="0"/>
-              <a:t>.A=rand(99,1)</a:t>
-            </a:r>
-          </a:p>
-          <a:p>
-            <a:r>
-              <a:rPr lang="he-IL" sz="2000" dirty="0" smtClean="0"/>
-              <a:t>חשבו ממוצע (</a:t>
-            </a:r>
-            <a:r>
-              <a:rPr lang="en-US" sz="2000" dirty="0" smtClean="0"/>
-              <a:t>mean</a:t>
-            </a:r>
-            <a:r>
-              <a:rPr lang="he-IL" sz="2000" dirty="0" smtClean="0"/>
-              <a:t>) וסטיית תקן (</a:t>
-            </a:r>
-            <a:r>
-              <a:rPr lang="en-US" sz="2000" dirty="0" smtClean="0"/>
-              <a:t>std</a:t>
-            </a:r>
-            <a:r>
-              <a:rPr lang="he-IL" sz="2000" dirty="0" smtClean="0"/>
-              <a:t>) של כל תת-סדרה המורכבת מכל איבר שלישי. נסו לבצע זאת בפעולה אחת כשהוקטורים מסודרים במטריצה אחת.</a:t>
-            </a:r>
-          </a:p>
-          <a:p>
-            <a:r>
-              <a:rPr lang="he-IL" sz="2000" dirty="0" smtClean="0"/>
-              <a:t>השתמשו בפקודה </a:t>
-            </a:r>
-            <a:r>
-              <a:rPr lang="en-US" sz="2000" dirty="0" smtClean="0"/>
-              <a:t>sort</a:t>
-            </a:r>
-            <a:r>
-              <a:rPr lang="he-IL" sz="2000" dirty="0" smtClean="0"/>
-              <a:t> כדי למיין את </a:t>
-            </a:r>
-            <a:r>
-              <a:rPr lang="en-US" sz="2000" dirty="0" smtClean="0"/>
-              <a:t>A</a:t>
-            </a:r>
-            <a:r>
-              <a:rPr lang="he-IL" sz="2000" dirty="0" smtClean="0"/>
-              <a:t> מהמספר הקטן אל הגדול.</a:t>
-            </a:r>
-          </a:p>
-          <a:p>
-            <a:r>
-              <a:rPr lang="he-IL" sz="2000" dirty="0" smtClean="0"/>
-              <a:t>הפכו את כיוון </a:t>
-            </a:r>
-            <a:r>
-              <a:rPr lang="en-US" sz="2000" dirty="0" smtClean="0"/>
-              <a:t>A</a:t>
-            </a:r>
-            <a:r>
-              <a:rPr lang="he-IL" sz="2000" dirty="0" smtClean="0"/>
-              <a:t> כך שתהיה מהגדול אל הקטן וקחו את חמשת המספרים החיוביים הקטנים ביותר. ראינו קודם כיצד לבצע זאת בעזרת מערכי אינדקסים לוגיים. ניתן ומומלץ, לצורך התרגול, להשתמש בפונקצית </a:t>
-            </a:r>
-            <a:r>
-              <a:rPr lang="en-US" sz="2000" dirty="0" smtClean="0"/>
-              <a:t>find </a:t>
-            </a:r>
-            <a:r>
-              <a:rPr lang="he-IL" sz="2000" dirty="0" smtClean="0"/>
-              <a:t> כדי למצוא את האיבר השלילי הראשון ולחתוך את הסדרה החל ממנו:</a:t>
-            </a:r>
-          </a:p>
-          <a:p>
-            <a:pPr algn="l" rtl="0">
-              <a:buNone/>
-            </a:pPr>
-            <a:r>
-              <a:rPr lang="en-US" sz="2000" dirty="0" smtClean="0"/>
-              <a:t>first_neg_index = find(A&lt;0,1)</a:t>
-            </a:r>
-            <a:endParaRPr lang="en-US" sz="2000" dirty="0"/>
-          </a:p>
-        </p:txBody>
-      </p:sp>
-    </p:spTree>
-  </p:cSld>
-  <p:clrMapOvr>
-    <a:masterClrMapping/>
-  </p:clrMapOvr>
-  <p:timing>
-    <p:tnLst>
-      <p:par>
-        <p:cTn id="1" dur="indefinite" restart="never" nodeType="tmRoot"/>
-      </p:par>
-    </p:tnLst>
-  </p:timing>
-</p:sld>
-</file>
-
-<file path=ppt/slides/slide4.xml><?xml version="1.0" encoding="utf-8"?>
-<p:sld xmlns:a="http://schemas.openxmlformats.org/drawingml/2006/main" xmlns:r="http://schemas.openxmlformats.org/officeDocument/2006/relationships" xmlns:p="http://schemas.openxmlformats.org/presentationml/2006/main">
-  <p:cSld>
-    <p:spTree>
-      <p:nvGrpSpPr>
-        <p:cNvPr id="1" name=""/>
-        <p:cNvGrpSpPr/>
-        <p:nvPr/>
-      </p:nvGrpSpPr>
-      <p:grpSpPr>
-        <a:xfrm>
-          <a:off x="0" y="0"/>
-          <a:ext cx="0" cy="0"/>
-          <a:chOff x="0" y="0"/>
-          <a:chExt cx="0" cy="0"/>
-        </a:xfrm>
-      </p:grpSpPr>
-      <p:sp>
-        <p:nvSpPr>
-          <p:cNvPr id="2" name="Title 1"/>
-          <p:cNvSpPr>
-            <a:spLocks noGrp="1"/>
-          </p:cNvSpPr>
-          <p:nvPr>
-            <p:ph type="title"/>
-          </p:nvPr>
-        </p:nvSpPr>
-        <p:spPr/>
-        <p:txBody>
-          <a:bodyPr/>
-          <a:lstStyle/>
-          <a:p>
-            <a:r>
-              <a:rPr lang="he-IL" dirty="0" smtClean="0"/>
-              <a:t>מהו </a:t>
-            </a:r>
-            <a:r>
-              <a:rPr smtClean="0"/>
-              <a:t>MATLAB</a:t>
-            </a:r>
-            <a:r>
-              <a:rPr lang="he-IL" dirty="0" smtClean="0"/>
-              <a:t>?</a:t>
-            </a:r>
-            <a:endParaRPr lang="en-US" dirty="0"/>
-          </a:p>
-        </p:txBody>
-      </p:sp>
-      <p:sp>
-        <p:nvSpPr>
-          <p:cNvPr id="3" name="Content Placeholder 2"/>
-          <p:cNvSpPr>
-            <a:spLocks noGrp="1"/>
-          </p:cNvSpPr>
-          <p:nvPr>
-            <p:ph idx="1"/>
-          </p:nvPr>
-        </p:nvSpPr>
-        <p:spPr/>
-        <p:txBody>
-          <a:bodyPr/>
-          <a:lstStyle/>
-          <a:p>
-            <a:r>
-              <a:rPr lang="en-US" dirty="0" smtClean="0"/>
-              <a:t>MATrix LABoratory</a:t>
-            </a:r>
-            <a:r>
-              <a:rPr lang="he-IL" dirty="0" smtClean="0"/>
-              <a:t> – חזק מאוד בפעולות מתמטיות</a:t>
-            </a:r>
-          </a:p>
-          <a:p>
-            <a:r>
-              <a:rPr lang="he-IL" dirty="0" smtClean="0"/>
-              <a:t>מבוסס שפת </a:t>
-            </a:r>
-            <a:r>
-              <a:rPr lang="en-US" dirty="0" smtClean="0"/>
-              <a:t>C</a:t>
-            </a:r>
-            <a:r>
-              <a:rPr lang="he-IL" dirty="0" smtClean="0"/>
-              <a:t> ו-</a:t>
-            </a:r>
-            <a:r>
-              <a:rPr lang="en-US" dirty="0" smtClean="0"/>
-              <a:t>JAVA</a:t>
-            </a:r>
-            <a:endParaRPr lang="he-IL" dirty="0" smtClean="0"/>
-          </a:p>
-          <a:p>
-            <a:r>
-              <a:rPr lang="he-IL" dirty="0" smtClean="0"/>
-              <a:t>מרבית הפעולות המתמטיות ממומשות בקבצי </a:t>
-            </a:r>
-            <a:r>
-              <a:rPr lang="en-US" dirty="0" smtClean="0"/>
-              <a:t>dll</a:t>
-            </a:r>
-            <a:endParaRPr lang="he-IL" dirty="0" smtClean="0"/>
-          </a:p>
-          <a:p>
-            <a:r>
-              <a:rPr lang="en-US" dirty="0" smtClean="0"/>
-              <a:t>Interpreter</a:t>
-            </a:r>
-            <a:r>
-              <a:rPr lang="he-IL" dirty="0" smtClean="0"/>
-              <a:t> (אינו מצריך קומפילציה) - מקצר את שלב הפיתוח</a:t>
-            </a:r>
-          </a:p>
-          <a:p>
-            <a:r>
-              <a:rPr lang="he-IL" dirty="0" smtClean="0"/>
-              <a:t>מצוין ל </a:t>
-            </a:r>
-            <a:r>
-              <a:rPr lang="en-US" dirty="0" smtClean="0"/>
-              <a:t>post processing</a:t>
-            </a:r>
-            <a:r>
-              <a:rPr lang="he-IL" dirty="0" smtClean="0"/>
-              <a:t>, פחות מומלץ ל </a:t>
-            </a:r>
-            <a:r>
-              <a:rPr lang="en-US" dirty="0" smtClean="0"/>
-              <a:t>real time</a:t>
-            </a:r>
-            <a:endParaRPr lang="he-IL" dirty="0" smtClean="0"/>
-          </a:p>
-          <a:p>
-            <a:r>
-              <a:rPr lang="he-IL" dirty="0" smtClean="0"/>
-              <a:t>3 סוגי קבצים:</a:t>
-            </a:r>
-          </a:p>
-          <a:p>
-            <a:pPr lvl="1"/>
-            <a:r>
-              <a:rPr lang="he-IL" dirty="0" smtClean="0"/>
-              <a:t>קבצי קוד - </a:t>
-            </a:r>
-            <a:r>
-              <a:rPr lang="en-US" dirty="0" smtClean="0"/>
-              <a:t>.m</a:t>
-            </a:r>
-            <a:endParaRPr lang="he-IL" dirty="0" smtClean="0"/>
-          </a:p>
-          <a:p>
-            <a:pPr lvl="1"/>
-            <a:r>
-              <a:rPr lang="he-IL" dirty="0" smtClean="0"/>
-              <a:t>קבצי נתונים - </a:t>
-            </a:r>
-            <a:r>
-              <a:rPr lang="en-US" dirty="0" smtClean="0"/>
-              <a:t>.mat</a:t>
-            </a:r>
-            <a:endParaRPr lang="he-IL" dirty="0" smtClean="0"/>
-          </a:p>
-          <a:p>
-            <a:pPr lvl="1"/>
-            <a:r>
-              <a:rPr lang="he-IL" dirty="0" smtClean="0"/>
-              <a:t>קבצי גרפים - </a:t>
-            </a:r>
-            <a:r>
-              <a:rPr lang="en-US" dirty="0" smtClean="0"/>
-              <a:t>.fig</a:t>
-            </a:r>
-            <a:endParaRPr lang="he-IL" dirty="0" smtClean="0"/>
-          </a:p>
-        </p:txBody>
-      </p:sp>
-    </p:spTree>
-  </p:cSld>
-  <p:clrMapOvr>
-    <a:masterClrMapping/>
-  </p:clrMapOvr>
-  <p:timing>
-    <p:tnLst>
-      <p:par>
-        <p:cTn id="1" dur="indefinite" restart="never" nodeType="tmRoot"/>
-      </p:par>
-    </p:tnLst>
-  </p:timing>
-</p:sld>
-</file>
-
-<file path=ppt/slides/slide40.xml><?xml version="1.0" encoding="utf-8"?>
-<p:sld xmlns:a="http://schemas.openxmlformats.org/drawingml/2006/main" xmlns:r="http://schemas.openxmlformats.org/officeDocument/2006/relationships" xmlns:p="http://schemas.openxmlformats.org/presentationml/2006/main">
-  <p:cSld>
-    <p:spTree>
-      <p:nvGrpSpPr>
-        <p:cNvPr id="1" name=""/>
-        <p:cNvGrpSpPr/>
-        <p:nvPr/>
-      </p:nvGrpSpPr>
-      <p:grpSpPr>
-        <a:xfrm>
-          <a:off x="0" y="0"/>
-          <a:ext cx="0" cy="0"/>
-          <a:chOff x="0" y="0"/>
-          <a:chExt cx="0" cy="0"/>
-        </a:xfrm>
-      </p:grpSpPr>
-      <p:sp>
-        <p:nvSpPr>
-          <p:cNvPr id="2" name="Title 1"/>
-          <p:cNvSpPr>
-            <a:spLocks noGrp="1"/>
-          </p:cNvSpPr>
-          <p:nvPr>
-            <p:ph type="title"/>
-          </p:nvPr>
-        </p:nvSpPr>
-        <p:spPr/>
-        <p:txBody>
-          <a:bodyPr/>
-          <a:lstStyle/>
-          <a:p>
-            <a:r>
-              <a:rPr lang="he-IL" smtClean="0"/>
-              <a:t>תרגילים</a:t>
-            </a:r>
-            <a:endParaRPr lang="en-US" dirty="0"/>
-          </a:p>
-        </p:txBody>
-      </p:sp>
-      <p:sp>
-        <p:nvSpPr>
-          <p:cNvPr id="3" name="Content Placeholder 2"/>
-          <p:cNvSpPr>
-            <a:spLocks noGrp="1"/>
-          </p:cNvSpPr>
-          <p:nvPr>
-            <p:ph idx="1"/>
-          </p:nvPr>
-        </p:nvSpPr>
-        <p:spPr>
-          <a:xfrm>
-            <a:off x="457200" y="1524000"/>
-            <a:ext cx="8229600" cy="4953000"/>
-          </a:xfrm>
-        </p:spPr>
-        <p:txBody>
-          <a:bodyPr>
-            <a:normAutofit fontScale="77500" lnSpcReduction="20000"/>
-          </a:bodyPr>
-          <a:lstStyle/>
-          <a:p>
-            <a:pPr>
-              <a:buNone/>
-            </a:pPr>
-            <a:r>
-              <a:rPr lang="he-IL" u="sng" dirty="0" smtClean="0"/>
-              <a:t>תרגיל 6</a:t>
-            </a:r>
-          </a:p>
-          <a:p>
-            <a:r>
-              <a:rPr lang="he-IL" dirty="0" smtClean="0"/>
-              <a:t>צרו מטריצת אחדות </a:t>
-            </a:r>
-            <a:r>
-              <a:rPr lang="en-US" dirty="0" smtClean="0"/>
-              <a:t>A</a:t>
-            </a:r>
-            <a:r>
-              <a:rPr lang="he-IL" dirty="0" smtClean="0"/>
-              <a:t> בגודל [</a:t>
-            </a:r>
-            <a:r>
-              <a:rPr lang="en-US" dirty="0" smtClean="0"/>
-              <a:t>10x10</a:t>
-            </a:r>
-            <a:r>
-              <a:rPr lang="he-IL" dirty="0" smtClean="0"/>
-              <a:t>] בעזרת </a:t>
-            </a:r>
-            <a:r>
-              <a:rPr lang="en-US" dirty="0" smtClean="0"/>
-              <a:t>eye</a:t>
-            </a:r>
-            <a:r>
-              <a:rPr lang="he-IL" dirty="0" smtClean="0"/>
-              <a:t>. צרו וקטור </a:t>
-            </a:r>
-            <a:r>
-              <a:rPr lang="he-IL" u="sng" dirty="0" smtClean="0"/>
-              <a:t>עמודה</a:t>
-            </a:r>
-            <a:r>
-              <a:rPr lang="he-IL" dirty="0" smtClean="0"/>
-              <a:t>  </a:t>
-            </a:r>
-            <a:r>
-              <a:rPr lang="en-US" dirty="0" smtClean="0"/>
-              <a:t>v=1:10</a:t>
-            </a:r>
-            <a:r>
-              <a:rPr lang="he-IL" dirty="0" smtClean="0"/>
-              <a:t>. נסו להוסיף את הוקטור לכל עמודה של </a:t>
-            </a:r>
-            <a:r>
-              <a:rPr lang="en-US" dirty="0" smtClean="0"/>
-              <a:t>A</a:t>
-            </a:r>
-            <a:r>
-              <a:rPr lang="he-IL" dirty="0" smtClean="0"/>
-              <a:t>.</a:t>
-            </a:r>
-          </a:p>
-          <a:p>
-            <a:r>
-              <a:rPr lang="he-IL" dirty="0" smtClean="0"/>
-              <a:t>בעזרת הפקודה </a:t>
-            </a:r>
-            <a:r>
-              <a:rPr lang="en-US" dirty="0" smtClean="0"/>
-              <a:t>vMat = repmat(v,_,_) </a:t>
-            </a:r>
-            <a:r>
-              <a:rPr lang="he-IL" dirty="0" smtClean="0"/>
-              <a:t> צרו מטריצת שכפולים (בשם </a:t>
-            </a:r>
-            <a:r>
-              <a:rPr lang="en-US" dirty="0" smtClean="0"/>
-              <a:t>vMat</a:t>
-            </a:r>
-            <a:r>
-              <a:rPr lang="he-IL" dirty="0" smtClean="0"/>
-              <a:t>) של </a:t>
-            </a:r>
-            <a:r>
-              <a:rPr lang="en-US" dirty="0" smtClean="0"/>
-              <a:t>v</a:t>
-            </a:r>
-            <a:r>
-              <a:rPr lang="he-IL" dirty="0" smtClean="0"/>
-              <a:t> במימדי מטריצת </a:t>
-            </a:r>
-            <a:r>
-              <a:rPr lang="en-US" dirty="0" smtClean="0"/>
-              <a:t>A</a:t>
-            </a:r>
-            <a:r>
-              <a:rPr lang="he-IL" dirty="0" smtClean="0"/>
-              <a:t>. בדקו כי שתי המטריצות באותו הגודל וחברו ביניהן.</a:t>
-            </a:r>
-          </a:p>
-          <a:p>
-            <a:pPr>
-              <a:buNone/>
-            </a:pPr>
-            <a:r>
-              <a:rPr lang="he-IL" u="sng" dirty="0" smtClean="0"/>
-              <a:t>תרגיל 7</a:t>
-            </a:r>
-          </a:p>
-          <a:p>
-            <a:r>
-              <a:rPr lang="he-IL" dirty="0" smtClean="0"/>
-              <a:t>הגדירו מטריצה </a:t>
-            </a:r>
-            <a:r>
-              <a:rPr lang="en-US" dirty="0" smtClean="0"/>
-              <a:t>A</a:t>
-            </a:r>
-            <a:r>
-              <a:rPr lang="he-IL" dirty="0" smtClean="0"/>
-              <a:t> </a:t>
-            </a:r>
-            <a:r>
-              <a:rPr lang="he-IL" dirty="0" smtClean="0"/>
-              <a:t>במימדים  </a:t>
-            </a:r>
-            <a:r>
-              <a:rPr lang="en-US" dirty="0" smtClean="0"/>
-              <a:t>2x4</a:t>
-            </a:r>
-            <a:r>
-              <a:rPr lang="he-IL" dirty="0" smtClean="0"/>
-              <a:t> שאיבריה נתונים ע"י  </a:t>
-            </a:r>
-            <a:r>
-              <a:rPr lang="en-US" dirty="0" smtClean="0"/>
-              <a:t>A(i,j)=i+j</a:t>
-            </a:r>
-            <a:endParaRPr lang="he-IL" dirty="0" smtClean="0"/>
-          </a:p>
-          <a:p>
-            <a:r>
-              <a:rPr lang="he-IL" dirty="0" smtClean="0"/>
-              <a:t>חלצו 2 מטריצות  </a:t>
-            </a:r>
-            <a:r>
-              <a:rPr lang="en-US" dirty="0" smtClean="0"/>
-              <a:t>A1,A2</a:t>
-            </a:r>
-            <a:r>
-              <a:rPr lang="he-IL" dirty="0" smtClean="0"/>
-              <a:t> בגודל </a:t>
-            </a:r>
-            <a:r>
-              <a:rPr lang="en-US" dirty="0" smtClean="0"/>
-              <a:t>2x2</a:t>
-            </a:r>
-            <a:r>
-              <a:rPr lang="he-IL" dirty="0" smtClean="0"/>
-              <a:t> ממטריצה </a:t>
-            </a:r>
-            <a:r>
-              <a:rPr lang="en-US" dirty="0" smtClean="0"/>
-              <a:t>A</a:t>
-            </a:r>
-            <a:r>
-              <a:rPr lang="he-IL" dirty="0" smtClean="0"/>
-              <a:t>. כאשר </a:t>
-            </a:r>
-            <a:r>
-              <a:rPr lang="en-US" dirty="0" smtClean="0"/>
-              <a:t>A1</a:t>
-            </a:r>
-            <a:r>
-              <a:rPr lang="he-IL" dirty="0" smtClean="0"/>
-              <a:t> מכילה את 2 העמודות הראשונות של </a:t>
-            </a:r>
-            <a:r>
-              <a:rPr lang="en-US" dirty="0" smtClean="0"/>
-              <a:t>A</a:t>
-            </a:r>
-            <a:r>
-              <a:rPr lang="he-IL" dirty="0" smtClean="0"/>
-              <a:t> ו-</a:t>
-            </a:r>
-            <a:r>
-              <a:rPr lang="en-US" dirty="0" smtClean="0"/>
-              <a:t>A2</a:t>
-            </a:r>
-            <a:r>
-              <a:rPr lang="he-IL" dirty="0" smtClean="0"/>
-              <a:t> מכילה את 2 העמודות האחרונות של </a:t>
-            </a:r>
-            <a:r>
-              <a:rPr lang="en-US" dirty="0" smtClean="0"/>
-              <a:t>A</a:t>
-            </a:r>
-            <a:endParaRPr lang="he-IL" dirty="0" smtClean="0"/>
-          </a:p>
-          <a:p>
-            <a:r>
-              <a:rPr lang="he-IL" dirty="0" smtClean="0"/>
-              <a:t>חשבו את מטריצה </a:t>
-            </a:r>
-            <a:r>
-              <a:rPr lang="en-US" dirty="0" smtClean="0"/>
-              <a:t>B</a:t>
-            </a:r>
-            <a:r>
-              <a:rPr lang="he-IL" dirty="0" smtClean="0"/>
-              <a:t> שהיא הסכום של </a:t>
-            </a:r>
-            <a:r>
-              <a:rPr lang="en-US" dirty="0" smtClean="0"/>
-              <a:t>A1</a:t>
-            </a:r>
-            <a:r>
-              <a:rPr lang="he-IL" dirty="0" smtClean="0"/>
-              <a:t> ו-</a:t>
-            </a:r>
-            <a:r>
-              <a:rPr lang="en-US" dirty="0" smtClean="0"/>
-              <a:t>A2</a:t>
-            </a:r>
-            <a:endParaRPr lang="he-IL" dirty="0" smtClean="0"/>
-          </a:p>
-          <a:p>
-            <a:r>
-              <a:rPr lang="he-IL" dirty="0" smtClean="0"/>
-              <a:t>חשבו את הערכים העצמיים והוקטורים העצמיים של </a:t>
-            </a:r>
-            <a:r>
-              <a:rPr lang="en-US" dirty="0" smtClean="0"/>
-              <a:t>B</a:t>
-            </a:r>
-            <a:endParaRPr lang="he-IL" dirty="0" smtClean="0"/>
-          </a:p>
-          <a:p>
-            <a:r>
-              <a:rPr lang="he-IL" dirty="0" smtClean="0"/>
-              <a:t>פתרו את המערכת הלינארית </a:t>
-            </a:r>
-            <a:r>
-              <a:rPr lang="en-US" dirty="0" smtClean="0"/>
-              <a:t>Bx=b</a:t>
-            </a:r>
-            <a:r>
-              <a:rPr lang="he-IL" dirty="0" smtClean="0"/>
-              <a:t>, כאשר </a:t>
-            </a:r>
-            <a:r>
-              <a:rPr lang="en-US" dirty="0" smtClean="0"/>
-              <a:t>b</a:t>
-            </a:r>
-            <a:r>
-              <a:rPr lang="he-IL" dirty="0" smtClean="0"/>
-              <a:t> הינו וקטור שכל אבריו הם 1</a:t>
-            </a:r>
-          </a:p>
-          <a:p>
-            <a:r>
-              <a:rPr lang="he-IL" dirty="0" smtClean="0"/>
-              <a:t>חשבו את הדטרמיננט של </a:t>
-            </a:r>
-            <a:r>
-              <a:rPr lang="en-US" dirty="0" smtClean="0"/>
-              <a:t>B</a:t>
-            </a:r>
-            <a:endParaRPr lang="he-IL" dirty="0" smtClean="0"/>
-          </a:p>
-          <a:p>
-            <a:r>
-              <a:rPr lang="he-IL" dirty="0" smtClean="0"/>
-              <a:t>חשבו את ההופכי של </a:t>
-            </a:r>
-            <a:r>
-              <a:rPr lang="en-US" dirty="0" smtClean="0"/>
-              <a:t>B</a:t>
-            </a:r>
-            <a:endParaRPr lang="he-IL" dirty="0" smtClean="0"/>
-          </a:p>
-          <a:p>
-            <a:r>
-              <a:rPr lang="he-IL" dirty="0" smtClean="0"/>
-              <a:t>חשבו את ה-</a:t>
-            </a:r>
-            <a:r>
-              <a:rPr lang="en-US" dirty="0" smtClean="0"/>
-              <a:t>condition number</a:t>
-            </a:r>
-            <a:r>
-              <a:rPr lang="he-IL" dirty="0" smtClean="0"/>
-              <a:t> של </a:t>
-            </a:r>
-            <a:r>
-              <a:rPr lang="en-US" dirty="0" smtClean="0"/>
-              <a:t>B</a:t>
-            </a:r>
-            <a:endParaRPr lang="he-IL" dirty="0" smtClean="0"/>
-          </a:p>
-        </p:txBody>
-      </p:sp>
-    </p:spTree>
-  </p:cSld>
-  <p:clrMapOvr>
-    <a:masterClrMapping/>
-  </p:clrMapOvr>
-  <p:timing>
-    <p:tnLst>
-      <p:par>
-        <p:cTn id="1" dur="indefinite" restart="never" nodeType="tmRoot"/>
-      </p:par>
-    </p:tnLst>
-  </p:timing>
-</p:sld>
-</file>
-
-<file path=ppt/slides/slide41.xml><?xml version="1.0" encoding="utf-8"?>
-<p:sld xmlns:a="http://schemas.openxmlformats.org/drawingml/2006/main" xmlns:r="http://schemas.openxmlformats.org/officeDocument/2006/relationships" xmlns:p="http://schemas.openxmlformats.org/presentationml/2006/main">
-  <p:cSld>
-    <p:spTree>
-      <p:nvGrpSpPr>
-        <p:cNvPr id="1" name=""/>
-        <p:cNvGrpSpPr/>
-        <p:nvPr/>
-      </p:nvGrpSpPr>
-      <p:grpSpPr>
-        <a:xfrm>
-          <a:off x="0" y="0"/>
-          <a:ext cx="0" cy="0"/>
-          <a:chOff x="0" y="0"/>
-          <a:chExt cx="0" cy="0"/>
-        </a:xfrm>
-      </p:grpSpPr>
-      <p:sp>
-        <p:nvSpPr>
-          <p:cNvPr id="2" name="Title 1"/>
-          <p:cNvSpPr>
-            <a:spLocks noGrp="1"/>
-          </p:cNvSpPr>
-          <p:nvPr>
-            <p:ph type="ctrTitle"/>
-          </p:nvPr>
-        </p:nvSpPr>
-        <p:spPr>
-          <a:xfrm>
-            <a:off x="646176" y="2781300"/>
-            <a:ext cx="7851648" cy="1295400"/>
-          </a:xfrm>
-        </p:spPr>
-        <p:txBody>
-          <a:bodyPr>
-            <a:normAutofit/>
-          </a:bodyPr>
-          <a:lstStyle/>
-          <a:p>
-            <a:pPr algn="ctr" rtl="1"/>
-            <a:r>
-              <a:rPr lang="he-IL" sz="8000" dirty="0" smtClean="0"/>
-              <a:t>חלק ב'</a:t>
-            </a:r>
-            <a:endParaRPr lang="en-US" sz="8000" dirty="0"/>
-          </a:p>
-        </p:txBody>
-      </p:sp>
-    </p:spTree>
-  </p:cSld>
-  <p:clrMapOvr>
-    <a:masterClrMapping/>
-  </p:clrMapOvr>
-  <p:timing>
-    <p:tnLst>
-      <p:par>
-        <p:cTn id="1" dur="indefinite" restart="never" nodeType="tmRoot"/>
-      </p:par>
-    </p:tnLst>
-  </p:timing>
-</p:sld>
-</file>
-
-<file path=ppt/slides/slide42.xml><?xml version="1.0" encoding="utf-8"?>
 <p:sld xmlns:a="http://schemas.openxmlformats.org/drawingml/2006/main" xmlns:r="http://schemas.openxmlformats.org/officeDocument/2006/relationships" xmlns:p="http://schemas.openxmlformats.org/presentationml/2006/main">
   <p:cSld>
     <p:spTree>
@@ -14670,7 +13910,7 @@
 </p:sld>
 </file>
 
-<file path=ppt/slides/slide43.xml><?xml version="1.0" encoding="utf-8"?>
+<file path=ppt/slides/slide39.xml><?xml version="1.0" encoding="utf-8"?>
 <p:sld xmlns:a="http://schemas.openxmlformats.org/drawingml/2006/main" xmlns:r="http://schemas.openxmlformats.org/officeDocument/2006/relationships" xmlns:p="http://schemas.openxmlformats.org/presentationml/2006/main">
   <p:cSld>
     <p:spTree>
@@ -14958,9 +14198,59 @@
         </p:xfrm>
         <a:graphic>
           <a:graphicData uri="http://schemas.openxmlformats.org/presentationml/2006/ole">
-            <p:oleObj spid="_x0000_s53255" name="Equation" r:id="rId4" imgW="1397000" imgH="431800" progId="Equation.DSMT4">
-              <p:embed/>
-            </p:oleObj>
+            <mc:AlternateContent xmlns:mc="http://schemas.openxmlformats.org/markup-compatibility/2006">
+              <mc:Choice xmlns:v="urn:schemas-microsoft-com:vml" Requires="v">
+                <p:oleObj spid="_x0000_s53262" name="Equation" r:id="rId4" imgW="1397000" imgH="431800" progId="Equation.DSMT4">
+                  <p:embed/>
+                </p:oleObj>
+              </mc:Choice>
+              <mc:Fallback>
+                <p:oleObj name="Equation" r:id="rId4" imgW="1397000" imgH="431800" progId="Equation.DSMT4">
+                  <p:embed/>
+                  <p:pic>
+                    <p:nvPicPr>
+                      <p:cNvPr id="0" name="Picture 7"/>
+                      <p:cNvPicPr>
+                        <a:picLocks noChangeAspect="1" noChangeArrowheads="1"/>
+                      </p:cNvPicPr>
+                      <p:nvPr/>
+                    </p:nvPicPr>
+                    <p:blipFill>
+                      <a:blip r:embed="rId5">
+                        <a:extLst>
+                          <a:ext uri="{28A0092B-C50C-407E-A947-70E740481C1C}">
+                            <a14:useLocalDpi xmlns:a14="http://schemas.microsoft.com/office/drawing/2010/main" val="0"/>
+                          </a:ext>
+                        </a:extLst>
+                      </a:blip>
+                      <a:srcRect/>
+                      <a:stretch>
+                        <a:fillRect/>
+                      </a:stretch>
+                    </p:blipFill>
+                    <p:spPr bwMode="auto">
+                      <a:xfrm>
+                        <a:off x="3124200" y="1524000"/>
+                        <a:ext cx="2189830" cy="685800"/>
+                      </a:xfrm>
+                      <a:prstGeom prst="rect">
+                        <a:avLst/>
+                      </a:prstGeom>
+                      <a:noFill/>
+                      <a:extLst>
+                        <a:ext uri="{909E8E84-426E-40DD-AFC4-6F175D3DCCD1}">
+                          <a14:hiddenFill xmlns:a14="http://schemas.microsoft.com/office/drawing/2010/main">
+                            <a:solidFill>
+                              <a:srgbClr val="FFFFFF"/>
+                            </a:solidFill>
+                          </a14:hiddenFill>
+                        </a:ext>
+                      </a:extLst>
+                    </p:spPr>
+                  </p:pic>
+                </p:oleObj>
+              </mc:Fallback>
+            </mc:AlternateContent>
           </a:graphicData>
         </a:graphic>
       </p:graphicFrame>
@@ -15002,6 +14292,1452 @@
           </a:p>
         </p:txBody>
       </p:sp>
+    </p:spTree>
+  </p:cSld>
+  <p:clrMapOvr>
+    <a:masterClrMapping/>
+  </p:clrMapOvr>
+  <p:timing>
+    <p:tnLst>
+      <p:par>
+        <p:cTn id="1" dur="indefinite" restart="never" nodeType="tmRoot"/>
+      </p:par>
+    </p:tnLst>
+  </p:timing>
+</p:sld>
+</file>
+
+<file path=ppt/slides/slide4.xml><?xml version="1.0" encoding="utf-8"?>
+<p:sld xmlns:a="http://schemas.openxmlformats.org/drawingml/2006/main" xmlns:r="http://schemas.openxmlformats.org/officeDocument/2006/relationships" xmlns:p="http://schemas.openxmlformats.org/presentationml/2006/main">
+  <p:cSld>
+    <p:spTree>
+      <p:nvGrpSpPr>
+        <p:cNvPr id="1" name=""/>
+        <p:cNvGrpSpPr/>
+        <p:nvPr/>
+      </p:nvGrpSpPr>
+      <p:grpSpPr>
+        <a:xfrm>
+          <a:off x="0" y="0"/>
+          <a:ext cx="0" cy="0"/>
+          <a:chOff x="0" y="0"/>
+          <a:chExt cx="0" cy="0"/>
+        </a:xfrm>
+      </p:grpSpPr>
+      <p:sp>
+        <p:nvSpPr>
+          <p:cNvPr id="2" name="Title 1"/>
+          <p:cNvSpPr>
+            <a:spLocks noGrp="1"/>
+          </p:cNvSpPr>
+          <p:nvPr>
+            <p:ph type="title"/>
+          </p:nvPr>
+        </p:nvSpPr>
+        <p:spPr/>
+        <p:txBody>
+          <a:bodyPr/>
+          <a:lstStyle/>
+          <a:p>
+            <a:r>
+              <a:rPr lang="he-IL" dirty="0" smtClean="0"/>
+              <a:t>מהו </a:t>
+            </a:r>
+            <a:r>
+              <a:rPr dirty="0" smtClean="0"/>
+              <a:t>MATLAB</a:t>
+            </a:r>
+            <a:r>
+              <a:rPr lang="he-IL" dirty="0" smtClean="0"/>
+              <a:t>?</a:t>
+            </a:r>
+            <a:endParaRPr lang="en-US" dirty="0"/>
+          </a:p>
+        </p:txBody>
+      </p:sp>
+      <p:sp>
+        <p:nvSpPr>
+          <p:cNvPr id="3" name="Content Placeholder 2"/>
+          <p:cNvSpPr>
+            <a:spLocks noGrp="1"/>
+          </p:cNvSpPr>
+          <p:nvPr>
+            <p:ph idx="1"/>
+          </p:nvPr>
+        </p:nvSpPr>
+        <p:spPr/>
+        <p:txBody>
+          <a:bodyPr/>
+          <a:lstStyle/>
+          <a:p>
+            <a:r>
+              <a:rPr lang="en-US" dirty="0" smtClean="0"/>
+              <a:t>MATrix LABoratory</a:t>
+            </a:r>
+            <a:r>
+              <a:rPr lang="he-IL" dirty="0" smtClean="0"/>
+              <a:t> – חזק מאוד בפעולות מתמטיות</a:t>
+            </a:r>
+          </a:p>
+          <a:p>
+            <a:r>
+              <a:rPr lang="he-IL" dirty="0" smtClean="0"/>
+              <a:t>מבוסס שפת </a:t>
+            </a:r>
+            <a:r>
+              <a:rPr lang="en-US" dirty="0" smtClean="0"/>
+              <a:t>C</a:t>
+            </a:r>
+            <a:r>
+              <a:rPr lang="he-IL" dirty="0" smtClean="0"/>
+              <a:t> ו-</a:t>
+            </a:r>
+            <a:r>
+              <a:rPr lang="en-US" dirty="0" smtClean="0"/>
+              <a:t>JAVA</a:t>
+            </a:r>
+            <a:endParaRPr lang="he-IL" dirty="0" smtClean="0"/>
+          </a:p>
+          <a:p>
+            <a:r>
+              <a:rPr lang="he-IL" dirty="0" smtClean="0"/>
+              <a:t>מרבית הפעולות המתמטיות ממומשות בקבצי </a:t>
+            </a:r>
+            <a:r>
+              <a:rPr lang="en-US" dirty="0" smtClean="0"/>
+              <a:t>dll</a:t>
+            </a:r>
+            <a:endParaRPr lang="he-IL" dirty="0" smtClean="0"/>
+          </a:p>
+          <a:p>
+            <a:r>
+              <a:rPr lang="en-US" dirty="0" smtClean="0"/>
+              <a:t>Interpreter</a:t>
+            </a:r>
+            <a:r>
+              <a:rPr lang="he-IL" dirty="0" smtClean="0"/>
+              <a:t> (אינו מצריך קומפילציה) - מקצר את שלב הפיתוח</a:t>
+            </a:r>
+          </a:p>
+          <a:p>
+            <a:r>
+              <a:rPr lang="he-IL" dirty="0" smtClean="0"/>
+              <a:t>מצוין ל </a:t>
+            </a:r>
+            <a:r>
+              <a:rPr lang="en-US" dirty="0" smtClean="0"/>
+              <a:t>post processing</a:t>
+            </a:r>
+            <a:r>
+              <a:rPr lang="he-IL" dirty="0" smtClean="0"/>
+              <a:t>, פחות מומלץ ל </a:t>
+            </a:r>
+            <a:r>
+              <a:rPr lang="en-US" dirty="0" smtClean="0"/>
+              <a:t>real time</a:t>
+            </a:r>
+            <a:endParaRPr lang="he-IL" dirty="0" smtClean="0"/>
+          </a:p>
+          <a:p>
+            <a:r>
+              <a:rPr lang="he-IL" dirty="0" smtClean="0"/>
+              <a:t>3 סוגי קבצים:</a:t>
+            </a:r>
+          </a:p>
+          <a:p>
+            <a:pPr lvl="1"/>
+            <a:r>
+              <a:rPr lang="he-IL" dirty="0" smtClean="0"/>
+              <a:t>קבצי קוד - </a:t>
+            </a:r>
+            <a:r>
+              <a:rPr lang="en-US" dirty="0" smtClean="0"/>
+              <a:t>.m</a:t>
+            </a:r>
+            <a:endParaRPr lang="he-IL" dirty="0" smtClean="0"/>
+          </a:p>
+          <a:p>
+            <a:pPr lvl="1"/>
+            <a:r>
+              <a:rPr lang="he-IL" dirty="0" smtClean="0"/>
+              <a:t>קבצי נתונים - </a:t>
+            </a:r>
+            <a:r>
+              <a:rPr lang="en-US" dirty="0" smtClean="0"/>
+              <a:t>.mat</a:t>
+            </a:r>
+            <a:endParaRPr lang="he-IL" dirty="0" smtClean="0"/>
+          </a:p>
+          <a:p>
+            <a:pPr lvl="1"/>
+            <a:r>
+              <a:rPr lang="he-IL" dirty="0" smtClean="0"/>
+              <a:t>קבצי גרפים - </a:t>
+            </a:r>
+            <a:r>
+              <a:rPr lang="en-US" dirty="0" smtClean="0"/>
+              <a:t>.fig</a:t>
+            </a:r>
+            <a:endParaRPr lang="he-IL" dirty="0" smtClean="0"/>
+          </a:p>
+        </p:txBody>
+      </p:sp>
+    </p:spTree>
+  </p:cSld>
+  <p:clrMapOvr>
+    <a:masterClrMapping/>
+  </p:clrMapOvr>
+  <p:timing>
+    <p:tnLst>
+      <p:par>
+        <p:cTn id="1" dur="indefinite" restart="never" nodeType="tmRoot"/>
+      </p:par>
+    </p:tnLst>
+  </p:timing>
+</p:sld>
+</file>
+
+<file path=ppt/slides/slide40.xml><?xml version="1.0" encoding="utf-8"?>
+<p:sld xmlns:a="http://schemas.openxmlformats.org/drawingml/2006/main" xmlns:r="http://schemas.openxmlformats.org/officeDocument/2006/relationships" xmlns:p="http://schemas.openxmlformats.org/presentationml/2006/main">
+  <p:cSld>
+    <p:spTree>
+      <p:nvGrpSpPr>
+        <p:cNvPr id="1" name=""/>
+        <p:cNvGrpSpPr/>
+        <p:nvPr/>
+      </p:nvGrpSpPr>
+      <p:grpSpPr>
+        <a:xfrm>
+          <a:off x="0" y="0"/>
+          <a:ext cx="0" cy="0"/>
+          <a:chOff x="0" y="0"/>
+          <a:chExt cx="0" cy="0"/>
+        </a:xfrm>
+      </p:grpSpPr>
+      <p:sp>
+        <p:nvSpPr>
+          <p:cNvPr id="2" name="Title 1"/>
+          <p:cNvSpPr>
+            <a:spLocks noGrp="1"/>
+          </p:cNvSpPr>
+          <p:nvPr>
+            <p:ph type="title"/>
+          </p:nvPr>
+        </p:nvSpPr>
+        <p:spPr/>
+        <p:txBody>
+          <a:bodyPr/>
+          <a:lstStyle/>
+          <a:p>
+            <a:r>
+              <a:rPr lang="he-IL" dirty="0" smtClean="0"/>
+              <a:t>גזירה נומרית</a:t>
+            </a:r>
+            <a:endParaRPr lang="en-US" dirty="0"/>
+          </a:p>
+        </p:txBody>
+      </p:sp>
+      <p:sp>
+        <p:nvSpPr>
+          <p:cNvPr id="3" name="Content Placeholder 2"/>
+          <p:cNvSpPr>
+            <a:spLocks noGrp="1"/>
+          </p:cNvSpPr>
+          <p:nvPr>
+            <p:ph idx="1"/>
+          </p:nvPr>
+        </p:nvSpPr>
+        <p:spPr>
+          <a:xfrm>
+            <a:off x="457200" y="1447800"/>
+            <a:ext cx="8229600" cy="5029200"/>
+          </a:xfrm>
+        </p:spPr>
+        <p:txBody>
+          <a:bodyPr>
+            <a:normAutofit/>
+          </a:bodyPr>
+          <a:lstStyle/>
+          <a:p>
+            <a:r>
+              <a:rPr lang="he-IL" sz="2000" dirty="0" smtClean="0"/>
+              <a:t>הנגזרת הדיפרנציאלית, אותה מקבלים בהשאפת מרווח הדגימה ל-0 נשארת, עבור סדרות דיסקרטיות, במובן הפרמיטיבי שלה:</a:t>
+            </a:r>
+          </a:p>
+          <a:p>
+            <a:pPr>
+              <a:buNone/>
+            </a:pPr>
+            <a:endParaRPr lang="he-IL" sz="2000" dirty="0" smtClean="0"/>
+          </a:p>
+          <a:p>
+            <a:r>
+              <a:rPr lang="he-IL" sz="2000" dirty="0" smtClean="0"/>
+              <a:t>הפרשים קדמיים</a:t>
+            </a:r>
+          </a:p>
+          <a:p>
+            <a:pPr>
+              <a:buNone/>
+            </a:pPr>
+            <a:endParaRPr lang="he-IL" sz="2000" dirty="0" smtClean="0"/>
+          </a:p>
+          <a:p>
+            <a:r>
+              <a:rPr lang="he-IL" sz="2000" dirty="0" smtClean="0"/>
+              <a:t>מובן כי בחישוב הפרשים מקטינים את אורך הסדרה. ניתן להימנע מיצירת פאזה בין סדרת המקור לסדרת ההפרשים באמצעות הנגזרת המרכזית</a:t>
+            </a:r>
+          </a:p>
+          <a:p>
+            <a:endParaRPr lang="he-IL" sz="2000" dirty="0" smtClean="0"/>
+          </a:p>
+          <a:p>
+            <a:r>
+              <a:rPr lang="he-IL" sz="2000" dirty="0" smtClean="0"/>
+              <a:t>הפרשים מרכזיים</a:t>
+            </a:r>
+          </a:p>
+          <a:p>
+            <a:endParaRPr lang="he-IL" sz="2000" dirty="0" smtClean="0"/>
+          </a:p>
+          <a:p>
+            <a:r>
+              <a:rPr lang="he-IL" sz="2000" dirty="0" smtClean="0"/>
+              <a:t>מכיוון שלרוב עובדים עם מדידות מעשיות, נגזרת מבליטה רעש נומרי.</a:t>
+            </a:r>
+          </a:p>
+          <a:p>
+            <a:r>
+              <a:rPr lang="he-IL" sz="2000" dirty="0" smtClean="0"/>
+              <a:t>בשל ייצוג מוגבל של תחום הערכים האפשריים, הדיוק </a:t>
+            </a:r>
+            <a:r>
+              <a:rPr lang="he-IL" sz="2000" u="sng" dirty="0" smtClean="0"/>
+              <a:t>הכי טוב</a:t>
+            </a:r>
+            <a:r>
+              <a:rPr lang="he-IL" sz="2000" dirty="0" smtClean="0"/>
+              <a:t> שניתן לקבל הוא גודל מרווח הדגימה.</a:t>
+            </a:r>
+          </a:p>
+          <a:p>
+            <a:r>
+              <a:rPr lang="he-IL" sz="2000" dirty="0" smtClean="0"/>
+              <a:t>הכרת פונקציות נומריות מובנות:  </a:t>
+            </a:r>
+            <a:r>
+              <a:rPr lang="en-US" sz="2000" dirty="0" smtClean="0"/>
+              <a:t>gradient ,diff</a:t>
+            </a:r>
+            <a:r>
+              <a:rPr lang="he-IL" sz="2000" dirty="0" smtClean="0"/>
+              <a:t>.</a:t>
+            </a:r>
+            <a:endParaRPr lang="en-US" sz="2000" dirty="0" smtClean="0"/>
+          </a:p>
+        </p:txBody>
+      </p:sp>
+      <p:graphicFrame>
+        <p:nvGraphicFramePr>
+          <p:cNvPr id="55297" name="Object 1"/>
+          <p:cNvGraphicFramePr>
+            <a:graphicFrameLocks noChangeAspect="1"/>
+          </p:cNvGraphicFramePr>
+          <p:nvPr/>
+        </p:nvGraphicFramePr>
+        <p:xfrm>
+          <a:off x="1227137" y="2362200"/>
+          <a:ext cx="4716463" cy="725488"/>
+        </p:xfrm>
+        <a:graphic>
+          <a:graphicData uri="http://schemas.openxmlformats.org/presentationml/2006/ole">
+            <mc:AlternateContent xmlns:mc="http://schemas.openxmlformats.org/markup-compatibility/2006">
+              <mc:Choice xmlns:v="urn:schemas-microsoft-com:vml" Requires="v">
+                <p:oleObj spid="_x0000_s55315" name="Equation" r:id="rId3" imgW="3009900" imgH="457200" progId="Equation.DSMT4">
+                  <p:embed/>
+                </p:oleObj>
+              </mc:Choice>
+              <mc:Fallback>
+                <p:oleObj name="Equation" r:id="rId3" imgW="3009900" imgH="457200" progId="Equation.DSMT4">
+                  <p:embed/>
+                  <p:pic>
+                    <p:nvPicPr>
+                      <p:cNvPr id="0" name="Picture 5"/>
+                      <p:cNvPicPr>
+                        <a:picLocks noChangeAspect="1" noChangeArrowheads="1"/>
+                      </p:cNvPicPr>
+                      <p:nvPr/>
+                    </p:nvPicPr>
+                    <p:blipFill>
+                      <a:blip r:embed="rId4">
+                        <a:extLst>
+                          <a:ext uri="{28A0092B-C50C-407E-A947-70E740481C1C}">
+                            <a14:useLocalDpi xmlns:a14="http://schemas.microsoft.com/office/drawing/2010/main" val="0"/>
+                          </a:ext>
+                        </a:extLst>
+                      </a:blip>
+                      <a:srcRect/>
+                      <a:stretch>
+                        <a:fillRect/>
+                      </a:stretch>
+                    </p:blipFill>
+                    <p:spPr bwMode="auto">
+                      <a:xfrm>
+                        <a:off x="1227137" y="2362200"/>
+                        <a:ext cx="4716463" cy="725488"/>
+                      </a:xfrm>
+                      <a:prstGeom prst="rect">
+                        <a:avLst/>
+                      </a:prstGeom>
+                      <a:noFill/>
+                      <a:extLst>
+                        <a:ext uri="{909E8E84-426E-40DD-AFC4-6F175D3DCCD1}">
+                          <a14:hiddenFill xmlns:a14="http://schemas.microsoft.com/office/drawing/2010/main">
+                            <a:solidFill>
+                              <a:srgbClr val="FFFFFF"/>
+                            </a:solidFill>
+                          </a14:hiddenFill>
+                        </a:ext>
+                      </a:extLst>
+                    </p:spPr>
+                  </p:pic>
+                </p:oleObj>
+              </mc:Fallback>
+            </mc:AlternateContent>
+          </a:graphicData>
+        </a:graphic>
+      </p:graphicFrame>
+      <p:graphicFrame>
+        <p:nvGraphicFramePr>
+          <p:cNvPr id="55298" name="Object 2"/>
+          <p:cNvGraphicFramePr>
+            <a:graphicFrameLocks noChangeAspect="1"/>
+          </p:cNvGraphicFramePr>
+          <p:nvPr/>
+        </p:nvGraphicFramePr>
+        <p:xfrm>
+          <a:off x="990600" y="4114800"/>
+          <a:ext cx="5173663" cy="725488"/>
+        </p:xfrm>
+        <a:graphic>
+          <a:graphicData uri="http://schemas.openxmlformats.org/presentationml/2006/ole">
+            <mc:AlternateContent xmlns:mc="http://schemas.openxmlformats.org/markup-compatibility/2006">
+              <mc:Choice xmlns:v="urn:schemas-microsoft-com:vml" Requires="v">
+                <p:oleObj spid="_x0000_s55316" name="Equation" r:id="rId5" imgW="3302000" imgH="457200" progId="Equation.DSMT4">
+                  <p:embed/>
+                </p:oleObj>
+              </mc:Choice>
+              <mc:Fallback>
+                <p:oleObj name="Equation" r:id="rId5" imgW="3302000" imgH="457200" progId="Equation.DSMT4">
+                  <p:embed/>
+                  <p:pic>
+                    <p:nvPicPr>
+                      <p:cNvPr id="0" name="Picture 6"/>
+                      <p:cNvPicPr>
+                        <a:picLocks noChangeAspect="1" noChangeArrowheads="1"/>
+                      </p:cNvPicPr>
+                      <p:nvPr/>
+                    </p:nvPicPr>
+                    <p:blipFill>
+                      <a:blip r:embed="rId6">
+                        <a:extLst>
+                          <a:ext uri="{28A0092B-C50C-407E-A947-70E740481C1C}">
+                            <a14:useLocalDpi xmlns:a14="http://schemas.microsoft.com/office/drawing/2010/main" val="0"/>
+                          </a:ext>
+                        </a:extLst>
+                      </a:blip>
+                      <a:srcRect/>
+                      <a:stretch>
+                        <a:fillRect/>
+                      </a:stretch>
+                    </p:blipFill>
+                    <p:spPr bwMode="auto">
+                      <a:xfrm>
+                        <a:off x="990600" y="4114800"/>
+                        <a:ext cx="5173663" cy="725488"/>
+                      </a:xfrm>
+                      <a:prstGeom prst="rect">
+                        <a:avLst/>
+                      </a:prstGeom>
+                      <a:noFill/>
+                      <a:extLst>
+                        <a:ext uri="{909E8E84-426E-40DD-AFC4-6F175D3DCCD1}">
+                          <a14:hiddenFill xmlns:a14="http://schemas.microsoft.com/office/drawing/2010/main">
+                            <a:solidFill>
+                              <a:srgbClr val="FFFFFF"/>
+                            </a:solidFill>
+                          </a14:hiddenFill>
+                        </a:ext>
+                      </a:extLst>
+                    </p:spPr>
+                  </p:pic>
+                </p:oleObj>
+              </mc:Fallback>
+            </mc:AlternateContent>
+          </a:graphicData>
+        </a:graphic>
+      </p:graphicFrame>
+    </p:spTree>
+  </p:cSld>
+  <p:clrMapOvr>
+    <a:masterClrMapping/>
+  </p:clrMapOvr>
+  <p:timing>
+    <p:tnLst>
+      <p:par>
+        <p:cTn id="1" dur="indefinite" restart="never" nodeType="tmRoot"/>
+      </p:par>
+    </p:tnLst>
+  </p:timing>
+</p:sld>
+</file>
+
+<file path=ppt/slides/slide41.xml><?xml version="1.0" encoding="utf-8"?>
+<p:sld xmlns:a="http://schemas.openxmlformats.org/drawingml/2006/main" xmlns:r="http://schemas.openxmlformats.org/officeDocument/2006/relationships" xmlns:p="http://schemas.openxmlformats.org/presentationml/2006/main">
+  <p:cSld>
+    <p:spTree>
+      <p:nvGrpSpPr>
+        <p:cNvPr id="1" name=""/>
+        <p:cNvGrpSpPr/>
+        <p:nvPr/>
+      </p:nvGrpSpPr>
+      <p:grpSpPr>
+        <a:xfrm>
+          <a:off x="0" y="0"/>
+          <a:ext cx="0" cy="0"/>
+          <a:chOff x="0" y="0"/>
+          <a:chExt cx="0" cy="0"/>
+        </a:xfrm>
+      </p:grpSpPr>
+      <p:sp>
+        <p:nvSpPr>
+          <p:cNvPr id="2" name="Title 1"/>
+          <p:cNvSpPr>
+            <a:spLocks noGrp="1"/>
+          </p:cNvSpPr>
+          <p:nvPr>
+            <p:ph type="title"/>
+          </p:nvPr>
+        </p:nvSpPr>
+        <p:spPr/>
+        <p:txBody>
+          <a:bodyPr/>
+          <a:lstStyle/>
+          <a:p>
+            <a:r>
+              <a:rPr lang="he-IL" dirty="0" smtClean="0"/>
+              <a:t>גזירה נומרית</a:t>
+            </a:r>
+            <a:endParaRPr lang="en-US" dirty="0"/>
+          </a:p>
+        </p:txBody>
+      </p:sp>
+      <p:sp>
+        <p:nvSpPr>
+          <p:cNvPr id="3" name="Content Placeholder 2"/>
+          <p:cNvSpPr>
+            <a:spLocks noGrp="1"/>
+          </p:cNvSpPr>
+          <p:nvPr>
+            <p:ph idx="1"/>
+          </p:nvPr>
+        </p:nvSpPr>
+        <p:spPr/>
+        <p:txBody>
+          <a:bodyPr>
+            <a:normAutofit/>
+          </a:bodyPr>
+          <a:lstStyle/>
+          <a:p>
+            <a:r>
+              <a:rPr lang="he-IL" sz="2000" dirty="0" smtClean="0"/>
+              <a:t>משימה: עבור האות הבא</a:t>
+            </a:r>
+          </a:p>
+          <a:p>
+            <a:pPr algn="l" rtl="0">
+              <a:buNone/>
+            </a:pPr>
+            <a:r>
+              <a:rPr lang="en-US" sz="1600" dirty="0" smtClean="0">
+                <a:latin typeface="Courier New" pitchFamily="49" charset="0"/>
+                <a:cs typeface="Courier New" pitchFamily="49" charset="0"/>
+              </a:rPr>
+              <a:t>&gt;&gt; dt=0.05; t=(0:dt:2)</a:t>
+            </a:r>
+            <a:r>
+              <a:rPr lang="pt-BR" sz="1600" dirty="0" smtClean="0">
+                <a:latin typeface="Courier New" pitchFamily="49" charset="0"/>
+                <a:cs typeface="Courier New" pitchFamily="49" charset="0"/>
+              </a:rPr>
+              <a:t>'</a:t>
+            </a:r>
+            <a:r>
+              <a:rPr lang="en-US" sz="1600" dirty="0" smtClean="0">
+                <a:latin typeface="Courier New" pitchFamily="49" charset="0"/>
+                <a:cs typeface="Courier New" pitchFamily="49" charset="0"/>
+              </a:rPr>
+              <a:t>;</a:t>
+            </a:r>
+            <a:endParaRPr lang="he-IL" sz="1600" dirty="0" smtClean="0">
+              <a:latin typeface="Courier New" pitchFamily="49" charset="0"/>
+              <a:cs typeface="Courier New" pitchFamily="49" charset="0"/>
+            </a:endParaRPr>
+          </a:p>
+          <a:p>
+            <a:pPr algn="l" rtl="0">
+              <a:buNone/>
+            </a:pPr>
+            <a:r>
+              <a:rPr lang="en-US" sz="1600" dirty="0" smtClean="0">
+                <a:latin typeface="Courier New" pitchFamily="49" charset="0"/>
+                <a:cs typeface="Courier New" pitchFamily="49" charset="0"/>
+              </a:rPr>
+              <a:t>&gt;&gt; y=sin(2*pi*t);</a:t>
+            </a:r>
+            <a:endParaRPr lang="he-IL" sz="1600" dirty="0" smtClean="0">
+              <a:latin typeface="Courier New" pitchFamily="49" charset="0"/>
+              <a:cs typeface="Courier New" pitchFamily="49" charset="0"/>
+            </a:endParaRPr>
+          </a:p>
+          <a:p>
+            <a:r>
+              <a:rPr lang="he-IL" sz="2000" dirty="0" smtClean="0"/>
+              <a:t>הציגו את האות ע"י הפקודה</a:t>
+            </a:r>
+            <a:endParaRPr lang="en-US" sz="2000" dirty="0" smtClean="0"/>
+          </a:p>
+          <a:p>
+            <a:pPr algn="l" rtl="0">
+              <a:buNone/>
+            </a:pPr>
+            <a:r>
+              <a:rPr lang="en-US" sz="1600" dirty="0" smtClean="0">
+                <a:latin typeface="Courier New" pitchFamily="49" charset="0"/>
+                <a:cs typeface="Courier New" pitchFamily="49" charset="0"/>
+              </a:rPr>
+              <a:t>&gt;&gt;plot(t,y); % t,y- same length</a:t>
+            </a:r>
+            <a:endParaRPr lang="he-IL" sz="1600" dirty="0" smtClean="0"/>
+          </a:p>
+          <a:p>
+            <a:r>
+              <a:rPr lang="he-IL" sz="2000" dirty="0" smtClean="0"/>
+              <a:t>חשבו את הנגזרת הראשונה באופן נומרי (כמשתנה </a:t>
+            </a:r>
+            <a:r>
+              <a:rPr lang="en-US" sz="2000" dirty="0" smtClean="0"/>
+              <a:t>dydt</a:t>
+            </a:r>
+            <a:r>
+              <a:rPr lang="he-IL" sz="2000" dirty="0" smtClean="0"/>
+              <a:t>) והציגו אותה בעזרת</a:t>
+            </a:r>
+          </a:p>
+          <a:p>
+            <a:pPr algn="l" rtl="0">
+              <a:buNone/>
+            </a:pPr>
+            <a:r>
+              <a:rPr lang="en-US" sz="1600" dirty="0" smtClean="0">
+                <a:latin typeface="Courier New" pitchFamily="49" charset="0"/>
+                <a:cs typeface="Courier New" pitchFamily="49" charset="0"/>
+              </a:rPr>
+              <a:t>&gt;&gt;hold on; plot(t,dydt,’r’) % in red. t,dydt – same length</a:t>
+            </a:r>
+            <a:endParaRPr lang="he-IL" sz="2000" dirty="0" smtClean="0"/>
+          </a:p>
+          <a:p>
+            <a:r>
+              <a:rPr lang="he-IL" sz="2000" dirty="0" smtClean="0"/>
+              <a:t>מהאות </a:t>
+            </a:r>
+            <a:r>
+              <a:rPr lang="en-US" sz="2000" dirty="0" smtClean="0"/>
+              <a:t>dydt</a:t>
+            </a:r>
+            <a:r>
+              <a:rPr lang="he-IL" sz="2000" dirty="0" smtClean="0"/>
+              <a:t> חשבו את האינטגרל המצטבר בעזרת</a:t>
+            </a:r>
+            <a:r>
+              <a:rPr lang="en-US" sz="2000" dirty="0" smtClean="0"/>
+              <a:t> </a:t>
+            </a:r>
+            <a:r>
+              <a:rPr lang="he-IL" sz="2000" dirty="0" smtClean="0"/>
+              <a:t> </a:t>
+            </a:r>
+            <a:r>
+              <a:rPr lang="en-US" sz="2000" dirty="0" smtClean="0"/>
+              <a:t>cumtrapz</a:t>
+            </a:r>
+            <a:r>
+              <a:rPr lang="he-IL" sz="2000" dirty="0" smtClean="0"/>
+              <a:t> או </a:t>
+            </a:r>
+            <a:r>
+              <a:rPr lang="en-US" sz="2000" dirty="0" smtClean="0"/>
+              <a:t>cumsum</a:t>
+            </a:r>
+            <a:r>
+              <a:rPr lang="he-IL" sz="2000" dirty="0" smtClean="0"/>
+              <a:t>. הציגו את התוצאה.</a:t>
+            </a:r>
+            <a:endParaRPr lang="en-US" sz="2000" dirty="0" smtClean="0"/>
+          </a:p>
+          <a:p>
+            <a:r>
+              <a:rPr lang="he-IL" sz="2000" dirty="0" smtClean="0"/>
+              <a:t>האם הגעתם בחזרה לפונקציה המקורית?</a:t>
+            </a:r>
+          </a:p>
+          <a:p>
+            <a:endParaRPr lang="he-IL" sz="2000" dirty="0" smtClean="0"/>
+          </a:p>
+        </p:txBody>
+      </p:sp>
+    </p:spTree>
+  </p:cSld>
+  <p:clrMapOvr>
+    <a:masterClrMapping/>
+  </p:clrMapOvr>
+  <p:timing>
+    <p:tnLst>
+      <p:par>
+        <p:cTn id="1" dur="indefinite" restart="never" nodeType="tmRoot"/>
+      </p:par>
+    </p:tnLst>
+  </p:timing>
+</p:sld>
+</file>
+
+<file path=ppt/slides/slide42.xml><?xml version="1.0" encoding="utf-8"?>
+<p:sld xmlns:a="http://schemas.openxmlformats.org/drawingml/2006/main" xmlns:r="http://schemas.openxmlformats.org/officeDocument/2006/relationships" xmlns:p="http://schemas.openxmlformats.org/presentationml/2006/main">
+  <p:cSld>
+    <p:spTree>
+      <p:nvGrpSpPr>
+        <p:cNvPr id="1" name=""/>
+        <p:cNvGrpSpPr/>
+        <p:nvPr/>
+      </p:nvGrpSpPr>
+      <p:grpSpPr>
+        <a:xfrm>
+          <a:off x="0" y="0"/>
+          <a:ext cx="0" cy="0"/>
+          <a:chOff x="0" y="0"/>
+          <a:chExt cx="0" cy="0"/>
+        </a:xfrm>
+      </p:grpSpPr>
+      <p:sp>
+        <p:nvSpPr>
+          <p:cNvPr id="2" name="Title 1"/>
+          <p:cNvSpPr>
+            <a:spLocks noGrp="1"/>
+          </p:cNvSpPr>
+          <p:nvPr>
+            <p:ph type="title"/>
+          </p:nvPr>
+        </p:nvSpPr>
+        <p:spPr/>
+        <p:txBody>
+          <a:bodyPr>
+            <a:noAutofit/>
+          </a:bodyPr>
+          <a:lstStyle/>
+          <a:p>
+            <a:r>
+              <a:rPr lang="he-IL" sz="4000" dirty="0" smtClean="0"/>
+              <a:t>גזירה ואינטגרציה נומרית – אומדן שגיאה</a:t>
+            </a:r>
+            <a:endParaRPr lang="en-US" sz="4000" dirty="0"/>
+          </a:p>
+        </p:txBody>
+      </p:sp>
+      <p:sp>
+        <p:nvSpPr>
+          <p:cNvPr id="3" name="Content Placeholder 2"/>
+          <p:cNvSpPr>
+            <a:spLocks noGrp="1"/>
+          </p:cNvSpPr>
+          <p:nvPr>
+            <p:ph idx="1"/>
+          </p:nvPr>
+        </p:nvSpPr>
+        <p:spPr/>
+        <p:txBody>
+          <a:bodyPr>
+            <a:normAutofit/>
+          </a:bodyPr>
+          <a:lstStyle/>
+          <a:p>
+            <a:r>
+              <a:rPr lang="he-IL" dirty="0" smtClean="0"/>
+              <a:t>ההפרש בין סדרת המקור לשחזורה:</a:t>
+            </a:r>
+          </a:p>
+          <a:p>
+            <a:r>
+              <a:rPr lang="he-IL" dirty="0" smtClean="0"/>
+              <a:t>נחפש פרמטר בודד שיתאר את השגיאה</a:t>
+            </a:r>
+          </a:p>
+          <a:p>
+            <a:pPr lvl="1"/>
+            <a:r>
+              <a:rPr lang="he-IL" dirty="0" smtClean="0"/>
+              <a:t>מתקבלת שגיאה ממוצעת אפס בשל סימטריות</a:t>
+            </a:r>
+          </a:p>
+          <a:p>
+            <a:pPr lvl="1"/>
+            <a:r>
+              <a:rPr lang="he-IL" dirty="0" smtClean="0"/>
+              <a:t>אמדן שגיאה אבסולוטית, הביטוי אינו גזיר</a:t>
+            </a:r>
+          </a:p>
+          <a:p>
+            <a:pPr lvl="1"/>
+            <a:r>
+              <a:rPr lang="he-IL" dirty="0" smtClean="0"/>
+              <a:t>שגיאה ריבועית ממוצעת</a:t>
+            </a:r>
+          </a:p>
+          <a:p>
+            <a:r>
+              <a:rPr lang="he-IL" dirty="0" smtClean="0"/>
+              <a:t>נרצה לנרמל את השגיאה (השגיאה תלויה באמפליטודה)</a:t>
+            </a:r>
+          </a:p>
+          <a:p>
+            <a:pPr lvl="1"/>
+            <a:r>
+              <a:rPr lang="he-IL" dirty="0" smtClean="0"/>
+              <a:t>חלוקה איבר איבר תגרום לחלוקה באפס:</a:t>
+            </a:r>
+          </a:p>
+          <a:p>
+            <a:pPr lvl="1">
+              <a:buNone/>
+            </a:pPr>
+            <a:r>
+              <a:rPr lang="en-US" sz="1800" dirty="0" smtClean="0">
+                <a:latin typeface="Courier New" pitchFamily="49" charset="0"/>
+                <a:cs typeface="Courier New" pitchFamily="49" charset="0"/>
+              </a:rPr>
+              <a:t>&gt;&gt; en = (y-y_int)./y</a:t>
+            </a:r>
+            <a:endParaRPr lang="he-IL" sz="1800" dirty="0" smtClean="0">
+              <a:latin typeface="Courier New" pitchFamily="49" charset="0"/>
+              <a:cs typeface="Courier New" pitchFamily="49" charset="0"/>
+            </a:endParaRPr>
+          </a:p>
+          <a:p>
+            <a:pPr lvl="1"/>
+            <a:r>
+              <a:rPr lang="he-IL" dirty="0" smtClean="0"/>
+              <a:t>חלוקה באנרגית אות המקור מונעת חלוקה באפס (חלוקת </a:t>
+            </a:r>
+            <a:r>
+              <a:rPr lang="en-US" dirty="0" smtClean="0"/>
+              <a:t>mse</a:t>
+            </a:r>
+            <a:r>
+              <a:rPr lang="he-IL" dirty="0" smtClean="0"/>
+              <a:t>)</a:t>
+            </a:r>
+          </a:p>
+          <a:p>
+            <a:pPr lvl="1">
+              <a:buNone/>
+            </a:pPr>
+            <a:endParaRPr lang="en-US" sz="1800" dirty="0" smtClean="0">
+              <a:latin typeface="Courier New" pitchFamily="49" charset="0"/>
+              <a:cs typeface="Courier New" pitchFamily="49" charset="0"/>
+            </a:endParaRPr>
+          </a:p>
+          <a:p>
+            <a:pPr lvl="1">
+              <a:buNone/>
+            </a:pPr>
+            <a:r>
+              <a:rPr lang="en-US" sz="1800" dirty="0" smtClean="0">
+                <a:latin typeface="Courier New" pitchFamily="49" charset="0"/>
+                <a:cs typeface="Courier New" pitchFamily="49" charset="0"/>
+              </a:rPr>
+              <a:t>&gt;&gt; en = norm(y-y_int)/norm(y)</a:t>
+            </a:r>
+            <a:endParaRPr lang="he-IL" sz="1800" dirty="0" smtClean="0">
+              <a:latin typeface="Courier New" pitchFamily="49" charset="0"/>
+              <a:cs typeface="Courier New" pitchFamily="49" charset="0"/>
+            </a:endParaRPr>
+          </a:p>
+          <a:p>
+            <a:pPr lvl="1">
+              <a:buNone/>
+            </a:pPr>
+            <a:endParaRPr lang="he-IL" dirty="0" smtClean="0"/>
+          </a:p>
+        </p:txBody>
+      </p:sp>
+      <p:graphicFrame>
+        <p:nvGraphicFramePr>
+          <p:cNvPr id="64514" name="Object 2"/>
+          <p:cNvGraphicFramePr>
+            <a:graphicFrameLocks noChangeAspect="1"/>
+          </p:cNvGraphicFramePr>
+          <p:nvPr/>
+        </p:nvGraphicFramePr>
+        <p:xfrm>
+          <a:off x="2286000" y="1524000"/>
+          <a:ext cx="1133475" cy="382588"/>
+        </p:xfrm>
+        <a:graphic>
+          <a:graphicData uri="http://schemas.openxmlformats.org/presentationml/2006/ole">
+            <mc:AlternateContent xmlns:mc="http://schemas.openxmlformats.org/markup-compatibility/2006">
+              <mc:Choice xmlns:v="urn:schemas-microsoft-com:vml" Requires="v">
+                <p:oleObj spid="_x0000_s64550" name="Equation" r:id="rId3" imgW="723586" imgH="241195" progId="Equation.DSMT4">
+                  <p:embed/>
+                </p:oleObj>
+              </mc:Choice>
+              <mc:Fallback>
+                <p:oleObj name="Equation" r:id="rId3" imgW="723586" imgH="241195" progId="Equation.DSMT4">
+                  <p:embed/>
+                  <p:pic>
+                    <p:nvPicPr>
+                      <p:cNvPr id="0" name="Picture 10"/>
+                      <p:cNvPicPr>
+                        <a:picLocks noChangeAspect="1" noChangeArrowheads="1"/>
+                      </p:cNvPicPr>
+                      <p:nvPr/>
+                    </p:nvPicPr>
+                    <p:blipFill>
+                      <a:blip r:embed="rId4">
+                        <a:extLst>
+                          <a:ext uri="{28A0092B-C50C-407E-A947-70E740481C1C}">
+                            <a14:useLocalDpi xmlns:a14="http://schemas.microsoft.com/office/drawing/2010/main" val="0"/>
+                          </a:ext>
+                        </a:extLst>
+                      </a:blip>
+                      <a:srcRect/>
+                      <a:stretch>
+                        <a:fillRect/>
+                      </a:stretch>
+                    </p:blipFill>
+                    <p:spPr bwMode="auto">
+                      <a:xfrm>
+                        <a:off x="2286000" y="1524000"/>
+                        <a:ext cx="1133475" cy="382588"/>
+                      </a:xfrm>
+                      <a:prstGeom prst="rect">
+                        <a:avLst/>
+                      </a:prstGeom>
+                      <a:noFill/>
+                      <a:extLst>
+                        <a:ext uri="{909E8E84-426E-40DD-AFC4-6F175D3DCCD1}">
+                          <a14:hiddenFill xmlns:a14="http://schemas.microsoft.com/office/drawing/2010/main">
+                            <a:solidFill>
+                              <a:srgbClr val="FFFFFF"/>
+                            </a:solidFill>
+                          </a14:hiddenFill>
+                        </a:ext>
+                      </a:extLst>
+                    </p:spPr>
+                  </p:pic>
+                </p:oleObj>
+              </mc:Fallback>
+            </mc:AlternateContent>
+          </a:graphicData>
+        </a:graphic>
+      </p:graphicFrame>
+      <p:graphicFrame>
+        <p:nvGraphicFramePr>
+          <p:cNvPr id="64515" name="Object 3"/>
+          <p:cNvGraphicFramePr>
+            <a:graphicFrameLocks noChangeAspect="1"/>
+          </p:cNvGraphicFramePr>
+          <p:nvPr/>
+        </p:nvGraphicFramePr>
+        <p:xfrm>
+          <a:off x="914400" y="2362200"/>
+          <a:ext cx="1570037" cy="1268412"/>
+        </p:xfrm>
+        <a:graphic>
+          <a:graphicData uri="http://schemas.openxmlformats.org/presentationml/2006/ole">
+            <mc:AlternateContent xmlns:mc="http://schemas.openxmlformats.org/markup-compatibility/2006">
+              <mc:Choice xmlns:v="urn:schemas-microsoft-com:vml" Requires="v">
+                <p:oleObj spid="_x0000_s64551" name="Equation" r:id="rId5" imgW="1002865" imgH="799753" progId="Equation.DSMT4">
+                  <p:embed/>
+                </p:oleObj>
+              </mc:Choice>
+              <mc:Fallback>
+                <p:oleObj name="Equation" r:id="rId5" imgW="1002865" imgH="799753" progId="Equation.DSMT4">
+                  <p:embed/>
+                  <p:pic>
+                    <p:nvPicPr>
+                      <p:cNvPr id="0" name="Picture 11"/>
+                      <p:cNvPicPr>
+                        <a:picLocks noChangeAspect="1" noChangeArrowheads="1"/>
+                      </p:cNvPicPr>
+                      <p:nvPr/>
+                    </p:nvPicPr>
+                    <p:blipFill>
+                      <a:blip r:embed="rId6">
+                        <a:extLst>
+                          <a:ext uri="{28A0092B-C50C-407E-A947-70E740481C1C}">
+                            <a14:useLocalDpi xmlns:a14="http://schemas.microsoft.com/office/drawing/2010/main" val="0"/>
+                          </a:ext>
+                        </a:extLst>
+                      </a:blip>
+                      <a:srcRect/>
+                      <a:stretch>
+                        <a:fillRect/>
+                      </a:stretch>
+                    </p:blipFill>
+                    <p:spPr bwMode="auto">
+                      <a:xfrm>
+                        <a:off x="914400" y="2362200"/>
+                        <a:ext cx="1570037" cy="1268412"/>
+                      </a:xfrm>
+                      <a:prstGeom prst="rect">
+                        <a:avLst/>
+                      </a:prstGeom>
+                      <a:noFill/>
+                      <a:extLst>
+                        <a:ext uri="{909E8E84-426E-40DD-AFC4-6F175D3DCCD1}">
+                          <a14:hiddenFill xmlns:a14="http://schemas.microsoft.com/office/drawing/2010/main">
+                            <a:solidFill>
+                              <a:srgbClr val="FFFFFF"/>
+                            </a:solidFill>
+                          </a14:hiddenFill>
+                        </a:ext>
+                      </a:extLst>
+                    </p:spPr>
+                  </p:pic>
+                </p:oleObj>
+              </mc:Fallback>
+            </mc:AlternateContent>
+          </a:graphicData>
+        </a:graphic>
+      </p:graphicFrame>
+      <p:graphicFrame>
+        <p:nvGraphicFramePr>
+          <p:cNvPr id="64516" name="Object 4"/>
+          <p:cNvGraphicFramePr>
+            <a:graphicFrameLocks noChangeAspect="1"/>
+          </p:cNvGraphicFramePr>
+          <p:nvPr/>
+        </p:nvGraphicFramePr>
+        <p:xfrm>
+          <a:off x="2084388" y="4257675"/>
+          <a:ext cx="1292225" cy="723900"/>
+        </p:xfrm>
+        <a:graphic>
+          <a:graphicData uri="http://schemas.openxmlformats.org/presentationml/2006/ole">
+            <mc:AlternateContent xmlns:mc="http://schemas.openxmlformats.org/markup-compatibility/2006">
+              <mc:Choice xmlns:v="urn:schemas-microsoft-com:vml" Requires="v">
+                <p:oleObj spid="_x0000_s64552" name="Equation" r:id="rId7" imgW="825500" imgH="457200" progId="Equation.DSMT4">
+                  <p:embed/>
+                </p:oleObj>
+              </mc:Choice>
+              <mc:Fallback>
+                <p:oleObj name="Equation" r:id="rId7" imgW="825500" imgH="457200" progId="Equation.DSMT4">
+                  <p:embed/>
+                  <p:pic>
+                    <p:nvPicPr>
+                      <p:cNvPr id="0" name="Picture 12"/>
+                      <p:cNvPicPr>
+                        <a:picLocks noChangeAspect="1" noChangeArrowheads="1"/>
+                      </p:cNvPicPr>
+                      <p:nvPr/>
+                    </p:nvPicPr>
+                    <p:blipFill>
+                      <a:blip r:embed="rId8">
+                        <a:extLst>
+                          <a:ext uri="{28A0092B-C50C-407E-A947-70E740481C1C}">
+                            <a14:useLocalDpi xmlns:a14="http://schemas.microsoft.com/office/drawing/2010/main" val="0"/>
+                          </a:ext>
+                        </a:extLst>
+                      </a:blip>
+                      <a:srcRect/>
+                      <a:stretch>
+                        <a:fillRect/>
+                      </a:stretch>
+                    </p:blipFill>
+                    <p:spPr bwMode="auto">
+                      <a:xfrm>
+                        <a:off x="2084388" y="4257675"/>
+                        <a:ext cx="1292225" cy="723900"/>
+                      </a:xfrm>
+                      <a:prstGeom prst="rect">
+                        <a:avLst/>
+                      </a:prstGeom>
+                      <a:noFill/>
+                      <a:extLst>
+                        <a:ext uri="{909E8E84-426E-40DD-AFC4-6F175D3DCCD1}">
+                          <a14:hiddenFill xmlns:a14="http://schemas.microsoft.com/office/drawing/2010/main">
+                            <a:solidFill>
+                              <a:srgbClr val="FFFFFF"/>
+                            </a:solidFill>
+                          </a14:hiddenFill>
+                        </a:ext>
+                      </a:extLst>
+                    </p:spPr>
+                  </p:pic>
+                </p:oleObj>
+              </mc:Fallback>
+            </mc:AlternateContent>
+          </a:graphicData>
+        </a:graphic>
+      </p:graphicFrame>
+      <p:graphicFrame>
+        <p:nvGraphicFramePr>
+          <p:cNvPr id="64517" name="Object 5"/>
+          <p:cNvGraphicFramePr>
+            <a:graphicFrameLocks noChangeAspect="1"/>
+          </p:cNvGraphicFramePr>
+          <p:nvPr/>
+        </p:nvGraphicFramePr>
+        <p:xfrm>
+          <a:off x="1663700" y="5334000"/>
+          <a:ext cx="2044700" cy="1008062"/>
+        </p:xfrm>
+        <a:graphic>
+          <a:graphicData uri="http://schemas.openxmlformats.org/presentationml/2006/ole">
+            <mc:AlternateContent xmlns:mc="http://schemas.openxmlformats.org/markup-compatibility/2006">
+              <mc:Choice xmlns:v="urn:schemas-microsoft-com:vml" Requires="v">
+                <p:oleObj spid="_x0000_s64553" name="Equation" r:id="rId9" imgW="1307532" imgH="634725" progId="Equation.DSMT4">
+                  <p:embed/>
+                </p:oleObj>
+              </mc:Choice>
+              <mc:Fallback>
+                <p:oleObj name="Equation" r:id="rId9" imgW="1307532" imgH="634725" progId="Equation.DSMT4">
+                  <p:embed/>
+                  <p:pic>
+                    <p:nvPicPr>
+                      <p:cNvPr id="0" name="Picture 13"/>
+                      <p:cNvPicPr>
+                        <a:picLocks noChangeAspect="1" noChangeArrowheads="1"/>
+                      </p:cNvPicPr>
+                      <p:nvPr/>
+                    </p:nvPicPr>
+                    <p:blipFill>
+                      <a:blip r:embed="rId10">
+                        <a:extLst>
+                          <a:ext uri="{28A0092B-C50C-407E-A947-70E740481C1C}">
+                            <a14:useLocalDpi xmlns:a14="http://schemas.microsoft.com/office/drawing/2010/main" val="0"/>
+                          </a:ext>
+                        </a:extLst>
+                      </a:blip>
+                      <a:srcRect/>
+                      <a:stretch>
+                        <a:fillRect/>
+                      </a:stretch>
+                    </p:blipFill>
+                    <p:spPr bwMode="auto">
+                      <a:xfrm>
+                        <a:off x="1663700" y="5334000"/>
+                        <a:ext cx="2044700" cy="1008062"/>
+                      </a:xfrm>
+                      <a:prstGeom prst="rect">
+                        <a:avLst/>
+                      </a:prstGeom>
+                      <a:noFill/>
+                      <a:extLst>
+                        <a:ext uri="{909E8E84-426E-40DD-AFC4-6F175D3DCCD1}">
+                          <a14:hiddenFill xmlns:a14="http://schemas.microsoft.com/office/drawing/2010/main">
+                            <a:solidFill>
+                              <a:srgbClr val="FFFFFF"/>
+                            </a:solidFill>
+                          </a14:hiddenFill>
+                        </a:ext>
+                      </a:extLst>
+                    </p:spPr>
+                  </p:pic>
+                </p:oleObj>
+              </mc:Fallback>
+            </mc:AlternateContent>
+          </a:graphicData>
+        </a:graphic>
+      </p:graphicFrame>
+    </p:spTree>
+  </p:cSld>
+  <p:clrMapOvr>
+    <a:masterClrMapping/>
+  </p:clrMapOvr>
+  <p:timing>
+    <p:tnLst>
+      <p:par>
+        <p:cTn id="1" dur="indefinite" restart="never" nodeType="tmRoot"/>
+      </p:par>
+    </p:tnLst>
+  </p:timing>
+</p:sld>
+</file>
+
+<file path=ppt/slides/slide43.xml><?xml version="1.0" encoding="utf-8"?>
+<p:sld xmlns:a="http://schemas.openxmlformats.org/drawingml/2006/main" xmlns:r="http://schemas.openxmlformats.org/officeDocument/2006/relationships" xmlns:p="http://schemas.openxmlformats.org/presentationml/2006/main">
+  <p:cSld>
+    <p:spTree>
+      <p:nvGrpSpPr>
+        <p:cNvPr id="1" name=""/>
+        <p:cNvGrpSpPr/>
+        <p:nvPr/>
+      </p:nvGrpSpPr>
+      <p:grpSpPr>
+        <a:xfrm>
+          <a:off x="0" y="0"/>
+          <a:ext cx="0" cy="0"/>
+          <a:chOff x="0" y="0"/>
+          <a:chExt cx="0" cy="0"/>
+        </a:xfrm>
+      </p:grpSpPr>
+      <p:sp>
+        <p:nvSpPr>
+          <p:cNvPr id="2" name="Title 1"/>
+          <p:cNvSpPr>
+            <a:spLocks noGrp="1"/>
+          </p:cNvSpPr>
+          <p:nvPr>
+            <p:ph type="title"/>
+          </p:nvPr>
+        </p:nvSpPr>
+        <p:spPr/>
+        <p:txBody>
+          <a:bodyPr>
+            <a:normAutofit/>
+          </a:bodyPr>
+          <a:lstStyle/>
+          <a:p>
+            <a:r>
+              <a:rPr dirty="0" smtClean="0"/>
+              <a:t> </a:t>
+            </a:r>
+            <a:r>
+              <a:rPr lang="he-IL" dirty="0" smtClean="0"/>
+              <a:t>טרנספורמציות ליניאריות ב-</a:t>
+            </a:r>
+            <a:r>
+              <a:rPr dirty="0" smtClean="0"/>
+              <a:t>2D</a:t>
+            </a:r>
+            <a:endParaRPr lang="en-US" dirty="0"/>
+          </a:p>
+        </p:txBody>
+      </p:sp>
+      <p:sp>
+        <p:nvSpPr>
+          <p:cNvPr id="3" name="Content Placeholder 2"/>
+          <p:cNvSpPr>
+            <a:spLocks noGrp="1"/>
+          </p:cNvSpPr>
+          <p:nvPr>
+            <p:ph idx="1"/>
+          </p:nvPr>
+        </p:nvSpPr>
+        <p:spPr/>
+        <p:txBody>
+          <a:bodyPr/>
+          <a:lstStyle/>
+          <a:p>
+            <a:r>
+              <a:rPr lang="he-IL" dirty="0" smtClean="0"/>
+              <a:t>הזזה (</a:t>
+            </a:r>
+            <a:r>
+              <a:rPr lang="en-US" dirty="0" smtClean="0"/>
+              <a:t>x0,y0</a:t>
+            </a:r>
+            <a:r>
+              <a:rPr lang="he-IL" dirty="0" smtClean="0"/>
+              <a:t>) , סיבוב (</a:t>
+            </a:r>
+            <a:r>
+              <a:rPr lang="he-IL" dirty="0" smtClean="0">
+                <a:sym typeface="Symbol"/>
+              </a:rPr>
+              <a:t>)</a:t>
+            </a:r>
+            <a:r>
+              <a:rPr lang="he-IL" dirty="0" smtClean="0"/>
+              <a:t> , </a:t>
+            </a:r>
+            <a:r>
+              <a:rPr lang="en-US" dirty="0" smtClean="0"/>
+              <a:t>scaling</a:t>
+            </a:r>
+            <a:r>
+              <a:rPr lang="he-IL" dirty="0" smtClean="0"/>
+              <a:t> (</a:t>
+            </a:r>
+            <a:r>
+              <a:rPr lang="en-US" dirty="0" smtClean="0"/>
+              <a:t>s</a:t>
+            </a:r>
+            <a:r>
+              <a:rPr lang="he-IL" dirty="0" smtClean="0"/>
+              <a:t>)</a:t>
+            </a:r>
+            <a:endParaRPr lang="en-US" dirty="0" smtClean="0"/>
+          </a:p>
+          <a:p>
+            <a:endParaRPr lang="en-US" dirty="0" smtClean="0"/>
+          </a:p>
+          <a:p>
+            <a:endParaRPr lang="en-US" dirty="0" smtClean="0"/>
+          </a:p>
+          <a:p>
+            <a:endParaRPr lang="en-US" dirty="0" smtClean="0"/>
+          </a:p>
+          <a:p>
+            <a:r>
+              <a:rPr lang="he-IL" dirty="0" smtClean="0"/>
+              <a:t>נפשט את הביטוי</a:t>
+            </a:r>
+            <a:endParaRPr lang="en-US" dirty="0"/>
+          </a:p>
+        </p:txBody>
+      </p:sp>
+      <p:graphicFrame>
+        <p:nvGraphicFramePr>
+          <p:cNvPr id="65538" name="Object 2"/>
+          <p:cNvGraphicFramePr>
+            <a:graphicFrameLocks noChangeAspect="1"/>
+          </p:cNvGraphicFramePr>
+          <p:nvPr/>
+        </p:nvGraphicFramePr>
+        <p:xfrm>
+          <a:off x="2133600" y="2133600"/>
+          <a:ext cx="5368925" cy="1174750"/>
+        </p:xfrm>
+        <a:graphic>
+          <a:graphicData uri="http://schemas.openxmlformats.org/presentationml/2006/ole">
+            <mc:AlternateContent xmlns:mc="http://schemas.openxmlformats.org/markup-compatibility/2006">
+              <mc:Choice xmlns:v="urn:schemas-microsoft-com:vml" Requires="v">
+                <p:oleObj spid="_x0000_s65556" name="Equation" r:id="rId3" imgW="2235200" imgH="482600" progId="Equation.DSMT4">
+                  <p:embed/>
+                </p:oleObj>
+              </mc:Choice>
+              <mc:Fallback>
+                <p:oleObj name="Equation" r:id="rId3" imgW="2235200" imgH="482600" progId="Equation.DSMT4">
+                  <p:embed/>
+                  <p:pic>
+                    <p:nvPicPr>
+                      <p:cNvPr id="0" name="Picture 6"/>
+                      <p:cNvPicPr>
+                        <a:picLocks noChangeAspect="1" noChangeArrowheads="1"/>
+                      </p:cNvPicPr>
+                      <p:nvPr/>
+                    </p:nvPicPr>
+                    <p:blipFill>
+                      <a:blip r:embed="rId4">
+                        <a:extLst>
+                          <a:ext uri="{28A0092B-C50C-407E-A947-70E740481C1C}">
+                            <a14:useLocalDpi xmlns:a14="http://schemas.microsoft.com/office/drawing/2010/main" val="0"/>
+                          </a:ext>
+                        </a:extLst>
+                      </a:blip>
+                      <a:srcRect/>
+                      <a:stretch>
+                        <a:fillRect/>
+                      </a:stretch>
+                    </p:blipFill>
+                    <p:spPr bwMode="auto">
+                      <a:xfrm>
+                        <a:off x="2133600" y="2133600"/>
+                        <a:ext cx="5368925" cy="1174750"/>
+                      </a:xfrm>
+                      <a:prstGeom prst="rect">
+                        <a:avLst/>
+                      </a:prstGeom>
+                      <a:noFill/>
+                      <a:extLst>
+                        <a:ext uri="{909E8E84-426E-40DD-AFC4-6F175D3DCCD1}">
+                          <a14:hiddenFill xmlns:a14="http://schemas.microsoft.com/office/drawing/2010/main">
+                            <a:solidFill>
+                              <a:srgbClr val="FFFFFF"/>
+                            </a:solidFill>
+                          </a14:hiddenFill>
+                        </a:ext>
+                      </a:extLst>
+                    </p:spPr>
+                  </p:pic>
+                </p:oleObj>
+              </mc:Fallback>
+            </mc:AlternateContent>
+          </a:graphicData>
+        </a:graphic>
+      </p:graphicFrame>
+      <p:graphicFrame>
+        <p:nvGraphicFramePr>
+          <p:cNvPr id="65539" name="Object 3"/>
+          <p:cNvGraphicFramePr>
+            <a:graphicFrameLocks noChangeAspect="1"/>
+          </p:cNvGraphicFramePr>
+          <p:nvPr/>
+        </p:nvGraphicFramePr>
+        <p:xfrm>
+          <a:off x="1563687" y="3962400"/>
+          <a:ext cx="6132513" cy="1793875"/>
+        </p:xfrm>
+        <a:graphic>
+          <a:graphicData uri="http://schemas.openxmlformats.org/presentationml/2006/ole">
+            <mc:AlternateContent xmlns:mc="http://schemas.openxmlformats.org/markup-compatibility/2006">
+              <mc:Choice xmlns:v="urn:schemas-microsoft-com:vml" Requires="v">
+                <p:oleObj spid="_x0000_s65557" name="Equation" r:id="rId5" imgW="2552700" imgH="736600" progId="Equation.DSMT4">
+                  <p:embed/>
+                </p:oleObj>
+              </mc:Choice>
+              <mc:Fallback>
+                <p:oleObj name="Equation" r:id="rId5" imgW="2552700" imgH="736600" progId="Equation.DSMT4">
+                  <p:embed/>
+                  <p:pic>
+                    <p:nvPicPr>
+                      <p:cNvPr id="0" name="Picture 7"/>
+                      <p:cNvPicPr>
+                        <a:picLocks noChangeAspect="1" noChangeArrowheads="1"/>
+                      </p:cNvPicPr>
+                      <p:nvPr/>
+                    </p:nvPicPr>
+                    <p:blipFill>
+                      <a:blip r:embed="rId6">
+                        <a:extLst>
+                          <a:ext uri="{28A0092B-C50C-407E-A947-70E740481C1C}">
+                            <a14:useLocalDpi xmlns:a14="http://schemas.microsoft.com/office/drawing/2010/main" val="0"/>
+                          </a:ext>
+                        </a:extLst>
+                      </a:blip>
+                      <a:srcRect/>
+                      <a:stretch>
+                        <a:fillRect/>
+                      </a:stretch>
+                    </p:blipFill>
+                    <p:spPr bwMode="auto">
+                      <a:xfrm>
+                        <a:off x="1563687" y="3962400"/>
+                        <a:ext cx="6132513" cy="1793875"/>
+                      </a:xfrm>
+                      <a:prstGeom prst="rect">
+                        <a:avLst/>
+                      </a:prstGeom>
+                      <a:noFill/>
+                      <a:extLst>
+                        <a:ext uri="{909E8E84-426E-40DD-AFC4-6F175D3DCCD1}">
+                          <a14:hiddenFill xmlns:a14="http://schemas.microsoft.com/office/drawing/2010/main">
+                            <a:solidFill>
+                              <a:srgbClr val="FFFFFF"/>
+                            </a:solidFill>
+                          </a14:hiddenFill>
+                        </a:ext>
+                      </a:extLst>
+                    </p:spPr>
+                  </p:pic>
+                </p:oleObj>
+              </mc:Fallback>
+            </mc:AlternateContent>
+          </a:graphicData>
+        </a:graphic>
+      </p:graphicFrame>
     </p:spTree>
   </p:cSld>
   <p:clrMapOvr>
@@ -15046,859 +15782,17 @@
         </p:nvSpPr>
         <p:spPr/>
         <p:txBody>
-          <a:bodyPr/>
-          <a:lstStyle/>
-          <a:p>
-            <a:r>
-              <a:rPr lang="he-IL" dirty="0" smtClean="0"/>
-              <a:t>גזירה נומרית</a:t>
-            </a:r>
-            <a:endParaRPr lang="en-US" dirty="0"/>
-          </a:p>
-        </p:txBody>
-      </p:sp>
-      <p:sp>
-        <p:nvSpPr>
-          <p:cNvPr id="3" name="Content Placeholder 2"/>
-          <p:cNvSpPr>
-            <a:spLocks noGrp="1"/>
-          </p:cNvSpPr>
-          <p:nvPr>
-            <p:ph idx="1"/>
-          </p:nvPr>
-        </p:nvSpPr>
-        <p:spPr>
-          <a:xfrm>
-            <a:off x="457200" y="1447800"/>
-            <a:ext cx="8229600" cy="5029200"/>
-          </a:xfrm>
-        </p:spPr>
-        <p:txBody>
           <a:bodyPr>
             <a:normAutofit/>
           </a:bodyPr>
           <a:lstStyle/>
           <a:p>
             <a:r>
-              <a:rPr lang="he-IL" sz="2000" dirty="0" smtClean="0"/>
-              <a:t>הנגזרת הדיפרנציאלית, אותה מקבלים בהשאפת מרווח הדגימה ל-0 נשארת, עבור סדרות דיסקרטיות, במובן הפרמיטיבי שלה:</a:t>
-            </a:r>
-          </a:p>
-          <a:p>
-            <a:pPr>
-              <a:buNone/>
-            </a:pPr>
-            <a:endParaRPr lang="he-IL" sz="2000" dirty="0" smtClean="0"/>
-          </a:p>
-          <a:p>
-            <a:r>
-              <a:rPr lang="he-IL" sz="2000" dirty="0" smtClean="0"/>
-              <a:t>הפרשים קדמיים</a:t>
-            </a:r>
-          </a:p>
-          <a:p>
-            <a:pPr>
-              <a:buNone/>
-            </a:pPr>
-            <a:endParaRPr lang="he-IL" sz="2000" dirty="0" smtClean="0"/>
-          </a:p>
-          <a:p>
-            <a:r>
-              <a:rPr lang="he-IL" sz="2000" dirty="0" smtClean="0"/>
-              <a:t>מובן כי בחישוב הפרשים מקטינים את אורך הסדרה. ניתן להימנע מיצירת פאזה בין סדרת המקור לסדרת ההפרשים באמצעות הנגזרת המרכזית</a:t>
-            </a:r>
-          </a:p>
-          <a:p>
-            <a:endParaRPr lang="he-IL" sz="2000" dirty="0" smtClean="0"/>
-          </a:p>
-          <a:p>
-            <a:r>
-              <a:rPr lang="he-IL" sz="2000" dirty="0" smtClean="0"/>
-              <a:t>הפרשים מרכזיים</a:t>
-            </a:r>
-          </a:p>
-          <a:p>
-            <a:endParaRPr lang="he-IL" sz="2000" dirty="0" smtClean="0"/>
-          </a:p>
-          <a:p>
-            <a:r>
-              <a:rPr lang="he-IL" sz="2000" dirty="0" smtClean="0"/>
-              <a:t>מכיוון שלרוב עובדים עם מדידות מעשיות, נגזרת מבליטה רעש נומרי.</a:t>
-            </a:r>
-          </a:p>
-          <a:p>
-            <a:r>
-              <a:rPr lang="he-IL" sz="2000" dirty="0" smtClean="0"/>
-              <a:t>בשל ייצוג מוגבל של תחום הערכים האפשריים, הדיוק </a:t>
-            </a:r>
-            <a:r>
-              <a:rPr lang="he-IL" sz="2000" u="sng" dirty="0" smtClean="0"/>
-              <a:t>הכי טוב</a:t>
-            </a:r>
-            <a:r>
-              <a:rPr lang="he-IL" sz="2000" dirty="0" smtClean="0"/>
-              <a:t> שניתן לקבל הוא גודל מרווח הדגימה.</a:t>
-            </a:r>
-          </a:p>
-          <a:p>
-            <a:r>
-              <a:rPr lang="he-IL" sz="2000" dirty="0" smtClean="0"/>
-              <a:t>הכרת פונקציות נומריות מובנות:  </a:t>
-            </a:r>
-            <a:r>
-              <a:rPr lang="en-US" sz="2000" dirty="0" smtClean="0"/>
-              <a:t>gradient ,diff</a:t>
-            </a:r>
-            <a:r>
-              <a:rPr lang="he-IL" sz="2000" dirty="0" smtClean="0"/>
-              <a:t>.</a:t>
-            </a:r>
-            <a:endParaRPr lang="en-US" sz="2000" dirty="0" smtClean="0"/>
-          </a:p>
-        </p:txBody>
-      </p:sp>
-      <p:graphicFrame>
-        <p:nvGraphicFramePr>
-          <p:cNvPr id="55297" name="Object 1"/>
-          <p:cNvGraphicFramePr>
-            <a:graphicFrameLocks noChangeAspect="1"/>
-          </p:cNvGraphicFramePr>
-          <p:nvPr/>
-        </p:nvGraphicFramePr>
-        <p:xfrm>
-          <a:off x="1227137" y="2362200"/>
-          <a:ext cx="4716463" cy="725488"/>
-        </p:xfrm>
-        <a:graphic>
-          <a:graphicData uri="http://schemas.openxmlformats.org/presentationml/2006/ole">
-            <p:oleObj spid="_x0000_s55301" name="Equation" r:id="rId3" imgW="3009900" imgH="457200" progId="Equation.DSMT4">
-              <p:embed/>
-            </p:oleObj>
-          </a:graphicData>
-        </a:graphic>
-      </p:graphicFrame>
-      <p:graphicFrame>
-        <p:nvGraphicFramePr>
-          <p:cNvPr id="55298" name="Object 2"/>
-          <p:cNvGraphicFramePr>
-            <a:graphicFrameLocks noChangeAspect="1"/>
-          </p:cNvGraphicFramePr>
-          <p:nvPr/>
-        </p:nvGraphicFramePr>
-        <p:xfrm>
-          <a:off x="990600" y="4114800"/>
-          <a:ext cx="5173663" cy="725488"/>
-        </p:xfrm>
-        <a:graphic>
-          <a:graphicData uri="http://schemas.openxmlformats.org/presentationml/2006/ole">
-            <p:oleObj spid="_x0000_s55302" name="Equation" r:id="rId4" imgW="3302000" imgH="457200" progId="Equation.DSMT4">
-              <p:embed/>
-            </p:oleObj>
-          </a:graphicData>
-        </a:graphic>
-      </p:graphicFrame>
-    </p:spTree>
-  </p:cSld>
-  <p:clrMapOvr>
-    <a:masterClrMapping/>
-  </p:clrMapOvr>
-  <p:timing>
-    <p:tnLst>
-      <p:par>
-        <p:cTn id="1" dur="indefinite" restart="never" nodeType="tmRoot"/>
-      </p:par>
-    </p:tnLst>
-  </p:timing>
-</p:sld>
-</file>
-
-<file path=ppt/slides/slide45.xml><?xml version="1.0" encoding="utf-8"?>
-<p:sld xmlns:a="http://schemas.openxmlformats.org/drawingml/2006/main" xmlns:r="http://schemas.openxmlformats.org/officeDocument/2006/relationships" xmlns:p="http://schemas.openxmlformats.org/presentationml/2006/main">
-  <p:cSld>
-    <p:spTree>
-      <p:nvGrpSpPr>
-        <p:cNvPr id="1" name=""/>
-        <p:cNvGrpSpPr/>
-        <p:nvPr/>
-      </p:nvGrpSpPr>
-      <p:grpSpPr>
-        <a:xfrm>
-          <a:off x="0" y="0"/>
-          <a:ext cx="0" cy="0"/>
-          <a:chOff x="0" y="0"/>
-          <a:chExt cx="0" cy="0"/>
-        </a:xfrm>
-      </p:grpSpPr>
-      <p:sp>
-        <p:nvSpPr>
-          <p:cNvPr id="2" name="Title 1"/>
-          <p:cNvSpPr>
-            <a:spLocks noGrp="1"/>
-          </p:cNvSpPr>
-          <p:nvPr>
-            <p:ph type="title"/>
-          </p:nvPr>
-        </p:nvSpPr>
-        <p:spPr/>
-        <p:txBody>
-          <a:bodyPr/>
-          <a:lstStyle/>
-          <a:p>
-            <a:r>
-              <a:rPr lang="he-IL" dirty="0" smtClean="0"/>
-              <a:t>גזירה נומרית</a:t>
-            </a:r>
-            <a:endParaRPr lang="en-US" dirty="0"/>
-          </a:p>
-        </p:txBody>
-      </p:sp>
-      <p:sp>
-        <p:nvSpPr>
-          <p:cNvPr id="3" name="Content Placeholder 2"/>
-          <p:cNvSpPr>
-            <a:spLocks noGrp="1"/>
-          </p:cNvSpPr>
-          <p:nvPr>
-            <p:ph idx="1"/>
-          </p:nvPr>
-        </p:nvSpPr>
-        <p:spPr/>
-        <p:txBody>
-          <a:bodyPr>
-            <a:normAutofit/>
-          </a:bodyPr>
-          <a:lstStyle/>
-          <a:p>
-            <a:r>
-              <a:rPr lang="he-IL" sz="2000" dirty="0" smtClean="0"/>
-              <a:t>משימה: עבור האות הבא</a:t>
-            </a:r>
-          </a:p>
-          <a:p>
-            <a:pPr algn="l" rtl="0">
-              <a:buNone/>
-            </a:pPr>
-            <a:r>
-              <a:rPr lang="en-US" sz="1600" dirty="0" smtClean="0">
-                <a:latin typeface="Courier New" pitchFamily="49" charset="0"/>
-                <a:cs typeface="Courier New" pitchFamily="49" charset="0"/>
-              </a:rPr>
-              <a:t>&gt;&gt; dt=0.05; t=(0:dt:2)’;</a:t>
-            </a:r>
-            <a:endParaRPr lang="he-IL" sz="1600" dirty="0" smtClean="0">
-              <a:latin typeface="Courier New" pitchFamily="49" charset="0"/>
-              <a:cs typeface="Courier New" pitchFamily="49" charset="0"/>
-            </a:endParaRPr>
-          </a:p>
-          <a:p>
-            <a:pPr algn="l" rtl="0">
-              <a:buNone/>
-            </a:pPr>
-            <a:r>
-              <a:rPr lang="en-US" sz="1600" dirty="0" smtClean="0">
-                <a:latin typeface="Courier New" pitchFamily="49" charset="0"/>
-                <a:cs typeface="Courier New" pitchFamily="49" charset="0"/>
-              </a:rPr>
-              <a:t>&gt;&gt; y=sin(2*pi*t);</a:t>
-            </a:r>
-            <a:endParaRPr lang="he-IL" sz="1600" dirty="0" smtClean="0">
-              <a:latin typeface="Courier New" pitchFamily="49" charset="0"/>
-              <a:cs typeface="Courier New" pitchFamily="49" charset="0"/>
-            </a:endParaRPr>
-          </a:p>
-          <a:p>
-            <a:r>
-              <a:rPr lang="he-IL" sz="2000" dirty="0" smtClean="0"/>
-              <a:t>הציגו את האות ע"י הפקודה</a:t>
-            </a:r>
-            <a:endParaRPr lang="en-US" sz="2000" dirty="0" smtClean="0"/>
-          </a:p>
-          <a:p>
-            <a:pPr algn="l" rtl="0">
-              <a:buNone/>
-            </a:pPr>
-            <a:r>
-              <a:rPr lang="en-US" sz="1600" dirty="0" smtClean="0">
-                <a:latin typeface="Courier New" pitchFamily="49" charset="0"/>
-                <a:cs typeface="Courier New" pitchFamily="49" charset="0"/>
-              </a:rPr>
-              <a:t>&gt;&gt;plot(t,y); % t,y- same length</a:t>
-            </a:r>
-            <a:endParaRPr lang="he-IL" sz="1600" dirty="0" smtClean="0"/>
-          </a:p>
-          <a:p>
-            <a:r>
-              <a:rPr lang="he-IL" sz="2000" dirty="0" smtClean="0"/>
-              <a:t>חשבו את הנגזרת הראשונה באופן נומרי (כמשתנה </a:t>
-            </a:r>
-            <a:r>
-              <a:rPr lang="en-US" sz="2000" dirty="0" smtClean="0"/>
-              <a:t>dydt</a:t>
-            </a:r>
-            <a:r>
-              <a:rPr lang="he-IL" sz="2000" dirty="0" smtClean="0"/>
-              <a:t>) והציגו אותה בעזרת</a:t>
-            </a:r>
-          </a:p>
-          <a:p>
-            <a:pPr algn="l" rtl="0">
-              <a:buNone/>
-            </a:pPr>
-            <a:r>
-              <a:rPr lang="en-US" sz="1600" dirty="0" smtClean="0">
-                <a:latin typeface="Courier New" pitchFamily="49" charset="0"/>
-                <a:cs typeface="Courier New" pitchFamily="49" charset="0"/>
-              </a:rPr>
-              <a:t>&gt;&gt;hold on; plot(t,dydt,’r’) % in red. t,dydt – same length</a:t>
-            </a:r>
-            <a:endParaRPr lang="he-IL" sz="2000" dirty="0" smtClean="0"/>
-          </a:p>
-          <a:p>
-            <a:r>
-              <a:rPr lang="he-IL" sz="2000" dirty="0" smtClean="0"/>
-              <a:t>מהאות </a:t>
-            </a:r>
-            <a:r>
-              <a:rPr lang="en-US" sz="2000" dirty="0" smtClean="0"/>
-              <a:t>dydt</a:t>
-            </a:r>
-            <a:r>
-              <a:rPr lang="he-IL" sz="2000" dirty="0" smtClean="0"/>
-              <a:t> חשבו את האינטגרל המצטבר בעזרת</a:t>
-            </a:r>
-            <a:r>
-              <a:rPr lang="en-US" sz="2000" dirty="0" smtClean="0"/>
-              <a:t> </a:t>
-            </a:r>
-            <a:r>
-              <a:rPr lang="he-IL" sz="2000" dirty="0" smtClean="0"/>
-              <a:t> </a:t>
-            </a:r>
-            <a:r>
-              <a:rPr lang="en-US" sz="2000" dirty="0" smtClean="0"/>
-              <a:t>cumtrapz</a:t>
-            </a:r>
-            <a:r>
-              <a:rPr lang="he-IL" sz="2000" dirty="0" smtClean="0"/>
-              <a:t> או </a:t>
-            </a:r>
-            <a:r>
-              <a:rPr lang="en-US" sz="2000" dirty="0" smtClean="0"/>
-              <a:t>cumsum</a:t>
-            </a:r>
-            <a:r>
-              <a:rPr lang="he-IL" sz="2000" dirty="0" smtClean="0"/>
-              <a:t>. הציגו את התוצאה.</a:t>
-            </a:r>
-            <a:endParaRPr lang="en-US" sz="2000" dirty="0" smtClean="0"/>
-          </a:p>
-          <a:p>
-            <a:r>
-              <a:rPr lang="he-IL" sz="2000" dirty="0" smtClean="0"/>
-              <a:t>האם הגעתם בחזרה לפונקציה המקורית?</a:t>
-            </a:r>
-          </a:p>
-          <a:p>
-            <a:endParaRPr lang="he-IL" sz="2000" dirty="0" smtClean="0"/>
-          </a:p>
-        </p:txBody>
-      </p:sp>
-    </p:spTree>
-  </p:cSld>
-  <p:clrMapOvr>
-    <a:masterClrMapping/>
-  </p:clrMapOvr>
-  <p:timing>
-    <p:tnLst>
-      <p:par>
-        <p:cTn id="1" dur="indefinite" restart="never" nodeType="tmRoot"/>
-      </p:par>
-    </p:tnLst>
-  </p:timing>
-</p:sld>
-</file>
-
-<file path=ppt/slides/slide46.xml><?xml version="1.0" encoding="utf-8"?>
-<p:sld xmlns:a="http://schemas.openxmlformats.org/drawingml/2006/main" xmlns:r="http://schemas.openxmlformats.org/officeDocument/2006/relationships" xmlns:p="http://schemas.openxmlformats.org/presentationml/2006/main">
-  <p:cSld>
-    <p:spTree>
-      <p:nvGrpSpPr>
-        <p:cNvPr id="1" name=""/>
-        <p:cNvGrpSpPr/>
-        <p:nvPr/>
-      </p:nvGrpSpPr>
-      <p:grpSpPr>
-        <a:xfrm>
-          <a:off x="0" y="0"/>
-          <a:ext cx="0" cy="0"/>
-          <a:chOff x="0" y="0"/>
-          <a:chExt cx="0" cy="0"/>
-        </a:xfrm>
-      </p:grpSpPr>
-      <p:sp>
-        <p:nvSpPr>
-          <p:cNvPr id="2" name="Title 1"/>
-          <p:cNvSpPr>
-            <a:spLocks noGrp="1"/>
-          </p:cNvSpPr>
-          <p:nvPr>
-            <p:ph type="title"/>
-          </p:nvPr>
-        </p:nvSpPr>
-        <p:spPr/>
-        <p:txBody>
-          <a:bodyPr>
-            <a:noAutofit/>
-          </a:bodyPr>
-          <a:lstStyle/>
-          <a:p>
-            <a:r>
-              <a:rPr lang="he-IL" sz="4000" dirty="0" smtClean="0"/>
-              <a:t>גזירה ואינטגרציה נומרית – אומדן שגיאה</a:t>
-            </a:r>
-            <a:endParaRPr lang="en-US" sz="4000" dirty="0"/>
-          </a:p>
-        </p:txBody>
-      </p:sp>
-      <p:sp>
-        <p:nvSpPr>
-          <p:cNvPr id="3" name="Content Placeholder 2"/>
-          <p:cNvSpPr>
-            <a:spLocks noGrp="1"/>
-          </p:cNvSpPr>
-          <p:nvPr>
-            <p:ph idx="1"/>
-          </p:nvPr>
-        </p:nvSpPr>
-        <p:spPr/>
-        <p:txBody>
-          <a:bodyPr>
-            <a:normAutofit/>
-          </a:bodyPr>
-          <a:lstStyle/>
-          <a:p>
-            <a:r>
-              <a:rPr lang="he-IL" dirty="0" smtClean="0"/>
-              <a:t>ההפרש בין סדרת המקור לשחזורה:</a:t>
-            </a:r>
-          </a:p>
-          <a:p>
-            <a:r>
-              <a:rPr lang="he-IL" dirty="0" smtClean="0"/>
-              <a:t>נחפש פרמטר בודד שיתאר את השגיאה</a:t>
-            </a:r>
-          </a:p>
-          <a:p>
-            <a:pPr lvl="1"/>
-            <a:r>
-              <a:rPr lang="he-IL" dirty="0" smtClean="0"/>
-              <a:t>מתקבלת שגיאה ממוצעת אפס בשל סימטריות</a:t>
-            </a:r>
-          </a:p>
-          <a:p>
-            <a:pPr lvl="1"/>
-            <a:r>
-              <a:rPr lang="he-IL" dirty="0" smtClean="0"/>
-              <a:t>אמדן שגיאה אבסולוטית, הביטוי אינו גזיר</a:t>
-            </a:r>
-          </a:p>
-          <a:p>
-            <a:pPr lvl="1"/>
-            <a:r>
-              <a:rPr lang="he-IL" dirty="0" smtClean="0"/>
-              <a:t>שגיאה ריבועית ממוצעת</a:t>
-            </a:r>
-          </a:p>
-          <a:p>
-            <a:r>
-              <a:rPr lang="he-IL" dirty="0" smtClean="0"/>
-              <a:t>נרצה לנרמל את השגיאה (השגיאה תלויה באמפליטודה)</a:t>
-            </a:r>
-          </a:p>
-          <a:p>
-            <a:pPr lvl="1"/>
-            <a:r>
-              <a:rPr lang="he-IL" dirty="0" smtClean="0"/>
-              <a:t>חלוקה איבר איבר תגרום לחלוקה באפס:</a:t>
-            </a:r>
-          </a:p>
-          <a:p>
-            <a:pPr lvl="1">
-              <a:buNone/>
-            </a:pPr>
-            <a:r>
-              <a:rPr lang="en-US" sz="1800" dirty="0" smtClean="0">
-                <a:latin typeface="Courier New" pitchFamily="49" charset="0"/>
-                <a:cs typeface="Courier New" pitchFamily="49" charset="0"/>
-              </a:rPr>
-              <a:t>&gt;&gt; en = (y-y_int)./y</a:t>
-            </a:r>
-            <a:endParaRPr lang="he-IL" sz="1800" dirty="0" smtClean="0">
-              <a:latin typeface="Courier New" pitchFamily="49" charset="0"/>
-              <a:cs typeface="Courier New" pitchFamily="49" charset="0"/>
-            </a:endParaRPr>
-          </a:p>
-          <a:p>
-            <a:pPr lvl="1"/>
-            <a:r>
-              <a:rPr lang="he-IL" dirty="0" smtClean="0"/>
-              <a:t>חלוקה באנרגית אות המקור מונעת חלוקה באפס (חלוקת </a:t>
-            </a:r>
-            <a:r>
-              <a:rPr lang="en-US" dirty="0" smtClean="0"/>
-              <a:t>mse</a:t>
-            </a:r>
-            <a:r>
-              <a:rPr lang="he-IL" dirty="0" smtClean="0"/>
-              <a:t>)</a:t>
-            </a:r>
-          </a:p>
-          <a:p>
-            <a:pPr lvl="1">
-              <a:buNone/>
-            </a:pPr>
-            <a:endParaRPr lang="en-US" sz="1800" dirty="0" smtClean="0">
-              <a:latin typeface="Courier New" pitchFamily="49" charset="0"/>
-              <a:cs typeface="Courier New" pitchFamily="49" charset="0"/>
-            </a:endParaRPr>
-          </a:p>
-          <a:p>
-            <a:pPr lvl="1">
-              <a:buNone/>
-            </a:pPr>
-            <a:r>
-              <a:rPr lang="en-US" sz="1800" dirty="0" smtClean="0">
-                <a:latin typeface="Courier New" pitchFamily="49" charset="0"/>
-                <a:cs typeface="Courier New" pitchFamily="49" charset="0"/>
-              </a:rPr>
-              <a:t>&gt;&gt; en = norm(y-y_int)/norm(y)</a:t>
-            </a:r>
-            <a:endParaRPr lang="he-IL" sz="1800" dirty="0" smtClean="0">
-              <a:latin typeface="Courier New" pitchFamily="49" charset="0"/>
-              <a:cs typeface="Courier New" pitchFamily="49" charset="0"/>
-            </a:endParaRPr>
-          </a:p>
-          <a:p>
-            <a:pPr lvl="1">
-              <a:buNone/>
-            </a:pPr>
-            <a:endParaRPr lang="he-IL" dirty="0" smtClean="0"/>
-          </a:p>
-        </p:txBody>
-      </p:sp>
-      <p:graphicFrame>
-        <p:nvGraphicFramePr>
-          <p:cNvPr id="64514" name="Object 2"/>
-          <p:cNvGraphicFramePr>
-            <a:graphicFrameLocks noChangeAspect="1"/>
-          </p:cNvGraphicFramePr>
-          <p:nvPr/>
-        </p:nvGraphicFramePr>
-        <p:xfrm>
-          <a:off x="2286000" y="1524000"/>
-          <a:ext cx="1133475" cy="382588"/>
-        </p:xfrm>
-        <a:graphic>
-          <a:graphicData uri="http://schemas.openxmlformats.org/presentationml/2006/ole">
-            <p:oleObj spid="_x0000_s64522" name="Equation" r:id="rId3" imgW="723586" imgH="241195" progId="Equation.DSMT4">
-              <p:embed/>
-            </p:oleObj>
-          </a:graphicData>
-        </a:graphic>
-      </p:graphicFrame>
-      <p:graphicFrame>
-        <p:nvGraphicFramePr>
-          <p:cNvPr id="64515" name="Object 3"/>
-          <p:cNvGraphicFramePr>
-            <a:graphicFrameLocks noChangeAspect="1"/>
-          </p:cNvGraphicFramePr>
-          <p:nvPr/>
-        </p:nvGraphicFramePr>
-        <p:xfrm>
-          <a:off x="914400" y="2362200"/>
-          <a:ext cx="1570037" cy="1268412"/>
-        </p:xfrm>
-        <a:graphic>
-          <a:graphicData uri="http://schemas.openxmlformats.org/presentationml/2006/ole">
-            <p:oleObj spid="_x0000_s64523" name="Equation" r:id="rId4" imgW="1002865" imgH="799753" progId="Equation.DSMT4">
-              <p:embed/>
-            </p:oleObj>
-          </a:graphicData>
-        </a:graphic>
-      </p:graphicFrame>
-      <p:graphicFrame>
-        <p:nvGraphicFramePr>
-          <p:cNvPr id="64516" name="Object 4"/>
-          <p:cNvGraphicFramePr>
-            <a:graphicFrameLocks noChangeAspect="1"/>
-          </p:cNvGraphicFramePr>
-          <p:nvPr/>
-        </p:nvGraphicFramePr>
-        <p:xfrm>
-          <a:off x="2084388" y="4257675"/>
-          <a:ext cx="1292225" cy="723900"/>
-        </p:xfrm>
-        <a:graphic>
-          <a:graphicData uri="http://schemas.openxmlformats.org/presentationml/2006/ole">
-            <p:oleObj spid="_x0000_s64524" name="Equation" r:id="rId5" imgW="825500" imgH="457200" progId="Equation.DSMT4">
-              <p:embed/>
-            </p:oleObj>
-          </a:graphicData>
-        </a:graphic>
-      </p:graphicFrame>
-      <p:graphicFrame>
-        <p:nvGraphicFramePr>
-          <p:cNvPr id="64517" name="Object 5"/>
-          <p:cNvGraphicFramePr>
-            <a:graphicFrameLocks noChangeAspect="1"/>
-          </p:cNvGraphicFramePr>
-          <p:nvPr/>
-        </p:nvGraphicFramePr>
-        <p:xfrm>
-          <a:off x="1663700" y="5334000"/>
-          <a:ext cx="2044700" cy="1008062"/>
-        </p:xfrm>
-        <a:graphic>
-          <a:graphicData uri="http://schemas.openxmlformats.org/presentationml/2006/ole">
-            <p:oleObj spid="_x0000_s64525" name="Equation" r:id="rId6" imgW="1307532" imgH="634725" progId="Equation.DSMT4">
-              <p:embed/>
-            </p:oleObj>
-          </a:graphicData>
-        </a:graphic>
-      </p:graphicFrame>
-    </p:spTree>
-  </p:cSld>
-  <p:clrMapOvr>
-    <a:masterClrMapping/>
-  </p:clrMapOvr>
-  <p:timing>
-    <p:tnLst>
-      <p:par>
-        <p:cTn id="1" dur="indefinite" restart="never" nodeType="tmRoot"/>
-      </p:par>
-    </p:tnLst>
-  </p:timing>
-</p:sld>
-</file>
-
-<file path=ppt/slides/slide47.xml><?xml version="1.0" encoding="utf-8"?>
-<p:sld xmlns:a="http://schemas.openxmlformats.org/drawingml/2006/main" xmlns:r="http://schemas.openxmlformats.org/officeDocument/2006/relationships" xmlns:p="http://schemas.openxmlformats.org/presentationml/2006/main">
-  <p:cSld>
-    <p:spTree>
-      <p:nvGrpSpPr>
-        <p:cNvPr id="1" name=""/>
-        <p:cNvGrpSpPr/>
-        <p:nvPr/>
-      </p:nvGrpSpPr>
-      <p:grpSpPr>
-        <a:xfrm>
-          <a:off x="0" y="0"/>
-          <a:ext cx="0" cy="0"/>
-          <a:chOff x="0" y="0"/>
-          <a:chExt cx="0" cy="0"/>
-        </a:xfrm>
-      </p:grpSpPr>
-      <p:sp>
-        <p:nvSpPr>
-          <p:cNvPr id="2" name="Title 1"/>
-          <p:cNvSpPr>
-            <a:spLocks noGrp="1"/>
-          </p:cNvSpPr>
-          <p:nvPr>
-            <p:ph type="title"/>
-          </p:nvPr>
-        </p:nvSpPr>
-        <p:spPr/>
-        <p:txBody>
-          <a:bodyPr>
-            <a:normAutofit/>
-          </a:bodyPr>
-          <a:lstStyle/>
-          <a:p>
-            <a:r>
-              <a:rPr smtClean="0"/>
-              <a:t> </a:t>
-            </a:r>
-            <a:r>
-              <a:rPr lang="he-IL" dirty="0" smtClean="0"/>
-              <a:t>טרנספורמציות ליניאריות ב-</a:t>
-            </a:r>
-            <a:r>
-              <a:rPr smtClean="0"/>
-              <a:t>2D</a:t>
-            </a:r>
-            <a:endParaRPr lang="en-US" dirty="0"/>
-          </a:p>
-        </p:txBody>
-      </p:sp>
-      <p:sp>
-        <p:nvSpPr>
-          <p:cNvPr id="3" name="Content Placeholder 2"/>
-          <p:cNvSpPr>
-            <a:spLocks noGrp="1"/>
-          </p:cNvSpPr>
-          <p:nvPr>
-            <p:ph idx="1"/>
-          </p:nvPr>
-        </p:nvSpPr>
-        <p:spPr/>
-        <p:txBody>
-          <a:bodyPr/>
-          <a:lstStyle/>
-          <a:p>
-            <a:r>
-              <a:rPr lang="he-IL" dirty="0" smtClean="0"/>
-              <a:t>הזזה (</a:t>
-            </a:r>
-            <a:r>
-              <a:rPr lang="en-US" dirty="0" smtClean="0"/>
-              <a:t>x0,y0</a:t>
-            </a:r>
-            <a:r>
-              <a:rPr lang="he-IL" dirty="0" smtClean="0"/>
-              <a:t>) , סיבוב (</a:t>
-            </a:r>
-            <a:r>
-              <a:rPr lang="he-IL" dirty="0" smtClean="0">
-                <a:sym typeface="Symbol"/>
-              </a:rPr>
-              <a:t>)</a:t>
-            </a:r>
-            <a:r>
-              <a:rPr lang="he-IL" dirty="0" smtClean="0"/>
-              <a:t> , </a:t>
-            </a:r>
-            <a:r>
-              <a:rPr lang="en-US" dirty="0" smtClean="0"/>
-              <a:t>scaling</a:t>
-            </a:r>
-            <a:r>
-              <a:rPr lang="he-IL" dirty="0" smtClean="0"/>
-              <a:t> (</a:t>
-            </a:r>
-            <a:r>
-              <a:rPr lang="en-US" dirty="0" smtClean="0"/>
-              <a:t>s</a:t>
-            </a:r>
-            <a:r>
-              <a:rPr lang="he-IL" dirty="0" smtClean="0"/>
-              <a:t>)</a:t>
-            </a:r>
-            <a:endParaRPr lang="en-US" dirty="0" smtClean="0"/>
-          </a:p>
-          <a:p>
-            <a:endParaRPr lang="en-US" dirty="0" smtClean="0"/>
-          </a:p>
-          <a:p>
-            <a:endParaRPr lang="en-US" dirty="0" smtClean="0"/>
-          </a:p>
-          <a:p>
-            <a:endParaRPr lang="en-US" dirty="0" smtClean="0"/>
-          </a:p>
-          <a:p>
-            <a:r>
-              <a:rPr lang="he-IL" dirty="0" smtClean="0"/>
-              <a:t>נפשט את הביטוי</a:t>
-            </a:r>
-            <a:endParaRPr lang="en-US" dirty="0"/>
-          </a:p>
-        </p:txBody>
-      </p:sp>
-      <p:graphicFrame>
-        <p:nvGraphicFramePr>
-          <p:cNvPr id="65538" name="Object 2"/>
-          <p:cNvGraphicFramePr>
-            <a:graphicFrameLocks noChangeAspect="1"/>
-          </p:cNvGraphicFramePr>
-          <p:nvPr/>
-        </p:nvGraphicFramePr>
-        <p:xfrm>
-          <a:off x="2133600" y="2133600"/>
-          <a:ext cx="5368925" cy="1174750"/>
-        </p:xfrm>
-        <a:graphic>
-          <a:graphicData uri="http://schemas.openxmlformats.org/presentationml/2006/ole">
-            <p:oleObj spid="_x0000_s65542" name="Equation" r:id="rId3" imgW="2235200" imgH="482600" progId="Equation.DSMT4">
-              <p:embed/>
-            </p:oleObj>
-          </a:graphicData>
-        </a:graphic>
-      </p:graphicFrame>
-      <p:graphicFrame>
-        <p:nvGraphicFramePr>
-          <p:cNvPr id="65539" name="Object 3"/>
-          <p:cNvGraphicFramePr>
-            <a:graphicFrameLocks noChangeAspect="1"/>
-          </p:cNvGraphicFramePr>
-          <p:nvPr/>
-        </p:nvGraphicFramePr>
-        <p:xfrm>
-          <a:off x="1563687" y="3962400"/>
-          <a:ext cx="6132513" cy="1793875"/>
-        </p:xfrm>
-        <a:graphic>
-          <a:graphicData uri="http://schemas.openxmlformats.org/presentationml/2006/ole">
-            <p:oleObj spid="_x0000_s65543" name="Equation" r:id="rId4" imgW="2552700" imgH="736600" progId="Equation.DSMT4">
-              <p:embed/>
-            </p:oleObj>
-          </a:graphicData>
-        </a:graphic>
-      </p:graphicFrame>
-    </p:spTree>
-  </p:cSld>
-  <p:clrMapOvr>
-    <a:masterClrMapping/>
-  </p:clrMapOvr>
-  <p:timing>
-    <p:tnLst>
-      <p:par>
-        <p:cTn id="1" dur="indefinite" restart="never" nodeType="tmRoot"/>
-      </p:par>
-    </p:tnLst>
-  </p:timing>
-</p:sld>
-</file>
-
-<file path=ppt/slides/slide48.xml><?xml version="1.0" encoding="utf-8"?>
-<p:sld xmlns:a="http://schemas.openxmlformats.org/drawingml/2006/main" xmlns:r="http://schemas.openxmlformats.org/officeDocument/2006/relationships" xmlns:p="http://schemas.openxmlformats.org/presentationml/2006/main">
-  <p:cSld>
-    <p:spTree>
-      <p:nvGrpSpPr>
-        <p:cNvPr id="1" name=""/>
-        <p:cNvGrpSpPr/>
-        <p:nvPr/>
-      </p:nvGrpSpPr>
-      <p:grpSpPr>
-        <a:xfrm>
-          <a:off x="0" y="0"/>
-          <a:ext cx="0" cy="0"/>
-          <a:chOff x="0" y="0"/>
-          <a:chExt cx="0" cy="0"/>
-        </a:xfrm>
-      </p:grpSpPr>
-      <p:sp>
-        <p:nvSpPr>
-          <p:cNvPr id="2" name="Title 1"/>
-          <p:cNvSpPr>
-            <a:spLocks noGrp="1"/>
-          </p:cNvSpPr>
-          <p:nvPr>
-            <p:ph type="title"/>
-          </p:nvPr>
-        </p:nvSpPr>
-        <p:spPr/>
-        <p:txBody>
-          <a:bodyPr>
-            <a:normAutofit/>
-          </a:bodyPr>
-          <a:lstStyle/>
-          <a:p>
-            <a:r>
               <a:rPr lang="he-IL" dirty="0" smtClean="0"/>
               <a:t> טרנספורמציות ליניאריות ב-</a:t>
             </a:r>
             <a:r>
-              <a:rPr smtClean="0"/>
+              <a:rPr dirty="0" smtClean="0"/>
               <a:t>2D</a:t>
             </a:r>
             <a:endParaRPr lang="en-US" dirty="0"/>
@@ -16284,7 +16178,7 @@
 </p:sld>
 </file>
 
-<file path=ppt/slides/slide49.xml><?xml version="1.0" encoding="utf-8"?>
+<file path=ppt/slides/slide45.xml><?xml version="1.0" encoding="utf-8"?>
 <p:sld xmlns:a="http://schemas.openxmlformats.org/drawingml/2006/main" xmlns:r="http://schemas.openxmlformats.org/officeDocument/2006/relationships" xmlns:p="http://schemas.openxmlformats.org/presentationml/2006/main">
   <p:cSld>
     <p:spTree>
@@ -16488,13 +16382,1055 @@
         </p:xfrm>
         <a:graphic>
           <a:graphicData uri="http://schemas.openxmlformats.org/presentationml/2006/ole">
-            <p:oleObj spid="_x0000_s67588" name="Equation" r:id="rId3" imgW="2286000" imgH="482600" progId="Equation.DSMT4">
-              <p:embed/>
-            </p:oleObj>
+            <mc:AlternateContent xmlns:mc="http://schemas.openxmlformats.org/markup-compatibility/2006">
+              <mc:Choice xmlns:v="urn:schemas-microsoft-com:vml" Requires="v">
+                <p:oleObj spid="_x0000_s67595" name="Equation" r:id="rId3" imgW="2286000" imgH="482600" progId="Equation.DSMT4">
+                  <p:embed/>
+                </p:oleObj>
+              </mc:Choice>
+              <mc:Fallback>
+                <p:oleObj name="Equation" r:id="rId3" imgW="2286000" imgH="482600" progId="Equation.DSMT4">
+                  <p:embed/>
+                  <p:pic>
+                    <p:nvPicPr>
+                      <p:cNvPr id="0" name="Picture 4"/>
+                      <p:cNvPicPr>
+                        <a:picLocks noChangeAspect="1" noChangeArrowheads="1"/>
+                      </p:cNvPicPr>
+                      <p:nvPr/>
+                    </p:nvPicPr>
+                    <p:blipFill>
+                      <a:blip r:embed="rId4">
+                        <a:extLst>
+                          <a:ext uri="{28A0092B-C50C-407E-A947-70E740481C1C}">
+                            <a14:useLocalDpi xmlns:a14="http://schemas.microsoft.com/office/drawing/2010/main" val="0"/>
+                          </a:ext>
+                        </a:extLst>
+                      </a:blip>
+                      <a:srcRect/>
+                      <a:stretch>
+                        <a:fillRect/>
+                      </a:stretch>
+                    </p:blipFill>
+                    <p:spPr bwMode="auto">
+                      <a:xfrm>
+                        <a:off x="1981200" y="4953000"/>
+                        <a:ext cx="4957762" cy="1062071"/>
+                      </a:xfrm>
+                      <a:prstGeom prst="rect">
+                        <a:avLst/>
+                      </a:prstGeom>
+                      <a:noFill/>
+                      <a:extLst>
+                        <a:ext uri="{909E8E84-426E-40DD-AFC4-6F175D3DCCD1}">
+                          <a14:hiddenFill xmlns:a14="http://schemas.microsoft.com/office/drawing/2010/main">
+                            <a:solidFill>
+                              <a:srgbClr val="FFFFFF"/>
+                            </a:solidFill>
+                          </a14:hiddenFill>
+                        </a:ext>
+                      </a:extLst>
+                    </p:spPr>
+                  </p:pic>
+                </p:oleObj>
+              </mc:Fallback>
+            </mc:AlternateContent>
           </a:graphicData>
         </a:graphic>
       </p:graphicFrame>
     </p:spTree>
+  </p:cSld>
+  <p:clrMapOvr>
+    <a:masterClrMapping/>
+  </p:clrMapOvr>
+  <p:timing>
+    <p:tnLst>
+      <p:par>
+        <p:cTn id="1" dur="indefinite" restart="never" nodeType="tmRoot"/>
+      </p:par>
+    </p:tnLst>
+  </p:timing>
+</p:sld>
+</file>
+
+<file path=ppt/slides/slide46.xml><?xml version="1.0" encoding="utf-8"?>
+<p:sld xmlns:a="http://schemas.openxmlformats.org/drawingml/2006/main" xmlns:r="http://schemas.openxmlformats.org/officeDocument/2006/relationships" xmlns:p="http://schemas.openxmlformats.org/presentationml/2006/main">
+  <p:cSld>
+    <p:spTree>
+      <p:nvGrpSpPr>
+        <p:cNvPr id="1" name=""/>
+        <p:cNvGrpSpPr/>
+        <p:nvPr/>
+      </p:nvGrpSpPr>
+      <p:grpSpPr>
+        <a:xfrm>
+          <a:off x="0" y="0"/>
+          <a:ext cx="0" cy="0"/>
+          <a:chOff x="0" y="0"/>
+          <a:chExt cx="0" cy="0"/>
+        </a:xfrm>
+      </p:grpSpPr>
+      <p:sp>
+        <p:nvSpPr>
+          <p:cNvPr id="2" name="Title 1"/>
+          <p:cNvSpPr>
+            <a:spLocks noGrp="1"/>
+          </p:cNvSpPr>
+          <p:nvPr>
+            <p:ph type="title"/>
+          </p:nvPr>
+        </p:nvSpPr>
+        <p:spPr/>
+        <p:txBody>
+          <a:bodyPr/>
+          <a:lstStyle/>
+          <a:p>
+            <a:r>
+              <a:rPr lang="he-IL" dirty="0" smtClean="0"/>
+              <a:t>תרגילים</a:t>
+            </a:r>
+            <a:endParaRPr lang="en-US" dirty="0"/>
+          </a:p>
+        </p:txBody>
+      </p:sp>
+      <p:sp>
+        <p:nvSpPr>
+          <p:cNvPr id="3" name="Content Placeholder 2"/>
+          <p:cNvSpPr>
+            <a:spLocks noGrp="1"/>
+          </p:cNvSpPr>
+          <p:nvPr>
+            <p:ph idx="1"/>
+          </p:nvPr>
+        </p:nvSpPr>
+        <p:spPr>
+          <a:xfrm>
+            <a:off x="457200" y="1447800"/>
+            <a:ext cx="8229600" cy="5029200"/>
+          </a:xfrm>
+        </p:spPr>
+        <p:txBody>
+          <a:bodyPr>
+            <a:noAutofit/>
+          </a:bodyPr>
+          <a:lstStyle/>
+          <a:p>
+            <a:pPr>
+              <a:buNone/>
+            </a:pPr>
+            <a:r>
+              <a:rPr lang="he-IL" sz="2000" u="sng" dirty="0" smtClean="0"/>
+              <a:t>תרגיל 1</a:t>
+            </a:r>
+          </a:p>
+          <a:p>
+            <a:r>
+              <a:rPr lang="he-IL" sz="2000" dirty="0" smtClean="0"/>
+              <a:t>צרו באופן הקצר ביותר סדרה הנדסית על בסיס 2, כלומר:</a:t>
+            </a:r>
+          </a:p>
+          <a:p>
+            <a:pPr algn="l" rtl="0">
+              <a:buNone/>
+            </a:pPr>
+            <a:r>
+              <a:rPr lang="en-US" sz="2000" dirty="0" smtClean="0"/>
+              <a:t>a(n+1) = 2*a(n), n=1,…,10</a:t>
+            </a:r>
+          </a:p>
+          <a:p>
+            <a:pPr algn="l" rtl="0">
+              <a:buNone/>
+            </a:pPr>
+            <a:r>
+              <a:rPr lang="en-US" sz="2000" dirty="0" smtClean="0"/>
+              <a:t>a(0) = 1</a:t>
+            </a:r>
+          </a:p>
+          <a:p>
+            <a:pPr>
+              <a:buNone/>
+            </a:pPr>
+            <a:r>
+              <a:rPr lang="he-IL" sz="2000" u="sng" dirty="0" smtClean="0"/>
+              <a:t>תרגיל 2</a:t>
+            </a:r>
+          </a:p>
+          <a:p>
+            <a:r>
+              <a:rPr lang="he-IL" sz="2000" dirty="0" smtClean="0"/>
+              <a:t>צרו וקטור </a:t>
+            </a:r>
+            <a:r>
+              <a:rPr lang="en-US" sz="2000" dirty="0" smtClean="0"/>
+              <a:t>t </a:t>
+            </a:r>
+            <a:r>
+              <a:rPr lang="he-IL" sz="2000" dirty="0" smtClean="0"/>
+              <a:t> באורך 250 מ-0 עד 1, השתמשו ב </a:t>
+            </a:r>
+            <a:r>
+              <a:rPr lang="en-US" sz="2000" dirty="0" smtClean="0"/>
+              <a:t>linspace </a:t>
+            </a:r>
+            <a:r>
+              <a:rPr lang="he-IL" sz="2000" dirty="0" smtClean="0"/>
+              <a:t>. בעזרת  </a:t>
+            </a:r>
+            <a:r>
+              <a:rPr lang="en-US" sz="2000" dirty="0" smtClean="0"/>
+              <a:t>t</a:t>
+            </a:r>
+            <a:r>
+              <a:rPr lang="he-IL" sz="2000" dirty="0" smtClean="0"/>
+              <a:t> צרו וקטור סינוס בשם </a:t>
+            </a:r>
+            <a:r>
+              <a:rPr lang="en-US" sz="2000" dirty="0" smtClean="0"/>
+              <a:t>sin6</a:t>
+            </a:r>
+            <a:r>
+              <a:rPr lang="he-IL" sz="2000" dirty="0" smtClean="0"/>
+              <a:t> שיכיל 6 מחזורים (אל תשכחן להכפיל ב-</a:t>
+            </a:r>
+            <a:r>
+              <a:rPr lang="en-US" sz="2000" dirty="0" smtClean="0"/>
+              <a:t>2</a:t>
+            </a:r>
+            <a:r>
+              <a:rPr lang="en-US" sz="2000" dirty="0" smtClean="0">
+                <a:sym typeface="Symbol"/>
+              </a:rPr>
+              <a:t></a:t>
+            </a:r>
+            <a:r>
+              <a:rPr lang="he-IL" sz="2000" dirty="0" smtClean="0">
+                <a:sym typeface="Symbol"/>
+              </a:rPr>
+              <a:t>). הציגו את </a:t>
+            </a:r>
+            <a:r>
+              <a:rPr lang="en-US" sz="2000" dirty="0" smtClean="0">
+                <a:sym typeface="Symbol"/>
+              </a:rPr>
+              <a:t>sin6</a:t>
+            </a:r>
+            <a:r>
+              <a:rPr lang="he-IL" sz="2000" dirty="0" smtClean="0">
+                <a:sym typeface="Symbol"/>
+              </a:rPr>
+              <a:t> בעזרת </a:t>
+            </a:r>
+            <a:r>
+              <a:rPr lang="en-US" sz="2000" dirty="0" smtClean="0">
+                <a:sym typeface="Symbol"/>
+              </a:rPr>
+              <a:t>plot(t,sin6)</a:t>
+            </a:r>
+            <a:r>
+              <a:rPr lang="he-IL" sz="2000" dirty="0" smtClean="0">
+                <a:sym typeface="Symbol"/>
+              </a:rPr>
+              <a:t> כאשר ציר ה-</a:t>
+            </a:r>
+            <a:r>
+              <a:rPr lang="en-US" sz="2000" dirty="0" smtClean="0">
+                <a:sym typeface="Symbol"/>
+              </a:rPr>
+              <a:t>x</a:t>
+            </a:r>
+            <a:r>
+              <a:rPr lang="he-IL" sz="2000" dirty="0" smtClean="0">
+                <a:sym typeface="Symbol"/>
+              </a:rPr>
+              <a:t> נע בין 0 ל-1.</a:t>
+            </a:r>
+          </a:p>
+          <a:p>
+            <a:r>
+              <a:rPr lang="he-IL" sz="2000" dirty="0" smtClean="0"/>
+              <a:t>כעת צרו וקטור </a:t>
+            </a:r>
+            <a:r>
+              <a:rPr lang="en-US" sz="2000" dirty="0" smtClean="0"/>
+              <a:t>sin7</a:t>
+            </a:r>
+            <a:r>
+              <a:rPr lang="he-IL" sz="2000" dirty="0" smtClean="0"/>
+              <a:t> בעל 7 מחזורים. צרו מטריצה בגודל </a:t>
+            </a:r>
+            <a:r>
+              <a:rPr lang="en-US" sz="2000" dirty="0" smtClean="0"/>
+              <a:t>250x2</a:t>
+            </a:r>
+            <a:r>
+              <a:rPr lang="he-IL" sz="2000" dirty="0" smtClean="0"/>
+              <a:t> ש-</a:t>
+            </a:r>
+            <a:r>
+              <a:rPr lang="en-US" sz="2000" dirty="0" smtClean="0"/>
+              <a:t>sin6</a:t>
+            </a:r>
+            <a:r>
+              <a:rPr lang="he-IL" sz="2000" dirty="0" smtClean="0"/>
+              <a:t> הינו וקטור עמודה אחד שלה ו-</a:t>
+            </a:r>
+            <a:r>
+              <a:rPr lang="en-US" sz="2000" dirty="0" smtClean="0"/>
+              <a:t>sin7</a:t>
+            </a:r>
+            <a:r>
+              <a:rPr lang="he-IL" sz="2000" dirty="0" smtClean="0"/>
+              <a:t> הינו וקטור עמודה שני. הציגו  </a:t>
+            </a:r>
+            <a:r>
+              <a:rPr lang="en-US" sz="2000" dirty="0" smtClean="0"/>
+              <a:t>plot(t,sins)</a:t>
+            </a:r>
+            <a:endParaRPr lang="he-IL" sz="2000" dirty="0" smtClean="0"/>
+          </a:p>
+          <a:p>
+            <a:pPr>
+              <a:buNone/>
+            </a:pPr>
+            <a:r>
+              <a:rPr lang="he-IL" sz="2000" u="sng" dirty="0" smtClean="0"/>
+              <a:t>תרגיל 3</a:t>
+            </a:r>
+          </a:p>
+          <a:p>
+            <a:r>
+              <a:rPr lang="he-IL" sz="2000" dirty="0" smtClean="0"/>
+              <a:t>צרו מטריצה שהיא לוח הכפל אך שכל הערכים הקטנים מ- 20 והגדולים מ- 70 מתאפסים. מצאו את כל המיקומים במטריצה </a:t>
+            </a:r>
+            <a:r>
+              <a:rPr lang="en-US" sz="2000" dirty="0" smtClean="0"/>
+              <a:t>kefel</a:t>
+            </a:r>
+            <a:r>
+              <a:rPr lang="he-IL" sz="2000" dirty="0" smtClean="0"/>
+              <a:t> בהם הערך גדול שווה ל- 81 (שימו לב שהתוצאה מתייחסת ל-</a:t>
+            </a:r>
+            <a:r>
+              <a:rPr lang="en-US" sz="2000" dirty="0" smtClean="0"/>
+              <a:t>kefel </a:t>
+            </a:r>
+            <a:r>
+              <a:rPr lang="he-IL" sz="2000" dirty="0" smtClean="0"/>
+              <a:t>בתור וקטור ולא בתור מטריצה). להתמרת האינדקסים המתקבלים השתמשו ב-</a:t>
+            </a:r>
+            <a:r>
+              <a:rPr lang="en-US" sz="2000" dirty="0" smtClean="0"/>
+              <a:t>ind2sub</a:t>
+            </a:r>
+            <a:r>
+              <a:rPr lang="he-IL" sz="2000" dirty="0" smtClean="0"/>
+              <a:t> או כתבו לבד את כלל ההתמרה</a:t>
+            </a:r>
+          </a:p>
+        </p:txBody>
+      </p:sp>
+    </p:spTree>
+    <p:extLst>
+      <p:ext uri="{BB962C8B-B14F-4D97-AF65-F5344CB8AC3E}">
+        <p14:creationId xmlns:p14="http://schemas.microsoft.com/office/powerpoint/2010/main" val="1719161210"/>
+      </p:ext>
+    </p:extLst>
+  </p:cSld>
+  <p:clrMapOvr>
+    <a:masterClrMapping/>
+  </p:clrMapOvr>
+  <p:timing>
+    <p:tnLst>
+      <p:par>
+        <p:cTn id="1" dur="indefinite" restart="never" nodeType="tmRoot"/>
+      </p:par>
+    </p:tnLst>
+  </p:timing>
+</p:sld>
+</file>
+
+<file path=ppt/slides/slide47.xml><?xml version="1.0" encoding="utf-8"?>
+<p:sld xmlns:a="http://schemas.openxmlformats.org/drawingml/2006/main" xmlns:r="http://schemas.openxmlformats.org/officeDocument/2006/relationships" xmlns:p="http://schemas.openxmlformats.org/presentationml/2006/main">
+  <p:cSld>
+    <p:spTree>
+      <p:nvGrpSpPr>
+        <p:cNvPr id="1" name=""/>
+        <p:cNvGrpSpPr/>
+        <p:nvPr/>
+      </p:nvGrpSpPr>
+      <p:grpSpPr>
+        <a:xfrm>
+          <a:off x="0" y="0"/>
+          <a:ext cx="0" cy="0"/>
+          <a:chOff x="0" y="0"/>
+          <a:chExt cx="0" cy="0"/>
+        </a:xfrm>
+      </p:grpSpPr>
+      <p:sp>
+        <p:nvSpPr>
+          <p:cNvPr id="2" name="Title 1"/>
+          <p:cNvSpPr>
+            <a:spLocks noGrp="1"/>
+          </p:cNvSpPr>
+          <p:nvPr>
+            <p:ph type="title"/>
+          </p:nvPr>
+        </p:nvSpPr>
+        <p:spPr/>
+        <p:txBody>
+          <a:bodyPr/>
+          <a:lstStyle/>
+          <a:p>
+            <a:r>
+              <a:rPr lang="he-IL" dirty="0" smtClean="0"/>
+              <a:t>תרגילים</a:t>
+            </a:r>
+            <a:endParaRPr lang="en-US" dirty="0"/>
+          </a:p>
+        </p:txBody>
+      </p:sp>
+      <p:sp>
+        <p:nvSpPr>
+          <p:cNvPr id="3" name="Content Placeholder 2"/>
+          <p:cNvSpPr>
+            <a:spLocks noGrp="1"/>
+          </p:cNvSpPr>
+          <p:nvPr>
+            <p:ph idx="1"/>
+          </p:nvPr>
+        </p:nvSpPr>
+        <p:spPr>
+          <a:xfrm>
+            <a:off x="228600" y="1447800"/>
+            <a:ext cx="8458200" cy="4953000"/>
+          </a:xfrm>
+        </p:spPr>
+        <p:txBody>
+          <a:bodyPr>
+            <a:noAutofit/>
+          </a:bodyPr>
+          <a:lstStyle/>
+          <a:p>
+            <a:pPr>
+              <a:buNone/>
+            </a:pPr>
+            <a:r>
+              <a:rPr lang="he-IL" sz="2000" u="sng" dirty="0" smtClean="0"/>
+              <a:t>תרגיל 4</a:t>
+            </a:r>
+          </a:p>
+          <a:p>
+            <a:r>
+              <a:rPr lang="he-IL" sz="2000" dirty="0" smtClean="0"/>
+              <a:t>צרו מטריצה נורמלית אקראית בגודל [</a:t>
+            </a:r>
+            <a:r>
+              <a:rPr lang="en-US" sz="2000" dirty="0" smtClean="0"/>
+              <a:t>10x5x3</a:t>
+            </a:r>
+            <a:r>
+              <a:rPr lang="he-IL" sz="2000" dirty="0" smtClean="0"/>
+              <a:t>] בעזרת הפקודה </a:t>
+            </a:r>
+            <a:r>
+              <a:rPr lang="en-US" sz="2000" dirty="0" smtClean="0"/>
+              <a:t>randn</a:t>
+            </a:r>
+            <a:r>
+              <a:rPr lang="he-IL" sz="2000" dirty="0" smtClean="0"/>
+              <a:t>. מצאו את המקסימום בערך המוחלט ואת מיקומו בעזרת הפקודות </a:t>
+            </a:r>
+            <a:r>
+              <a:rPr lang="en-US" sz="2000" dirty="0" smtClean="0"/>
+              <a:t>max ,abs </a:t>
+            </a:r>
+            <a:r>
+              <a:rPr lang="he-IL" sz="2000" dirty="0" smtClean="0"/>
+              <a:t> ו- </a:t>
+            </a:r>
+            <a:r>
+              <a:rPr lang="en-US" sz="2000" dirty="0" smtClean="0"/>
+              <a:t>int2sub</a:t>
+            </a:r>
+            <a:r>
+              <a:rPr lang="he-IL" sz="2000" dirty="0" smtClean="0"/>
+              <a:t>.</a:t>
+            </a:r>
+          </a:p>
+          <a:p>
+            <a:r>
+              <a:rPr lang="he-IL" sz="2000" dirty="0" smtClean="0"/>
+              <a:t>בצעו את אותה הפעולה תוך הפעלת הפונקציה </a:t>
+            </a:r>
+            <a:r>
+              <a:rPr lang="en-US" sz="2000" dirty="0" smtClean="0"/>
+              <a:t>max </a:t>
+            </a:r>
+            <a:r>
+              <a:rPr lang="he-IL" sz="2000" dirty="0" smtClean="0"/>
+              <a:t> פעם אחת בלבד.</a:t>
+            </a:r>
+          </a:p>
+          <a:p>
+            <a:pPr>
+              <a:buNone/>
+            </a:pPr>
+            <a:r>
+              <a:rPr lang="he-IL" sz="2000" u="sng" dirty="0" smtClean="0"/>
+              <a:t>תרגיל 5</a:t>
+            </a:r>
+          </a:p>
+          <a:p>
+            <a:r>
+              <a:rPr lang="he-IL" sz="2000" dirty="0" smtClean="0"/>
+              <a:t>צרו סדרת מספרים אקראית אחידה בתחום [</a:t>
+            </a:r>
+            <a:r>
+              <a:rPr lang="en-US" sz="2000" dirty="0" smtClean="0"/>
+              <a:t>-1 1</a:t>
+            </a:r>
+            <a:r>
+              <a:rPr lang="he-IL" sz="2000" dirty="0" smtClean="0"/>
+              <a:t>] באורך 99 בעזרת  </a:t>
+            </a:r>
+            <a:r>
+              <a:rPr lang="en-US" sz="2000" dirty="0" smtClean="0"/>
+              <a:t>.A=rand(99,1)</a:t>
+            </a:r>
+          </a:p>
+          <a:p>
+            <a:r>
+              <a:rPr lang="he-IL" sz="2000" dirty="0" smtClean="0"/>
+              <a:t>חשבו ממוצע (</a:t>
+            </a:r>
+            <a:r>
+              <a:rPr lang="en-US" sz="2000" dirty="0" smtClean="0"/>
+              <a:t>mean</a:t>
+            </a:r>
+            <a:r>
+              <a:rPr lang="he-IL" sz="2000" dirty="0" smtClean="0"/>
+              <a:t>) וסטיית תקן (</a:t>
+            </a:r>
+            <a:r>
+              <a:rPr lang="en-US" sz="2000" dirty="0" smtClean="0"/>
+              <a:t>std</a:t>
+            </a:r>
+            <a:r>
+              <a:rPr lang="he-IL" sz="2000" dirty="0" smtClean="0"/>
+              <a:t>) של כל תת-סדרה המורכבת מכל איבר שלישי. נסו לבצע זאת בפעולה אחת כשהוקטורים מסודרים במטריצה אחת.</a:t>
+            </a:r>
+          </a:p>
+          <a:p>
+            <a:r>
+              <a:rPr lang="he-IL" sz="2000" dirty="0" smtClean="0"/>
+              <a:t>השתמשו בפקודה </a:t>
+            </a:r>
+            <a:r>
+              <a:rPr lang="en-US" sz="2000" dirty="0" smtClean="0"/>
+              <a:t>sort</a:t>
+            </a:r>
+            <a:r>
+              <a:rPr lang="he-IL" sz="2000" dirty="0" smtClean="0"/>
+              <a:t> כדי למיין את </a:t>
+            </a:r>
+            <a:r>
+              <a:rPr lang="en-US" sz="2000" dirty="0" smtClean="0"/>
+              <a:t>A</a:t>
+            </a:r>
+            <a:r>
+              <a:rPr lang="he-IL" sz="2000" dirty="0" smtClean="0"/>
+              <a:t> מהמספר הקטן אל הגדול.</a:t>
+            </a:r>
+          </a:p>
+          <a:p>
+            <a:r>
+              <a:rPr lang="he-IL" sz="2000" dirty="0" smtClean="0"/>
+              <a:t>הפכו את כיוון </a:t>
+            </a:r>
+            <a:r>
+              <a:rPr lang="en-US" sz="2000" dirty="0" smtClean="0"/>
+              <a:t>A</a:t>
+            </a:r>
+            <a:r>
+              <a:rPr lang="he-IL" sz="2000" dirty="0" smtClean="0"/>
+              <a:t> כך שתהיה מהגדול אל הקטן וקחו את חמשת המספרים החיוביים הקטנים ביותר. ראינו קודם כיצד לבצע זאת בעזרת מערכי אינדקסים לוגיים. ניתן ומומלץ, לצורך התרגול, להשתמש בפונקצית </a:t>
+            </a:r>
+            <a:r>
+              <a:rPr lang="en-US" sz="2000" dirty="0" smtClean="0"/>
+              <a:t>find </a:t>
+            </a:r>
+            <a:r>
+              <a:rPr lang="he-IL" sz="2000" dirty="0" smtClean="0"/>
+              <a:t> כדי למצוא את האיבר השלילי הראשון ולחתוך את הסדרה החל ממנו:</a:t>
+            </a:r>
+          </a:p>
+          <a:p>
+            <a:pPr algn="l" rtl="0">
+              <a:buNone/>
+            </a:pPr>
+            <a:r>
+              <a:rPr lang="en-US" sz="2000" dirty="0" smtClean="0"/>
+              <a:t>first_neg_index = find(A&lt;0,1)</a:t>
+            </a:r>
+            <a:endParaRPr lang="en-US" sz="2000" dirty="0"/>
+          </a:p>
+        </p:txBody>
+      </p:sp>
+    </p:spTree>
+    <p:extLst>
+      <p:ext uri="{BB962C8B-B14F-4D97-AF65-F5344CB8AC3E}">
+        <p14:creationId xmlns:p14="http://schemas.microsoft.com/office/powerpoint/2010/main" val="1788233638"/>
+      </p:ext>
+    </p:extLst>
+  </p:cSld>
+  <p:clrMapOvr>
+    <a:masterClrMapping/>
+  </p:clrMapOvr>
+  <p:timing>
+    <p:tnLst>
+      <p:par>
+        <p:cTn id="1" dur="indefinite" restart="never" nodeType="tmRoot"/>
+      </p:par>
+    </p:tnLst>
+  </p:timing>
+</p:sld>
+</file>
+
+<file path=ppt/slides/slide48.xml><?xml version="1.0" encoding="utf-8"?>
+<p:sld xmlns:a="http://schemas.openxmlformats.org/drawingml/2006/main" xmlns:r="http://schemas.openxmlformats.org/officeDocument/2006/relationships" xmlns:p="http://schemas.openxmlformats.org/presentationml/2006/main">
+  <p:cSld>
+    <p:spTree>
+      <p:nvGrpSpPr>
+        <p:cNvPr id="1" name=""/>
+        <p:cNvGrpSpPr/>
+        <p:nvPr/>
+      </p:nvGrpSpPr>
+      <p:grpSpPr>
+        <a:xfrm>
+          <a:off x="0" y="0"/>
+          <a:ext cx="0" cy="0"/>
+          <a:chOff x="0" y="0"/>
+          <a:chExt cx="0" cy="0"/>
+        </a:xfrm>
+      </p:grpSpPr>
+      <p:sp>
+        <p:nvSpPr>
+          <p:cNvPr id="2" name="Title 1"/>
+          <p:cNvSpPr>
+            <a:spLocks noGrp="1"/>
+          </p:cNvSpPr>
+          <p:nvPr>
+            <p:ph type="title"/>
+          </p:nvPr>
+        </p:nvSpPr>
+        <p:spPr/>
+        <p:txBody>
+          <a:bodyPr/>
+          <a:lstStyle/>
+          <a:p>
+            <a:r>
+              <a:rPr lang="he-IL" dirty="0" smtClean="0"/>
+              <a:t>תרגילים</a:t>
+            </a:r>
+            <a:endParaRPr lang="en-US" dirty="0"/>
+          </a:p>
+        </p:txBody>
+      </p:sp>
+      <p:sp>
+        <p:nvSpPr>
+          <p:cNvPr id="3" name="Content Placeholder 2"/>
+          <p:cNvSpPr>
+            <a:spLocks noGrp="1"/>
+          </p:cNvSpPr>
+          <p:nvPr>
+            <p:ph idx="1"/>
+          </p:nvPr>
+        </p:nvSpPr>
+        <p:spPr>
+          <a:xfrm>
+            <a:off x="457200" y="1524000"/>
+            <a:ext cx="8229600" cy="4953000"/>
+          </a:xfrm>
+        </p:spPr>
+        <p:txBody>
+          <a:bodyPr>
+            <a:normAutofit fontScale="77500" lnSpcReduction="20000"/>
+          </a:bodyPr>
+          <a:lstStyle/>
+          <a:p>
+            <a:pPr>
+              <a:buNone/>
+            </a:pPr>
+            <a:r>
+              <a:rPr lang="he-IL" u="sng" dirty="0" smtClean="0"/>
+              <a:t>תרגיל 6</a:t>
+            </a:r>
+          </a:p>
+          <a:p>
+            <a:r>
+              <a:rPr lang="he-IL" dirty="0" smtClean="0"/>
+              <a:t>צרו מטריצת אחדות </a:t>
+            </a:r>
+            <a:r>
+              <a:rPr lang="en-US" dirty="0" smtClean="0"/>
+              <a:t>A</a:t>
+            </a:r>
+            <a:r>
+              <a:rPr lang="he-IL" dirty="0" smtClean="0"/>
+              <a:t> בגודל [</a:t>
+            </a:r>
+            <a:r>
+              <a:rPr lang="en-US" dirty="0" smtClean="0"/>
+              <a:t>10x10</a:t>
+            </a:r>
+            <a:r>
+              <a:rPr lang="he-IL" dirty="0" smtClean="0"/>
+              <a:t>] בעזרת </a:t>
+            </a:r>
+            <a:r>
+              <a:rPr lang="en-US" dirty="0" smtClean="0"/>
+              <a:t>eye</a:t>
+            </a:r>
+            <a:r>
+              <a:rPr lang="he-IL" dirty="0" smtClean="0"/>
+              <a:t>. צרו וקטור </a:t>
+            </a:r>
+            <a:r>
+              <a:rPr lang="he-IL" u="sng" dirty="0" smtClean="0"/>
+              <a:t>עמודה</a:t>
+            </a:r>
+            <a:r>
+              <a:rPr lang="he-IL" dirty="0" smtClean="0"/>
+              <a:t>  </a:t>
+            </a:r>
+            <a:r>
+              <a:rPr lang="en-US" dirty="0" smtClean="0"/>
+              <a:t>v=1:10</a:t>
+            </a:r>
+            <a:r>
+              <a:rPr lang="he-IL" dirty="0" smtClean="0"/>
+              <a:t>. נסו להוסיף את הוקטור לכל עמודה של </a:t>
+            </a:r>
+            <a:r>
+              <a:rPr lang="en-US" dirty="0" smtClean="0"/>
+              <a:t>A</a:t>
+            </a:r>
+            <a:r>
+              <a:rPr lang="he-IL" dirty="0" smtClean="0"/>
+              <a:t>.</a:t>
+            </a:r>
+          </a:p>
+          <a:p>
+            <a:r>
+              <a:rPr lang="he-IL" dirty="0" smtClean="0"/>
+              <a:t>בעזרת הפקודה </a:t>
+            </a:r>
+            <a:r>
+              <a:rPr lang="en-US" dirty="0" smtClean="0"/>
+              <a:t>vMat = repmat(v,_,_) </a:t>
+            </a:r>
+            <a:r>
+              <a:rPr lang="he-IL" dirty="0" smtClean="0"/>
+              <a:t> צרו מטריצת שכפולים (בשם </a:t>
+            </a:r>
+            <a:r>
+              <a:rPr lang="en-US" dirty="0" smtClean="0"/>
+              <a:t>vMat</a:t>
+            </a:r>
+            <a:r>
+              <a:rPr lang="he-IL" dirty="0" smtClean="0"/>
+              <a:t>) של </a:t>
+            </a:r>
+            <a:r>
+              <a:rPr lang="en-US" dirty="0" smtClean="0"/>
+              <a:t>v</a:t>
+            </a:r>
+            <a:r>
+              <a:rPr lang="he-IL" dirty="0" smtClean="0"/>
+              <a:t> במימדי מטריצת </a:t>
+            </a:r>
+            <a:r>
+              <a:rPr lang="en-US" dirty="0" smtClean="0"/>
+              <a:t>A</a:t>
+            </a:r>
+            <a:r>
+              <a:rPr lang="he-IL" dirty="0" smtClean="0"/>
+              <a:t>. בדקו כי שתי המטריצות באותו הגודל וחברו ביניהן.</a:t>
+            </a:r>
+          </a:p>
+          <a:p>
+            <a:pPr>
+              <a:buNone/>
+            </a:pPr>
+            <a:r>
+              <a:rPr lang="he-IL" u="sng" dirty="0" smtClean="0"/>
+              <a:t>תרגיל 7</a:t>
+            </a:r>
+          </a:p>
+          <a:p>
+            <a:r>
+              <a:rPr lang="he-IL" dirty="0" smtClean="0"/>
+              <a:t>הגדירו מטריצה </a:t>
+            </a:r>
+            <a:r>
+              <a:rPr lang="en-US" dirty="0" smtClean="0"/>
+              <a:t>A</a:t>
+            </a:r>
+            <a:r>
+              <a:rPr lang="he-IL" dirty="0" smtClean="0"/>
+              <a:t> במימדים  </a:t>
+            </a:r>
+            <a:r>
+              <a:rPr lang="en-US" dirty="0" smtClean="0"/>
+              <a:t>2x4</a:t>
+            </a:r>
+            <a:r>
+              <a:rPr lang="he-IL" dirty="0" smtClean="0"/>
+              <a:t> שאיבריה נתונים ע"י  </a:t>
+            </a:r>
+            <a:r>
+              <a:rPr lang="en-US" dirty="0" smtClean="0"/>
+              <a:t>A(i,j)=i+j</a:t>
+            </a:r>
+            <a:endParaRPr lang="he-IL" dirty="0" smtClean="0"/>
+          </a:p>
+          <a:p>
+            <a:r>
+              <a:rPr lang="he-IL" dirty="0" smtClean="0"/>
+              <a:t>חלצו 2 מטריצות  </a:t>
+            </a:r>
+            <a:r>
+              <a:rPr lang="en-US" dirty="0" smtClean="0"/>
+              <a:t>A1,A2</a:t>
+            </a:r>
+            <a:r>
+              <a:rPr lang="he-IL" dirty="0" smtClean="0"/>
+              <a:t> בגודל </a:t>
+            </a:r>
+            <a:r>
+              <a:rPr lang="en-US" dirty="0" smtClean="0"/>
+              <a:t>2x2</a:t>
+            </a:r>
+            <a:r>
+              <a:rPr lang="he-IL" dirty="0" smtClean="0"/>
+              <a:t> ממטריצה </a:t>
+            </a:r>
+            <a:r>
+              <a:rPr lang="en-US" dirty="0" smtClean="0"/>
+              <a:t>A</a:t>
+            </a:r>
+            <a:r>
+              <a:rPr lang="he-IL" dirty="0" smtClean="0"/>
+              <a:t>. כאשר </a:t>
+            </a:r>
+            <a:r>
+              <a:rPr lang="en-US" dirty="0" smtClean="0"/>
+              <a:t>A1</a:t>
+            </a:r>
+            <a:r>
+              <a:rPr lang="he-IL" dirty="0" smtClean="0"/>
+              <a:t> מכילה את 2 העמודות הראשונות של </a:t>
+            </a:r>
+            <a:r>
+              <a:rPr lang="en-US" dirty="0" smtClean="0"/>
+              <a:t>A</a:t>
+            </a:r>
+            <a:r>
+              <a:rPr lang="he-IL" dirty="0" smtClean="0"/>
+              <a:t> ו-</a:t>
+            </a:r>
+            <a:r>
+              <a:rPr lang="en-US" dirty="0" smtClean="0"/>
+              <a:t>A2</a:t>
+            </a:r>
+            <a:r>
+              <a:rPr lang="he-IL" dirty="0" smtClean="0"/>
+              <a:t> מכילה את 2 העמודות האחרונות של </a:t>
+            </a:r>
+            <a:r>
+              <a:rPr lang="en-US" dirty="0" smtClean="0"/>
+              <a:t>A</a:t>
+            </a:r>
+            <a:endParaRPr lang="he-IL" dirty="0" smtClean="0"/>
+          </a:p>
+          <a:p>
+            <a:r>
+              <a:rPr lang="he-IL" dirty="0" smtClean="0"/>
+              <a:t>חשבו את מטריצה </a:t>
+            </a:r>
+            <a:r>
+              <a:rPr lang="en-US" dirty="0" smtClean="0"/>
+              <a:t>B</a:t>
+            </a:r>
+            <a:r>
+              <a:rPr lang="he-IL" dirty="0" smtClean="0"/>
+              <a:t> שהיא הסכום של </a:t>
+            </a:r>
+            <a:r>
+              <a:rPr lang="en-US" dirty="0" smtClean="0"/>
+              <a:t>A1</a:t>
+            </a:r>
+            <a:r>
+              <a:rPr lang="he-IL" dirty="0" smtClean="0"/>
+              <a:t> ו-</a:t>
+            </a:r>
+            <a:r>
+              <a:rPr lang="en-US" dirty="0" smtClean="0"/>
+              <a:t>A2</a:t>
+            </a:r>
+            <a:endParaRPr lang="he-IL" dirty="0" smtClean="0"/>
+          </a:p>
+          <a:p>
+            <a:r>
+              <a:rPr lang="he-IL" dirty="0" smtClean="0"/>
+              <a:t>חשבו את הערכים העצמיים והוקטורים העצמיים של </a:t>
+            </a:r>
+            <a:r>
+              <a:rPr lang="en-US" dirty="0" smtClean="0"/>
+              <a:t>B</a:t>
+            </a:r>
+            <a:endParaRPr lang="he-IL" dirty="0" smtClean="0"/>
+          </a:p>
+          <a:p>
+            <a:r>
+              <a:rPr lang="he-IL" dirty="0" smtClean="0"/>
+              <a:t>פתרו את המערכת הלינארית </a:t>
+            </a:r>
+            <a:r>
+              <a:rPr lang="en-US" dirty="0" smtClean="0"/>
+              <a:t>Bx=b</a:t>
+            </a:r>
+            <a:r>
+              <a:rPr lang="he-IL" dirty="0" smtClean="0"/>
+              <a:t>, כאשר </a:t>
+            </a:r>
+            <a:r>
+              <a:rPr lang="en-US" dirty="0" smtClean="0"/>
+              <a:t>b</a:t>
+            </a:r>
+            <a:r>
+              <a:rPr lang="he-IL" dirty="0" smtClean="0"/>
+              <a:t> הינו וקטור שכל אבריו הם 1</a:t>
+            </a:r>
+          </a:p>
+          <a:p>
+            <a:r>
+              <a:rPr lang="he-IL" dirty="0" smtClean="0"/>
+              <a:t>חשבו את הדטרמיננט של </a:t>
+            </a:r>
+            <a:r>
+              <a:rPr lang="en-US" dirty="0" smtClean="0"/>
+              <a:t>B</a:t>
+            </a:r>
+            <a:endParaRPr lang="he-IL" dirty="0" smtClean="0"/>
+          </a:p>
+          <a:p>
+            <a:r>
+              <a:rPr lang="he-IL" dirty="0" smtClean="0"/>
+              <a:t>חשבו את ההופכי של </a:t>
+            </a:r>
+            <a:r>
+              <a:rPr lang="en-US" dirty="0" smtClean="0"/>
+              <a:t>B</a:t>
+            </a:r>
+            <a:endParaRPr lang="he-IL" dirty="0" smtClean="0"/>
+          </a:p>
+          <a:p>
+            <a:r>
+              <a:rPr lang="he-IL" dirty="0" smtClean="0"/>
+              <a:t>חשבו את ה-</a:t>
+            </a:r>
+            <a:r>
+              <a:rPr lang="en-US" dirty="0" smtClean="0"/>
+              <a:t>condition number</a:t>
+            </a:r>
+            <a:r>
+              <a:rPr lang="he-IL" dirty="0" smtClean="0"/>
+              <a:t> של </a:t>
+            </a:r>
+            <a:r>
+              <a:rPr lang="en-US" dirty="0" smtClean="0"/>
+              <a:t>B</a:t>
+            </a:r>
+            <a:endParaRPr lang="he-IL" dirty="0" smtClean="0"/>
+          </a:p>
+        </p:txBody>
+      </p:sp>
+    </p:spTree>
+    <p:extLst>
+      <p:ext uri="{BB962C8B-B14F-4D97-AF65-F5344CB8AC3E}">
+        <p14:creationId xmlns:p14="http://schemas.microsoft.com/office/powerpoint/2010/main" val="2187408718"/>
+      </p:ext>
+    </p:extLst>
+  </p:cSld>
+  <p:clrMapOvr>
+    <a:masterClrMapping/>
+  </p:clrMapOvr>
+  <p:timing>
+    <p:tnLst>
+      <p:par>
+        <p:cTn id="1" dur="indefinite" restart="never" nodeType="tmRoot"/>
+      </p:par>
+    </p:tnLst>
+  </p:timing>
+</p:sld>
+</file>
+
+<file path=ppt/slides/slide49.xml><?xml version="1.0" encoding="utf-8"?>
+<p:sld xmlns:a="http://schemas.openxmlformats.org/drawingml/2006/main" xmlns:r="http://schemas.openxmlformats.org/officeDocument/2006/relationships" xmlns:p="http://schemas.openxmlformats.org/presentationml/2006/main">
+  <p:cSld>
+    <p:spTree>
+      <p:nvGrpSpPr>
+        <p:cNvPr id="1" name=""/>
+        <p:cNvGrpSpPr/>
+        <p:nvPr/>
+      </p:nvGrpSpPr>
+      <p:grpSpPr>
+        <a:xfrm>
+          <a:off x="0" y="0"/>
+          <a:ext cx="0" cy="0"/>
+          <a:chOff x="0" y="0"/>
+          <a:chExt cx="0" cy="0"/>
+        </a:xfrm>
+      </p:grpSpPr>
+      <p:sp>
+        <p:nvSpPr>
+          <p:cNvPr id="2" name="Title 1"/>
+          <p:cNvSpPr>
+            <a:spLocks noGrp="1"/>
+          </p:cNvSpPr>
+          <p:nvPr>
+            <p:ph type="ctrTitle"/>
+          </p:nvPr>
+        </p:nvSpPr>
+        <p:spPr>
+          <a:xfrm>
+            <a:off x="646176" y="2781300"/>
+            <a:ext cx="7851648" cy="1295400"/>
+          </a:xfrm>
+        </p:spPr>
+        <p:txBody>
+          <a:bodyPr>
+            <a:normAutofit/>
+          </a:bodyPr>
+          <a:lstStyle/>
+          <a:p>
+            <a:pPr algn="ctr" rtl="1"/>
+            <a:r>
+              <a:rPr lang="he-IL" sz="8000" dirty="0" smtClean="0"/>
+              <a:t>חלק ב'</a:t>
+            </a:r>
+            <a:endParaRPr lang="en-US" sz="8000" dirty="0"/>
+          </a:p>
+        </p:txBody>
+      </p:sp>
+    </p:spTree>
+    <p:extLst>
+      <p:ext uri="{BB962C8B-B14F-4D97-AF65-F5344CB8AC3E}">
+        <p14:creationId xmlns:p14="http://schemas.microsoft.com/office/powerpoint/2010/main" val="758212072"/>
+      </p:ext>
+    </p:extLst>
   </p:cSld>
   <p:clrMapOvr>
     <a:masterClrMapping/>
@@ -17355,7 +18291,63 @@
                 <a:latin typeface="Courier New" pitchFamily="49" charset="0"/>
                 <a:cs typeface="Courier New" pitchFamily="49" charset="0"/>
               </a:rPr>
-              <a:t>&gt;&gt;disp([‘the room temperature is ‘,num2str(temp),‘ degrees’])</a:t>
+              <a:t>&gt;&gt;disp([</a:t>
+            </a:r>
+            <a:r>
+              <a:rPr lang="pt-BR" sz="1600" dirty="0" smtClean="0">
+                <a:latin typeface="Courier New" pitchFamily="49" charset="0"/>
+                <a:cs typeface="Courier New" pitchFamily="49" charset="0"/>
+              </a:rPr>
+              <a:t>'</a:t>
+            </a:r>
+            <a:r>
+              <a:rPr lang="en-US" sz="1600" dirty="0" smtClean="0">
+                <a:latin typeface="Courier New" pitchFamily="49" charset="0"/>
+                <a:cs typeface="Courier New" pitchFamily="49" charset="0"/>
+              </a:rPr>
+              <a:t>the room temperature is </a:t>
+            </a:r>
+            <a:r>
+              <a:rPr lang="pt-BR" sz="1600" dirty="0">
+                <a:latin typeface="Courier New" pitchFamily="49" charset="0"/>
+                <a:cs typeface="Courier New" pitchFamily="49" charset="0"/>
+              </a:rPr>
+              <a:t>'</a:t>
+            </a:r>
+            <a:r>
+              <a:rPr lang="en-US" sz="1600" dirty="0" smtClean="0">
+                <a:latin typeface="Courier New" pitchFamily="49" charset="0"/>
+                <a:cs typeface="Courier New" pitchFamily="49" charset="0"/>
+              </a:rPr>
+              <a:t>,num2str(temp),</a:t>
+            </a:r>
+            <a:r>
+              <a:rPr lang="pt-BR" sz="1600" dirty="0" smtClean="0">
+                <a:latin typeface="Courier New" pitchFamily="49" charset="0"/>
+                <a:cs typeface="Courier New" pitchFamily="49" charset="0"/>
+              </a:rPr>
+              <a:t>' </a:t>
+            </a:r>
+            <a:r>
+              <a:rPr lang="en-US" sz="1600" dirty="0" smtClean="0">
+                <a:latin typeface="Courier New" pitchFamily="49" charset="0"/>
+                <a:cs typeface="Courier New" pitchFamily="49" charset="0"/>
+              </a:rPr>
+              <a:t>degrees</a:t>
+            </a:r>
+            <a:r>
+              <a:rPr lang="pt-BR" sz="1600" dirty="0" smtClean="0">
+                <a:latin typeface="Courier New" pitchFamily="49" charset="0"/>
+                <a:cs typeface="Courier New" pitchFamily="49" charset="0"/>
+              </a:rPr>
+              <a:t>'</a:t>
+            </a:r>
+            <a:r>
+              <a:rPr lang="en-US" sz="1600" dirty="0" smtClean="0">
+                <a:latin typeface="Courier New" pitchFamily="49" charset="0"/>
+                <a:cs typeface="Courier New" pitchFamily="49" charset="0"/>
+              </a:rPr>
+              <a:t>])</a:t>
             </a:r>
             <a:endParaRPr lang="he-IL" sz="1600" dirty="0" smtClean="0">
               <a:latin typeface="Courier New" pitchFamily="49" charset="0"/>
@@ -17385,8 +18377,19 @@
                 <a:latin typeface="Courier New" pitchFamily="49" charset="0"/>
                 <a:cs typeface="Courier New" pitchFamily="49" charset="0"/>
               </a:rPr>
-              <a:t>&gt;&gt; strx = 'x = 2^3 + exp(0)’</a:t>
-            </a:r>
+              <a:t>&gt;&gt; strx = 'x = 2^3 + exp(0)</a:t>
+            </a:r>
+            <a:r>
+              <a:rPr lang="pt-BR" sz="1800" dirty="0" smtClean="0">
+                <a:latin typeface="Courier New" pitchFamily="49" charset="0"/>
+                <a:cs typeface="Courier New" pitchFamily="49" charset="0"/>
+              </a:rPr>
+              <a:t>'</a:t>
+            </a:r>
+            <a:endParaRPr lang="en-US" sz="1800" dirty="0" smtClean="0">
+              <a:latin typeface="Courier New" pitchFamily="49" charset="0"/>
+              <a:cs typeface="Courier New" pitchFamily="49" charset="0"/>
+            </a:endParaRPr>
           </a:p>
           <a:p>
             <a:pPr algn="l" rtl="0">
@@ -17475,7 +18478,7 @@
               <a:t>מערכי </a:t>
             </a:r>
             <a:r>
-              <a:rPr smtClean="0"/>
+              <a:rPr dirty="0" smtClean="0"/>
               <a:t>Cell</a:t>
             </a:r>
             <a:endParaRPr lang="en-US" dirty="0"/>
@@ -17718,7 +18721,7 @@
               <a:t>מערכי </a:t>
             </a:r>
             <a:r>
-              <a:rPr smtClean="0"/>
+              <a:rPr dirty="0" smtClean="0"/>
               <a:t>Cell</a:t>
             </a:r>
             <a:endParaRPr lang="en-US" dirty="0"/>
@@ -18208,7 +19211,7 @@
               <a:t>מערכי </a:t>
             </a:r>
             <a:r>
-              <a:rPr smtClean="0"/>
+              <a:rPr dirty="0" smtClean="0"/>
               <a:t>Cell</a:t>
             </a:r>
             <a:endParaRPr lang="en-US" dirty="0"/>
@@ -18612,7 +19615,7 @@
               <a:t>מערכי </a:t>
             </a:r>
             <a:r>
-              <a:rPr smtClean="0"/>
+              <a:rPr dirty="0" smtClean="0"/>
               <a:t>Cell</a:t>
             </a:r>
             <a:endParaRPr lang="en-US" dirty="0"/>
@@ -19011,7 +20014,7 @@
               <a:t>מבנים - </a:t>
             </a:r>
             <a:r>
-              <a:rPr smtClean="0"/>
+              <a:rPr dirty="0" smtClean="0"/>
               <a:t>Structures</a:t>
             </a:r>
             <a:endParaRPr lang="en-US" dirty="0"/>
@@ -19240,7 +20243,7 @@
               <a:t>מבנים - </a:t>
             </a:r>
             <a:r>
-              <a:rPr smtClean="0"/>
+              <a:rPr dirty="0" smtClean="0"/>
               <a:t>Structures</a:t>
             </a:r>
             <a:endParaRPr lang="en-US" dirty="0"/>
@@ -19428,7 +20431,7 @@
               <a:t>מבנים - </a:t>
             </a:r>
             <a:r>
-              <a:rPr smtClean="0"/>
+              <a:rPr dirty="0" smtClean="0"/>
               <a:t>Structures</a:t>
             </a:r>
             <a:endParaRPr lang="en-US" dirty="0"/>
@@ -19732,13 +20735,8 @@
           <a:p>
             <a:r>
               <a:rPr lang="he-IL" dirty="0" smtClean="0"/>
-              <a:t>(כמעט) כל קוד מתחיל בפקודות </a:t>
-            </a:r>
-            <a:r>
-              <a:rPr lang="he-IL" dirty="0" smtClean="0"/>
-              <a:t>הבאות</a:t>
-            </a:r>
-            <a:endParaRPr lang="he-IL" dirty="0" smtClean="0"/>
+              <a:t>(כמעט) כל קוד מתחיל בפקודות הבאות</a:t>
+            </a:r>
           </a:p>
           <a:p>
             <a:pPr algn="l" rtl="0"/>
@@ -19781,13 +20779,8 @@
           <a:p>
             <a:r>
               <a:rPr lang="he-IL" dirty="0" smtClean="0"/>
-              <a:t>שליטה על הצגת </a:t>
-            </a:r>
-            <a:r>
-              <a:rPr lang="he-IL" dirty="0" smtClean="0"/>
-              <a:t>מספרים</a:t>
-            </a:r>
-            <a:endParaRPr lang="he-IL" dirty="0" smtClean="0"/>
+              <a:t>שליטה על הצגת מספרים</a:t>
+            </a:r>
           </a:p>
           <a:p>
             <a:pPr algn="l" rtl="0"/>
@@ -19800,13 +20793,8 @@
           <a:p>
             <a:r>
               <a:rPr lang="he-IL" dirty="0" smtClean="0"/>
-              <a:t>פקודה לשעות </a:t>
-            </a:r>
-            <a:r>
-              <a:rPr lang="he-IL" dirty="0" smtClean="0"/>
-              <a:t>הקשות</a:t>
-            </a:r>
-            <a:endParaRPr lang="he-IL" dirty="0" smtClean="0"/>
+              <a:t>פקודה לשעות הקשות</a:t>
+            </a:r>
           </a:p>
           <a:p>
             <a:pPr algn="l" rtl="0"/>
@@ -19950,7 +20938,21 @@
                 <a:latin typeface="Courier New" pitchFamily="49" charset="0"/>
                 <a:cs typeface="Courier New" pitchFamily="49" charset="0"/>
               </a:rPr>
-              <a:t>9. fnames = ____({flist.name}’)</a:t>
+              <a:t>9. fnames = ____({flist.name}</a:t>
+            </a:r>
+            <a:r>
+              <a:rPr lang="pt-BR" dirty="0" smtClean="0">
+                <a:latin typeface="Courier New" pitchFamily="49" charset="0"/>
+                <a:cs typeface="Courier New" pitchFamily="49" charset="0"/>
+              </a:rPr>
+              <a:t>'</a:t>
+            </a:r>
+            <a:r>
+              <a:rPr lang="en-US" dirty="0" smtClean="0">
+                <a:latin typeface="Courier New" pitchFamily="49" charset="0"/>
+                <a:cs typeface="Courier New" pitchFamily="49" charset="0"/>
+              </a:rPr>
+              <a:t>)</a:t>
             </a:r>
           </a:p>
           <a:p>
@@ -21822,7 +22824,35 @@
                 <a:latin typeface="Courier New" pitchFamily="49" charset="0"/>
                 <a:cs typeface="Courier New" pitchFamily="49" charset="0"/>
               </a:rPr>
-              <a:t>plot(x,y,’m:d’)</a:t>
+              <a:t>plot(x,y,</a:t>
+            </a:r>
+            <a:r>
+              <a:rPr lang="pt-BR" sz="2000" dirty="0" smtClean="0">
+                <a:latin typeface="Courier New" pitchFamily="49" charset="0"/>
+                <a:cs typeface="Courier New" pitchFamily="49" charset="0"/>
+              </a:rPr>
+              <a:t>'</a:t>
+            </a:r>
+            <a:r>
+              <a:rPr lang="en-US" sz="2000" dirty="0" smtClean="0">
+                <a:latin typeface="Courier New" pitchFamily="49" charset="0"/>
+                <a:cs typeface="Courier New" pitchFamily="49" charset="0"/>
+              </a:rPr>
+              <a:t>m:d</a:t>
+            </a:r>
+            <a:r>
+              <a:rPr lang="pt-BR" sz="2000" dirty="0" smtClean="0">
+                <a:latin typeface="Courier New" pitchFamily="49" charset="0"/>
+                <a:cs typeface="Courier New" pitchFamily="49" charset="0"/>
+              </a:rPr>
+              <a:t>'</a:t>
+            </a:r>
+            <a:r>
+              <a:rPr lang="en-US" sz="2000" dirty="0" smtClean="0">
+                <a:latin typeface="Courier New" pitchFamily="49" charset="0"/>
+                <a:cs typeface="Courier New" pitchFamily="49" charset="0"/>
+              </a:rPr>
+              <a:t>)</a:t>
             </a:r>
             <a:endParaRPr lang="he-IL" sz="2000" dirty="0" smtClean="0">
               <a:latin typeface="Courier New" pitchFamily="49" charset="0"/>
@@ -23268,7 +24298,287 @@
                 <a:latin typeface="Courier New" pitchFamily="49" charset="0"/>
                 <a:cs typeface="Courier New" pitchFamily="49" charset="0"/>
               </a:rPr>
-              <a:t>&gt;&gt;plot(x,y,’Color’,’m’,’LineStyle’,’:’,’LineWidth’,6,’Marker’,’d’,’MakerEdgeColor’,’k’,’MarkerSize’,16)</a:t>
+              <a:t>&gt;&gt;plot(x,y,</a:t>
+            </a:r>
+            <a:r>
+              <a:rPr lang="pt-BR" sz="1800" dirty="0" smtClean="0">
+                <a:latin typeface="Courier New" pitchFamily="49" charset="0"/>
+                <a:cs typeface="Courier New" pitchFamily="49" charset="0"/>
+              </a:rPr>
+              <a:t>'</a:t>
+            </a:r>
+            <a:r>
+              <a:rPr lang="en-US" sz="1800" dirty="0" smtClean="0">
+                <a:latin typeface="Courier New" pitchFamily="49" charset="0"/>
+                <a:cs typeface="Courier New" pitchFamily="49" charset="0"/>
+              </a:rPr>
+              <a:t>Color</a:t>
+            </a:r>
+            <a:r>
+              <a:rPr lang="pt-BR" sz="1800" dirty="0" smtClean="0">
+                <a:latin typeface="Courier New" pitchFamily="49" charset="0"/>
+                <a:cs typeface="Courier New" pitchFamily="49" charset="0"/>
+              </a:rPr>
+              <a:t>'</a:t>
+            </a:r>
+            <a:r>
+              <a:rPr lang="en-US" sz="1800" dirty="0" smtClean="0">
+                <a:latin typeface="Courier New" pitchFamily="49" charset="0"/>
+                <a:cs typeface="Courier New" pitchFamily="49" charset="0"/>
+              </a:rPr>
+              <a:t>,</a:t>
+            </a:r>
+            <a:r>
+              <a:rPr lang="pt-BR" sz="1800" dirty="0" smtClean="0">
+                <a:latin typeface="Courier New" pitchFamily="49" charset="0"/>
+                <a:cs typeface="Courier New" pitchFamily="49" charset="0"/>
+              </a:rPr>
+              <a:t>'</a:t>
+            </a:r>
+            <a:r>
+              <a:rPr lang="en-US" sz="1800" dirty="0" smtClean="0">
+                <a:latin typeface="Courier New" pitchFamily="49" charset="0"/>
+                <a:cs typeface="Courier New" pitchFamily="49" charset="0"/>
+              </a:rPr>
+              <a:t>m</a:t>
+            </a:r>
+            <a:r>
+              <a:rPr lang="pt-BR" sz="1800" dirty="0" smtClean="0">
+                <a:latin typeface="Courier New" pitchFamily="49" charset="0"/>
+                <a:cs typeface="Courier New" pitchFamily="49" charset="0"/>
+              </a:rPr>
+              <a:t>'</a:t>
+            </a:r>
+            <a:r>
+              <a:rPr lang="en-US" sz="1800" dirty="0" smtClean="0">
+                <a:latin typeface="Courier New" pitchFamily="49" charset="0"/>
+                <a:cs typeface="Courier New" pitchFamily="49" charset="0"/>
+              </a:rPr>
+              <a:t>,</a:t>
+            </a:r>
+            <a:r>
+              <a:rPr lang="pt-BR" sz="1800" dirty="0" smtClean="0">
+                <a:latin typeface="Courier New" pitchFamily="49" charset="0"/>
+                <a:cs typeface="Courier New" pitchFamily="49" charset="0"/>
+              </a:rPr>
+              <a:t>'</a:t>
+            </a:r>
+            <a:r>
+              <a:rPr lang="en-US" sz="1800" dirty="0" smtClean="0">
+                <a:latin typeface="Courier New" pitchFamily="49" charset="0"/>
+                <a:cs typeface="Courier New" pitchFamily="49" charset="0"/>
+              </a:rPr>
+              <a:t>LineStyle</a:t>
+            </a:r>
+            <a:r>
+              <a:rPr lang="pt-BR" sz="1800" dirty="0" smtClean="0">
+                <a:latin typeface="Courier New" pitchFamily="49" charset="0"/>
+                <a:cs typeface="Courier New" pitchFamily="49" charset="0"/>
+              </a:rPr>
+              <a:t>'</a:t>
+            </a:r>
+            <a:r>
+              <a:rPr lang="en-US" sz="1800" dirty="0" smtClean="0">
+                <a:latin typeface="Courier New" pitchFamily="49" charset="0"/>
+                <a:cs typeface="Courier New" pitchFamily="49" charset="0"/>
+              </a:rPr>
+              <a:t>,</a:t>
+            </a:r>
+            <a:r>
+              <a:rPr lang="pt-BR" sz="1800" dirty="0" smtClean="0">
+                <a:latin typeface="Courier New" pitchFamily="49" charset="0"/>
+                <a:cs typeface="Courier New" pitchFamily="49" charset="0"/>
+              </a:rPr>
+              <a:t>'</a:t>
+            </a:r>
+            <a:r>
+              <a:rPr lang="en-US" sz="1800" dirty="0" smtClean="0">
+                <a:latin typeface="Courier New" pitchFamily="49" charset="0"/>
+                <a:cs typeface="Courier New" pitchFamily="49" charset="0"/>
+              </a:rPr>
+              <a:t>:</a:t>
+            </a:r>
+            <a:r>
+              <a:rPr lang="pt-BR" sz="1800" dirty="0" smtClean="0">
+                <a:latin typeface="Courier New" pitchFamily="49" charset="0"/>
+                <a:cs typeface="Courier New" pitchFamily="49" charset="0"/>
+              </a:rPr>
+              <a:t>'</a:t>
+            </a:r>
+            <a:r>
+              <a:rPr lang="en-US" sz="1800" dirty="0" smtClean="0">
+                <a:latin typeface="Courier New" pitchFamily="49" charset="0"/>
+                <a:cs typeface="Courier New" pitchFamily="49" charset="0"/>
+              </a:rPr>
+              <a:t>,</a:t>
+            </a:r>
+            <a:r>
+              <a:rPr lang="pt-BR" sz="1800" dirty="0" smtClean="0">
+                <a:latin typeface="Courier New" pitchFamily="49" charset="0"/>
+                <a:cs typeface="Courier New" pitchFamily="49" charset="0"/>
+              </a:rPr>
+              <a:t>'</a:t>
+            </a:r>
+            <a:r>
+              <a:rPr lang="en-US" sz="1800" dirty="0" smtClean="0">
+                <a:latin typeface="Courier New" pitchFamily="49" charset="0"/>
+                <a:cs typeface="Courier New" pitchFamily="49" charset="0"/>
+              </a:rPr>
+              <a:t>LineWidth</a:t>
+            </a:r>
+            <a:r>
+              <a:rPr lang="pt-BR" sz="1800" dirty="0" smtClean="0">
+                <a:latin typeface="Courier New" pitchFamily="49" charset="0"/>
+                <a:cs typeface="Courier New" pitchFamily="49" charset="0"/>
+              </a:rPr>
+              <a:t>'</a:t>
+            </a:r>
+            <a:r>
+              <a:rPr lang="en-US" sz="1800" dirty="0" smtClean="0">
+                <a:latin typeface="Courier New" pitchFamily="49" charset="0"/>
+                <a:cs typeface="Courier New" pitchFamily="49" charset="0"/>
+              </a:rPr>
+              <a:t>,6,</a:t>
+            </a:r>
+            <a:r>
+              <a:rPr lang="pt-BR" sz="1800" dirty="0" smtClean="0">
+                <a:latin typeface="Courier New" pitchFamily="49" charset="0"/>
+                <a:cs typeface="Courier New" pitchFamily="49" charset="0"/>
+              </a:rPr>
+              <a:t>'</a:t>
+            </a:r>
+            <a:r>
+              <a:rPr lang="en-US" sz="1800" dirty="0" smtClean="0">
+                <a:latin typeface="Courier New" pitchFamily="49" charset="0"/>
+                <a:cs typeface="Courier New" pitchFamily="49" charset="0"/>
+              </a:rPr>
+              <a:t>Marker</a:t>
+            </a:r>
+            <a:r>
+              <a:rPr lang="pt-BR" sz="1800" dirty="0" smtClean="0">
+                <a:latin typeface="Courier New" pitchFamily="49" charset="0"/>
+                <a:cs typeface="Courier New" pitchFamily="49" charset="0"/>
+              </a:rPr>
+              <a:t>'</a:t>
+            </a:r>
+            <a:r>
+              <a:rPr lang="en-US" sz="1800" dirty="0" smtClean="0">
+                <a:latin typeface="Courier New" pitchFamily="49" charset="0"/>
+                <a:cs typeface="Courier New" pitchFamily="49" charset="0"/>
+              </a:rPr>
+              <a:t>,</a:t>
+            </a:r>
+            <a:r>
+              <a:rPr lang="pt-BR" sz="1800" dirty="0" smtClean="0">
+                <a:latin typeface="Courier New" pitchFamily="49" charset="0"/>
+                <a:cs typeface="Courier New" pitchFamily="49" charset="0"/>
+              </a:rPr>
+              <a:t>'</a:t>
+            </a:r>
+            <a:r>
+              <a:rPr lang="en-US" sz="1800" dirty="0" smtClean="0">
+                <a:latin typeface="Courier New" pitchFamily="49" charset="0"/>
+                <a:cs typeface="Courier New" pitchFamily="49" charset="0"/>
+              </a:rPr>
+              <a:t>d</a:t>
+            </a:r>
+            <a:r>
+              <a:rPr lang="pt-BR" sz="1800" dirty="0" smtClean="0">
+                <a:latin typeface="Courier New" pitchFamily="49" charset="0"/>
+                <a:cs typeface="Courier New" pitchFamily="49" charset="0"/>
+              </a:rPr>
+              <a:t>'</a:t>
+            </a:r>
+            <a:r>
+              <a:rPr lang="en-US" sz="1800" dirty="0" smtClean="0">
+                <a:latin typeface="Courier New" pitchFamily="49" charset="0"/>
+                <a:cs typeface="Courier New" pitchFamily="49" charset="0"/>
+              </a:rPr>
+              <a:t>,</a:t>
+            </a:r>
+            <a:r>
+              <a:rPr lang="pt-BR" sz="1800" dirty="0" smtClean="0">
+                <a:latin typeface="Courier New" pitchFamily="49" charset="0"/>
+                <a:cs typeface="Courier New" pitchFamily="49" charset="0"/>
+              </a:rPr>
+              <a:t>'</a:t>
+            </a:r>
+            <a:r>
+              <a:rPr lang="en-US" sz="1800" dirty="0" smtClean="0">
+                <a:latin typeface="Courier New" pitchFamily="49" charset="0"/>
+                <a:cs typeface="Courier New" pitchFamily="49" charset="0"/>
+              </a:rPr>
+              <a:t>MarkerEdgeColor</a:t>
+            </a:r>
+            <a:r>
+              <a:rPr lang="pt-BR" sz="1800" dirty="0" smtClean="0">
+                <a:latin typeface="Courier New" pitchFamily="49" charset="0"/>
+                <a:cs typeface="Courier New" pitchFamily="49" charset="0"/>
+              </a:rPr>
+              <a:t>'</a:t>
+            </a:r>
+            <a:r>
+              <a:rPr lang="en-US" sz="1800" dirty="0" smtClean="0">
+                <a:latin typeface="Courier New" pitchFamily="49" charset="0"/>
+                <a:cs typeface="Courier New" pitchFamily="49" charset="0"/>
+              </a:rPr>
+              <a:t>,</a:t>
+            </a:r>
+            <a:r>
+              <a:rPr lang="pt-BR" sz="1800" dirty="0" smtClean="0">
+                <a:latin typeface="Courier New" pitchFamily="49" charset="0"/>
+                <a:cs typeface="Courier New" pitchFamily="49" charset="0"/>
+              </a:rPr>
+              <a:t>'</a:t>
+            </a:r>
+            <a:r>
+              <a:rPr lang="en-US" sz="1800" dirty="0" smtClean="0">
+                <a:latin typeface="Courier New" pitchFamily="49" charset="0"/>
+                <a:cs typeface="Courier New" pitchFamily="49" charset="0"/>
+              </a:rPr>
+              <a:t>k</a:t>
+            </a:r>
+            <a:r>
+              <a:rPr lang="pt-BR" sz="1800" dirty="0" smtClean="0">
+                <a:latin typeface="Courier New" pitchFamily="49" charset="0"/>
+                <a:cs typeface="Courier New" pitchFamily="49" charset="0"/>
+              </a:rPr>
+              <a:t>'</a:t>
+            </a:r>
+            <a:r>
+              <a:rPr lang="en-US" sz="1800" dirty="0" smtClean="0">
+                <a:latin typeface="Courier New" pitchFamily="49" charset="0"/>
+                <a:cs typeface="Courier New" pitchFamily="49" charset="0"/>
+              </a:rPr>
+              <a:t>,</a:t>
+            </a:r>
+            <a:r>
+              <a:rPr lang="pt-BR" sz="1800" dirty="0" smtClean="0">
+                <a:latin typeface="Courier New" pitchFamily="49" charset="0"/>
+                <a:cs typeface="Courier New" pitchFamily="49" charset="0"/>
+              </a:rPr>
+              <a:t>'</a:t>
+            </a:r>
+            <a:r>
+              <a:rPr lang="en-US" sz="1800" dirty="0" smtClean="0">
+                <a:latin typeface="Courier New" pitchFamily="49" charset="0"/>
+                <a:cs typeface="Courier New" pitchFamily="49" charset="0"/>
+              </a:rPr>
+              <a:t>MarkerSize</a:t>
+            </a:r>
+            <a:r>
+              <a:rPr lang="pt-BR" sz="1800" dirty="0" smtClean="0">
+                <a:latin typeface="Courier New" pitchFamily="49" charset="0"/>
+                <a:cs typeface="Courier New" pitchFamily="49" charset="0"/>
+              </a:rPr>
+              <a:t>'</a:t>
+            </a:r>
+            <a:r>
+              <a:rPr lang="en-US" sz="1800" dirty="0" smtClean="0">
+                <a:latin typeface="Courier New" pitchFamily="49" charset="0"/>
+                <a:cs typeface="Courier New" pitchFamily="49" charset="0"/>
+              </a:rPr>
+              <a:t>,16)</a:t>
             </a:r>
             <a:endParaRPr lang="he-IL" sz="1800" dirty="0" smtClean="0">
               <a:latin typeface="Courier New" pitchFamily="49" charset="0"/>
@@ -23980,7 +25290,49 @@
                 <a:latin typeface="Courier New" pitchFamily="49" charset="0"/>
                 <a:cs typeface="Courier New" pitchFamily="49" charset="0"/>
               </a:rPr>
-              <a:t>&gt;&gt;Mat=[sin(x)’ sin(x-0.25)’ sin(x-0.5)’];</a:t>
+              <a:t>&gt;&gt;Mat=[sin(x)</a:t>
+            </a:r>
+            <a:r>
+              <a:rPr lang="pt-BR" sz="1800" dirty="0" smtClean="0">
+                <a:latin typeface="Courier New" pitchFamily="49" charset="0"/>
+                <a:cs typeface="Courier New" pitchFamily="49" charset="0"/>
+              </a:rPr>
+              <a:t>'</a:t>
+            </a:r>
+            <a:r>
+              <a:rPr lang="es-ES" sz="1800" dirty="0" smtClean="0">
+                <a:latin typeface="Courier New" pitchFamily="49" charset="0"/>
+                <a:cs typeface="Courier New" pitchFamily="49" charset="0"/>
+              </a:rPr>
+              <a:t> sin(x-0.25)</a:t>
+            </a:r>
+            <a:r>
+              <a:rPr lang="pt-BR" sz="1800" dirty="0" smtClean="0">
+                <a:latin typeface="Courier New" pitchFamily="49" charset="0"/>
+                <a:cs typeface="Courier New" pitchFamily="49" charset="0"/>
+              </a:rPr>
+              <a:t>'</a:t>
+            </a:r>
+            <a:r>
+              <a:rPr lang="es-ES" sz="1800" dirty="0" smtClean="0">
+                <a:latin typeface="Courier New" pitchFamily="49" charset="0"/>
+                <a:cs typeface="Courier New" pitchFamily="49" charset="0"/>
+              </a:rPr>
+              <a:t> sin(x-0.5)</a:t>
+            </a:r>
+            <a:r>
+              <a:rPr lang="pt-BR" sz="1800" dirty="0" smtClean="0">
+                <a:latin typeface="Courier New" pitchFamily="49" charset="0"/>
+                <a:cs typeface="Courier New" pitchFamily="49" charset="0"/>
+              </a:rPr>
+              <a:t>'</a:t>
+            </a:r>
+            <a:r>
+              <a:rPr lang="es-ES" sz="1800" dirty="0" smtClean="0">
+                <a:latin typeface="Courier New" pitchFamily="49" charset="0"/>
+                <a:cs typeface="Courier New" pitchFamily="49" charset="0"/>
+              </a:rPr>
+              <a:t>];</a:t>
             </a:r>
           </a:p>
           <a:p>
@@ -23992,7 +25344,35 @@
                 <a:latin typeface="Courier New" pitchFamily="49" charset="0"/>
                 <a:cs typeface="Courier New" pitchFamily="49" charset="0"/>
               </a:rPr>
-              <a:t>&gt;&gt;plot(x,Mat,‘LineWidth‘,3)</a:t>
+              <a:t>&gt;&gt;plot(x,Mat,</a:t>
+            </a:r>
+            <a:r>
+              <a:rPr lang="pt-BR" sz="1800" dirty="0" smtClean="0">
+                <a:latin typeface="Courier New" pitchFamily="49" charset="0"/>
+                <a:cs typeface="Courier New" pitchFamily="49" charset="0"/>
+              </a:rPr>
+              <a:t>'</a:t>
+            </a:r>
+            <a:r>
+              <a:rPr lang="es-ES" sz="1800" dirty="0" err="1" smtClean="0">
+                <a:latin typeface="Courier New" pitchFamily="49" charset="0"/>
+                <a:cs typeface="Courier New" pitchFamily="49" charset="0"/>
+              </a:rPr>
+              <a:t>LineWidth</a:t>
+            </a:r>
+            <a:r>
+              <a:rPr lang="pt-BR" sz="1800" dirty="0" smtClean="0">
+                <a:latin typeface="Courier New" pitchFamily="49" charset="0"/>
+                <a:cs typeface="Courier New" pitchFamily="49" charset="0"/>
+              </a:rPr>
+              <a:t>'</a:t>
+            </a:r>
+            <a:r>
+              <a:rPr lang="es-ES" sz="1800" dirty="0" smtClean="0">
+                <a:latin typeface="Courier New" pitchFamily="49" charset="0"/>
+                <a:cs typeface="Courier New" pitchFamily="49" charset="0"/>
+              </a:rPr>
+              <a:t>,3)</a:t>
             </a:r>
             <a:endParaRPr lang="he-IL" sz="2000" dirty="0" smtClean="0"/>
           </a:p>
@@ -25091,7 +26471,35 @@
                 <a:latin typeface="Courier New" pitchFamily="49" charset="0"/>
                 <a:cs typeface="Courier New" pitchFamily="49" charset="0"/>
               </a:rPr>
-              <a:t>,'String',‘Left Y-axis’)</a:t>
+              <a:t>,'String',</a:t>
+            </a:r>
+            <a:r>
+              <a:rPr lang="pt-BR" sz="1800" dirty="0" smtClean="0">
+                <a:latin typeface="Courier New" pitchFamily="49" charset="0"/>
+                <a:cs typeface="Courier New" pitchFamily="49" charset="0"/>
+              </a:rPr>
+              <a:t>'</a:t>
+            </a:r>
+            <a:r>
+              <a:rPr lang="en-US" sz="1800" dirty="0" smtClean="0">
+                <a:latin typeface="Courier New" pitchFamily="49" charset="0"/>
+                <a:cs typeface="Courier New" pitchFamily="49" charset="0"/>
+              </a:rPr>
+              <a:t>Left Y-axis</a:t>
+            </a:r>
+            <a:r>
+              <a:rPr lang="pt-BR" sz="1800" dirty="0" smtClean="0">
+                <a:latin typeface="Courier New" pitchFamily="49" charset="0"/>
+                <a:cs typeface="Courier New" pitchFamily="49" charset="0"/>
+              </a:rPr>
+              <a:t>'</a:t>
+            </a:r>
+            <a:r>
+              <a:rPr lang="en-US" sz="1800" dirty="0" smtClean="0">
+                <a:latin typeface="Courier New" pitchFamily="49" charset="0"/>
+                <a:cs typeface="Courier New" pitchFamily="49" charset="0"/>
+              </a:rPr>
+              <a:t>)</a:t>
             </a:r>
           </a:p>
           <a:p>
@@ -25115,21 +26523,40 @@
                 <a:latin typeface="Courier New" pitchFamily="49" charset="0"/>
                 <a:cs typeface="Courier New" pitchFamily="49" charset="0"/>
               </a:rPr>
-              <a:t>,'String',‘Right Y-axis’)</a:t>
+              <a:t>,'String',</a:t>
+            </a:r>
+            <a:r>
+              <a:rPr lang="pt-BR" sz="1800" dirty="0" smtClean="0">
+                <a:latin typeface="Courier New" pitchFamily="49" charset="0"/>
+                <a:cs typeface="Courier New" pitchFamily="49" charset="0"/>
+              </a:rPr>
+              <a:t>'</a:t>
+            </a:r>
+            <a:r>
+              <a:rPr lang="en-US" sz="1800" dirty="0" smtClean="0">
+                <a:latin typeface="Courier New" pitchFamily="49" charset="0"/>
+                <a:cs typeface="Courier New" pitchFamily="49" charset="0"/>
+              </a:rPr>
+              <a:t>Right Y-axis</a:t>
+            </a:r>
+            <a:r>
+              <a:rPr lang="pt-BR" sz="1800" dirty="0" smtClean="0">
+                <a:latin typeface="Courier New" pitchFamily="49" charset="0"/>
+                <a:cs typeface="Courier New" pitchFamily="49" charset="0"/>
+              </a:rPr>
+              <a:t>'</a:t>
+            </a:r>
+            <a:r>
+              <a:rPr lang="en-US" sz="1800" dirty="0" smtClean="0">
+                <a:latin typeface="Courier New" pitchFamily="49" charset="0"/>
+                <a:cs typeface="Courier New" pitchFamily="49" charset="0"/>
+              </a:rPr>
+              <a:t>)</a:t>
             </a:r>
             <a:endParaRPr lang="he-IL" sz="1800" dirty="0" smtClean="0">
               <a:latin typeface="Courier New" pitchFamily="49" charset="0"/>
               <a:cs typeface="Courier New" pitchFamily="49" charset="0"/>
             </a:endParaRPr>
-          </a:p>
-          <a:p>
-            <a:endParaRPr lang="he-IL" dirty="0" smtClean="0"/>
-          </a:p>
-          <a:p>
-            <a:pPr algn="l" rtl="0">
-              <a:buNone/>
-            </a:pPr>
-            <a:endParaRPr lang="en-US" dirty="0"/>
           </a:p>
         </p:txBody>
       </p:sp>
@@ -25514,7 +26941,119 @@
                 <a:latin typeface="Courier New" pitchFamily="49" charset="0"/>
                 <a:cs typeface="Courier New" pitchFamily="49" charset="0"/>
               </a:rPr>
-              <a:t>&gt;&gt;plot(2,2,’c*’,1,2.4,’ks’,0.2,0.5,’r^’,’MarkerSize’,10)</a:t>
+              <a:t>&gt;&gt;plot(2,2,</a:t>
+            </a:r>
+            <a:r>
+              <a:rPr lang="pt-BR" sz="1800" dirty="0" smtClean="0">
+                <a:latin typeface="Courier New" pitchFamily="49" charset="0"/>
+                <a:cs typeface="Courier New" pitchFamily="49" charset="0"/>
+              </a:rPr>
+              <a:t>'</a:t>
+            </a:r>
+            <a:r>
+              <a:rPr lang="en-US" sz="1800" dirty="0" smtClean="0">
+                <a:latin typeface="Courier New" pitchFamily="49" charset="0"/>
+                <a:cs typeface="Courier New" pitchFamily="49" charset="0"/>
+              </a:rPr>
+              <a:t>c*</a:t>
+            </a:r>
+            <a:r>
+              <a:rPr lang="pt-BR" sz="1800" dirty="0" smtClean="0">
+                <a:latin typeface="Courier New" pitchFamily="49" charset="0"/>
+                <a:cs typeface="Courier New" pitchFamily="49" charset="0"/>
+              </a:rPr>
+              <a:t>'</a:t>
+            </a:r>
+            <a:r>
+              <a:rPr lang="en-US" sz="1800" dirty="0" smtClean="0">
+                <a:latin typeface="Courier New" pitchFamily="49" charset="0"/>
+                <a:cs typeface="Courier New" pitchFamily="49" charset="0"/>
+              </a:rPr>
+              <a:t>,1,2.4,</a:t>
+            </a:r>
+            <a:r>
+              <a:rPr lang="pt-BR" sz="1800" dirty="0" smtClean="0">
+                <a:latin typeface="Courier New" pitchFamily="49" charset="0"/>
+                <a:cs typeface="Courier New" pitchFamily="49" charset="0"/>
+              </a:rPr>
+              <a:t>'</a:t>
+            </a:r>
+            <a:r>
+              <a:rPr lang="en-US" sz="1800" dirty="0" err="1" smtClean="0">
+                <a:latin typeface="Courier New" pitchFamily="49" charset="0"/>
+                <a:cs typeface="Courier New" pitchFamily="49" charset="0"/>
+              </a:rPr>
+              <a:t>ks</a:t>
+            </a:r>
+            <a:r>
+              <a:rPr lang="pt-BR" sz="1800" dirty="0" smtClean="0">
+                <a:latin typeface="Courier New" pitchFamily="49" charset="0"/>
+                <a:cs typeface="Courier New" pitchFamily="49" charset="0"/>
+              </a:rPr>
+              <a:t>'</a:t>
+            </a:r>
+            <a:r>
+              <a:rPr lang="en-US" sz="1800" dirty="0" smtClean="0">
+                <a:latin typeface="Courier New" pitchFamily="49" charset="0"/>
+                <a:cs typeface="Courier New" pitchFamily="49" charset="0"/>
+              </a:rPr>
+              <a:t>,0.2,0.5,</a:t>
+            </a:r>
+            <a:r>
+              <a:rPr lang="pt-BR" sz="1800" dirty="0" smtClean="0">
+                <a:latin typeface="Courier New" pitchFamily="49" charset="0"/>
+                <a:cs typeface="Courier New" pitchFamily="49" charset="0"/>
+              </a:rPr>
+              <a:t>'</a:t>
+            </a:r>
+            <a:r>
+              <a:rPr lang="en-US" sz="1800" dirty="0" smtClean="0">
+                <a:latin typeface="Courier New" pitchFamily="49" charset="0"/>
+                <a:cs typeface="Courier New" pitchFamily="49" charset="0"/>
+              </a:rPr>
+              <a:t>r^</a:t>
+            </a:r>
+            <a:r>
+              <a:rPr lang="pt-BR" sz="1800" dirty="0" smtClean="0">
+                <a:latin typeface="Courier New" pitchFamily="49" charset="0"/>
+                <a:cs typeface="Courier New" pitchFamily="49" charset="0"/>
+              </a:rPr>
+              <a:t>'</a:t>
+            </a:r>
+            <a:r>
+              <a:rPr lang="en-US" sz="1800" dirty="0" smtClean="0">
+                <a:latin typeface="Courier New" pitchFamily="49" charset="0"/>
+                <a:cs typeface="Courier New" pitchFamily="49" charset="0"/>
+              </a:rPr>
+              <a:t>,</a:t>
+            </a:r>
+            <a:r>
+              <a:rPr lang="pt-BR" sz="1800" dirty="0" smtClean="0">
+                <a:latin typeface="Courier New" pitchFamily="49" charset="0"/>
+                <a:cs typeface="Courier New" pitchFamily="49" charset="0"/>
+              </a:rPr>
+              <a:t>'</a:t>
+            </a:r>
+            <a:r>
+              <a:rPr lang="en-US" sz="1800" dirty="0" smtClean="0">
+                <a:latin typeface="Courier New" pitchFamily="49" charset="0"/>
+                <a:cs typeface="Courier New" pitchFamily="49" charset="0"/>
+              </a:rPr>
+              <a:t>MarkerSize</a:t>
+            </a:r>
+            <a:r>
+              <a:rPr lang="pt-BR" sz="1800" dirty="0" smtClean="0">
+                <a:latin typeface="Courier New" pitchFamily="49" charset="0"/>
+                <a:cs typeface="Courier New" pitchFamily="49" charset="0"/>
+              </a:rPr>
+              <a:t>'</a:t>
+            </a:r>
+            <a:r>
+              <a:rPr lang="en-US" sz="1800" dirty="0" smtClean="0">
+                <a:latin typeface="Courier New" pitchFamily="49" charset="0"/>
+                <a:cs typeface="Courier New" pitchFamily="49" charset="0"/>
+              </a:rPr>
+              <a:t>,10)</a:t>
             </a:r>
           </a:p>
           <a:p>
@@ -27185,7 +28724,35 @@
                 <a:latin typeface="Courier New" pitchFamily="49" charset="0"/>
                 <a:cs typeface="Courier New" pitchFamily="49" charset="0"/>
               </a:rPr>
-              <a:t>&gt;&gt;legend('Y data',‘Z data‘,'fontsize',3)</a:t>
+              <a:t>&gt;&gt;legend('Y data',</a:t>
+            </a:r>
+            <a:r>
+              <a:rPr lang="pt-BR" dirty="0" smtClean="0">
+                <a:latin typeface="Courier New" pitchFamily="49" charset="0"/>
+                <a:cs typeface="Courier New" pitchFamily="49" charset="0"/>
+              </a:rPr>
+              <a:t>'</a:t>
+            </a:r>
+            <a:r>
+              <a:rPr lang="en-US" dirty="0" smtClean="0">
+                <a:latin typeface="Courier New" pitchFamily="49" charset="0"/>
+                <a:cs typeface="Courier New" pitchFamily="49" charset="0"/>
+              </a:rPr>
+              <a:t>Z data</a:t>
+            </a:r>
+            <a:r>
+              <a:rPr lang="pt-BR" dirty="0" smtClean="0">
+                <a:latin typeface="Courier New" pitchFamily="49" charset="0"/>
+                <a:cs typeface="Courier New" pitchFamily="49" charset="0"/>
+              </a:rPr>
+              <a:t>'</a:t>
+            </a:r>
+            <a:r>
+              <a:rPr lang="en-US" dirty="0" smtClean="0">
+                <a:latin typeface="Courier New" pitchFamily="49" charset="0"/>
+                <a:cs typeface="Courier New" pitchFamily="49" charset="0"/>
+              </a:rPr>
+              <a:t>,'fontsize',3)</a:t>
             </a:r>
           </a:p>
           <a:p>
@@ -27359,7 +28926,7 @@
           <p:nvPr>
             <p:extLst>
               <p:ext uri="{D42A27DB-BD31-4B8C-83A1-F6EECF244321}">
-                <p14:modId xmlns="" xmlns:p14="http://schemas.microsoft.com/office/powerpoint/2010/main" val="2921984276"/>
+                <p14:modId xmlns:p14="http://schemas.microsoft.com/office/powerpoint/2010/main" val="2921984276"/>
               </p:ext>
             </p:extLst>
           </p:nvPr>
@@ -27370,9 +28937,59 @@
         </p:xfrm>
         <a:graphic>
           <a:graphicData uri="http://schemas.openxmlformats.org/presentationml/2006/ole">
-            <p:oleObj spid="_x0000_s91140" name="Equation" r:id="rId3" imgW="1282680" imgH="507960" progId="Equation.DSMT4">
-              <p:embed/>
-            </p:oleObj>
+            <mc:AlternateContent xmlns:mc="http://schemas.openxmlformats.org/markup-compatibility/2006">
+              <mc:Choice xmlns:v="urn:schemas-microsoft-com:vml" Requires="v">
+                <p:oleObj spid="_x0000_s91147" name="Equation" r:id="rId3" imgW="1282680" imgH="507960" progId="Equation.DSMT4">
+                  <p:embed/>
+                </p:oleObj>
+              </mc:Choice>
+              <mc:Fallback>
+                <p:oleObj name="Equation" r:id="rId3" imgW="1282680" imgH="507960" progId="Equation.DSMT4">
+                  <p:embed/>
+                  <p:pic>
+                    <p:nvPicPr>
+                      <p:cNvPr id="0" name="Picture 4"/>
+                      <p:cNvPicPr>
+                        <a:picLocks noChangeAspect="1" noChangeArrowheads="1"/>
+                      </p:cNvPicPr>
+                      <p:nvPr/>
+                    </p:nvPicPr>
+                    <p:blipFill>
+                      <a:blip r:embed="rId4">
+                        <a:extLst>
+                          <a:ext uri="{28A0092B-C50C-407E-A947-70E740481C1C}">
+                            <a14:useLocalDpi xmlns:a14="http://schemas.microsoft.com/office/drawing/2010/main" val="0"/>
+                          </a:ext>
+                        </a:extLst>
+                      </a:blip>
+                      <a:srcRect/>
+                      <a:stretch>
+                        <a:fillRect/>
+                      </a:stretch>
+                    </p:blipFill>
+                    <p:spPr bwMode="auto">
+                      <a:xfrm>
+                        <a:off x="685800" y="1981200"/>
+                        <a:ext cx="2362200" cy="948044"/>
+                      </a:xfrm>
+                      <a:prstGeom prst="rect">
+                        <a:avLst/>
+                      </a:prstGeom>
+                      <a:noFill/>
+                      <a:extLst>
+                        <a:ext uri="{909E8E84-426E-40DD-AFC4-6F175D3DCCD1}">
+                          <a14:hiddenFill xmlns:a14="http://schemas.microsoft.com/office/drawing/2010/main">
+                            <a:solidFill>
+                              <a:srgbClr val="FFFFFF"/>
+                            </a:solidFill>
+                          </a14:hiddenFill>
+                        </a:ext>
+                      </a:extLst>
+                    </p:spPr>
+                  </p:pic>
+                </p:oleObj>
+              </mc:Fallback>
+            </mc:AlternateContent>
           </a:graphicData>
         </a:graphic>
       </p:graphicFrame>
@@ -27531,7 +29148,7 @@
           <p:nvPr/>
         </p:nvPicPr>
         <p:blipFill>
-          <a:blip r:embed="rId4"/>
+          <a:blip r:embed="rId5"/>
           <a:srcRect/>
           <a:stretch>
             <a:fillRect/>
@@ -27730,7 +29347,7 @@
                 </a:solidFill>
                 <a:latin typeface="Courier New"/>
               </a:rPr>
-              <a:t>d2ydt2(end+1:end+2)=d2ydt2(end); </a:t>
+              <a:t>d2ydt2(end+(1:2))=d2ydt2(end); </a:t>
             </a:r>
             <a:r>
               <a:rPr lang="en-US" sz="2800" dirty="0" smtClean="0">
@@ -29628,9 +31245,59 @@
         </p:xfrm>
         <a:graphic>
           <a:graphicData uri="http://schemas.openxmlformats.org/presentationml/2006/ole">
-            <p:oleObj spid="_x0000_s95236" name="Equation" r:id="rId3" imgW="850531" imgH="253890" progId="Equation.DSMT4">
-              <p:embed/>
-            </p:oleObj>
+            <mc:AlternateContent xmlns:mc="http://schemas.openxmlformats.org/markup-compatibility/2006">
+              <mc:Choice xmlns:v="urn:schemas-microsoft-com:vml" Requires="v">
+                <p:oleObj spid="_x0000_s95243" name="Equation" r:id="rId3" imgW="850531" imgH="253890" progId="Equation.DSMT4">
+                  <p:embed/>
+                </p:oleObj>
+              </mc:Choice>
+              <mc:Fallback>
+                <p:oleObj name="Equation" r:id="rId3" imgW="850531" imgH="253890" progId="Equation.DSMT4">
+                  <p:embed/>
+                  <p:pic>
+                    <p:nvPicPr>
+                      <p:cNvPr id="0" name="Picture 4"/>
+                      <p:cNvPicPr>
+                        <a:picLocks noChangeAspect="1" noChangeArrowheads="1"/>
+                      </p:cNvPicPr>
+                      <p:nvPr/>
+                    </p:nvPicPr>
+                    <p:blipFill>
+                      <a:blip r:embed="rId4">
+                        <a:extLst>
+                          <a:ext uri="{28A0092B-C50C-407E-A947-70E740481C1C}">
+                            <a14:useLocalDpi xmlns:a14="http://schemas.microsoft.com/office/drawing/2010/main" val="0"/>
+                          </a:ext>
+                        </a:extLst>
+                      </a:blip>
+                      <a:srcRect/>
+                      <a:stretch>
+                        <a:fillRect/>
+                      </a:stretch>
+                    </p:blipFill>
+                    <p:spPr bwMode="auto">
+                      <a:xfrm>
+                        <a:off x="1481137" y="1412544"/>
+                        <a:ext cx="1566863" cy="474662"/>
+                      </a:xfrm>
+                      <a:prstGeom prst="rect">
+                        <a:avLst/>
+                      </a:prstGeom>
+                      <a:noFill/>
+                      <a:extLst>
+                        <a:ext uri="{909E8E84-426E-40DD-AFC4-6F175D3DCCD1}">
+                          <a14:hiddenFill xmlns:a14="http://schemas.microsoft.com/office/drawing/2010/main">
+                            <a:solidFill>
+                              <a:srgbClr val="FFFFFF"/>
+                            </a:solidFill>
+                          </a14:hiddenFill>
+                        </a:ext>
+                      </a:extLst>
+                    </p:spPr>
+                  </p:pic>
+                </p:oleObj>
+              </mc:Fallback>
+            </mc:AlternateContent>
           </a:graphicData>
         </a:graphic>
       </p:graphicFrame>
@@ -29643,7 +31310,7 @@
           <p:nvPr/>
         </p:nvPicPr>
         <p:blipFill>
-          <a:blip r:embed="rId4"/>
+          <a:blip r:embed="rId5"/>
           <a:srcRect/>
           <a:stretch>
             <a:fillRect/>
@@ -30456,7 +32123,7 @@
               <a:t>תנאים (</a:t>
             </a:r>
             <a:r>
-              <a:rPr smtClean="0"/>
+              <a:rPr dirty="0" smtClean="0"/>
               <a:t>If</a:t>
             </a:r>
             <a:r>
@@ -30826,7 +32493,7 @@
           <a:lstStyle/>
           <a:p>
             <a:r>
-              <a:rPr smtClean="0"/>
+              <a:rPr dirty="0" smtClean="0"/>
               <a:t>Switch</a:t>
             </a:r>
             <a:endParaRPr lang="en-US" dirty="0"/>
@@ -31360,7 +33027,7 @@
               <a:t>לולאות (</a:t>
             </a:r>
             <a:r>
-              <a:rPr smtClean="0"/>
+              <a:rPr dirty="0" smtClean="0"/>
               <a:t>for</a:t>
             </a:r>
             <a:r>
@@ -31423,7 +33090,39 @@
                 </a:solidFill>
                 <a:latin typeface="Courier New"/>
               </a:rPr>
-              <a:t>&gt;&gt; 	printf(‘%d\n’,x);</a:t>
+              <a:t>&gt;&gt; 	printf(</a:t>
+            </a:r>
+            <a:r>
+              <a:rPr lang="pt-BR" sz="1800" dirty="0" smtClean="0">
+                <a:latin typeface="Courier New" pitchFamily="49" charset="0"/>
+                <a:cs typeface="Courier New" pitchFamily="49" charset="0"/>
+              </a:rPr>
+              <a:t>'</a:t>
+            </a:r>
+            <a:r>
+              <a:rPr lang="en-US" sz="1800" dirty="0" smtClean="0">
+                <a:solidFill>
+                  <a:srgbClr val="292929"/>
+                </a:solidFill>
+                <a:latin typeface="Courier New"/>
+              </a:rPr>
+              <a:t>%d\n</a:t>
+            </a:r>
+            <a:r>
+              <a:rPr lang="pt-BR" sz="1800" dirty="0" smtClean="0">
+                <a:latin typeface="Courier New" pitchFamily="49" charset="0"/>
+                <a:cs typeface="Courier New" pitchFamily="49" charset="0"/>
+              </a:rPr>
+              <a:t>'</a:t>
+            </a:r>
+            <a:r>
+              <a:rPr lang="en-US" sz="1800" dirty="0" smtClean="0">
+                <a:solidFill>
+                  <a:srgbClr val="292929"/>
+                </a:solidFill>
+                <a:latin typeface="Courier New"/>
+              </a:rPr>
+              <a:t>,x);</a:t>
             </a:r>
           </a:p>
           <a:p>
@@ -31696,7 +33395,7 @@
               <a:t>לולאות (</a:t>
             </a:r>
             <a:r>
-              <a:rPr smtClean="0"/>
+              <a:rPr dirty="0" smtClean="0"/>
               <a:t>while</a:t>
             </a:r>
             <a:r>
@@ -32033,7 +33732,7 @@
               <a:t>שימוש ב-</a:t>
             </a:r>
             <a:r>
-              <a:rPr smtClean="0"/>
+              <a:rPr dirty="0" smtClean="0"/>
               <a:t>break</a:t>
             </a:r>
             <a:endParaRPr lang="en-US" dirty="0"/>
@@ -32141,7 +33840,39 @@
                 </a:solidFill>
                 <a:latin typeface="Courier New"/>
               </a:rPr>
-              <a:t>printf(‘%5d’,x);</a:t>
+              <a:t>printf(</a:t>
+            </a:r>
+            <a:r>
+              <a:rPr lang="pt-BR" sz="1800" dirty="0" smtClean="0">
+                <a:latin typeface="Courier New" pitchFamily="49" charset="0"/>
+                <a:cs typeface="Courier New" pitchFamily="49" charset="0"/>
+              </a:rPr>
+              <a:t>'</a:t>
+            </a:r>
+            <a:r>
+              <a:rPr lang="en-US" sz="1800" dirty="0" smtClean="0">
+                <a:solidFill>
+                  <a:srgbClr val="292929"/>
+                </a:solidFill>
+                <a:latin typeface="Courier New"/>
+              </a:rPr>
+              <a:t>%5d</a:t>
+            </a:r>
+            <a:r>
+              <a:rPr lang="pt-BR" sz="1800" dirty="0" smtClean="0">
+                <a:latin typeface="Courier New" pitchFamily="49" charset="0"/>
+                <a:cs typeface="Courier New" pitchFamily="49" charset="0"/>
+              </a:rPr>
+              <a:t>'</a:t>
+            </a:r>
+            <a:r>
+              <a:rPr lang="en-US" sz="1800" dirty="0" smtClean="0">
+                <a:solidFill>
+                  <a:srgbClr val="292929"/>
+                </a:solidFill>
+                <a:latin typeface="Courier New"/>
+              </a:rPr>
+              <a:t>,x);</a:t>
             </a:r>
           </a:p>
           <a:p>
@@ -32689,7 +34420,7 @@
               <a:t>פונקציות </a:t>
             </a:r>
             <a:r>
-              <a:rPr smtClean="0"/>
+              <a:rPr dirty="0" smtClean="0"/>
               <a:t>inline</a:t>
             </a:r>
             <a:endParaRPr lang="en-US" dirty="0"/>
@@ -33122,9 +34853,59 @@
         </p:xfrm>
         <a:graphic>
           <a:graphicData uri="http://schemas.openxmlformats.org/presentationml/2006/ole">
-            <p:oleObj spid="_x0000_s109575" name="Equation" r:id="rId3" imgW="710891" imgH="266584" progId="Equation.DSMT4">
-              <p:embed/>
-            </p:oleObj>
+            <mc:AlternateContent xmlns:mc="http://schemas.openxmlformats.org/markup-compatibility/2006">
+              <mc:Choice xmlns:v="urn:schemas-microsoft-com:vml" Requires="v">
+                <p:oleObj spid="_x0000_s109589" name="Equation" r:id="rId3" imgW="710891" imgH="266584" progId="Equation.DSMT4">
+                  <p:embed/>
+                </p:oleObj>
+              </mc:Choice>
+              <mc:Fallback>
+                <p:oleObj name="Equation" r:id="rId3" imgW="710891" imgH="266584" progId="Equation.DSMT4">
+                  <p:embed/>
+                  <p:pic>
+                    <p:nvPicPr>
+                      <p:cNvPr id="0" name="Picture 7"/>
+                      <p:cNvPicPr>
+                        <a:picLocks noChangeAspect="1" noChangeArrowheads="1"/>
+                      </p:cNvPicPr>
+                      <p:nvPr/>
+                    </p:nvPicPr>
+                    <p:blipFill>
+                      <a:blip r:embed="rId4">
+                        <a:extLst>
+                          <a:ext uri="{28A0092B-C50C-407E-A947-70E740481C1C}">
+                            <a14:useLocalDpi xmlns:a14="http://schemas.microsoft.com/office/drawing/2010/main" val="0"/>
+                          </a:ext>
+                        </a:extLst>
+                      </a:blip>
+                      <a:srcRect/>
+                      <a:stretch>
+                        <a:fillRect/>
+                      </a:stretch>
+                    </p:blipFill>
+                    <p:spPr bwMode="auto">
+                      <a:xfrm>
+                        <a:off x="1905000" y="2133600"/>
+                        <a:ext cx="1122589" cy="419100"/>
+                      </a:xfrm>
+                      <a:prstGeom prst="rect">
+                        <a:avLst/>
+                      </a:prstGeom>
+                      <a:noFill/>
+                      <a:extLst>
+                        <a:ext uri="{909E8E84-426E-40DD-AFC4-6F175D3DCCD1}">
+                          <a14:hiddenFill xmlns:a14="http://schemas.microsoft.com/office/drawing/2010/main">
+                            <a:solidFill>
+                              <a:srgbClr val="FFFFFF"/>
+                            </a:solidFill>
+                          </a14:hiddenFill>
+                        </a:ext>
+                      </a:extLst>
+                    </p:spPr>
+                  </p:pic>
+                </p:oleObj>
+              </mc:Fallback>
+            </mc:AlternateContent>
           </a:graphicData>
         </a:graphic>
       </p:graphicFrame>
@@ -33180,9 +34961,59 @@
         </p:xfrm>
         <a:graphic>
           <a:graphicData uri="http://schemas.openxmlformats.org/presentationml/2006/ole">
-            <p:oleObj spid="_x0000_s109576" name="Equation" r:id="rId4" imgW="1256755" imgH="482391" progId="Equation.DSMT4">
-              <p:embed/>
-            </p:oleObj>
+            <mc:AlternateContent xmlns:mc="http://schemas.openxmlformats.org/markup-compatibility/2006">
+              <mc:Choice xmlns:v="urn:schemas-microsoft-com:vml" Requires="v">
+                <p:oleObj spid="_x0000_s109590" name="Equation" r:id="rId5" imgW="1256755" imgH="482391" progId="Equation.DSMT4">
+                  <p:embed/>
+                </p:oleObj>
+              </mc:Choice>
+              <mc:Fallback>
+                <p:oleObj name="Equation" r:id="rId5" imgW="1256755" imgH="482391" progId="Equation.DSMT4">
+                  <p:embed/>
+                  <p:pic>
+                    <p:nvPicPr>
+                      <p:cNvPr id="0" name="Picture 8"/>
+                      <p:cNvPicPr>
+                        <a:picLocks noChangeAspect="1" noChangeArrowheads="1"/>
+                      </p:cNvPicPr>
+                      <p:nvPr/>
+                    </p:nvPicPr>
+                    <p:blipFill>
+                      <a:blip r:embed="rId6">
+                        <a:extLst>
+                          <a:ext uri="{28A0092B-C50C-407E-A947-70E740481C1C}">
+                            <a14:useLocalDpi xmlns:a14="http://schemas.microsoft.com/office/drawing/2010/main" val="0"/>
+                          </a:ext>
+                        </a:extLst>
+                      </a:blip>
+                      <a:srcRect/>
+                      <a:stretch>
+                        <a:fillRect/>
+                      </a:stretch>
+                    </p:blipFill>
+                    <p:spPr bwMode="auto">
+                      <a:xfrm>
+                        <a:off x="4876800" y="3048000"/>
+                        <a:ext cx="1984375" cy="757238"/>
+                      </a:xfrm>
+                      <a:prstGeom prst="rect">
+                        <a:avLst/>
+                      </a:prstGeom>
+                      <a:noFill/>
+                      <a:extLst>
+                        <a:ext uri="{909E8E84-426E-40DD-AFC4-6F175D3DCCD1}">
+                          <a14:hiddenFill xmlns:a14="http://schemas.microsoft.com/office/drawing/2010/main">
+                            <a:solidFill>
+                              <a:srgbClr val="FFFFFF"/>
+                            </a:solidFill>
+                          </a14:hiddenFill>
+                        </a:ext>
+                      </a:extLst>
+                    </p:spPr>
+                  </p:pic>
+                </p:oleObj>
+              </mc:Fallback>
+            </mc:AlternateContent>
           </a:graphicData>
         </a:graphic>
       </p:graphicFrame>
@@ -33569,9 +35400,59 @@
         </p:xfrm>
         <a:graphic>
           <a:graphicData uri="http://schemas.openxmlformats.org/presentationml/2006/ole">
-            <p:oleObj spid="_x0000_s140315" name="Equation" r:id="rId3" imgW="1256755" imgH="253890" progId="Equation.DSMT4">
-              <p:embed/>
-            </p:oleObj>
+            <mc:AlternateContent xmlns:mc="http://schemas.openxmlformats.org/markup-compatibility/2006">
+              <mc:Choice xmlns:v="urn:schemas-microsoft-com:vml" Requires="v">
+                <p:oleObj spid="_x0000_s140364" name="Equation" r:id="rId3" imgW="1256755" imgH="253890" progId="Equation.DSMT4">
+                  <p:embed/>
+                </p:oleObj>
+              </mc:Choice>
+              <mc:Fallback>
+                <p:oleObj name="Equation" r:id="rId3" imgW="1256755" imgH="253890" progId="Equation.DSMT4">
+                  <p:embed/>
+                  <p:pic>
+                    <p:nvPicPr>
+                      <p:cNvPr id="0" name="Picture 27"/>
+                      <p:cNvPicPr>
+                        <a:picLocks noChangeAspect="1" noChangeArrowheads="1"/>
+                      </p:cNvPicPr>
+                      <p:nvPr/>
+                    </p:nvPicPr>
+                    <p:blipFill>
+                      <a:blip r:embed="rId4">
+                        <a:extLst>
+                          <a:ext uri="{28A0092B-C50C-407E-A947-70E740481C1C}">
+                            <a14:useLocalDpi xmlns:a14="http://schemas.microsoft.com/office/drawing/2010/main" val="0"/>
+                          </a:ext>
+                        </a:extLst>
+                      </a:blip>
+                      <a:srcRect/>
+                      <a:stretch>
+                        <a:fillRect/>
+                      </a:stretch>
+                    </p:blipFill>
+                    <p:spPr bwMode="auto">
+                      <a:xfrm>
+                        <a:off x="914400" y="1752600"/>
+                        <a:ext cx="2514600" cy="514350"/>
+                      </a:xfrm>
+                      <a:prstGeom prst="rect">
+                        <a:avLst/>
+                      </a:prstGeom>
+                      <a:noFill/>
+                      <a:extLst>
+                        <a:ext uri="{909E8E84-426E-40DD-AFC4-6F175D3DCCD1}">
+                          <a14:hiddenFill xmlns:a14="http://schemas.microsoft.com/office/drawing/2010/main">
+                            <a:solidFill>
+                              <a:srgbClr val="FFFFFF"/>
+                            </a:solidFill>
+                          </a14:hiddenFill>
+                        </a:ext>
+                      </a:extLst>
+                    </p:spPr>
+                  </p:pic>
+                </p:oleObj>
+              </mc:Fallback>
+            </mc:AlternateContent>
           </a:graphicData>
         </a:graphic>
       </p:graphicFrame>
@@ -33665,9 +35546,59 @@
         </p:xfrm>
         <a:graphic>
           <a:graphicData uri="http://schemas.openxmlformats.org/presentationml/2006/ole">
-            <p:oleObj spid="_x0000_s140316" name="Equation" r:id="rId4" imgW="1129810" imgH="253890" progId="Equation.DSMT4">
-              <p:embed/>
-            </p:oleObj>
+            <mc:AlternateContent xmlns:mc="http://schemas.openxmlformats.org/markup-compatibility/2006">
+              <mc:Choice xmlns:v="urn:schemas-microsoft-com:vml" Requires="v">
+                <p:oleObj spid="_x0000_s140365" name="Equation" r:id="rId5" imgW="1129810" imgH="253890" progId="Equation.DSMT4">
+                  <p:embed/>
+                </p:oleObj>
+              </mc:Choice>
+              <mc:Fallback>
+                <p:oleObj name="Equation" r:id="rId5" imgW="1129810" imgH="253890" progId="Equation.DSMT4">
+                  <p:embed/>
+                  <p:pic>
+                    <p:nvPicPr>
+                      <p:cNvPr id="0" name="Picture 28"/>
+                      <p:cNvPicPr>
+                        <a:picLocks noChangeAspect="1" noChangeArrowheads="1"/>
+                      </p:cNvPicPr>
+                      <p:nvPr/>
+                    </p:nvPicPr>
+                    <p:blipFill>
+                      <a:blip r:embed="rId6">
+                        <a:extLst>
+                          <a:ext uri="{28A0092B-C50C-407E-A947-70E740481C1C}">
+                            <a14:useLocalDpi xmlns:a14="http://schemas.microsoft.com/office/drawing/2010/main" val="0"/>
+                          </a:ext>
+                        </a:extLst>
+                      </a:blip>
+                      <a:srcRect/>
+                      <a:stretch>
+                        <a:fillRect/>
+                      </a:stretch>
+                    </p:blipFill>
+                    <p:spPr bwMode="auto">
+                      <a:xfrm>
+                        <a:off x="925685" y="2209799"/>
+                        <a:ext cx="2350915" cy="533401"/>
+                      </a:xfrm>
+                      <a:prstGeom prst="rect">
+                        <a:avLst/>
+                      </a:prstGeom>
+                      <a:noFill/>
+                      <a:extLst>
+                        <a:ext uri="{909E8E84-426E-40DD-AFC4-6F175D3DCCD1}">
+                          <a14:hiddenFill xmlns:a14="http://schemas.microsoft.com/office/drawing/2010/main">
+                            <a:solidFill>
+                              <a:srgbClr val="FFFFFF"/>
+                            </a:solidFill>
+                          </a14:hiddenFill>
+                        </a:ext>
+                      </a:extLst>
+                    </p:spPr>
+                  </p:pic>
+                </p:oleObj>
+              </mc:Fallback>
+            </mc:AlternateContent>
           </a:graphicData>
         </a:graphic>
       </p:graphicFrame>
@@ -33761,9 +35692,59 @@
         </p:xfrm>
         <a:graphic>
           <a:graphicData uri="http://schemas.openxmlformats.org/presentationml/2006/ole">
-            <p:oleObj spid="_x0000_s140317" name="Equation" r:id="rId5" imgW="469696" imgH="177723" progId="Equation.DSMT4">
-              <p:embed/>
-            </p:oleObj>
+            <mc:AlternateContent xmlns:mc="http://schemas.openxmlformats.org/markup-compatibility/2006">
+              <mc:Choice xmlns:v="urn:schemas-microsoft-com:vml" Requires="v">
+                <p:oleObj spid="_x0000_s140366" name="Equation" r:id="rId7" imgW="469696" imgH="177723" progId="Equation.DSMT4">
+                  <p:embed/>
+                </p:oleObj>
+              </mc:Choice>
+              <mc:Fallback>
+                <p:oleObj name="Equation" r:id="rId7" imgW="469696" imgH="177723" progId="Equation.DSMT4">
+                  <p:embed/>
+                  <p:pic>
+                    <p:nvPicPr>
+                      <p:cNvPr id="0" name="Picture 29"/>
+                      <p:cNvPicPr>
+                        <a:picLocks noChangeAspect="1" noChangeArrowheads="1"/>
+                      </p:cNvPicPr>
+                      <p:nvPr/>
+                    </p:nvPicPr>
+                    <p:blipFill>
+                      <a:blip r:embed="rId8">
+                        <a:extLst>
+                          <a:ext uri="{28A0092B-C50C-407E-A947-70E740481C1C}">
+                            <a14:useLocalDpi xmlns:a14="http://schemas.microsoft.com/office/drawing/2010/main" val="0"/>
+                          </a:ext>
+                        </a:extLst>
+                      </a:blip>
+                      <a:srcRect/>
+                      <a:stretch>
+                        <a:fillRect/>
+                      </a:stretch>
+                    </p:blipFill>
+                    <p:spPr bwMode="auto">
+                      <a:xfrm>
+                        <a:off x="3962400" y="1828800"/>
+                        <a:ext cx="786063" cy="304800"/>
+                      </a:xfrm>
+                      <a:prstGeom prst="rect">
+                        <a:avLst/>
+                      </a:prstGeom>
+                      <a:noFill/>
+                      <a:extLst>
+                        <a:ext uri="{909E8E84-426E-40DD-AFC4-6F175D3DCCD1}">
+                          <a14:hiddenFill xmlns:a14="http://schemas.microsoft.com/office/drawing/2010/main">
+                            <a:solidFill>
+                              <a:srgbClr val="FFFFFF"/>
+                            </a:solidFill>
+                          </a14:hiddenFill>
+                        </a:ext>
+                      </a:extLst>
+                    </p:spPr>
+                  </p:pic>
+                </p:oleObj>
+              </mc:Fallback>
+            </mc:AlternateContent>
           </a:graphicData>
         </a:graphic>
       </p:graphicFrame>
@@ -33857,9 +35838,59 @@
         </p:xfrm>
         <a:graphic>
           <a:graphicData uri="http://schemas.openxmlformats.org/presentationml/2006/ole">
-            <p:oleObj spid="_x0000_s140318" name="Equation" r:id="rId6" imgW="710891" imgH="266584" progId="Equation.DSMT4">
-              <p:embed/>
-            </p:oleObj>
+            <mc:AlternateContent xmlns:mc="http://schemas.openxmlformats.org/markup-compatibility/2006">
+              <mc:Choice xmlns:v="urn:schemas-microsoft-com:vml" Requires="v">
+                <p:oleObj spid="_x0000_s140367" name="Equation" r:id="rId9" imgW="710891" imgH="266584" progId="Equation.DSMT4">
+                  <p:embed/>
+                </p:oleObj>
+              </mc:Choice>
+              <mc:Fallback>
+                <p:oleObj name="Equation" r:id="rId9" imgW="710891" imgH="266584" progId="Equation.DSMT4">
+                  <p:embed/>
+                  <p:pic>
+                    <p:nvPicPr>
+                      <p:cNvPr id="0" name="Picture 30"/>
+                      <p:cNvPicPr>
+                        <a:picLocks noChangeAspect="1" noChangeArrowheads="1"/>
+                      </p:cNvPicPr>
+                      <p:nvPr/>
+                    </p:nvPicPr>
+                    <p:blipFill>
+                      <a:blip r:embed="rId10">
+                        <a:extLst>
+                          <a:ext uri="{28A0092B-C50C-407E-A947-70E740481C1C}">
+                            <a14:useLocalDpi xmlns:a14="http://schemas.microsoft.com/office/drawing/2010/main" val="0"/>
+                          </a:ext>
+                        </a:extLst>
+                      </a:blip>
+                      <a:srcRect/>
+                      <a:stretch>
+                        <a:fillRect/>
+                      </a:stretch>
+                    </p:blipFill>
+                    <p:spPr bwMode="auto">
+                      <a:xfrm>
+                        <a:off x="2802950" y="2871148"/>
+                        <a:ext cx="918482" cy="342900"/>
+                      </a:xfrm>
+                      <a:prstGeom prst="rect">
+                        <a:avLst/>
+                      </a:prstGeom>
+                      <a:noFill/>
+                      <a:extLst>
+                        <a:ext uri="{909E8E84-426E-40DD-AFC4-6F175D3DCCD1}">
+                          <a14:hiddenFill xmlns:a14="http://schemas.microsoft.com/office/drawing/2010/main">
+                            <a:solidFill>
+                              <a:srgbClr val="FFFFFF"/>
+                            </a:solidFill>
+                          </a14:hiddenFill>
+                        </a:ext>
+                      </a:extLst>
+                    </p:spPr>
+                  </p:pic>
+                </p:oleObj>
+              </mc:Fallback>
+            </mc:AlternateContent>
           </a:graphicData>
         </a:graphic>
       </p:graphicFrame>
@@ -33953,9 +35984,59 @@
         </p:xfrm>
         <a:graphic>
           <a:graphicData uri="http://schemas.openxmlformats.org/presentationml/2006/ole">
-            <p:oleObj spid="_x0000_s140319" name="Equation" r:id="rId7" imgW="850900" imgH="228600" progId="Equation.DSMT4">
-              <p:embed/>
-            </p:oleObj>
+            <mc:AlternateContent xmlns:mc="http://schemas.openxmlformats.org/markup-compatibility/2006">
+              <mc:Choice xmlns:v="urn:schemas-microsoft-com:vml" Requires="v">
+                <p:oleObj spid="_x0000_s140368" name="Equation" r:id="rId11" imgW="850900" imgH="228600" progId="Equation.DSMT4">
+                  <p:embed/>
+                </p:oleObj>
+              </mc:Choice>
+              <mc:Fallback>
+                <p:oleObj name="Equation" r:id="rId11" imgW="850900" imgH="228600" progId="Equation.DSMT4">
+                  <p:embed/>
+                  <p:pic>
+                    <p:nvPicPr>
+                      <p:cNvPr id="0" name="Picture 31"/>
+                      <p:cNvPicPr>
+                        <a:picLocks noChangeAspect="1" noChangeArrowheads="1"/>
+                      </p:cNvPicPr>
+                      <p:nvPr/>
+                    </p:nvPicPr>
+                    <p:blipFill>
+                      <a:blip r:embed="rId12">
+                        <a:extLst>
+                          <a:ext uri="{28A0092B-C50C-407E-A947-70E740481C1C}">
+                            <a14:useLocalDpi xmlns:a14="http://schemas.microsoft.com/office/drawing/2010/main" val="0"/>
+                          </a:ext>
+                        </a:extLst>
+                      </a:blip>
+                      <a:srcRect/>
+                      <a:stretch>
+                        <a:fillRect/>
+                      </a:stretch>
+                    </p:blipFill>
+                    <p:spPr bwMode="auto">
+                      <a:xfrm>
+                        <a:off x="528330" y="2881952"/>
+                        <a:ext cx="1130300" cy="304800"/>
+                      </a:xfrm>
+                      <a:prstGeom prst="rect">
+                        <a:avLst/>
+                      </a:prstGeom>
+                      <a:noFill/>
+                      <a:extLst>
+                        <a:ext uri="{909E8E84-426E-40DD-AFC4-6F175D3DCCD1}">
+                          <a14:hiddenFill xmlns:a14="http://schemas.microsoft.com/office/drawing/2010/main">
+                            <a:solidFill>
+                              <a:srgbClr val="FFFFFF"/>
+                            </a:solidFill>
+                          </a14:hiddenFill>
+                        </a:ext>
+                      </a:extLst>
+                    </p:spPr>
+                  </p:pic>
+                </p:oleObj>
+              </mc:Fallback>
+            </mc:AlternateContent>
           </a:graphicData>
         </a:graphic>
       </p:graphicFrame>
@@ -34049,9 +36130,59 @@
         </p:xfrm>
         <a:graphic>
           <a:graphicData uri="http://schemas.openxmlformats.org/presentationml/2006/ole">
-            <p:oleObj spid="_x0000_s140320" name="Equation" r:id="rId8" imgW="1803400" imgH="508000" progId="Equation.DSMT4">
-              <p:embed/>
-            </p:oleObj>
+            <mc:AlternateContent xmlns:mc="http://schemas.openxmlformats.org/markup-compatibility/2006">
+              <mc:Choice xmlns:v="urn:schemas-microsoft-com:vml" Requires="v">
+                <p:oleObj spid="_x0000_s140369" name="Equation" r:id="rId13" imgW="1803400" imgH="508000" progId="Equation.DSMT4">
+                  <p:embed/>
+                </p:oleObj>
+              </mc:Choice>
+              <mc:Fallback>
+                <p:oleObj name="Equation" r:id="rId13" imgW="1803400" imgH="508000" progId="Equation.DSMT4">
+                  <p:embed/>
+                  <p:pic>
+                    <p:nvPicPr>
+                      <p:cNvPr id="0" name="Picture 32"/>
+                      <p:cNvPicPr>
+                        <a:picLocks noChangeAspect="1" noChangeArrowheads="1"/>
+                      </p:cNvPicPr>
+                      <p:nvPr/>
+                    </p:nvPicPr>
+                    <p:blipFill>
+                      <a:blip r:embed="rId14">
+                        <a:extLst>
+                          <a:ext uri="{28A0092B-C50C-407E-A947-70E740481C1C}">
+                            <a14:useLocalDpi xmlns:a14="http://schemas.microsoft.com/office/drawing/2010/main" val="0"/>
+                          </a:ext>
+                        </a:extLst>
+                      </a:blip>
+                      <a:srcRect/>
+                      <a:stretch>
+                        <a:fillRect/>
+                      </a:stretch>
+                    </p:blipFill>
+                    <p:spPr bwMode="auto">
+                      <a:xfrm>
+                        <a:off x="3124200" y="3200400"/>
+                        <a:ext cx="2819400" cy="805543"/>
+                      </a:xfrm>
+                      <a:prstGeom prst="rect">
+                        <a:avLst/>
+                      </a:prstGeom>
+                      <a:noFill/>
+                      <a:extLst>
+                        <a:ext uri="{909E8E84-426E-40DD-AFC4-6F175D3DCCD1}">
+                          <a14:hiddenFill xmlns:a14="http://schemas.microsoft.com/office/drawing/2010/main">
+                            <a:solidFill>
+                              <a:srgbClr val="FFFFFF"/>
+                            </a:solidFill>
+                          </a14:hiddenFill>
+                        </a:ext>
+                      </a:extLst>
+                    </p:spPr>
+                  </p:pic>
+                </p:oleObj>
+              </mc:Fallback>
+            </mc:AlternateContent>
           </a:graphicData>
         </a:graphic>
       </p:graphicFrame>
@@ -34145,9 +36276,59 @@
         </p:xfrm>
         <a:graphic>
           <a:graphicData uri="http://schemas.openxmlformats.org/presentationml/2006/ole">
-            <p:oleObj spid="_x0000_s140321" name="Equation" r:id="rId9" imgW="126780" imgH="215526" progId="Equation.DSMT4">
-              <p:embed/>
-            </p:oleObj>
+            <mc:AlternateContent xmlns:mc="http://schemas.openxmlformats.org/markup-compatibility/2006">
+              <mc:Choice xmlns:v="urn:schemas-microsoft-com:vml" Requires="v">
+                <p:oleObj spid="_x0000_s140370" name="Equation" r:id="rId15" imgW="126780" imgH="215526" progId="Equation.DSMT4">
+                  <p:embed/>
+                </p:oleObj>
+              </mc:Choice>
+              <mc:Fallback>
+                <p:oleObj name="Equation" r:id="rId15" imgW="126780" imgH="215526" progId="Equation.DSMT4">
+                  <p:embed/>
+                  <p:pic>
+                    <p:nvPicPr>
+                      <p:cNvPr id="0" name="Picture 33"/>
+                      <p:cNvPicPr>
+                        <a:picLocks noChangeAspect="1" noChangeArrowheads="1"/>
+                      </p:cNvPicPr>
+                      <p:nvPr/>
+                    </p:nvPicPr>
+                    <p:blipFill>
+                      <a:blip r:embed="rId16">
+                        <a:extLst>
+                          <a:ext uri="{28A0092B-C50C-407E-A947-70E740481C1C}">
+                            <a14:useLocalDpi xmlns:a14="http://schemas.microsoft.com/office/drawing/2010/main" val="0"/>
+                          </a:ext>
+                        </a:extLst>
+                      </a:blip>
+                      <a:srcRect/>
+                      <a:stretch>
+                        <a:fillRect/>
+                      </a:stretch>
+                    </p:blipFill>
+                    <p:spPr bwMode="auto">
+                      <a:xfrm>
+                        <a:off x="7149152" y="3976048"/>
+                        <a:ext cx="304800" cy="381000"/>
+                      </a:xfrm>
+                      <a:prstGeom prst="rect">
+                        <a:avLst/>
+                      </a:prstGeom>
+                      <a:noFill/>
+                      <a:extLst>
+                        <a:ext uri="{909E8E84-426E-40DD-AFC4-6F175D3DCCD1}">
+                          <a14:hiddenFill xmlns:a14="http://schemas.microsoft.com/office/drawing/2010/main">
+                            <a:solidFill>
+                              <a:srgbClr val="FFFFFF"/>
+                            </a:solidFill>
+                          </a14:hiddenFill>
+                        </a:ext>
+                      </a:extLst>
+                    </p:spPr>
+                  </p:pic>
+                </p:oleObj>
+              </mc:Fallback>
+            </mc:AlternateContent>
           </a:graphicData>
         </a:graphic>
       </p:graphicFrame>
@@ -34656,9 +36837,59 @@
         </p:xfrm>
         <a:graphic>
           <a:graphicData uri="http://schemas.openxmlformats.org/presentationml/2006/ole">
-            <p:oleObj spid="_x0000_s108553" name="Equation" r:id="rId3" imgW="1205977" imgH="393529" progId="Equation.DSMT4">
-              <p:embed/>
-            </p:oleObj>
+            <mc:AlternateContent xmlns:mc="http://schemas.openxmlformats.org/markup-compatibility/2006">
+              <mc:Choice xmlns:v="urn:schemas-microsoft-com:vml" Requires="v">
+                <p:oleObj spid="_x0000_s108567" name="Equation" r:id="rId3" imgW="1205977" imgH="393529" progId="Equation.DSMT4">
+                  <p:embed/>
+                </p:oleObj>
+              </mc:Choice>
+              <mc:Fallback>
+                <p:oleObj name="Equation" r:id="rId3" imgW="1205977" imgH="393529" progId="Equation.DSMT4">
+                  <p:embed/>
+                  <p:pic>
+                    <p:nvPicPr>
+                      <p:cNvPr id="0" name="Picture 9"/>
+                      <p:cNvPicPr>
+                        <a:picLocks noChangeAspect="1" noChangeArrowheads="1"/>
+                      </p:cNvPicPr>
+                      <p:nvPr/>
+                    </p:nvPicPr>
+                    <p:blipFill>
+                      <a:blip r:embed="rId4">
+                        <a:extLst>
+                          <a:ext uri="{28A0092B-C50C-407E-A947-70E740481C1C}">
+                            <a14:useLocalDpi xmlns:a14="http://schemas.microsoft.com/office/drawing/2010/main" val="0"/>
+                          </a:ext>
+                        </a:extLst>
+                      </a:blip>
+                      <a:srcRect/>
+                      <a:stretch>
+                        <a:fillRect/>
+                      </a:stretch>
+                    </p:blipFill>
+                    <p:spPr bwMode="auto">
+                      <a:xfrm>
+                        <a:off x="914400" y="1295400"/>
+                        <a:ext cx="2073729" cy="685800"/>
+                      </a:xfrm>
+                      <a:prstGeom prst="rect">
+                        <a:avLst/>
+                      </a:prstGeom>
+                      <a:noFill/>
+                      <a:extLst>
+                        <a:ext uri="{909E8E84-426E-40DD-AFC4-6F175D3DCCD1}">
+                          <a14:hiddenFill xmlns:a14="http://schemas.microsoft.com/office/drawing/2010/main">
+                            <a:solidFill>
+                              <a:srgbClr val="FFFFFF"/>
+                            </a:solidFill>
+                          </a14:hiddenFill>
+                        </a:ext>
+                      </a:extLst>
+                    </p:spPr>
+                  </p:pic>
+                </p:oleObj>
+              </mc:Fallback>
+            </mc:AlternateContent>
           </a:graphicData>
         </a:graphic>
       </p:graphicFrame>
@@ -34709,7 +36940,7 @@
           <p:nvPr/>
         </p:nvPicPr>
         <p:blipFill>
-          <a:blip r:embed="rId4"/>
+          <a:blip r:embed="rId5"/>
           <a:srcRect/>
           <a:stretch>
             <a:fillRect/>
@@ -34785,9 +37016,59 @@
         </p:xfrm>
         <a:graphic>
           <a:graphicData uri="http://schemas.openxmlformats.org/presentationml/2006/ole">
-            <p:oleObj spid="_x0000_s108554" name="Equation" r:id="rId5" imgW="825500" imgH="393700" progId="Equation.DSMT4">
-              <p:embed/>
-            </p:oleObj>
+            <mc:AlternateContent xmlns:mc="http://schemas.openxmlformats.org/markup-compatibility/2006">
+              <mc:Choice xmlns:v="urn:schemas-microsoft-com:vml" Requires="v">
+                <p:oleObj spid="_x0000_s108568" name="Equation" r:id="rId6" imgW="825500" imgH="393700" progId="Equation.DSMT4">
+                  <p:embed/>
+                </p:oleObj>
+              </mc:Choice>
+              <mc:Fallback>
+                <p:oleObj name="Equation" r:id="rId6" imgW="825500" imgH="393700" progId="Equation.DSMT4">
+                  <p:embed/>
+                  <p:pic>
+                    <p:nvPicPr>
+                      <p:cNvPr id="0" name="Picture 10"/>
+                      <p:cNvPicPr>
+                        <a:picLocks noChangeAspect="1" noChangeArrowheads="1"/>
+                      </p:cNvPicPr>
+                      <p:nvPr/>
+                    </p:nvPicPr>
+                    <p:blipFill>
+                      <a:blip r:embed="rId7">
+                        <a:extLst>
+                          <a:ext uri="{28A0092B-C50C-407E-A947-70E740481C1C}">
+                            <a14:useLocalDpi xmlns:a14="http://schemas.microsoft.com/office/drawing/2010/main" val="0"/>
+                          </a:ext>
+                        </a:extLst>
+                      </a:blip>
+                      <a:srcRect/>
+                      <a:stretch>
+                        <a:fillRect/>
+                      </a:stretch>
+                    </p:blipFill>
+                    <p:spPr bwMode="auto">
+                      <a:xfrm>
+                        <a:off x="3200400" y="5146344"/>
+                        <a:ext cx="1219200" cy="588579"/>
+                      </a:xfrm>
+                      <a:prstGeom prst="rect">
+                        <a:avLst/>
+                      </a:prstGeom>
+                      <a:noFill/>
+                      <a:extLst>
+                        <a:ext uri="{909E8E84-426E-40DD-AFC4-6F175D3DCCD1}">
+                          <a14:hiddenFill xmlns:a14="http://schemas.microsoft.com/office/drawing/2010/main">
+                            <a:solidFill>
+                              <a:srgbClr val="FFFFFF"/>
+                            </a:solidFill>
+                          </a14:hiddenFill>
+                        </a:ext>
+                      </a:extLst>
+                    </p:spPr>
+                  </p:pic>
+                </p:oleObj>
+              </mc:Fallback>
+            </mc:AlternateContent>
           </a:graphicData>
         </a:graphic>
       </p:graphicFrame>

--- a/MT/Matlab.pptx
+++ b/MT/Matlab.pptx
@@ -6442,15 +6442,7 @@
           <a:p>
             <a:r>
               <a:rPr lang="he-IL" dirty="0" smtClean="0"/>
-              <a:t>מחקו את </a:t>
-            </a:r>
-            <a:r>
-              <a:rPr lang="he-IL" dirty="0" smtClean="0"/>
-              <a:t>המשתנים </a:t>
-            </a:r>
-            <a:r>
-              <a:rPr lang="he-IL" dirty="0" smtClean="0"/>
-              <a:t>שהוגדרו עד כה:</a:t>
+              <a:t>מחקו את המשתנים שהוגדרו עד כה:</a:t>
             </a:r>
           </a:p>
           <a:p>
@@ -7238,7 +7230,7 @@
           <a:graphicData uri="http://schemas.openxmlformats.org/presentationml/2006/ole">
             <mc:AlternateContent xmlns:mc="http://schemas.openxmlformats.org/markup-compatibility/2006">
               <mc:Choice xmlns:v="urn:schemas-microsoft-com:vml" Requires="v">
-                <p:oleObj spid="_x0000_s3084" name="Equation" r:id="rId3" imgW="1536700" imgH="1143000" progId="Equation.DSMT4">
+                <p:oleObj spid="_x0000_s3086" name="Equation" r:id="rId3" imgW="1536700" imgH="1143000" progId="Equation.DSMT4">
                   <p:embed/>
                 </p:oleObj>
               </mc:Choice>
@@ -7740,7 +7732,7 @@
           <a:graphicData uri="http://schemas.openxmlformats.org/presentationml/2006/ole">
             <mc:AlternateContent xmlns:mc="http://schemas.openxmlformats.org/markup-compatibility/2006">
               <mc:Choice xmlns:v="urn:schemas-microsoft-com:vml" Requires="v">
-                <p:oleObj spid="_x0000_s22538" name="Equation" r:id="rId3" imgW="647700" imgH="457200" progId="Equation.DSMT4">
+                <p:oleObj spid="_x0000_s22540" name="Equation" r:id="rId3" imgW="647700" imgH="457200" progId="Equation.DSMT4">
                   <p:embed/>
                 </p:oleObj>
               </mc:Choice>
@@ -8236,7 +8228,7 @@
           <a:graphicData uri="http://schemas.openxmlformats.org/presentationml/2006/ole">
             <mc:AlternateContent xmlns:mc="http://schemas.openxmlformats.org/markup-compatibility/2006">
               <mc:Choice xmlns:v="urn:schemas-microsoft-com:vml" Requires="v">
-                <p:oleObj spid="_x0000_s20508" name="Equation" r:id="rId3" imgW="2298700" imgH="711200" progId="Equation.DSMT4">
+                <p:oleObj spid="_x0000_s20514" name="Equation" r:id="rId3" imgW="2298700" imgH="711200" progId="Equation.DSMT4">
                   <p:embed/>
                 </p:oleObj>
               </mc:Choice>
@@ -8306,7 +8298,7 @@
           <a:graphicData uri="http://schemas.openxmlformats.org/presentationml/2006/ole">
             <mc:AlternateContent xmlns:mc="http://schemas.openxmlformats.org/markup-compatibility/2006">
               <mc:Choice xmlns:v="urn:schemas-microsoft-com:vml" Requires="v">
-                <p:oleObj spid="_x0000_s20509" name="Equation" r:id="rId5" imgW="1435100" imgH="711200" progId="Equation.DSMT4">
+                <p:oleObj spid="_x0000_s20515" name="Equation" r:id="rId5" imgW="1435100" imgH="711200" progId="Equation.DSMT4">
                   <p:embed/>
                 </p:oleObj>
               </mc:Choice>
@@ -8376,7 +8368,7 @@
           <a:graphicData uri="http://schemas.openxmlformats.org/presentationml/2006/ole">
             <mc:AlternateContent xmlns:mc="http://schemas.openxmlformats.org/markup-compatibility/2006">
               <mc:Choice xmlns:v="urn:schemas-microsoft-com:vml" Requires="v">
-                <p:oleObj spid="_x0000_s20510" name="Equation" r:id="rId7" imgW="1943100" imgH="711200" progId="Equation.DSMT4">
+                <p:oleObj spid="_x0000_s20516" name="Equation" r:id="rId7" imgW="1943100" imgH="711200" progId="Equation.DSMT4">
                   <p:embed/>
                 </p:oleObj>
               </mc:Choice>
@@ -8839,14 +8831,7 @@
                 <a:latin typeface="Courier New" pitchFamily="49" charset="0"/>
                 <a:cs typeface="Courier New" pitchFamily="49" charset="0"/>
               </a:rPr>
-              <a:t>&gt;&gt;A = [1 2; 3 4]; inv(A) or A^(-1</a:t>
-            </a:r>
-            <a:r>
-              <a:rPr lang="en-US" sz="1400" dirty="0" smtClean="0">
-                <a:latin typeface="Courier New" pitchFamily="49" charset="0"/>
-                <a:cs typeface="Courier New" pitchFamily="49" charset="0"/>
-              </a:rPr>
-              <a:t>)     </a:t>
+              <a:t>&gt;&gt;A = [1 2; 3 4]; inv(A) or A^(-1)     </a:t>
             </a:r>
             <a:endParaRPr lang="he-IL" sz="1800" dirty="0" smtClean="0">
               <a:latin typeface="Courier New" pitchFamily="49" charset="0"/>
@@ -8857,11 +8842,7 @@
             <a:pPr lvl="1"/>
             <a:r>
               <a:rPr lang="he-IL" sz="1800" dirty="0" smtClean="0"/>
-              <a:t>חלוקה שמאלית - </a:t>
-            </a:r>
-            <a:r>
-              <a:rPr lang="he-IL" sz="1800" dirty="0" smtClean="0"/>
-              <a:t>\      פתרון מערכת המשוואות </a:t>
+              <a:t>חלוקה שמאלית - \      פתרון מערכת המשוואות </a:t>
             </a:r>
             <a:r>
               <a:rPr lang="en-US" sz="1800" dirty="0" smtClean="0"/>
@@ -8900,11 +8881,7 @@
             </a:r>
             <a:r>
               <a:rPr lang="he-IL" sz="1800" dirty="0" smtClean="0"/>
-              <a:t> (פחות שימושי</a:t>
-            </a:r>
-            <a:r>
-              <a:rPr lang="he-IL" sz="1800" dirty="0" smtClean="0"/>
-              <a:t>)</a:t>
+              <a:t> (פחות שימושי)</a:t>
             </a:r>
             <a:r>
               <a:rPr lang="en-US" sz="1800" dirty="0" smtClean="0"/>
@@ -8949,7 +8926,21 @@
                 <a:latin typeface="Courier New" pitchFamily="49" charset="0"/>
                 <a:cs typeface="Courier New" pitchFamily="49" charset="0"/>
               </a:rPr>
-              <a:t>B \ A;</a:t>
+              <a:t>B </a:t>
+            </a:r>
+            <a:r>
+              <a:rPr lang="en-US" sz="1600" dirty="0" smtClean="0">
+                <a:latin typeface="Courier New" pitchFamily="49" charset="0"/>
+                <a:cs typeface="Courier New" pitchFamily="49" charset="0"/>
+              </a:rPr>
+              <a:t>/ </a:t>
+            </a:r>
+            <a:r>
+              <a:rPr lang="en-US" sz="1600" dirty="0" smtClean="0">
+                <a:latin typeface="Courier New" pitchFamily="49" charset="0"/>
+                <a:cs typeface="Courier New" pitchFamily="49" charset="0"/>
+              </a:rPr>
+              <a:t>A;</a:t>
             </a:r>
             <a:endParaRPr lang="he-IL" sz="1800" dirty="0" smtClean="0"/>
           </a:p>
@@ -8961,7 +8952,6 @@
               <a:rPr lang="he-IL" sz="2000" dirty="0" smtClean="0"/>
               <a:t>תרגילים</a:t>
             </a:r>
-            <a:endParaRPr lang="he-IL" sz="2000" dirty="0" smtClean="0"/>
           </a:p>
           <a:p>
             <a:pPr lvl="1"/>
@@ -9579,7 +9569,7 @@
           <a:graphicData uri="http://schemas.openxmlformats.org/presentationml/2006/ole">
             <mc:AlternateContent xmlns:mc="http://schemas.openxmlformats.org/markup-compatibility/2006">
               <mc:Choice xmlns:v="urn:schemas-microsoft-com:vml" Requires="v">
-                <p:oleObj spid="_x0000_s18451" name="Equation" r:id="rId3" imgW="558558" imgH="177723" progId="Equation.DSMT4">
+                <p:oleObj spid="_x0000_s18455" name="Equation" r:id="rId3" imgW="558558" imgH="177723" progId="Equation.DSMT4">
                   <p:embed/>
                 </p:oleObj>
               </mc:Choice>
@@ -9649,7 +9639,7 @@
           <a:graphicData uri="http://schemas.openxmlformats.org/presentationml/2006/ole">
             <mc:AlternateContent xmlns:mc="http://schemas.openxmlformats.org/markup-compatibility/2006">
               <mc:Choice xmlns:v="urn:schemas-microsoft-com:vml" Requires="v">
-                <p:oleObj spid="_x0000_s18452" name="Equation" r:id="rId5" imgW="723586" imgH="203112" progId="Equation.DSMT4">
+                <p:oleObj spid="_x0000_s18456" name="Equation" r:id="rId5" imgW="723586" imgH="203112" progId="Equation.DSMT4">
                   <p:embed/>
                 </p:oleObj>
               </mc:Choice>
@@ -13195,7 +13185,11 @@
             </a:r>
             <a:r>
               <a:rPr lang="he-IL" dirty="0" smtClean="0"/>
-              <a:t> פעמים בכיוון העומדות</a:t>
+              <a:t> פעמים בכיוון </a:t>
+            </a:r>
+            <a:r>
+              <a:rPr lang="he-IL" dirty="0" smtClean="0"/>
+              <a:t>העמודות</a:t>
             </a:r>
             <a:endParaRPr lang="en-US" dirty="0"/>
           </a:p>
@@ -14200,7 +14194,7 @@
           <a:graphicData uri="http://schemas.openxmlformats.org/presentationml/2006/ole">
             <mc:AlternateContent xmlns:mc="http://schemas.openxmlformats.org/markup-compatibility/2006">
               <mc:Choice xmlns:v="urn:schemas-microsoft-com:vml" Requires="v">
-                <p:oleObj spid="_x0000_s53262" name="Equation" r:id="rId4" imgW="1397000" imgH="431800" progId="Equation.DSMT4">
+                <p:oleObj spid="_x0000_s53264" name="Equation" r:id="rId4" imgW="1397000" imgH="431800" progId="Equation.DSMT4">
                   <p:embed/>
                 </p:oleObj>
               </mc:Choice>
@@ -14653,7 +14647,7 @@
           <a:graphicData uri="http://schemas.openxmlformats.org/presentationml/2006/ole">
             <mc:AlternateContent xmlns:mc="http://schemas.openxmlformats.org/markup-compatibility/2006">
               <mc:Choice xmlns:v="urn:schemas-microsoft-com:vml" Requires="v">
-                <p:oleObj spid="_x0000_s55315" name="Equation" r:id="rId3" imgW="3009900" imgH="457200" progId="Equation.DSMT4">
+                <p:oleObj spid="_x0000_s55319" name="Equation" r:id="rId3" imgW="3009900" imgH="457200" progId="Equation.DSMT4">
                   <p:embed/>
                 </p:oleObj>
               </mc:Choice>
@@ -14723,7 +14717,7 @@
           <a:graphicData uri="http://schemas.openxmlformats.org/presentationml/2006/ole">
             <mc:AlternateContent xmlns:mc="http://schemas.openxmlformats.org/markup-compatibility/2006">
               <mc:Choice xmlns:v="urn:schemas-microsoft-com:vml" Requires="v">
-                <p:oleObj spid="_x0000_s55316" name="Equation" r:id="rId5" imgW="3302000" imgH="457200" progId="Equation.DSMT4">
+                <p:oleObj spid="_x0000_s55320" name="Equation" r:id="rId5" imgW="3302000" imgH="457200" progId="Equation.DSMT4">
                   <p:embed/>
                 </p:oleObj>
               </mc:Choice>
@@ -15196,7 +15190,7 @@
           <a:graphicData uri="http://schemas.openxmlformats.org/presentationml/2006/ole">
             <mc:AlternateContent xmlns:mc="http://schemas.openxmlformats.org/markup-compatibility/2006">
               <mc:Choice xmlns:v="urn:schemas-microsoft-com:vml" Requires="v">
-                <p:oleObj spid="_x0000_s64550" name="Equation" r:id="rId3" imgW="723586" imgH="241195" progId="Equation.DSMT4">
+                <p:oleObj spid="_x0000_s64558" name="Equation" r:id="rId3" imgW="723586" imgH="241195" progId="Equation.DSMT4">
                   <p:embed/>
                 </p:oleObj>
               </mc:Choice>
@@ -15266,7 +15260,7 @@
           <a:graphicData uri="http://schemas.openxmlformats.org/presentationml/2006/ole">
             <mc:AlternateContent xmlns:mc="http://schemas.openxmlformats.org/markup-compatibility/2006">
               <mc:Choice xmlns:v="urn:schemas-microsoft-com:vml" Requires="v">
-                <p:oleObj spid="_x0000_s64551" name="Equation" r:id="rId5" imgW="1002865" imgH="799753" progId="Equation.DSMT4">
+                <p:oleObj spid="_x0000_s64559" name="Equation" r:id="rId5" imgW="1002865" imgH="799753" progId="Equation.DSMT4">
                   <p:embed/>
                 </p:oleObj>
               </mc:Choice>
@@ -15336,7 +15330,7 @@
           <a:graphicData uri="http://schemas.openxmlformats.org/presentationml/2006/ole">
             <mc:AlternateContent xmlns:mc="http://schemas.openxmlformats.org/markup-compatibility/2006">
               <mc:Choice xmlns:v="urn:schemas-microsoft-com:vml" Requires="v">
-                <p:oleObj spid="_x0000_s64552" name="Equation" r:id="rId7" imgW="825500" imgH="457200" progId="Equation.DSMT4">
+                <p:oleObj spid="_x0000_s64560" name="Equation" r:id="rId7" imgW="825500" imgH="457200" progId="Equation.DSMT4">
                   <p:embed/>
                 </p:oleObj>
               </mc:Choice>
@@ -15406,7 +15400,7 @@
           <a:graphicData uri="http://schemas.openxmlformats.org/presentationml/2006/ole">
             <mc:AlternateContent xmlns:mc="http://schemas.openxmlformats.org/markup-compatibility/2006">
               <mc:Choice xmlns:v="urn:schemas-microsoft-com:vml" Requires="v">
-                <p:oleObj spid="_x0000_s64553" name="Equation" r:id="rId9" imgW="1307532" imgH="634725" progId="Equation.DSMT4">
+                <p:oleObj spid="_x0000_s64561" name="Equation" r:id="rId9" imgW="1307532" imgH="634725" progId="Equation.DSMT4">
                   <p:embed/>
                 </p:oleObj>
               </mc:Choice>
@@ -15614,7 +15608,7 @@
           <a:graphicData uri="http://schemas.openxmlformats.org/presentationml/2006/ole">
             <mc:AlternateContent xmlns:mc="http://schemas.openxmlformats.org/markup-compatibility/2006">
               <mc:Choice xmlns:v="urn:schemas-microsoft-com:vml" Requires="v">
-                <p:oleObj spid="_x0000_s65556" name="Equation" r:id="rId3" imgW="2235200" imgH="482600" progId="Equation.DSMT4">
+                <p:oleObj spid="_x0000_s65560" name="Equation" r:id="rId3" imgW="2235200" imgH="482600" progId="Equation.DSMT4">
                   <p:embed/>
                 </p:oleObj>
               </mc:Choice>
@@ -15684,7 +15678,7 @@
           <a:graphicData uri="http://schemas.openxmlformats.org/presentationml/2006/ole">
             <mc:AlternateContent xmlns:mc="http://schemas.openxmlformats.org/markup-compatibility/2006">
               <mc:Choice xmlns:v="urn:schemas-microsoft-com:vml" Requires="v">
-                <p:oleObj spid="_x0000_s65557" name="Equation" r:id="rId5" imgW="2552700" imgH="736600" progId="Equation.DSMT4">
+                <p:oleObj spid="_x0000_s65561" name="Equation" r:id="rId5" imgW="2552700" imgH="736600" progId="Equation.DSMT4">
                   <p:embed/>
                 </p:oleObj>
               </mc:Choice>
@@ -16384,7 +16378,7 @@
           <a:graphicData uri="http://schemas.openxmlformats.org/presentationml/2006/ole">
             <mc:AlternateContent xmlns:mc="http://schemas.openxmlformats.org/markup-compatibility/2006">
               <mc:Choice xmlns:v="urn:schemas-microsoft-com:vml" Requires="v">
-                <p:oleObj spid="_x0000_s67595" name="Equation" r:id="rId3" imgW="2286000" imgH="482600" progId="Equation.DSMT4">
+                <p:oleObj spid="_x0000_s67597" name="Equation" r:id="rId3" imgW="2286000" imgH="482600" progId="Equation.DSMT4">
                   <p:embed/>
                 </p:oleObj>
               </mc:Choice>
@@ -28939,7 +28933,7 @@
           <a:graphicData uri="http://schemas.openxmlformats.org/presentationml/2006/ole">
             <mc:AlternateContent xmlns:mc="http://schemas.openxmlformats.org/markup-compatibility/2006">
               <mc:Choice xmlns:v="urn:schemas-microsoft-com:vml" Requires="v">
-                <p:oleObj spid="_x0000_s91147" name="Equation" r:id="rId3" imgW="1282680" imgH="507960" progId="Equation.DSMT4">
+                <p:oleObj spid="_x0000_s91149" name="Equation" r:id="rId3" imgW="1282680" imgH="507960" progId="Equation.DSMT4">
                   <p:embed/>
                 </p:oleObj>
               </mc:Choice>
@@ -31247,7 +31241,7 @@
           <a:graphicData uri="http://schemas.openxmlformats.org/presentationml/2006/ole">
             <mc:AlternateContent xmlns:mc="http://schemas.openxmlformats.org/markup-compatibility/2006">
               <mc:Choice xmlns:v="urn:schemas-microsoft-com:vml" Requires="v">
-                <p:oleObj spid="_x0000_s95243" name="Equation" r:id="rId3" imgW="850531" imgH="253890" progId="Equation.DSMT4">
+                <p:oleObj spid="_x0000_s95245" name="Equation" r:id="rId3" imgW="850531" imgH="253890" progId="Equation.DSMT4">
                   <p:embed/>
                 </p:oleObj>
               </mc:Choice>
@@ -34855,7 +34849,7 @@
           <a:graphicData uri="http://schemas.openxmlformats.org/presentationml/2006/ole">
             <mc:AlternateContent xmlns:mc="http://schemas.openxmlformats.org/markup-compatibility/2006">
               <mc:Choice xmlns:v="urn:schemas-microsoft-com:vml" Requires="v">
-                <p:oleObj spid="_x0000_s109589" name="Equation" r:id="rId3" imgW="710891" imgH="266584" progId="Equation.DSMT4">
+                <p:oleObj spid="_x0000_s109593" name="Equation" r:id="rId3" imgW="710891" imgH="266584" progId="Equation.DSMT4">
                   <p:embed/>
                 </p:oleObj>
               </mc:Choice>
@@ -34963,7 +34957,7 @@
           <a:graphicData uri="http://schemas.openxmlformats.org/presentationml/2006/ole">
             <mc:AlternateContent xmlns:mc="http://schemas.openxmlformats.org/markup-compatibility/2006">
               <mc:Choice xmlns:v="urn:schemas-microsoft-com:vml" Requires="v">
-                <p:oleObj spid="_x0000_s109590" name="Equation" r:id="rId5" imgW="1256755" imgH="482391" progId="Equation.DSMT4">
+                <p:oleObj spid="_x0000_s109594" name="Equation" r:id="rId5" imgW="1256755" imgH="482391" progId="Equation.DSMT4">
                   <p:embed/>
                 </p:oleObj>
               </mc:Choice>
@@ -35402,7 +35396,7 @@
           <a:graphicData uri="http://schemas.openxmlformats.org/presentationml/2006/ole">
             <mc:AlternateContent xmlns:mc="http://schemas.openxmlformats.org/markup-compatibility/2006">
               <mc:Choice xmlns:v="urn:schemas-microsoft-com:vml" Requires="v">
-                <p:oleObj spid="_x0000_s140364" name="Equation" r:id="rId3" imgW="1256755" imgH="253890" progId="Equation.DSMT4">
+                <p:oleObj spid="_x0000_s140378" name="Equation" r:id="rId3" imgW="1256755" imgH="253890" progId="Equation.DSMT4">
                   <p:embed/>
                 </p:oleObj>
               </mc:Choice>
@@ -35548,7 +35542,7 @@
           <a:graphicData uri="http://schemas.openxmlformats.org/presentationml/2006/ole">
             <mc:AlternateContent xmlns:mc="http://schemas.openxmlformats.org/markup-compatibility/2006">
               <mc:Choice xmlns:v="urn:schemas-microsoft-com:vml" Requires="v">
-                <p:oleObj spid="_x0000_s140365" name="Equation" r:id="rId5" imgW="1129810" imgH="253890" progId="Equation.DSMT4">
+                <p:oleObj spid="_x0000_s140379" name="Equation" r:id="rId5" imgW="1129810" imgH="253890" progId="Equation.DSMT4">
                   <p:embed/>
                 </p:oleObj>
               </mc:Choice>
@@ -35694,7 +35688,7 @@
           <a:graphicData uri="http://schemas.openxmlformats.org/presentationml/2006/ole">
             <mc:AlternateContent xmlns:mc="http://schemas.openxmlformats.org/markup-compatibility/2006">
               <mc:Choice xmlns:v="urn:schemas-microsoft-com:vml" Requires="v">
-                <p:oleObj spid="_x0000_s140366" name="Equation" r:id="rId7" imgW="469696" imgH="177723" progId="Equation.DSMT4">
+                <p:oleObj spid="_x0000_s140380" name="Equation" r:id="rId7" imgW="469696" imgH="177723" progId="Equation.DSMT4">
                   <p:embed/>
                 </p:oleObj>
               </mc:Choice>
@@ -35840,7 +35834,7 @@
           <a:graphicData uri="http://schemas.openxmlformats.org/presentationml/2006/ole">
             <mc:AlternateContent xmlns:mc="http://schemas.openxmlformats.org/markup-compatibility/2006">
               <mc:Choice xmlns:v="urn:schemas-microsoft-com:vml" Requires="v">
-                <p:oleObj spid="_x0000_s140367" name="Equation" r:id="rId9" imgW="710891" imgH="266584" progId="Equation.DSMT4">
+                <p:oleObj spid="_x0000_s140381" name="Equation" r:id="rId9" imgW="710891" imgH="266584" progId="Equation.DSMT4">
                   <p:embed/>
                 </p:oleObj>
               </mc:Choice>
@@ -35986,7 +35980,7 @@
           <a:graphicData uri="http://schemas.openxmlformats.org/presentationml/2006/ole">
             <mc:AlternateContent xmlns:mc="http://schemas.openxmlformats.org/markup-compatibility/2006">
               <mc:Choice xmlns:v="urn:schemas-microsoft-com:vml" Requires="v">
-                <p:oleObj spid="_x0000_s140368" name="Equation" r:id="rId11" imgW="850900" imgH="228600" progId="Equation.DSMT4">
+                <p:oleObj spid="_x0000_s140382" name="Equation" r:id="rId11" imgW="850900" imgH="228600" progId="Equation.DSMT4">
                   <p:embed/>
                 </p:oleObj>
               </mc:Choice>
@@ -36132,7 +36126,7 @@
           <a:graphicData uri="http://schemas.openxmlformats.org/presentationml/2006/ole">
             <mc:AlternateContent xmlns:mc="http://schemas.openxmlformats.org/markup-compatibility/2006">
               <mc:Choice xmlns:v="urn:schemas-microsoft-com:vml" Requires="v">
-                <p:oleObj spid="_x0000_s140369" name="Equation" r:id="rId13" imgW="1803400" imgH="508000" progId="Equation.DSMT4">
+                <p:oleObj spid="_x0000_s140383" name="Equation" r:id="rId13" imgW="1803400" imgH="508000" progId="Equation.DSMT4">
                   <p:embed/>
                 </p:oleObj>
               </mc:Choice>
@@ -36278,7 +36272,7 @@
           <a:graphicData uri="http://schemas.openxmlformats.org/presentationml/2006/ole">
             <mc:AlternateContent xmlns:mc="http://schemas.openxmlformats.org/markup-compatibility/2006">
               <mc:Choice xmlns:v="urn:schemas-microsoft-com:vml" Requires="v">
-                <p:oleObj spid="_x0000_s140370" name="Equation" r:id="rId15" imgW="126780" imgH="215526" progId="Equation.DSMT4">
+                <p:oleObj spid="_x0000_s140384" name="Equation" r:id="rId15" imgW="126780" imgH="215526" progId="Equation.DSMT4">
                   <p:embed/>
                 </p:oleObj>
               </mc:Choice>
@@ -36839,7 +36833,7 @@
           <a:graphicData uri="http://schemas.openxmlformats.org/presentationml/2006/ole">
             <mc:AlternateContent xmlns:mc="http://schemas.openxmlformats.org/markup-compatibility/2006">
               <mc:Choice xmlns:v="urn:schemas-microsoft-com:vml" Requires="v">
-                <p:oleObj spid="_x0000_s108567" name="Equation" r:id="rId3" imgW="1205977" imgH="393529" progId="Equation.DSMT4">
+                <p:oleObj spid="_x0000_s108571" name="Equation" r:id="rId3" imgW="1205977" imgH="393529" progId="Equation.DSMT4">
                   <p:embed/>
                 </p:oleObj>
               </mc:Choice>
@@ -37018,7 +37012,7 @@
           <a:graphicData uri="http://schemas.openxmlformats.org/presentationml/2006/ole">
             <mc:AlternateContent xmlns:mc="http://schemas.openxmlformats.org/markup-compatibility/2006">
               <mc:Choice xmlns:v="urn:schemas-microsoft-com:vml" Requires="v">
-                <p:oleObj spid="_x0000_s108568" name="Equation" r:id="rId6" imgW="825500" imgH="393700" progId="Equation.DSMT4">
+                <p:oleObj spid="_x0000_s108572" name="Equation" r:id="rId6" imgW="825500" imgH="393700" progId="Equation.DSMT4">
                   <p:embed/>
                 </p:oleObj>
               </mc:Choice>

--- a/MT/Matlab.pptx
+++ b/MT/Matlab.pptx
@@ -298,7 +298,7 @@
             <a:fld id="{C15F28F4-7B23-4356-B9B2-4CE17234FFAD}" type="datetimeFigureOut">
               <a:rPr lang="en-US" smtClean="0"/>
               <a:pPr/>
-              <a:t>26.03.2017</a:t>
+              <a:t>02.04.2017</a:t>
             </a:fld>
             <a:endParaRPr lang="en-US" dirty="0"/>
           </a:p>
@@ -556,7 +556,7 @@
             <a:fld id="{635693BF-99C6-4686-80F7-1E28324EA339}" type="datetimeFigureOut">
               <a:rPr lang="en-US" smtClean="0"/>
               <a:pPr/>
-              <a:t>26.03.2017</a:t>
+              <a:t>02.04.2017</a:t>
             </a:fld>
             <a:endParaRPr lang="en-US" dirty="0"/>
           </a:p>
@@ -723,7 +723,7 @@
             <a:fld id="{635693BF-99C6-4686-80F7-1E28324EA339}" type="datetimeFigureOut">
               <a:rPr lang="en-US" smtClean="0"/>
               <a:pPr/>
-              <a:t>26.03.2017</a:t>
+              <a:t>02.04.2017</a:t>
             </a:fld>
             <a:endParaRPr lang="en-US" dirty="0"/>
           </a:p>
@@ -900,7 +900,7 @@
             <a:fld id="{635693BF-99C6-4686-80F7-1E28324EA339}" type="datetimeFigureOut">
               <a:rPr lang="en-US" smtClean="0"/>
               <a:pPr/>
-              <a:t>26.03.2017</a:t>
+              <a:t>02.04.2017</a:t>
             </a:fld>
             <a:endParaRPr lang="en-US" dirty="0"/>
           </a:p>
@@ -1332,7 +1332,7 @@
             <a:fld id="{635693BF-99C6-4686-80F7-1E28324EA339}" type="datetimeFigureOut">
               <a:rPr lang="en-US" smtClean="0"/>
               <a:pPr/>
-              <a:t>26.03.2017</a:t>
+              <a:t>02.04.2017</a:t>
             </a:fld>
             <a:endParaRPr lang="en-US" dirty="0"/>
           </a:p>
@@ -1598,7 +1598,7 @@
             <a:fld id="{635693BF-99C6-4686-80F7-1E28324EA339}" type="datetimeFigureOut">
               <a:rPr lang="en-US" smtClean="0"/>
               <a:pPr/>
-              <a:t>26.03.2017</a:t>
+              <a:t>02.04.2017</a:t>
             </a:fld>
             <a:endParaRPr lang="en-US" dirty="0"/>
           </a:p>
@@ -1978,7 +1978,7 @@
             <a:fld id="{635693BF-99C6-4686-80F7-1E28324EA339}" type="datetimeFigureOut">
               <a:rPr lang="en-US" smtClean="0"/>
               <a:pPr/>
-              <a:t>26.03.2017</a:t>
+              <a:t>02.04.2017</a:t>
             </a:fld>
             <a:endParaRPr lang="en-US" dirty="0"/>
           </a:p>
@@ -2130,7 +2130,7 @@
             <a:fld id="{635693BF-99C6-4686-80F7-1E28324EA339}" type="datetimeFigureOut">
               <a:rPr lang="en-US" smtClean="0"/>
               <a:pPr/>
-              <a:t>26.03.2017</a:t>
+              <a:t>02.04.2017</a:t>
             </a:fld>
             <a:endParaRPr lang="en-US" dirty="0"/>
           </a:p>
@@ -2222,7 +2222,7 @@
             <a:fld id="{635693BF-99C6-4686-80F7-1E28324EA339}" type="datetimeFigureOut">
               <a:rPr lang="en-US" smtClean="0"/>
               <a:pPr/>
-              <a:t>26.03.2017</a:t>
+              <a:t>02.04.2017</a:t>
             </a:fld>
             <a:endParaRPr lang="en-US" dirty="0"/>
           </a:p>
@@ -2485,7 +2485,7 @@
             <a:fld id="{635693BF-99C6-4686-80F7-1E28324EA339}" type="datetimeFigureOut">
               <a:rPr lang="en-US" smtClean="0"/>
               <a:pPr/>
-              <a:t>26.03.2017</a:t>
+              <a:t>02.04.2017</a:t>
             </a:fld>
             <a:endParaRPr lang="en-US" dirty="0"/>
           </a:p>
@@ -2775,7 +2775,7 @@
             <a:fld id="{635693BF-99C6-4686-80F7-1E28324EA339}" type="datetimeFigureOut">
               <a:rPr lang="en-US" smtClean="0"/>
               <a:pPr/>
-              <a:t>26.03.2017</a:t>
+              <a:t>02.04.2017</a:t>
             </a:fld>
             <a:endParaRPr lang="en-US" dirty="0"/>
           </a:p>
@@ -7230,7 +7230,7 @@
           <a:graphicData uri="http://schemas.openxmlformats.org/presentationml/2006/ole">
             <mc:AlternateContent xmlns:mc="http://schemas.openxmlformats.org/markup-compatibility/2006">
               <mc:Choice xmlns:v="urn:schemas-microsoft-com:vml" Requires="v">
-                <p:oleObj spid="_x0000_s3086" name="Equation" r:id="rId3" imgW="1536700" imgH="1143000" progId="Equation.DSMT4">
+                <p:oleObj spid="_x0000_s3090" name="Equation" r:id="rId3" imgW="1536700" imgH="1143000" progId="Equation.DSMT4">
                   <p:embed/>
                 </p:oleObj>
               </mc:Choice>
@@ -7732,7 +7732,7 @@
           <a:graphicData uri="http://schemas.openxmlformats.org/presentationml/2006/ole">
             <mc:AlternateContent xmlns:mc="http://schemas.openxmlformats.org/markup-compatibility/2006">
               <mc:Choice xmlns:v="urn:schemas-microsoft-com:vml" Requires="v">
-                <p:oleObj spid="_x0000_s22540" name="Equation" r:id="rId3" imgW="647700" imgH="457200" progId="Equation.DSMT4">
+                <p:oleObj spid="_x0000_s22544" name="Equation" r:id="rId3" imgW="647700" imgH="457200" progId="Equation.DSMT4">
                   <p:embed/>
                 </p:oleObj>
               </mc:Choice>
@@ -8228,7 +8228,7 @@
           <a:graphicData uri="http://schemas.openxmlformats.org/presentationml/2006/ole">
             <mc:AlternateContent xmlns:mc="http://schemas.openxmlformats.org/markup-compatibility/2006">
               <mc:Choice xmlns:v="urn:schemas-microsoft-com:vml" Requires="v">
-                <p:oleObj spid="_x0000_s20514" name="Equation" r:id="rId3" imgW="2298700" imgH="711200" progId="Equation.DSMT4">
+                <p:oleObj spid="_x0000_s20526" name="Equation" r:id="rId3" imgW="2298700" imgH="711200" progId="Equation.DSMT4">
                   <p:embed/>
                 </p:oleObj>
               </mc:Choice>
@@ -8298,7 +8298,7 @@
           <a:graphicData uri="http://schemas.openxmlformats.org/presentationml/2006/ole">
             <mc:AlternateContent xmlns:mc="http://schemas.openxmlformats.org/markup-compatibility/2006">
               <mc:Choice xmlns:v="urn:schemas-microsoft-com:vml" Requires="v">
-                <p:oleObj spid="_x0000_s20515" name="Equation" r:id="rId5" imgW="1435100" imgH="711200" progId="Equation.DSMT4">
+                <p:oleObj spid="_x0000_s20527" name="Equation" r:id="rId5" imgW="1435100" imgH="711200" progId="Equation.DSMT4">
                   <p:embed/>
                 </p:oleObj>
               </mc:Choice>
@@ -8368,7 +8368,7 @@
           <a:graphicData uri="http://schemas.openxmlformats.org/presentationml/2006/ole">
             <mc:AlternateContent xmlns:mc="http://schemas.openxmlformats.org/markup-compatibility/2006">
               <mc:Choice xmlns:v="urn:schemas-microsoft-com:vml" Requires="v">
-                <p:oleObj spid="_x0000_s20516" name="Equation" r:id="rId7" imgW="1943100" imgH="711200" progId="Equation.DSMT4">
+                <p:oleObj spid="_x0000_s20528" name="Equation" r:id="rId7" imgW="1943100" imgH="711200" progId="Equation.DSMT4">
                   <p:embed/>
                 </p:oleObj>
               </mc:Choice>
@@ -8926,21 +8926,7 @@
                 <a:latin typeface="Courier New" pitchFamily="49" charset="0"/>
                 <a:cs typeface="Courier New" pitchFamily="49" charset="0"/>
               </a:rPr>
-              <a:t>B </a:t>
-            </a:r>
-            <a:r>
-              <a:rPr lang="en-US" sz="1600" dirty="0" smtClean="0">
-                <a:latin typeface="Courier New" pitchFamily="49" charset="0"/>
-                <a:cs typeface="Courier New" pitchFamily="49" charset="0"/>
-              </a:rPr>
-              <a:t>/ </a:t>
-            </a:r>
-            <a:r>
-              <a:rPr lang="en-US" sz="1600" dirty="0" smtClean="0">
-                <a:latin typeface="Courier New" pitchFamily="49" charset="0"/>
-                <a:cs typeface="Courier New" pitchFamily="49" charset="0"/>
-              </a:rPr>
-              <a:t>A;</a:t>
+              <a:t>B / A;</a:t>
             </a:r>
             <a:endParaRPr lang="he-IL" sz="1800" dirty="0" smtClean="0"/>
           </a:p>
@@ -9569,7 +9555,7 @@
           <a:graphicData uri="http://schemas.openxmlformats.org/presentationml/2006/ole">
             <mc:AlternateContent xmlns:mc="http://schemas.openxmlformats.org/markup-compatibility/2006">
               <mc:Choice xmlns:v="urn:schemas-microsoft-com:vml" Requires="v">
-                <p:oleObj spid="_x0000_s18455" name="Equation" r:id="rId3" imgW="558558" imgH="177723" progId="Equation.DSMT4">
+                <p:oleObj spid="_x0000_s18463" name="Equation" r:id="rId3" imgW="558558" imgH="177723" progId="Equation.DSMT4">
                   <p:embed/>
                 </p:oleObj>
               </mc:Choice>
@@ -9639,7 +9625,7 @@
           <a:graphicData uri="http://schemas.openxmlformats.org/presentationml/2006/ole">
             <mc:AlternateContent xmlns:mc="http://schemas.openxmlformats.org/markup-compatibility/2006">
               <mc:Choice xmlns:v="urn:schemas-microsoft-com:vml" Requires="v">
-                <p:oleObj spid="_x0000_s18456" name="Equation" r:id="rId5" imgW="723586" imgH="203112" progId="Equation.DSMT4">
+                <p:oleObj spid="_x0000_s18464" name="Equation" r:id="rId5" imgW="723586" imgH="203112" progId="Equation.DSMT4">
                   <p:embed/>
                 </p:oleObj>
               </mc:Choice>
@@ -13185,11 +13171,7 @@
             </a:r>
             <a:r>
               <a:rPr lang="he-IL" dirty="0" smtClean="0"/>
-              <a:t> פעמים בכיוון </a:t>
-            </a:r>
-            <a:r>
-              <a:rPr lang="he-IL" dirty="0" smtClean="0"/>
-              <a:t>העמודות</a:t>
+              <a:t> פעמים בכיוון העמודות</a:t>
             </a:r>
             <a:endParaRPr lang="en-US" dirty="0"/>
           </a:p>
@@ -14194,7 +14176,7 @@
           <a:graphicData uri="http://schemas.openxmlformats.org/presentationml/2006/ole">
             <mc:AlternateContent xmlns:mc="http://schemas.openxmlformats.org/markup-compatibility/2006">
               <mc:Choice xmlns:v="urn:schemas-microsoft-com:vml" Requires="v">
-                <p:oleObj spid="_x0000_s53264" name="Equation" r:id="rId4" imgW="1397000" imgH="431800" progId="Equation.DSMT4">
+                <p:oleObj spid="_x0000_s53268" name="Equation" r:id="rId4" imgW="1397000" imgH="431800" progId="Equation.DSMT4">
                   <p:embed/>
                 </p:oleObj>
               </mc:Choice>
@@ -14647,7 +14629,7 @@
           <a:graphicData uri="http://schemas.openxmlformats.org/presentationml/2006/ole">
             <mc:AlternateContent xmlns:mc="http://schemas.openxmlformats.org/markup-compatibility/2006">
               <mc:Choice xmlns:v="urn:schemas-microsoft-com:vml" Requires="v">
-                <p:oleObj spid="_x0000_s55319" name="Equation" r:id="rId3" imgW="3009900" imgH="457200" progId="Equation.DSMT4">
+                <p:oleObj spid="_x0000_s55327" name="Equation" r:id="rId3" imgW="3009900" imgH="457200" progId="Equation.DSMT4">
                   <p:embed/>
                 </p:oleObj>
               </mc:Choice>
@@ -14717,7 +14699,7 @@
           <a:graphicData uri="http://schemas.openxmlformats.org/presentationml/2006/ole">
             <mc:AlternateContent xmlns:mc="http://schemas.openxmlformats.org/markup-compatibility/2006">
               <mc:Choice xmlns:v="urn:schemas-microsoft-com:vml" Requires="v">
-                <p:oleObj spid="_x0000_s55320" name="Equation" r:id="rId5" imgW="3302000" imgH="457200" progId="Equation.DSMT4">
+                <p:oleObj spid="_x0000_s55328" name="Equation" r:id="rId5" imgW="3302000" imgH="457200" progId="Equation.DSMT4">
                   <p:embed/>
                 </p:oleObj>
               </mc:Choice>
@@ -15190,7 +15172,7 @@
           <a:graphicData uri="http://schemas.openxmlformats.org/presentationml/2006/ole">
             <mc:AlternateContent xmlns:mc="http://schemas.openxmlformats.org/markup-compatibility/2006">
               <mc:Choice xmlns:v="urn:schemas-microsoft-com:vml" Requires="v">
-                <p:oleObj spid="_x0000_s64558" name="Equation" r:id="rId3" imgW="723586" imgH="241195" progId="Equation.DSMT4">
+                <p:oleObj spid="_x0000_s64574" name="Equation" r:id="rId3" imgW="723586" imgH="241195" progId="Equation.DSMT4">
                   <p:embed/>
                 </p:oleObj>
               </mc:Choice>
@@ -15260,7 +15242,7 @@
           <a:graphicData uri="http://schemas.openxmlformats.org/presentationml/2006/ole">
             <mc:AlternateContent xmlns:mc="http://schemas.openxmlformats.org/markup-compatibility/2006">
               <mc:Choice xmlns:v="urn:schemas-microsoft-com:vml" Requires="v">
-                <p:oleObj spid="_x0000_s64559" name="Equation" r:id="rId5" imgW="1002865" imgH="799753" progId="Equation.DSMT4">
+                <p:oleObj spid="_x0000_s64575" name="Equation" r:id="rId5" imgW="1002865" imgH="799753" progId="Equation.DSMT4">
                   <p:embed/>
                 </p:oleObj>
               </mc:Choice>
@@ -15330,7 +15312,7 @@
           <a:graphicData uri="http://schemas.openxmlformats.org/presentationml/2006/ole">
             <mc:AlternateContent xmlns:mc="http://schemas.openxmlformats.org/markup-compatibility/2006">
               <mc:Choice xmlns:v="urn:schemas-microsoft-com:vml" Requires="v">
-                <p:oleObj spid="_x0000_s64560" name="Equation" r:id="rId7" imgW="825500" imgH="457200" progId="Equation.DSMT4">
+                <p:oleObj spid="_x0000_s64576" name="Equation" r:id="rId7" imgW="825500" imgH="457200" progId="Equation.DSMT4">
                   <p:embed/>
                 </p:oleObj>
               </mc:Choice>
@@ -15400,7 +15382,7 @@
           <a:graphicData uri="http://schemas.openxmlformats.org/presentationml/2006/ole">
             <mc:AlternateContent xmlns:mc="http://schemas.openxmlformats.org/markup-compatibility/2006">
               <mc:Choice xmlns:v="urn:schemas-microsoft-com:vml" Requires="v">
-                <p:oleObj spid="_x0000_s64561" name="Equation" r:id="rId9" imgW="1307532" imgH="634725" progId="Equation.DSMT4">
+                <p:oleObj spid="_x0000_s64577" name="Equation" r:id="rId9" imgW="1307532" imgH="634725" progId="Equation.DSMT4">
                   <p:embed/>
                 </p:oleObj>
               </mc:Choice>
@@ -15608,7 +15590,7 @@
           <a:graphicData uri="http://schemas.openxmlformats.org/presentationml/2006/ole">
             <mc:AlternateContent xmlns:mc="http://schemas.openxmlformats.org/markup-compatibility/2006">
               <mc:Choice xmlns:v="urn:schemas-microsoft-com:vml" Requires="v">
-                <p:oleObj spid="_x0000_s65560" name="Equation" r:id="rId3" imgW="2235200" imgH="482600" progId="Equation.DSMT4">
+                <p:oleObj spid="_x0000_s65568" name="Equation" r:id="rId3" imgW="2235200" imgH="482600" progId="Equation.DSMT4">
                   <p:embed/>
                 </p:oleObj>
               </mc:Choice>
@@ -15678,7 +15660,7 @@
           <a:graphicData uri="http://schemas.openxmlformats.org/presentationml/2006/ole">
             <mc:AlternateContent xmlns:mc="http://schemas.openxmlformats.org/markup-compatibility/2006">
               <mc:Choice xmlns:v="urn:schemas-microsoft-com:vml" Requires="v">
-                <p:oleObj spid="_x0000_s65561" name="Equation" r:id="rId5" imgW="2552700" imgH="736600" progId="Equation.DSMT4">
+                <p:oleObj spid="_x0000_s65569" name="Equation" r:id="rId5" imgW="2552700" imgH="736600" progId="Equation.DSMT4">
                   <p:embed/>
                 </p:oleObj>
               </mc:Choice>
@@ -16378,7 +16360,7 @@
           <a:graphicData uri="http://schemas.openxmlformats.org/presentationml/2006/ole">
             <mc:AlternateContent xmlns:mc="http://schemas.openxmlformats.org/markup-compatibility/2006">
               <mc:Choice xmlns:v="urn:schemas-microsoft-com:vml" Requires="v">
-                <p:oleObj spid="_x0000_s67597" name="Equation" r:id="rId3" imgW="2286000" imgH="482600" progId="Equation.DSMT4">
+                <p:oleObj spid="_x0000_s67601" name="Equation" r:id="rId3" imgW="2286000" imgH="482600" progId="Equation.DSMT4">
                   <p:embed/>
                 </p:oleObj>
               </mc:Choice>
@@ -17623,7 +17605,21 @@
                 <a:latin typeface="Courier New" pitchFamily="49" charset="0"/>
                 <a:cs typeface="Courier New" pitchFamily="49" charset="0"/>
               </a:rPr>
-              <a:t>&gt;&gt;myString = ‘Hello World’</a:t>
+              <a:t>&gt;&gt;myString = </a:t>
+            </a:r>
+            <a:r>
+              <a:rPr lang="en-US" sz="1800" dirty="0">
+                <a:latin typeface="Courier New" pitchFamily="49" charset="0"/>
+                <a:cs typeface="Courier New" pitchFamily="49" charset="0"/>
+              </a:rPr>
+              <a:t>'Hello World</a:t>
+            </a:r>
+            <a:r>
+              <a:rPr lang="en-US" sz="1800" dirty="0" smtClean="0">
+                <a:latin typeface="Courier New" pitchFamily="49" charset="0"/>
+                <a:cs typeface="Courier New" pitchFamily="49" charset="0"/>
+              </a:rPr>
+              <a:t>'</a:t>
             </a:r>
             <a:endParaRPr lang="he-IL" sz="1800" dirty="0" smtClean="0">
               <a:latin typeface="Courier New" pitchFamily="49" charset="0"/>
@@ -17692,27 +17688,67 @@
             </a:r>
             <a:r>
               <a:rPr lang="he-IL" sz="2000" dirty="0" smtClean="0"/>
-              <a:t>:                                                         </a:t>
+              <a:t>:  </a:t>
+            </a:r>
+            <a:r>
+              <a:rPr lang="he-IL" sz="2000" dirty="0" smtClean="0"/>
+              <a:t>                             </a:t>
+            </a:r>
+            <a:r>
+              <a:rPr lang="en-US" sz="2000" dirty="0" smtClean="0"/>
+              <a:t>  </a:t>
+            </a:r>
+            <a:r>
+              <a:rPr lang="he-IL" sz="2000" dirty="0" smtClean="0"/>
+              <a:t>                        </a:t>
             </a:r>
             <a:r>
               <a:rPr lang="en-US" sz="1800" dirty="0" smtClean="0">
                 <a:latin typeface="Courier New" pitchFamily="49" charset="0"/>
                 <a:cs typeface="Courier New" pitchFamily="49" charset="0"/>
               </a:rPr>
-              <a:t>&gt;&gt; x=char(65) -&gt; x=‘A’</a:t>
-            </a:r>
-            <a:endParaRPr lang="he-IL" sz="2000" dirty="0" smtClean="0"/>
-          </a:p>
-          <a:p>
-            <a:r>
-              <a:rPr lang="he-IL" sz="2000" dirty="0" smtClean="0"/>
-              <a:t>המרה של מספר למחרוזת      </a:t>
+              <a:t>&gt;&gt; x=char(65) -&gt; x</a:t>
+            </a:r>
+            <a:r>
+              <a:rPr lang="en-US" sz="1800" dirty="0">
+                <a:latin typeface="Courier New" pitchFamily="49" charset="0"/>
+                <a:cs typeface="Courier New" pitchFamily="49" charset="0"/>
+              </a:rPr>
+              <a:t>=</a:t>
             </a:r>
             <a:r>
               <a:rPr lang="en-US" sz="1800" dirty="0" smtClean="0">
                 <a:latin typeface="Courier New" pitchFamily="49" charset="0"/>
                 <a:cs typeface="Courier New" pitchFamily="49" charset="0"/>
               </a:rPr>
+              <a:t>'A</a:t>
+            </a:r>
+            <a:r>
+              <a:rPr lang="en-US" sz="1800" dirty="0">
+                <a:latin typeface="Courier New" pitchFamily="49" charset="0"/>
+                <a:cs typeface="Courier New" pitchFamily="49" charset="0"/>
+              </a:rPr>
+              <a:t>' </a:t>
+            </a:r>
+            <a:endParaRPr lang="en-US" sz="1800" dirty="0" smtClean="0">
+              <a:latin typeface="Courier New" pitchFamily="49" charset="0"/>
+              <a:cs typeface="Courier New" pitchFamily="49" charset="0"/>
+            </a:endParaRPr>
+          </a:p>
+          <a:p>
+            <a:r>
+              <a:rPr lang="he-IL" sz="2000" dirty="0" smtClean="0"/>
+              <a:t>המרה </a:t>
+            </a:r>
+            <a:r>
+              <a:rPr lang="he-IL" sz="2000" dirty="0" smtClean="0"/>
+              <a:t>של מספר למחרוזת      </a:t>
+            </a:r>
+            <a:r>
+              <a:rPr lang="en-US" sz="1800" dirty="0" smtClean="0">
+                <a:latin typeface="Courier New" pitchFamily="49" charset="0"/>
+                <a:cs typeface="Courier New" pitchFamily="49" charset="0"/>
+              </a:rPr>
               <a:t>num2str(109)</a:t>
             </a:r>
             <a:r>
@@ -17734,11 +17770,18 @@
               <a:t> </a:t>
             </a:r>
             <a:r>
+              <a:rPr lang="en-US" sz="1800" dirty="0">
+                <a:latin typeface="Courier New" pitchFamily="49" charset="0"/>
+                <a:cs typeface="Courier New" pitchFamily="49" charset="0"/>
+              </a:rPr>
+              <a:t>str2num(</a:t>
+            </a:r>
+            <a:r>
               <a:rPr lang="en-US" sz="1800" dirty="0" smtClean="0">
                 <a:latin typeface="Courier New" pitchFamily="49" charset="0"/>
                 <a:cs typeface="Courier New" pitchFamily="49" charset="0"/>
               </a:rPr>
-              <a:t>str2num(‘109’)</a:t>
+              <a:t>'109')</a:t>
             </a:r>
             <a:endParaRPr lang="he-IL" sz="2000" dirty="0" smtClean="0">
               <a:latin typeface="Courier New" pitchFamily="49" charset="0"/>
@@ -17789,8 +17832,33 @@
                 <a:latin typeface="Courier New" pitchFamily="49" charset="0"/>
                 <a:cs typeface="Courier New" pitchFamily="49" charset="0"/>
               </a:rPr>
-              <a:t> ‘dlroW olleH’</a:t>
-            </a:r>
+              <a:t> </a:t>
+            </a:r>
+            <a:r>
+              <a:rPr lang="en-US" sz="2000" dirty="0" smtClean="0">
+                <a:latin typeface="Courier New" pitchFamily="49" charset="0"/>
+                <a:cs typeface="Courier New" pitchFamily="49" charset="0"/>
+              </a:rPr>
+              <a:t>'</a:t>
+            </a:r>
+            <a:r>
+              <a:rPr lang="en-US" sz="2000" dirty="0" smtClean="0">
+                <a:latin typeface="Courier New" pitchFamily="49" charset="0"/>
+                <a:cs typeface="Courier New" pitchFamily="49" charset="0"/>
+              </a:rPr>
+              <a:t>dlroW</a:t>
+            </a:r>
+            <a:r>
+              <a:rPr lang="en-US" sz="2000" dirty="0">
+                <a:latin typeface="Courier New" pitchFamily="49" charset="0"/>
+                <a:cs typeface="Courier New" pitchFamily="49" charset="0"/>
+              </a:rPr>
+              <a:t> olleH'</a:t>
+            </a:r>
+            <a:endParaRPr lang="en-US" sz="2000" dirty="0" smtClean="0">
+              <a:latin typeface="Courier New" pitchFamily="49" charset="0"/>
+              <a:cs typeface="Courier New" pitchFamily="49" charset="0"/>
+            </a:endParaRPr>
           </a:p>
           <a:p>
             <a:pPr algn="l" rtl="0">
@@ -17906,7 +17974,21 @@
                 <a:latin typeface="Courier New" pitchFamily="49" charset="0"/>
                 <a:cs typeface="Courier New" pitchFamily="49" charset="0"/>
               </a:rPr>
-              <a:t>&gt;&gt;matString = strvcat(matString,‘Hi World’)</a:t>
+              <a:t>&gt;&gt;matString = strvcat(matString</a:t>
+            </a:r>
+            <a:r>
+              <a:rPr lang="en-US" sz="1800" dirty="0" smtClean="0">
+                <a:latin typeface="Courier New" pitchFamily="49" charset="0"/>
+                <a:cs typeface="Courier New" pitchFamily="49" charset="0"/>
+              </a:rPr>
+              <a:t>,'</a:t>
+            </a:r>
+            <a:r>
+              <a:rPr lang="en-US" sz="1800" dirty="0">
+                <a:latin typeface="Courier New" pitchFamily="49" charset="0"/>
+                <a:cs typeface="Courier New" pitchFamily="49" charset="0"/>
+              </a:rPr>
+              <a:t>Hi World')</a:t>
             </a:r>
             <a:endParaRPr lang="he-IL" sz="1800" dirty="0" smtClean="0"/>
           </a:p>
@@ -19310,7 +19392,28 @@
                 <a:latin typeface="Courier New" pitchFamily="49" charset="0"/>
                 <a:cs typeface="Courier New" pitchFamily="49" charset="0"/>
               </a:rPr>
-              <a:t>&gt;&gt; cellfun(’length’,A) </a:t>
+              <a:t>&gt;&gt; cellfun</a:t>
+            </a:r>
+            <a:r>
+              <a:rPr lang="en-US" sz="1600" dirty="0">
+                <a:latin typeface="Courier New" pitchFamily="49" charset="0"/>
+                <a:cs typeface="Courier New" pitchFamily="49" charset="0"/>
+              </a:rPr>
+              <a:t>(</a:t>
+            </a:r>
+            <a:r>
+              <a:rPr lang="en-US" sz="1600" dirty="0" smtClean="0">
+                <a:latin typeface="Courier New" pitchFamily="49" charset="0"/>
+                <a:cs typeface="Courier New" pitchFamily="49" charset="0"/>
+              </a:rPr>
+              <a:t>'length',</a:t>
+            </a:r>
+            <a:r>
+              <a:rPr lang="en-US" sz="1600" dirty="0" smtClean="0">
+                <a:latin typeface="Courier New" pitchFamily="49" charset="0"/>
+                <a:cs typeface="Courier New" pitchFamily="49" charset="0"/>
+              </a:rPr>
+              <a:t>A) </a:t>
             </a:r>
             <a:r>
               <a:rPr lang="en-US" sz="1600" dirty="0" smtClean="0">
@@ -19445,14 +19548,14 @@
             </a:pPr>
             <a:r>
               <a:rPr lang="en-US" sz="2000" dirty="0" smtClean="0">
-                <a:latin typeface="David" pitchFamily="34" charset="-79"/>
-                <a:cs typeface="David" pitchFamily="34" charset="-79"/>
+                <a:latin typeface="Courier New" pitchFamily="49" charset="0"/>
+                <a:cs typeface="Courier New" pitchFamily="49" charset="0"/>
               </a:rPr>
               <a:t>cell2mat(C)</a:t>
             </a:r>
             <a:endParaRPr lang="he-IL" sz="2000" dirty="0" smtClean="0">
-              <a:latin typeface="David" pitchFamily="34" charset="-79"/>
-              <a:cs typeface="David" pitchFamily="34" charset="-79"/>
+              <a:latin typeface="Courier New" pitchFamily="49" charset="0"/>
+              <a:cs typeface="Courier New" pitchFamily="49" charset="0"/>
             </a:endParaRPr>
           </a:p>
           <a:p>
@@ -19469,15 +19572,15 @@
               <a:defRPr/>
             </a:pPr>
             <a:r>
-              <a:rPr lang="en-US" sz="2000" dirty="0" smtClean="0">
-                <a:latin typeface="David" pitchFamily="34" charset="-79"/>
-                <a:cs typeface="David" pitchFamily="34" charset="-79"/>
+              <a:rPr lang="en-US" sz="2000" dirty="0">
+                <a:latin typeface="Courier New" pitchFamily="49" charset="0"/>
+                <a:cs typeface="Courier New" pitchFamily="49" charset="0"/>
               </a:rPr>
               <a:t>celldisp(C)</a:t>
             </a:r>
-            <a:endParaRPr lang="he-IL" sz="2000" dirty="0" smtClean="0">
-              <a:latin typeface="David" pitchFamily="34" charset="-79"/>
-              <a:cs typeface="David" pitchFamily="34" charset="-79"/>
+            <a:endParaRPr lang="he-IL" sz="2000" dirty="0">
+              <a:latin typeface="Courier New" pitchFamily="49" charset="0"/>
+              <a:cs typeface="Courier New" pitchFamily="49" charset="0"/>
             </a:endParaRPr>
           </a:p>
           <a:p>
@@ -19494,15 +19597,15 @@
               <a:defRPr/>
             </a:pPr>
             <a:r>
-              <a:rPr lang="en-US" sz="2000" dirty="0" smtClean="0">
-                <a:latin typeface="David" pitchFamily="34" charset="-79"/>
-                <a:cs typeface="David" pitchFamily="34" charset="-79"/>
+              <a:rPr lang="en-US" sz="2000" dirty="0">
+                <a:latin typeface="Courier New" pitchFamily="49" charset="0"/>
+                <a:cs typeface="Courier New" pitchFamily="49" charset="0"/>
               </a:rPr>
               <a:t>cellplot(C)</a:t>
             </a:r>
-            <a:endParaRPr lang="he-IL" sz="2000" dirty="0" smtClean="0">
-              <a:latin typeface="David" pitchFamily="34" charset="-79"/>
-              <a:cs typeface="David" pitchFamily="34" charset="-79"/>
+            <a:endParaRPr lang="he-IL" sz="2000" dirty="0">
+              <a:latin typeface="Courier New" pitchFamily="49" charset="0"/>
+              <a:cs typeface="Courier New" pitchFamily="49" charset="0"/>
             </a:endParaRPr>
           </a:p>
           <a:p>
@@ -20314,7 +20417,91 @@
                 <a:latin typeface="Courier New" pitchFamily="49" charset="0"/>
                 <a:cs typeface="Courier New" pitchFamily="49" charset="0"/>
               </a:rPr>
-              <a:t>&gt;&gt;StrArray = struct(’field1’,{values1},’field2’,{values2},…)</a:t>
+              <a:t>&gt;&gt;StrArray = struct</a:t>
+            </a:r>
+            <a:r>
+              <a:rPr lang="en-US" sz="1700" dirty="0" smtClean="0">
+                <a:latin typeface="Courier New" pitchFamily="49" charset="0"/>
+                <a:cs typeface="Courier New" pitchFamily="49" charset="0"/>
+              </a:rPr>
+              <a:t>(</a:t>
+            </a:r>
+            <a:r>
+              <a:rPr lang="en-US" sz="1800" dirty="0" smtClean="0">
+                <a:latin typeface="Courier New" pitchFamily="49" charset="0"/>
+                <a:cs typeface="Courier New" pitchFamily="49" charset="0"/>
+              </a:rPr>
+              <a:t>'</a:t>
+            </a:r>
+            <a:r>
+              <a:rPr lang="en-US" sz="1700" dirty="0" smtClean="0">
+                <a:latin typeface="Courier New" pitchFamily="49" charset="0"/>
+                <a:cs typeface="Courier New" pitchFamily="49" charset="0"/>
+              </a:rPr>
+              <a:t>field1</a:t>
+            </a:r>
+            <a:r>
+              <a:rPr lang="en-US" sz="1800" dirty="0" smtClean="0">
+                <a:latin typeface="Courier New" pitchFamily="49" charset="0"/>
+                <a:cs typeface="Courier New" pitchFamily="49" charset="0"/>
+              </a:rPr>
+              <a:t>'</a:t>
+            </a:r>
+            <a:r>
+              <a:rPr lang="en-US" sz="1700" dirty="0" smtClean="0">
+                <a:latin typeface="Courier New" pitchFamily="49" charset="0"/>
+                <a:cs typeface="Courier New" pitchFamily="49" charset="0"/>
+              </a:rPr>
+              <a:t>,{</a:t>
+            </a:r>
+            <a:r>
+              <a:rPr lang="en-US" sz="1700" dirty="0" smtClean="0">
+                <a:latin typeface="Courier New" pitchFamily="49" charset="0"/>
+                <a:cs typeface="Courier New" pitchFamily="49" charset="0"/>
+              </a:rPr>
+              <a:t>values1</a:t>
+            </a:r>
+            <a:r>
+              <a:rPr lang="en-US" sz="1700" dirty="0" smtClean="0">
+                <a:latin typeface="Courier New" pitchFamily="49" charset="0"/>
+                <a:cs typeface="Courier New" pitchFamily="49" charset="0"/>
+              </a:rPr>
+              <a:t>},</a:t>
+            </a:r>
+            <a:r>
+              <a:rPr lang="en-US" sz="1800" dirty="0" smtClean="0">
+                <a:latin typeface="Courier New" pitchFamily="49" charset="0"/>
+                <a:cs typeface="Courier New" pitchFamily="49" charset="0"/>
+              </a:rPr>
+              <a:t>'</a:t>
+            </a:r>
+            <a:r>
+              <a:rPr lang="en-US" sz="1700" dirty="0" smtClean="0">
+                <a:latin typeface="Courier New" pitchFamily="49" charset="0"/>
+                <a:cs typeface="Courier New" pitchFamily="49" charset="0"/>
+              </a:rPr>
+              <a:t>field2</a:t>
+            </a:r>
+            <a:r>
+              <a:rPr lang="en-US" sz="1800" dirty="0" smtClean="0">
+                <a:latin typeface="Courier New" pitchFamily="49" charset="0"/>
+                <a:cs typeface="Courier New" pitchFamily="49" charset="0"/>
+              </a:rPr>
+              <a:t>'</a:t>
+            </a:r>
+            <a:r>
+              <a:rPr lang="en-US" sz="1700" dirty="0" smtClean="0">
+                <a:latin typeface="Courier New" pitchFamily="49" charset="0"/>
+                <a:cs typeface="Courier New" pitchFamily="49" charset="0"/>
+              </a:rPr>
+              <a:t>,{</a:t>
+            </a:r>
+            <a:r>
+              <a:rPr lang="en-US" sz="1700" dirty="0" smtClean="0">
+                <a:latin typeface="Courier New" pitchFamily="49" charset="0"/>
+                <a:cs typeface="Courier New" pitchFamily="49" charset="0"/>
+              </a:rPr>
+              <a:t>values2},…)</a:t>
             </a:r>
             <a:endParaRPr lang="he-IL" sz="1700" dirty="0" smtClean="0">
               <a:latin typeface="Courier New" pitchFamily="49" charset="0"/>
@@ -20533,7 +20720,21 @@
                 <a:latin typeface="Courier New" pitchFamily="49" charset="0"/>
                 <a:cs typeface="Courier New" pitchFamily="49" charset="0"/>
               </a:rPr>
-              <a:t>patient = rmfield(patient,’billing’)</a:t>
+              <a:t>patient = rmfield</a:t>
+            </a:r>
+            <a:r>
+              <a:rPr lang="en-US" sz="1900" dirty="0" smtClean="0">
+                <a:latin typeface="Courier New" pitchFamily="49" charset="0"/>
+                <a:cs typeface="Courier New" pitchFamily="49" charset="0"/>
+              </a:rPr>
+              <a:t>(patient,'</a:t>
+            </a:r>
+            <a:r>
+              <a:rPr lang="en-US" sz="1900" dirty="0">
+                <a:latin typeface="Courier New" pitchFamily="49" charset="0"/>
+                <a:cs typeface="Courier New" pitchFamily="49" charset="0"/>
+              </a:rPr>
+              <a:t>billing')</a:t>
             </a:r>
             <a:endParaRPr lang="he-IL" sz="1900" dirty="0" smtClean="0">
               <a:latin typeface="Courier New" pitchFamily="49" charset="0"/>
@@ -20543,7 +20744,11 @@
           <a:p>
             <a:r>
               <a:rPr lang="he-IL" sz="2000" dirty="0" smtClean="0"/>
-              <a:t>גישה לאיבר במערך:</a:t>
+              <a:t>גישה </a:t>
+            </a:r>
+            <a:r>
+              <a:rPr lang="he-IL" sz="2000" dirty="0" smtClean="0"/>
+              <a:t>לאיבר במערך:</a:t>
             </a:r>
           </a:p>
           <a:p>
@@ -20855,87 +21060,247 @@
           </a:bodyPr>
           <a:lstStyle/>
           <a:p>
+            <a:pPr marL="342900" indent="-342900">
+              <a:buFont typeface="+mj-lt"/>
+              <a:buAutoNum type="arabicPeriod"/>
+            </a:pPr>
             <a:r>
               <a:rPr lang="en-US" dirty="0" smtClean="0">
                 <a:latin typeface="Courier New" pitchFamily="49" charset="0"/>
                 <a:cs typeface="Courier New" pitchFamily="49" charset="0"/>
               </a:rPr>
-              <a:t>1. path=fullfile(matlabroot,'toolbox\matlab\matfun')</a:t>
-            </a:r>
-          </a:p>
-          <a:p>
+              <a:t>path=fullfile(matlabroot</a:t>
+            </a:r>
             <a:r>
               <a:rPr lang="en-US" dirty="0" smtClean="0">
                 <a:latin typeface="Courier New" pitchFamily="49" charset="0"/>
                 <a:cs typeface="Courier New" pitchFamily="49" charset="0"/>
               </a:rPr>
-              <a:t>2. list = dir(path)</a:t>
-            </a:r>
-          </a:p>
-          <a:p>
+              <a:t>,'toolbox\matlab\matfun</a:t>
+            </a:r>
             <a:r>
               <a:rPr lang="en-US" dirty="0" smtClean="0">
                 <a:latin typeface="Courier New" pitchFamily="49" charset="0"/>
                 <a:cs typeface="Courier New" pitchFamily="49" charset="0"/>
               </a:rPr>
-              <a:t>3. list.isdir</a:t>
-            </a:r>
-          </a:p>
-          <a:p>
+              <a:t>')</a:t>
+            </a:r>
+          </a:p>
+          <a:p>
+            <a:pPr marL="342900" indent="-342900">
+              <a:buFont typeface="+mj-lt"/>
+              <a:buAutoNum type="arabicPeriod"/>
+            </a:pPr>
             <a:r>
               <a:rPr lang="en-US" dirty="0" smtClean="0">
                 <a:latin typeface="Courier New" pitchFamily="49" charset="0"/>
                 <a:cs typeface="Courier New" pitchFamily="49" charset="0"/>
               </a:rPr>
-              <a:t>4. IsDir = cell2mat({list.isdir})'</a:t>
-            </a:r>
-          </a:p>
-          <a:p>
+              <a:t>list = dir(path)</a:t>
+            </a:r>
+          </a:p>
+          <a:p>
+            <a:pPr marL="342900" indent="-342900">
+              <a:buFont typeface="+mj-lt"/>
+              <a:buAutoNum type="arabicPeriod"/>
+            </a:pPr>
             <a:r>
               <a:rPr lang="en-US" dirty="0" smtClean="0">
                 <a:latin typeface="Courier New" pitchFamily="49" charset="0"/>
                 <a:cs typeface="Courier New" pitchFamily="49" charset="0"/>
               </a:rPr>
-              <a:t>5. flist = ____</a:t>
-            </a:r>
-          </a:p>
-          <a:p>
+              <a:t>list.isdir</a:t>
+            </a:r>
+            <a:endParaRPr lang="en-US" dirty="0">
+              <a:latin typeface="Courier New" pitchFamily="49" charset="0"/>
+              <a:cs typeface="Courier New" pitchFamily="49" charset="0"/>
+            </a:endParaRPr>
+          </a:p>
+          <a:p>
+            <a:pPr marL="342900" indent="-342900">
+              <a:buFont typeface="+mj-lt"/>
+              <a:buAutoNum type="arabicPeriod"/>
+            </a:pPr>
             <a:r>
               <a:rPr lang="en-US" dirty="0" smtClean="0">
                 <a:latin typeface="Courier New" pitchFamily="49" charset="0"/>
                 <a:cs typeface="Courier New" pitchFamily="49" charset="0"/>
               </a:rPr>
-              <a:t>6. bytes = cell2mat({flist.bytes})'</a:t>
-            </a:r>
-          </a:p>
-          <a:p>
+              <a:t>IsDir </a:t>
+            </a:r>
             <a:r>
               <a:rPr lang="en-US" dirty="0" smtClean="0">
                 <a:latin typeface="Courier New" pitchFamily="49" charset="0"/>
                 <a:cs typeface="Courier New" pitchFamily="49" charset="0"/>
               </a:rPr>
-              <a:t>7. [mVal,mInd] = min(bytes)</a:t>
-            </a:r>
-          </a:p>
-          <a:p>
+              <a:t>= cell2mat({list.isdir</a:t>
+            </a:r>
             <a:r>
               <a:rPr lang="en-US" dirty="0" smtClean="0">
                 <a:latin typeface="Courier New" pitchFamily="49" charset="0"/>
                 <a:cs typeface="Courier New" pitchFamily="49" charset="0"/>
               </a:rPr>
-              <a:t>8. minFile = flist(__)__</a:t>
-            </a:r>
-          </a:p>
-          <a:p>
+              <a:t>})'</a:t>
+            </a:r>
+            <a:endParaRPr lang="en-US" dirty="0" smtClean="0">
+              <a:latin typeface="Courier New" pitchFamily="49" charset="0"/>
+              <a:cs typeface="Courier New" pitchFamily="49" charset="0"/>
+            </a:endParaRPr>
+          </a:p>
+          <a:p>
+            <a:pPr marL="342900" indent="-342900">
+              <a:buFont typeface="+mj-lt"/>
+              <a:buAutoNum type="arabicPeriod"/>
+            </a:pPr>
             <a:r>
               <a:rPr lang="en-US" dirty="0" smtClean="0">
                 <a:latin typeface="Courier New" pitchFamily="49" charset="0"/>
                 <a:cs typeface="Courier New" pitchFamily="49" charset="0"/>
               </a:rPr>
-              <a:t>9. fnames = ____({flist.name}</a:t>
-            </a:r>
-            <a:r>
-              <a:rPr lang="pt-BR" dirty="0" smtClean="0">
+              <a:t>flist </a:t>
+            </a:r>
+            <a:r>
+              <a:rPr lang="en-US" dirty="0" smtClean="0">
+                <a:latin typeface="Courier New" pitchFamily="49" charset="0"/>
+                <a:cs typeface="Courier New" pitchFamily="49" charset="0"/>
+              </a:rPr>
+              <a:t>= </a:t>
+            </a:r>
+            <a:r>
+              <a:rPr lang="en-US" dirty="0" smtClean="0">
+                <a:latin typeface="Courier New" pitchFamily="49" charset="0"/>
+                <a:cs typeface="Courier New" pitchFamily="49" charset="0"/>
+              </a:rPr>
+              <a:t>____</a:t>
+            </a:r>
+          </a:p>
+          <a:p>
+            <a:pPr marL="342900" indent="-342900">
+              <a:buFont typeface="+mj-lt"/>
+              <a:buAutoNum type="arabicPeriod"/>
+            </a:pPr>
+            <a:r>
+              <a:rPr lang="en-US" dirty="0" smtClean="0">
+                <a:latin typeface="Courier New" pitchFamily="49" charset="0"/>
+                <a:cs typeface="Courier New" pitchFamily="49" charset="0"/>
+              </a:rPr>
+              <a:t>bytes </a:t>
+            </a:r>
+            <a:r>
+              <a:rPr lang="en-US" dirty="0" smtClean="0">
+                <a:latin typeface="Courier New" pitchFamily="49" charset="0"/>
+                <a:cs typeface="Courier New" pitchFamily="49" charset="0"/>
+              </a:rPr>
+              <a:t>= cell2mat({flist.bytes</a:t>
+            </a:r>
+            <a:r>
+              <a:rPr lang="en-US" dirty="0" smtClean="0">
+                <a:latin typeface="Courier New" pitchFamily="49" charset="0"/>
+                <a:cs typeface="Courier New" pitchFamily="49" charset="0"/>
+              </a:rPr>
+              <a:t>})'</a:t>
+            </a:r>
+            <a:endParaRPr lang="en-US" dirty="0" smtClean="0">
+              <a:latin typeface="Courier New" pitchFamily="49" charset="0"/>
+              <a:cs typeface="Courier New" pitchFamily="49" charset="0"/>
+            </a:endParaRPr>
+          </a:p>
+          <a:p>
+            <a:pPr marL="342900" indent="-342900">
+              <a:buFont typeface="+mj-lt"/>
+              <a:buAutoNum type="arabicPeriod"/>
+            </a:pPr>
+            <a:r>
+              <a:rPr lang="en-US" dirty="0" smtClean="0">
+                <a:latin typeface="Courier New" pitchFamily="49" charset="0"/>
+                <a:cs typeface="Courier New" pitchFamily="49" charset="0"/>
+              </a:rPr>
+              <a:t>[mVal,mInd</a:t>
+            </a:r>
+            <a:r>
+              <a:rPr lang="en-US" dirty="0" smtClean="0">
+                <a:latin typeface="Courier New" pitchFamily="49" charset="0"/>
+                <a:cs typeface="Courier New" pitchFamily="49" charset="0"/>
+              </a:rPr>
+              <a:t>] = </a:t>
+            </a:r>
+            <a:r>
+              <a:rPr lang="en-US" dirty="0" smtClean="0">
+                <a:latin typeface="Courier New" pitchFamily="49" charset="0"/>
+                <a:cs typeface="Courier New" pitchFamily="49" charset="0"/>
+              </a:rPr>
+              <a:t>min(bytes)</a:t>
+            </a:r>
+          </a:p>
+          <a:p>
+            <a:pPr marL="342900" indent="-342900">
+              <a:buFont typeface="+mj-lt"/>
+              <a:buAutoNum type="arabicPeriod"/>
+            </a:pPr>
+            <a:r>
+              <a:rPr lang="en-US" dirty="0" smtClean="0">
+                <a:latin typeface="Courier New" pitchFamily="49" charset="0"/>
+                <a:cs typeface="Courier New" pitchFamily="49" charset="0"/>
+              </a:rPr>
+              <a:t>minFile </a:t>
+            </a:r>
+            <a:r>
+              <a:rPr lang="en-US" dirty="0" smtClean="0">
+                <a:latin typeface="Courier New" pitchFamily="49" charset="0"/>
+                <a:cs typeface="Courier New" pitchFamily="49" charset="0"/>
+              </a:rPr>
+              <a:t>= flist</a:t>
+            </a:r>
+            <a:r>
+              <a:rPr lang="en-US" dirty="0" smtClean="0">
+                <a:latin typeface="Courier New" pitchFamily="49" charset="0"/>
+                <a:cs typeface="Courier New" pitchFamily="49" charset="0"/>
+              </a:rPr>
+              <a:t>(__)__</a:t>
+            </a:r>
+            <a:endParaRPr lang="en-US" dirty="0">
+              <a:latin typeface="Courier New" pitchFamily="49" charset="0"/>
+              <a:cs typeface="Courier New" pitchFamily="49" charset="0"/>
+            </a:endParaRPr>
+          </a:p>
+          <a:p>
+            <a:pPr marL="342900" indent="-342900">
+              <a:buFont typeface="+mj-lt"/>
+              <a:buAutoNum type="arabicPeriod"/>
+            </a:pPr>
+            <a:r>
+              <a:rPr lang="en-US" dirty="0" smtClean="0">
+                <a:latin typeface="Courier New" pitchFamily="49" charset="0"/>
+                <a:cs typeface="Courier New" pitchFamily="49" charset="0"/>
+              </a:rPr>
+              <a:t>open(minFile)</a:t>
+            </a:r>
+            <a:endParaRPr lang="en-US" dirty="0">
+              <a:latin typeface="Courier New" pitchFamily="49" charset="0"/>
+              <a:cs typeface="Courier New" pitchFamily="49" charset="0"/>
+            </a:endParaRPr>
+          </a:p>
+          <a:p>
+            <a:pPr marL="342900" indent="-342900">
+              <a:buFont typeface="+mj-lt"/>
+              <a:buAutoNum type="arabicPeriod"/>
+            </a:pPr>
+            <a:r>
+              <a:rPr lang="en-US" dirty="0" smtClean="0">
+                <a:latin typeface="Courier New" pitchFamily="49" charset="0"/>
+                <a:cs typeface="Courier New" pitchFamily="49" charset="0"/>
+              </a:rPr>
+              <a:t>fnames </a:t>
+            </a:r>
+            <a:r>
+              <a:rPr lang="en-US" dirty="0">
+                <a:latin typeface="Courier New" pitchFamily="49" charset="0"/>
+                <a:cs typeface="Courier New" pitchFamily="49" charset="0"/>
+              </a:rPr>
+              <a:t>= ____({flist.name}</a:t>
+            </a:r>
+            <a:r>
+              <a:rPr lang="pt-BR" dirty="0">
                 <a:latin typeface="Courier New" pitchFamily="49" charset="0"/>
                 <a:cs typeface="Courier New" pitchFamily="49" charset="0"/>
               </a:rPr>
@@ -20950,30 +21315,16 @@
             </a:r>
           </a:p>
           <a:p>
+            <a:pPr marL="342900" indent="-342900">
+              <a:buFont typeface="+mj-lt"/>
+              <a:buAutoNum type="arabicPeriod"/>
+            </a:pPr>
             <a:r>
               <a:rPr lang="en-US" dirty="0" smtClean="0">
                 <a:latin typeface="Courier New" pitchFamily="49" charset="0"/>
                 <a:cs typeface="Courier New" pitchFamily="49" charset="0"/>
               </a:rPr>
-              <a:t>10.minFile_mat = ……</a:t>
-            </a:r>
-          </a:p>
-          <a:p>
-            <a:r>
-              <a:rPr lang="en-US" dirty="0" smtClean="0">
-                <a:latin typeface="Courier New" pitchFamily="49" charset="0"/>
-                <a:cs typeface="Courier New" pitchFamily="49" charset="0"/>
-              </a:rPr>
-              <a:t>% lets see why it is so small:</a:t>
-            </a:r>
-          </a:p>
-          <a:p>
-            <a:r>
-              <a:rPr lang="en-US" dirty="0" smtClean="0">
-                <a:latin typeface="Courier New" pitchFamily="49" charset="0"/>
-                <a:cs typeface="Courier New" pitchFamily="49" charset="0"/>
-              </a:rPr>
-              <a:t>open(minFile)</a:t>
+              <a:t>minFile_mat = fnames(__)</a:t>
             </a:r>
             <a:endParaRPr kumimoji="0" lang="en-US" b="0" i="0" u="none" strike="noStrike" kern="1200" cap="none" spc="0" normalizeH="0" baseline="0" noProof="0" dirty="0">
               <a:ln>
@@ -21027,7 +21378,7 @@
         <p:spPr>
           <a:xfrm>
             <a:off x="1447800" y="1828800"/>
-            <a:ext cx="7620000" cy="4876800"/>
+            <a:ext cx="7620000" cy="4724400"/>
           </a:xfrm>
         </p:spPr>
         <p:txBody>
@@ -21036,12 +21387,16 @@
           </a:bodyPr>
           <a:lstStyle/>
           <a:p>
-            <a:pPr>
+            <a:pPr marL="0" indent="0">
               <a:buNone/>
             </a:pPr>
             <a:r>
               <a:rPr lang="he-IL" sz="1800" dirty="0" smtClean="0"/>
-              <a:t>1. הספריה הנבחנת</a:t>
+              <a:t>1. הספריה </a:t>
+            </a:r>
+            <a:r>
+              <a:rPr lang="he-IL" sz="1800" dirty="0" smtClean="0"/>
+              <a:t>הנבחנת</a:t>
             </a:r>
           </a:p>
           <a:p>
@@ -21058,8 +21413,13 @@
             </a:r>
             <a:r>
               <a:rPr lang="he-IL" sz="1800" dirty="0" smtClean="0"/>
-              <a:t> מחזירה תשובה לתוך מבנה. בחנו את השדות ותחולתם.</a:t>
-            </a:r>
+              <a:t> מחזירה תשובה לתוך מבנה. בחנו את השדות </a:t>
+            </a:r>
+            <a:r>
+              <a:rPr lang="he-IL" sz="1800" dirty="0" smtClean="0"/>
+              <a:t>ותחולתם</a:t>
+            </a:r>
+            <a:endParaRPr lang="he-IL" sz="1800" dirty="0" smtClean="0"/>
           </a:p>
           <a:p>
             <a:pPr>
@@ -21076,8 +21436,13 @@
             </a:pPr>
             <a:r>
               <a:rPr lang="he-IL" sz="1800" dirty="0" smtClean="0"/>
-              <a:t>3. חלק מהאלמנטים הם תיקיות וחלק קבצים.</a:t>
-            </a:r>
+              <a:t>3. חלק מהאלמנטים הם תיקיות וחלק </a:t>
+            </a:r>
+            <a:r>
+              <a:rPr lang="he-IL" sz="1800" dirty="0" smtClean="0"/>
+              <a:t>קבצים</a:t>
+            </a:r>
+            <a:endParaRPr lang="he-IL" sz="1800" dirty="0" smtClean="0"/>
           </a:p>
           <a:p>
             <a:pPr>
@@ -21147,7 +21512,11 @@
             </a:pPr>
             <a:r>
               <a:rPr lang="he-IL" sz="1800" dirty="0" smtClean="0"/>
-              <a:t>8. השתמשו בתוצאת 7 והשלימו את הפקודה כדי לקבל את שם הקובץ המבוקש</a:t>
+              <a:t>8. השתמשו בתוצאת 7 והשלימו את הפקודה כדי לקבל את שם הקובץ </a:t>
+            </a:r>
+            <a:r>
+              <a:rPr lang="he-IL" sz="1800" dirty="0" smtClean="0"/>
+              <a:t>המבוקש</a:t>
             </a:r>
           </a:p>
           <a:p>
@@ -21156,18 +21525,65 @@
             </a:pPr>
             <a:r>
               <a:rPr lang="he-IL" sz="1800" dirty="0" smtClean="0"/>
-              <a:t>9. צרו מטריצת מחרוזות המכילה את שמות הקבצים (שלב זה לא הכרחי, אך טוב לאימון)</a:t>
-            </a:r>
+              <a:t>9. </a:t>
+            </a:r>
+            <a:r>
+              <a:rPr lang="he-IL" sz="1800" dirty="0"/>
+              <a:t>פתחו את הקובץ בעל הגודל </a:t>
+            </a:r>
+            <a:r>
+              <a:rPr lang="he-IL" sz="1800" dirty="0" smtClean="0"/>
+              <a:t>המינימלי</a:t>
+            </a:r>
+            <a:endParaRPr lang="he-IL" sz="1800" dirty="0" smtClean="0"/>
           </a:p>
           <a:p>
             <a:pPr>
               <a:buNone/>
             </a:pPr>
             <a:r>
+              <a:rPr lang="en-US" sz="1800" dirty="0" smtClean="0"/>
+              <a:t>10</a:t>
+            </a:r>
+            <a:r>
               <a:rPr lang="he-IL" sz="1800" dirty="0" smtClean="0"/>
-              <a:t>10 . פתחו את הקובץ בעל הגודל המינימלי</a:t>
-            </a:r>
-            <a:endParaRPr lang="en-US" sz="1800" dirty="0"/>
+              <a:t>. </a:t>
+            </a:r>
+            <a:r>
+              <a:rPr lang="he-IL" sz="1800" dirty="0" smtClean="0"/>
+              <a:t>צרו מטריצת מחרוזות המכילה את שמות הקבצים (שלב זה לא הכרחי, אך טוב לאימון</a:t>
+            </a:r>
+            <a:r>
+              <a:rPr lang="he-IL" sz="1800" dirty="0" smtClean="0"/>
+              <a:t>)</a:t>
+            </a:r>
+            <a:endParaRPr lang="he-IL" sz="1800" dirty="0"/>
+          </a:p>
+          <a:p>
+            <a:pPr>
+              <a:buNone/>
+            </a:pPr>
+            <a:r>
+              <a:rPr lang="he-IL" sz="1800" dirty="0" smtClean="0"/>
+              <a:t>11</a:t>
+            </a:r>
+            <a:r>
+              <a:rPr lang="he-IL" sz="1800" dirty="0"/>
+              <a:t>. השתמשו בתוצאת </a:t>
+            </a:r>
+            <a:r>
+              <a:rPr lang="he-IL" sz="1800" dirty="0" smtClean="0"/>
+              <a:t>10 והשלימו </a:t>
+            </a:r>
+            <a:r>
+              <a:rPr lang="he-IL" sz="1800" dirty="0"/>
+              <a:t>את הפקודה כדי לקבל את שם הקובץ </a:t>
+            </a:r>
+            <a:r>
+              <a:rPr lang="he-IL" sz="1800" dirty="0" smtClean="0"/>
+              <a:t>המבוקש</a:t>
+            </a:r>
+            <a:endParaRPr lang="he-IL" sz="1800" dirty="0"/>
           </a:p>
         </p:txBody>
       </p:sp>
@@ -21385,6 +21801,44 @@
                 <a:latin typeface="Courier New" pitchFamily="49" charset="0"/>
                 <a:cs typeface="Courier New" pitchFamily="49" charset="0"/>
               </a:rPr>
+              <a:t>% </a:t>
+            </a:r>
+            <a:r>
+              <a:rPr lang="en-US" sz="1800" dirty="0" smtClean="0">
+                <a:latin typeface="Courier New" pitchFamily="49" charset="0"/>
+                <a:cs typeface="Courier New" pitchFamily="49" charset="0"/>
+              </a:rPr>
+              <a:t>lets see why it is so small:</a:t>
+            </a:r>
+          </a:p>
+          <a:p>
+            <a:pPr algn="l" rtl="0">
+              <a:buNone/>
+            </a:pPr>
+            <a:r>
+              <a:rPr lang="en-US" sz="1800" dirty="0" smtClean="0">
+                <a:latin typeface="Courier New" pitchFamily="49" charset="0"/>
+                <a:cs typeface="Courier New" pitchFamily="49" charset="0"/>
+              </a:rPr>
+              <a:t>open(minFile</a:t>
+            </a:r>
+            <a:r>
+              <a:rPr lang="en-US" sz="1800" dirty="0" smtClean="0">
+                <a:latin typeface="Courier New" pitchFamily="49" charset="0"/>
+                <a:cs typeface="Courier New" pitchFamily="49" charset="0"/>
+              </a:rPr>
+              <a:t>)</a:t>
+            </a:r>
+          </a:p>
+          <a:p>
+            <a:pPr algn="l" rtl="0">
+              <a:buNone/>
+            </a:pPr>
+            <a:r>
+              <a:rPr lang="en-US" sz="1800" dirty="0">
+                <a:latin typeface="Courier New" pitchFamily="49" charset="0"/>
+                <a:cs typeface="Courier New" pitchFamily="49" charset="0"/>
+              </a:rPr>
               <a:t>fnames = strvcat({flist.name}')</a:t>
             </a:r>
           </a:p>
@@ -21393,7 +21847,7 @@
               <a:buNone/>
             </a:pPr>
             <a:r>
-              <a:rPr lang="en-US" sz="1800" dirty="0" smtClean="0">
+              <a:rPr lang="en-US" sz="1800" dirty="0">
                 <a:latin typeface="Courier New" pitchFamily="49" charset="0"/>
                 <a:cs typeface="Courier New" pitchFamily="49" charset="0"/>
               </a:rPr>
@@ -21404,25 +21858,10 @@
             <a:pPr algn="l" rtl="0">
               <a:buNone/>
             </a:pPr>
-            <a:r>
-              <a:rPr lang="en-US" sz="1800" dirty="0" smtClean="0">
-                <a:latin typeface="Courier New" pitchFamily="49" charset="0"/>
-                <a:cs typeface="Courier New" pitchFamily="49" charset="0"/>
-              </a:rPr>
-              <a:t>% lets see why it is so small:</a:t>
-            </a:r>
-          </a:p>
-          <a:p>
-            <a:pPr algn="l" rtl="0">
-              <a:buNone/>
-            </a:pPr>
-            <a:r>
-              <a:rPr lang="en-US" sz="1800" dirty="0" smtClean="0">
-                <a:latin typeface="Courier New" pitchFamily="49" charset="0"/>
-                <a:cs typeface="Courier New" pitchFamily="49" charset="0"/>
-              </a:rPr>
-              <a:t>open(minFile)</a:t>
-            </a:r>
+            <a:endParaRPr lang="en-US" sz="1800" dirty="0" smtClean="0">
+              <a:latin typeface="Courier New" pitchFamily="49" charset="0"/>
+              <a:cs typeface="Courier New" pitchFamily="49" charset="0"/>
+            </a:endParaRPr>
           </a:p>
         </p:txBody>
       </p:sp>
@@ -21869,7 +22308,18 @@
             </a:r>
             <a:r>
               <a:rPr lang="en-US" sz="2400" dirty="0" smtClean="0"/>
-              <a:t>: get(handle,’PropertyName’) </a:t>
+              <a:t>: </a:t>
+            </a:r>
+            <a:r>
+              <a:rPr lang="en-US" sz="2000" dirty="0" smtClean="0">
+                <a:latin typeface="Courier New" pitchFamily="49" charset="0"/>
+                <a:cs typeface="Courier New" pitchFamily="49" charset="0"/>
+              </a:rPr>
+              <a:t>get(handle,'PropertyName')</a:t>
+            </a:r>
+            <a:r>
+              <a:rPr lang="en-US" sz="2400" dirty="0" smtClean="0"/>
+              <a:t> </a:t>
             </a:r>
             <a:r>
               <a:rPr lang="en-US" sz="2400" dirty="0" smtClean="0">
@@ -21892,7 +22342,35 @@
             </a:r>
             <a:r>
               <a:rPr lang="en-US" sz="2400" dirty="0" smtClean="0"/>
-              <a:t>: set(handle,‘PropertyName’,PropertyVal)</a:t>
+              <a:t>: </a:t>
+            </a:r>
+            <a:r>
+              <a:rPr lang="en-US" sz="2000" dirty="0" smtClean="0">
+                <a:latin typeface="Courier New" pitchFamily="49" charset="0"/>
+                <a:cs typeface="Courier New" pitchFamily="49" charset="0"/>
+              </a:rPr>
+              <a:t>set(handle,'PropertyName</a:t>
+            </a:r>
+            <a:r>
+              <a:rPr lang="en-US" sz="2000" dirty="0">
+                <a:latin typeface="Courier New" pitchFamily="49" charset="0"/>
+                <a:cs typeface="Courier New" pitchFamily="49" charset="0"/>
+              </a:rPr>
+              <a:t>'</a:t>
+            </a:r>
+            <a:r>
+              <a:rPr lang="en-US" sz="2000" dirty="0" smtClean="0">
+                <a:latin typeface="Courier New" pitchFamily="49" charset="0"/>
+                <a:cs typeface="Courier New" pitchFamily="49" charset="0"/>
+              </a:rPr>
+              <a:t>,PropertyVal</a:t>
+            </a:r>
+            <a:r>
+              <a:rPr lang="en-US" sz="2000" dirty="0">
+                <a:latin typeface="Courier New" pitchFamily="49" charset="0"/>
+                <a:cs typeface="Courier New" pitchFamily="49" charset="0"/>
+              </a:rPr>
+              <a:t>)</a:t>
             </a:r>
           </a:p>
           <a:p>
@@ -21901,7 +22379,28 @@
             </a:pPr>
             <a:r>
               <a:rPr lang="en-US" sz="2400" dirty="0" smtClean="0"/>
-              <a:t>        set(handle,‘PropertyName’) </a:t>
+              <a:t>        </a:t>
+            </a:r>
+            <a:r>
+              <a:rPr lang="en-US" sz="2000" dirty="0" smtClean="0">
+                <a:latin typeface="Courier New" pitchFamily="49" charset="0"/>
+                <a:cs typeface="Courier New" pitchFamily="49" charset="0"/>
+              </a:rPr>
+              <a:t>set(handle,'PropertyName</a:t>
+            </a:r>
+            <a:r>
+              <a:rPr lang="en-US" sz="2000" dirty="0">
+                <a:latin typeface="Courier New" pitchFamily="49" charset="0"/>
+                <a:cs typeface="Courier New" pitchFamily="49" charset="0"/>
+              </a:rPr>
+              <a:t>'</a:t>
+            </a:r>
+            <a:r>
+              <a:rPr lang="en-US" sz="2000" dirty="0" smtClean="0">
+                <a:latin typeface="Courier New" pitchFamily="49" charset="0"/>
+                <a:cs typeface="Courier New" pitchFamily="49" charset="0"/>
+              </a:rPr>
+              <a:t>) </a:t>
             </a:r>
             <a:r>
               <a:rPr lang="en-US" sz="2400" dirty="0" smtClean="0">
@@ -21920,11 +22419,21 @@
             </a:pPr>
             <a:r>
               <a:rPr lang="en-US" sz="2400" b="1" dirty="0" smtClean="0"/>
-              <a:t>inspect</a:t>
-            </a:r>
-            <a:r>
-              <a:rPr lang="en-US" sz="2400" dirty="0" smtClean="0"/>
-              <a:t>:   inspect(handle) </a:t>
+              <a:t>inspect: </a:t>
+            </a:r>
+            <a:r>
+              <a:rPr lang="en-US" sz="2000" dirty="0" smtClean="0">
+                <a:latin typeface="Courier New" pitchFamily="49" charset="0"/>
+                <a:cs typeface="Courier New" pitchFamily="49" charset="0"/>
+              </a:rPr>
+              <a:t> </a:t>
+            </a:r>
+            <a:r>
+              <a:rPr lang="en-US" sz="2000" dirty="0" smtClean="0">
+                <a:latin typeface="Courier New" pitchFamily="49" charset="0"/>
+                <a:cs typeface="Courier New" pitchFamily="49" charset="0"/>
+              </a:rPr>
+              <a:t>inspect(handle) </a:t>
             </a:r>
             <a:r>
               <a:rPr lang="en-US" sz="2400" dirty="0" smtClean="0">
@@ -21938,15 +22447,21 @@
       </p:sp>
       <p:graphicFrame>
         <p:nvGraphicFramePr>
-          <p:cNvPr id="10" name="Table 9"/>
+          <p:cNvPr id="11" name="Table 10"/>
           <p:cNvGraphicFramePr>
             <a:graphicFrameLocks noGrp="1"/>
           </p:cNvGraphicFramePr>
-          <p:nvPr/>
+          <p:nvPr>
+            <p:extLst>
+              <p:ext uri="{D42A27DB-BD31-4B8C-83A1-F6EECF244321}">
+                <p14:modId xmlns:p14="http://schemas.microsoft.com/office/powerpoint/2010/main" val="583120061"/>
+              </p:ext>
+            </p:extLst>
+          </p:nvPr>
         </p:nvGraphicFramePr>
         <p:xfrm>
-          <a:off x="838200" y="1457718"/>
-          <a:ext cx="7467600" cy="2885682"/>
+          <a:off x="304800" y="1457718"/>
+          <a:ext cx="8610600" cy="2885682"/>
         </p:xfrm>
         <a:graphic>
           <a:graphicData uri="http://schemas.openxmlformats.org/drawingml/2006/table">
@@ -21955,9 +22470,9 @@
                 <a:tableStyleId>{5C22544A-7EE6-4342-B048-85BDC9FD1C3A}</a:tableStyleId>
               </a:tblPr>
               <a:tblGrid>
-                <a:gridCol w="2819400"/>
-                <a:gridCol w="2133600"/>
-                <a:gridCol w="2514600"/>
+                <a:gridCol w="2971800"/>
+                <a:gridCol w="1981200"/>
+                <a:gridCol w="3657600"/>
               </a:tblGrid>
               <a:tr h="304799">
                 <a:tc>
@@ -22035,14 +22550,14 @@
                     <a:p>
                       <a:r>
                         <a:rPr lang="en-US" dirty="0" smtClean="0">
-                          <a:latin typeface="Times New Roman" pitchFamily="18" charset="0"/>
-                          <a:cs typeface="Times New Roman" pitchFamily="18" charset="0"/>
+                          <a:latin typeface="Courier New" pitchFamily="49" charset="0"/>
+                          <a:cs typeface="Courier New" pitchFamily="49" charset="0"/>
                         </a:rPr>
                         <a:t>Root</a:t>
                       </a:r>
                       <a:endParaRPr lang="en-US" dirty="0">
-                        <a:latin typeface="Times New Roman" pitchFamily="18" charset="0"/>
-                        <a:cs typeface="Times New Roman" pitchFamily="18" charset="0"/>
+                        <a:latin typeface="Courier New" pitchFamily="49" charset="0"/>
+                        <a:cs typeface="Courier New" pitchFamily="49" charset="0"/>
                       </a:endParaRPr>
                     </a:p>
                   </a:txBody>
@@ -22055,14 +22570,14 @@
                     <a:p>
                       <a:r>
                         <a:rPr lang="en-US" dirty="0" smtClean="0">
-                          <a:latin typeface="Times New Roman" pitchFamily="18" charset="0"/>
-                          <a:cs typeface="Times New Roman" pitchFamily="18" charset="0"/>
+                          <a:latin typeface="Courier New" pitchFamily="49" charset="0"/>
+                          <a:cs typeface="Courier New" pitchFamily="49" charset="0"/>
                         </a:rPr>
                         <a:t>get(0)</a:t>
                       </a:r>
                       <a:endParaRPr lang="en-US" dirty="0">
-                        <a:latin typeface="Times New Roman" pitchFamily="18" charset="0"/>
-                        <a:cs typeface="Times New Roman" pitchFamily="18" charset="0"/>
+                        <a:latin typeface="Courier New" pitchFamily="49" charset="0"/>
+                        <a:cs typeface="Courier New" pitchFamily="49" charset="0"/>
                       </a:endParaRPr>
                     </a:p>
                   </a:txBody>
@@ -22075,14 +22590,14 @@
                     <a:p>
                       <a:r>
                         <a:rPr lang="en-US" dirty="0" smtClean="0">
-                          <a:latin typeface="Times New Roman" pitchFamily="18" charset="0"/>
-                          <a:cs typeface="Times New Roman" pitchFamily="18" charset="0"/>
+                          <a:latin typeface="Courier New" pitchFamily="49" charset="0"/>
+                          <a:cs typeface="Courier New" pitchFamily="49" charset="0"/>
                         </a:rPr>
                         <a:t>0</a:t>
                       </a:r>
                       <a:endParaRPr lang="en-US" dirty="0">
-                        <a:latin typeface="Times New Roman" pitchFamily="18" charset="0"/>
-                        <a:cs typeface="Times New Roman" pitchFamily="18" charset="0"/>
+                        <a:latin typeface="Courier New" pitchFamily="49" charset="0"/>
+                        <a:cs typeface="Courier New" pitchFamily="49" charset="0"/>
                       </a:endParaRPr>
                     </a:p>
                   </a:txBody>
@@ -22097,14 +22612,14 @@
                     <a:p>
                       <a:r>
                         <a:rPr lang="en-US" dirty="0" smtClean="0">
-                          <a:latin typeface="Times New Roman" pitchFamily="18" charset="0"/>
-                          <a:cs typeface="Times New Roman" pitchFamily="18" charset="0"/>
+                          <a:latin typeface="Courier New" pitchFamily="49" charset="0"/>
+                          <a:cs typeface="Courier New" pitchFamily="49" charset="0"/>
                         </a:rPr>
                         <a:t>Figure</a:t>
                       </a:r>
                       <a:endParaRPr lang="en-US" dirty="0">
-                        <a:latin typeface="Times New Roman" pitchFamily="18" charset="0"/>
-                        <a:cs typeface="Times New Roman" pitchFamily="18" charset="0"/>
+                        <a:latin typeface="Courier New" pitchFamily="49" charset="0"/>
+                        <a:cs typeface="Courier New" pitchFamily="49" charset="0"/>
                       </a:endParaRPr>
                     </a:p>
                   </a:txBody>
@@ -22116,12 +22631,15 @@
                     <a:lstStyle/>
                     <a:p>
                       <a:r>
-                        <a:rPr lang="en-US" dirty="0" smtClean="0"/>
+                        <a:rPr lang="en-US" dirty="0" smtClean="0">
+                          <a:latin typeface="Courier New" pitchFamily="49" charset="0"/>
+                          <a:cs typeface="Courier New" pitchFamily="49" charset="0"/>
+                        </a:rPr>
                         <a:t>get(hf)</a:t>
                       </a:r>
                       <a:endParaRPr lang="en-US" dirty="0">
-                        <a:latin typeface="Times New Roman" pitchFamily="18" charset="0"/>
-                        <a:cs typeface="Times New Roman" pitchFamily="18" charset="0"/>
+                        <a:latin typeface="Courier New" pitchFamily="49" charset="0"/>
+                        <a:cs typeface="Courier New" pitchFamily="49" charset="0"/>
                       </a:endParaRPr>
                     </a:p>
                   </a:txBody>
@@ -22133,12 +22651,15 @@
                     <a:lstStyle/>
                     <a:p>
                       <a:r>
-                        <a:rPr lang="en-US" dirty="0" smtClean="0"/>
+                        <a:rPr lang="en-US" dirty="0" smtClean="0">
+                          <a:latin typeface="Courier New" pitchFamily="49" charset="0"/>
+                          <a:cs typeface="Courier New" pitchFamily="49" charset="0"/>
+                        </a:rPr>
                         <a:t>hf = gcf, hf = figure(1)</a:t>
                       </a:r>
                       <a:endParaRPr lang="en-US" dirty="0">
-                        <a:latin typeface="Times New Roman" pitchFamily="18" charset="0"/>
-                        <a:cs typeface="Times New Roman" pitchFamily="18" charset="0"/>
+                        <a:latin typeface="Courier New" pitchFamily="49" charset="0"/>
+                        <a:cs typeface="Courier New" pitchFamily="49" charset="0"/>
                       </a:endParaRPr>
                     </a:p>
                   </a:txBody>
@@ -22153,14 +22674,14 @@
                     <a:p>
                       <a:r>
                         <a:rPr lang="en-US" dirty="0" smtClean="0">
-                          <a:latin typeface="Times New Roman" pitchFamily="18" charset="0"/>
-                          <a:cs typeface="Times New Roman" pitchFamily="18" charset="0"/>
+                          <a:latin typeface="Courier New" pitchFamily="49" charset="0"/>
+                          <a:cs typeface="Courier New" pitchFamily="49" charset="0"/>
                         </a:rPr>
                         <a:t>Axes</a:t>
                       </a:r>
                       <a:endParaRPr lang="en-US" dirty="0">
-                        <a:latin typeface="Times New Roman" pitchFamily="18" charset="0"/>
-                        <a:cs typeface="Times New Roman" pitchFamily="18" charset="0"/>
+                        <a:latin typeface="Courier New" pitchFamily="49" charset="0"/>
+                        <a:cs typeface="Courier New" pitchFamily="49" charset="0"/>
                       </a:endParaRPr>
                     </a:p>
                   </a:txBody>
@@ -22189,18 +22710,24 @@
                         <a:defRPr/>
                       </a:pPr>
                       <a:r>
-                        <a:rPr lang="en-US" dirty="0" smtClean="0"/>
+                        <a:rPr lang="en-US" dirty="0" smtClean="0">
+                          <a:latin typeface="Courier New" pitchFamily="49" charset="0"/>
+                          <a:cs typeface="Courier New" pitchFamily="49" charset="0"/>
+                        </a:rPr>
                         <a:t>g</a:t>
                       </a:r>
                       <a:r>
-                        <a:rPr lang="sv-SE" dirty="0" smtClean="0"/>
+                        <a:rPr lang="sv-SE" dirty="0" smtClean="0">
+                          <a:latin typeface="Courier New" pitchFamily="49" charset="0"/>
+                          <a:cs typeface="Courier New" pitchFamily="49" charset="0"/>
+                        </a:rPr>
                         <a:t>et(ha) </a:t>
                       </a:r>
                     </a:p>
                     <a:p>
                       <a:endParaRPr lang="en-US" dirty="0">
-                        <a:latin typeface="Times New Roman" pitchFamily="18" charset="0"/>
-                        <a:cs typeface="Times New Roman" pitchFamily="18" charset="0"/>
+                        <a:latin typeface="Courier New" pitchFamily="49" charset="0"/>
+                        <a:cs typeface="Courier New" pitchFamily="49" charset="0"/>
                       </a:endParaRPr>
                     </a:p>
                   </a:txBody>
@@ -22229,7 +22756,10 @@
                         <a:defRPr/>
                       </a:pPr>
                       <a:r>
-                        <a:rPr lang="en-US" dirty="0" smtClean="0"/>
+                        <a:rPr lang="en-US" dirty="0" smtClean="0">
+                          <a:latin typeface="Courier New" pitchFamily="49" charset="0"/>
+                          <a:cs typeface="Courier New" pitchFamily="49" charset="0"/>
+                        </a:rPr>
                         <a:t>ha = gca</a:t>
                       </a:r>
                     </a:p>
@@ -22252,16 +22782,53 @@
                         <a:defRPr/>
                       </a:pPr>
                       <a:r>
-                        <a:rPr lang="sv-SE" dirty="0" smtClean="0"/>
-                        <a:t>ha = axes(</a:t>
+                        <a:rPr lang="sv-SE" dirty="0" smtClean="0">
+                          <a:latin typeface="Courier New" pitchFamily="49" charset="0"/>
+                          <a:cs typeface="Courier New" pitchFamily="49" charset="0"/>
+                        </a:rPr>
+                        <a:t>ha = axes</a:t>
                       </a:r>
                       <a:r>
-                        <a:rPr lang="en-US" dirty="0" smtClean="0"/>
-                        <a:t>‘</a:t>
+                        <a:rPr lang="sv-SE" dirty="0" smtClean="0">
+                          <a:latin typeface="Courier New" pitchFamily="49" charset="0"/>
+                          <a:cs typeface="Courier New" pitchFamily="49" charset="0"/>
+                        </a:rPr>
+                        <a:t>(</a:t>
                       </a:r>
                       <a:r>
-                        <a:rPr lang="sv-SE" dirty="0" smtClean="0"/>
-                        <a:t>Parent’,hf)</a:t>
+                        <a:rPr lang="en-US" sz="1800" dirty="0" smtClean="0">
+                          <a:latin typeface="Courier New" pitchFamily="49" charset="0"/>
+                          <a:cs typeface="Courier New" pitchFamily="49" charset="0"/>
+                        </a:rPr>
+                        <a:t>'</a:t>
+                      </a:r>
+                      <a:r>
+                        <a:rPr lang="sv-SE" dirty="0" smtClean="0">
+                          <a:latin typeface="Courier New" pitchFamily="49" charset="0"/>
+                          <a:cs typeface="Courier New" pitchFamily="49" charset="0"/>
+                        </a:rPr>
+                        <a:t>Parent</a:t>
+                      </a:r>
+                      <a:r>
+                        <a:rPr lang="en-US" sz="1800" dirty="0" smtClean="0">
+                          <a:latin typeface="Courier New" pitchFamily="49" charset="0"/>
+                          <a:cs typeface="Courier New" pitchFamily="49" charset="0"/>
+                        </a:rPr>
+                        <a:t>'</a:t>
+                      </a:r>
+                      <a:r>
+                        <a:rPr lang="sv-SE" dirty="0" smtClean="0">
+                          <a:latin typeface="Courier New" pitchFamily="49" charset="0"/>
+                          <a:cs typeface="Courier New" pitchFamily="49" charset="0"/>
+                        </a:rPr>
+                        <a:t>,</a:t>
+                      </a:r>
+                      <a:r>
+                        <a:rPr lang="sv-SE" dirty="0" smtClean="0">
+                          <a:latin typeface="Courier New" pitchFamily="49" charset="0"/>
+                          <a:cs typeface="Courier New" pitchFamily="49" charset="0"/>
+                        </a:rPr>
+                        <a:t>hf)</a:t>
                       </a:r>
                     </a:p>
                     <a:p>
@@ -22283,16 +22850,22 @@
                         <a:defRPr/>
                       </a:pPr>
                       <a:r>
-                        <a:rPr lang="sv-SE" dirty="0" smtClean="0"/>
+                        <a:rPr lang="sv-SE" dirty="0" smtClean="0">
+                          <a:latin typeface="Courier New" pitchFamily="49" charset="0"/>
+                          <a:cs typeface="Courier New" pitchFamily="49" charset="0"/>
+                        </a:rPr>
                         <a:t>h</a:t>
                       </a:r>
                       <a:r>
-                        <a:rPr lang="en-US" dirty="0" smtClean="0"/>
+                        <a:rPr lang="en-US" dirty="0" smtClean="0">
+                          <a:latin typeface="Courier New" pitchFamily="49" charset="0"/>
+                          <a:cs typeface="Courier New" pitchFamily="49" charset="0"/>
+                        </a:rPr>
                         <a:t>a = subplot(m,n,k)</a:t>
                       </a:r>
                       <a:endParaRPr lang="en-US" dirty="0">
-                        <a:latin typeface="Times New Roman" pitchFamily="18" charset="0"/>
-                        <a:cs typeface="Times New Roman" pitchFamily="18" charset="0"/>
+                        <a:latin typeface="Courier New" pitchFamily="49" charset="0"/>
+                        <a:cs typeface="Courier New" pitchFamily="49" charset="0"/>
                       </a:endParaRPr>
                     </a:p>
                   </a:txBody>
@@ -22307,14 +22880,14 @@
                     <a:p>
                       <a:r>
                         <a:rPr lang="en-US" dirty="0" smtClean="0">
-                          <a:latin typeface="Times New Roman" pitchFamily="18" charset="0"/>
-                          <a:cs typeface="Times New Roman" pitchFamily="18" charset="0"/>
+                          <a:latin typeface="Courier New" pitchFamily="49" charset="0"/>
+                          <a:cs typeface="Courier New" pitchFamily="49" charset="0"/>
                         </a:rPr>
                         <a:t>Object (line,patch,surface)</a:t>
                       </a:r>
                       <a:endParaRPr lang="en-US" dirty="0">
-                        <a:latin typeface="Times New Roman" pitchFamily="18" charset="0"/>
-                        <a:cs typeface="Times New Roman" pitchFamily="18" charset="0"/>
+                        <a:latin typeface="Courier New" pitchFamily="49" charset="0"/>
+                        <a:cs typeface="Courier New" pitchFamily="49" charset="0"/>
                       </a:endParaRPr>
                     </a:p>
                   </a:txBody>
@@ -22326,12 +22899,15 @@
                     <a:lstStyle/>
                     <a:p>
                       <a:r>
-                        <a:rPr lang="en-US" dirty="0" smtClean="0"/>
+                        <a:rPr lang="en-US" dirty="0" smtClean="0">
+                          <a:latin typeface="Courier New" pitchFamily="49" charset="0"/>
+                          <a:cs typeface="Courier New" pitchFamily="49" charset="0"/>
+                        </a:rPr>
                         <a:t>get(ho)</a:t>
                       </a:r>
                       <a:endParaRPr lang="en-US" dirty="0">
-                        <a:latin typeface="Times New Roman" pitchFamily="18" charset="0"/>
-                        <a:cs typeface="Times New Roman" pitchFamily="18" charset="0"/>
+                        <a:latin typeface="Courier New" pitchFamily="49" charset="0"/>
+                        <a:cs typeface="Courier New" pitchFamily="49" charset="0"/>
                       </a:endParaRPr>
                     </a:p>
                   </a:txBody>
@@ -22360,7 +22936,10 @@
                         <a:defRPr/>
                       </a:pPr>
                       <a:r>
-                        <a:rPr lang="en-US" dirty="0" smtClean="0"/>
+                        <a:rPr lang="en-US" dirty="0" smtClean="0">
+                          <a:latin typeface="Courier New" pitchFamily="49" charset="0"/>
+                          <a:cs typeface="Courier New" pitchFamily="49" charset="0"/>
+                        </a:rPr>
                         <a:t>ho = gco (if selected)</a:t>
                       </a:r>
                     </a:p>
@@ -22383,12 +22962,57 @@
                         <a:defRPr/>
                       </a:pPr>
                       <a:r>
-                        <a:rPr lang="en-US" dirty="0" smtClean="0"/>
-                        <a:t>ho = plot(…,’Parent’,ha)</a:t>
+                        <a:rPr lang="en-US" dirty="0" smtClean="0">
+                          <a:latin typeface="Courier New" pitchFamily="49" charset="0"/>
+                          <a:cs typeface="Courier New" pitchFamily="49" charset="0"/>
+                        </a:rPr>
+                        <a:t>ho = plot</a:t>
+                      </a:r>
+                      <a:r>
+                        <a:rPr lang="en-US" dirty="0" smtClean="0">
+                          <a:latin typeface="Courier New" pitchFamily="49" charset="0"/>
+                          <a:cs typeface="Courier New" pitchFamily="49" charset="0"/>
+                        </a:rPr>
+                        <a:t>(…,</a:t>
+                      </a:r>
+                      <a:r>
+                        <a:rPr lang="en-US" sz="1800" dirty="0" smtClean="0">
+                          <a:latin typeface="Courier New" pitchFamily="49" charset="0"/>
+                          <a:cs typeface="Courier New" pitchFamily="49" charset="0"/>
+                        </a:rPr>
+                        <a:t> '</a:t>
+                      </a:r>
+                      <a:r>
+                        <a:rPr lang="en-US" dirty="0" smtClean="0">
+                          <a:latin typeface="Courier New" pitchFamily="49" charset="0"/>
+                          <a:cs typeface="Courier New" pitchFamily="49" charset="0"/>
+                        </a:rPr>
+                        <a:t>Parent</a:t>
+                      </a:r>
+                      <a:r>
+                        <a:rPr lang="en-US" sz="1800" dirty="0" smtClean="0">
+                          <a:latin typeface="Courier New" pitchFamily="49" charset="0"/>
+                          <a:cs typeface="Courier New" pitchFamily="49" charset="0"/>
+                        </a:rPr>
+                        <a:t>'</a:t>
+                      </a:r>
+                      <a:r>
+                        <a:rPr lang="en-US" dirty="0" smtClean="0">
+                          <a:latin typeface="Courier New" pitchFamily="49" charset="0"/>
+                          <a:cs typeface="Courier New" pitchFamily="49" charset="0"/>
+                        </a:rPr>
+                        <a:t>,</a:t>
+                      </a:r>
+                      <a:r>
+                        <a:rPr lang="en-US" dirty="0" smtClean="0">
+                          <a:latin typeface="Courier New" pitchFamily="49" charset="0"/>
+                          <a:cs typeface="Courier New" pitchFamily="49" charset="0"/>
+                        </a:rPr>
+                        <a:t>ha)</a:t>
                       </a:r>
                       <a:endParaRPr lang="en-US" dirty="0">
-                        <a:latin typeface="Times New Roman" pitchFamily="18" charset="0"/>
-                        <a:cs typeface="Times New Roman" pitchFamily="18" charset="0"/>
+                        <a:latin typeface="Courier New" pitchFamily="49" charset="0"/>
+                        <a:cs typeface="Courier New" pitchFamily="49" charset="0"/>
                       </a:endParaRPr>
                     </a:p>
                   </a:txBody>
@@ -22511,7 +23135,21 @@
                 <a:latin typeface="Courier New" pitchFamily="49" charset="0"/>
                 <a:cs typeface="Courier New" pitchFamily="49" charset="0"/>
               </a:rPr>
-              <a:t>plot(Xdata,Ydata,…,’properties’,values,…)</a:t>
+              <a:t>plot(Xdata,Ydata</a:t>
+            </a:r>
+            <a:r>
+              <a:rPr lang="en-US" sz="1800" dirty="0" smtClean="0">
+                <a:latin typeface="Courier New" pitchFamily="49" charset="0"/>
+                <a:cs typeface="Courier New" pitchFamily="49" charset="0"/>
+              </a:rPr>
+              <a:t>,…,'properties',</a:t>
+            </a:r>
+            <a:r>
+              <a:rPr lang="en-US" sz="1800" dirty="0" smtClean="0">
+                <a:latin typeface="Courier New" pitchFamily="49" charset="0"/>
+                <a:cs typeface="Courier New" pitchFamily="49" charset="0"/>
+              </a:rPr>
+              <a:t>values,…)</a:t>
             </a:r>
             <a:endParaRPr lang="he-IL" sz="1800" dirty="0" smtClean="0">
               <a:latin typeface="Courier New" pitchFamily="49" charset="0"/>
@@ -22727,7 +23365,14 @@
                 <a:latin typeface="Courier New" pitchFamily="49" charset="0"/>
                 <a:cs typeface="Courier New" pitchFamily="49" charset="0"/>
               </a:rPr>
-              <a:t>plot(x,y,’symbols’)</a:t>
+              <a:t>plot(x,y</a:t>
+            </a:r>
+            <a:r>
+              <a:rPr lang="en-US" sz="2000" dirty="0" smtClean="0">
+                <a:latin typeface="Courier New" pitchFamily="49" charset="0"/>
+                <a:cs typeface="Courier New" pitchFamily="49" charset="0"/>
+              </a:rPr>
+              <a:t>,'symbols')</a:t>
             </a:r>
             <a:endParaRPr lang="he-IL" sz="2000" dirty="0" smtClean="0">
               <a:latin typeface="Courier New" pitchFamily="49" charset="0"/>
@@ -24236,7 +24881,21 @@
                 <a:latin typeface="Courier New" pitchFamily="49" charset="0"/>
                 <a:cs typeface="Courier New" pitchFamily="49" charset="0"/>
               </a:rPr>
-              <a:t>&gt;&gt;plot(x,y,’property1’,val1,…)</a:t>
+              <a:t>&gt;&gt;plot(x,y</a:t>
+            </a:r>
+            <a:r>
+              <a:rPr lang="en-US" sz="1800" dirty="0" smtClean="0">
+                <a:latin typeface="Courier New" pitchFamily="49" charset="0"/>
+                <a:cs typeface="Courier New" pitchFamily="49" charset="0"/>
+              </a:rPr>
+              <a:t>,'property1',</a:t>
+            </a:r>
+            <a:r>
+              <a:rPr lang="en-US" sz="1800" dirty="0" smtClean="0">
+                <a:latin typeface="Courier New" pitchFamily="49" charset="0"/>
+                <a:cs typeface="Courier New" pitchFamily="49" charset="0"/>
+              </a:rPr>
+              <a:t>val1,…)</a:t>
             </a:r>
             <a:endParaRPr lang="he-IL" sz="1800" dirty="0" smtClean="0">
               <a:latin typeface="Courier New" pitchFamily="49" charset="0"/>
@@ -25093,12 +25752,13 @@
             </a:r>
             <a:r>
               <a:rPr lang="he-IL" sz="2000" dirty="0" smtClean="0"/>
-              <a:t> – מאפשרת להוסיף אובייקט גרפי נוסף במקום החלפת הישן בחדש</a:t>
-            </a:r>
-            <a:r>
-              <a:rPr lang="en-US" sz="2000" dirty="0" smtClean="0"/>
-              <a:t>\</a:t>
-            </a:r>
+              <a:t> – מאפשרת להוסיף אובייקט גרפי נוסף במקום החלפת הישן </a:t>
+            </a:r>
+            <a:r>
+              <a:rPr lang="he-IL" sz="2000" dirty="0" smtClean="0"/>
+              <a:t>בחדש</a:t>
+            </a:r>
+            <a:endParaRPr lang="en-US" sz="2000" dirty="0" smtClean="0"/>
           </a:p>
           <a:p>
             <a:r>
@@ -25348,7 +26008,7 @@
               <a:t>'</a:t>
             </a:r>
             <a:r>
-              <a:rPr lang="es-ES" sz="1800" dirty="0" err="1" smtClean="0">
+              <a:rPr lang="es-ES" sz="1800" dirty="0" smtClean="0">
                 <a:latin typeface="Courier New" pitchFamily="49" charset="0"/>
                 <a:cs typeface="Courier New" pitchFamily="49" charset="0"/>
               </a:rPr>
@@ -26973,7 +27633,7 @@
               <a:t>'</a:t>
             </a:r>
             <a:r>
-              <a:rPr lang="en-US" sz="1800" dirty="0" err="1" smtClean="0">
+              <a:rPr lang="en-US" sz="1800" dirty="0" smtClean="0">
                 <a:latin typeface="Courier New" pitchFamily="49" charset="0"/>
                 <a:cs typeface="Courier New" pitchFamily="49" charset="0"/>
               </a:rPr>
@@ -28933,7 +29593,7 @@
           <a:graphicData uri="http://schemas.openxmlformats.org/presentationml/2006/ole">
             <mc:AlternateContent xmlns:mc="http://schemas.openxmlformats.org/markup-compatibility/2006">
               <mc:Choice xmlns:v="urn:schemas-microsoft-com:vml" Requires="v">
-                <p:oleObj spid="_x0000_s91149" name="Equation" r:id="rId3" imgW="1282680" imgH="507960" progId="Equation.DSMT4">
+                <p:oleObj spid="_x0000_s91154" name="Equation" r:id="rId3" imgW="1282680" imgH="507960" progId="Equation.DSMT4">
                   <p:embed/>
                 </p:oleObj>
               </mc:Choice>
@@ -29128,7 +29788,21 @@
                 <a:latin typeface="Courier New" pitchFamily="49" charset="0"/>
                 <a:cs typeface="Courier New" pitchFamily="49" charset="0"/>
               </a:rPr>
-              <a:t>set(h,’property’,propval)</a:t>
+              <a:t>set(h</a:t>
+            </a:r>
+            <a:r>
+              <a:rPr lang="en-US" dirty="0" smtClean="0">
+                <a:latin typeface="Courier New" pitchFamily="49" charset="0"/>
+                <a:cs typeface="Courier New" pitchFamily="49" charset="0"/>
+              </a:rPr>
+              <a:t>,'property',</a:t>
+            </a:r>
+            <a:r>
+              <a:rPr lang="en-US" dirty="0" smtClean="0">
+                <a:latin typeface="Courier New" pitchFamily="49" charset="0"/>
+                <a:cs typeface="Courier New" pitchFamily="49" charset="0"/>
+              </a:rPr>
+              <a:t>propval)</a:t>
             </a:r>
           </a:p>
         </p:txBody>
@@ -29231,18 +29905,26 @@
             <p:ph idx="1"/>
           </p:nvPr>
         </p:nvSpPr>
-        <p:spPr/>
+        <p:spPr>
+          <a:xfrm>
+            <a:off x="457200" y="1447800"/>
+            <a:ext cx="8229600" cy="5029200"/>
+          </a:xfrm>
+        </p:spPr>
         <p:txBody>
           <a:bodyPr>
-            <a:normAutofit fontScale="62500" lnSpcReduction="20000"/>
+            <a:noAutofit/>
           </a:bodyPr>
           <a:lstStyle/>
           <a:p>
             <a:pPr algn="l" rtl="0">
-              <a:buNone/>
-            </a:pPr>
-            <a:r>
-              <a:rPr lang="en-US" sz="2800" dirty="0" smtClean="0">
+              <a:spcBef>
+                <a:spcPts val="0"/>
+              </a:spcBef>
+              <a:buNone/>
+            </a:pPr>
+            <a:r>
+              <a:rPr lang="en-US" sz="1800" dirty="0" smtClean="0">
                 <a:solidFill>
                   <a:srgbClr val="000000"/>
                 </a:solidFill>
@@ -29253,10 +29935,13 @@
           </a:p>
           <a:p>
             <a:pPr algn="l" rtl="0">
-              <a:buNone/>
-            </a:pPr>
-            <a:r>
-              <a:rPr lang="en-US" sz="2800" dirty="0" smtClean="0">
+              <a:spcBef>
+                <a:spcPts val="0"/>
+              </a:spcBef>
+              <a:buNone/>
+            </a:pPr>
+            <a:r>
+              <a:rPr lang="en-US" sz="1800" dirty="0" smtClean="0">
                 <a:solidFill>
                   <a:srgbClr val="000000"/>
                 </a:solidFill>
@@ -29267,10 +29952,13 @@
           </a:p>
           <a:p>
             <a:pPr algn="l" rtl="0">
-              <a:buNone/>
-            </a:pPr>
-            <a:r>
-              <a:rPr lang="en-US" sz="2800" dirty="0" smtClean="0">
+              <a:spcBef>
+                <a:spcPts val="0"/>
+              </a:spcBef>
+              <a:buNone/>
+            </a:pPr>
+            <a:r>
+              <a:rPr lang="en-US" sz="1800" dirty="0" smtClean="0">
                 <a:solidFill>
                   <a:srgbClr val="000000"/>
                 </a:solidFill>
@@ -29281,10 +29969,13 @@
           </a:p>
           <a:p>
             <a:pPr algn="l" rtl="0">
-              <a:buNone/>
-            </a:pPr>
-            <a:r>
-              <a:rPr lang="en-US" sz="2800" dirty="0" smtClean="0">
+              <a:spcBef>
+                <a:spcPts val="0"/>
+              </a:spcBef>
+              <a:buNone/>
+            </a:pPr>
+            <a:r>
+              <a:rPr lang="en-US" sz="1800" dirty="0" smtClean="0">
                 <a:solidFill>
                   <a:srgbClr val="000000"/>
                 </a:solidFill>
@@ -29295,10 +29986,13 @@
           </a:p>
           <a:p>
             <a:pPr algn="l" rtl="0">
-              <a:buNone/>
-            </a:pPr>
-            <a:r>
-              <a:rPr lang="en-US" sz="2800" dirty="0" smtClean="0">
+              <a:spcBef>
+                <a:spcPts val="0"/>
+              </a:spcBef>
+              <a:buNone/>
+            </a:pPr>
+            <a:r>
+              <a:rPr lang="en-US" sz="1800" dirty="0" smtClean="0">
                 <a:solidFill>
                   <a:srgbClr val="000000"/>
                 </a:solidFill>
@@ -29307,7 +30001,7 @@
               <a:t>dydt(end+1)=dydt(end); </a:t>
             </a:r>
             <a:r>
-              <a:rPr lang="en-US" sz="2800" dirty="0" smtClean="0">
+              <a:rPr lang="en-US" sz="1800" dirty="0" smtClean="0">
                 <a:solidFill>
                   <a:srgbClr val="228B22"/>
                 </a:solidFill>
@@ -29318,10 +30012,13 @@
           </a:p>
           <a:p>
             <a:pPr algn="l" rtl="0">
-              <a:buNone/>
-            </a:pPr>
-            <a:r>
-              <a:rPr lang="en-US" sz="2800" dirty="0" smtClean="0">
+              <a:spcBef>
+                <a:spcPts val="0"/>
+              </a:spcBef>
+              <a:buNone/>
+            </a:pPr>
+            <a:r>
+              <a:rPr lang="en-US" sz="1800" dirty="0" smtClean="0">
                 <a:solidFill>
                   <a:srgbClr val="000000"/>
                 </a:solidFill>
@@ -29332,10 +30029,13 @@
           </a:p>
           <a:p>
             <a:pPr algn="l" rtl="0">
-              <a:buNone/>
-            </a:pPr>
-            <a:r>
-              <a:rPr lang="en-US" sz="2800" dirty="0" smtClean="0">
+              <a:spcBef>
+                <a:spcPts val="0"/>
+              </a:spcBef>
+              <a:buNone/>
+            </a:pPr>
+            <a:r>
+              <a:rPr lang="en-US" sz="1800" dirty="0" smtClean="0">
                 <a:solidFill>
                   <a:srgbClr val="000000"/>
                 </a:solidFill>
@@ -29344,7 +30044,7 @@
               <a:t>d2ydt2(end+(1:2))=d2ydt2(end); </a:t>
             </a:r>
             <a:r>
-              <a:rPr lang="en-US" sz="2800" dirty="0" smtClean="0">
+              <a:rPr lang="en-US" sz="1800" dirty="0" smtClean="0">
                 <a:solidFill>
                   <a:srgbClr val="228B22"/>
                 </a:solidFill>
@@ -29355,10 +30055,13 @@
           </a:p>
           <a:p>
             <a:pPr algn="l" rtl="0">
-              <a:buNone/>
-            </a:pPr>
-            <a:r>
-              <a:rPr lang="en-US" sz="2800" dirty="0" smtClean="0">
+              <a:spcBef>
+                <a:spcPts val="0"/>
+              </a:spcBef>
+              <a:buNone/>
+            </a:pPr>
+            <a:r>
+              <a:rPr lang="en-US" sz="1800" dirty="0" smtClean="0">
                 <a:solidFill>
                   <a:srgbClr val="228B22"/>
                 </a:solidFill>
@@ -29369,10 +30072,13 @@
           </a:p>
           <a:p>
             <a:pPr algn="l" rtl="0">
-              <a:buNone/>
-            </a:pPr>
-            <a:r>
-              <a:rPr lang="en-US" sz="2800" dirty="0" smtClean="0">
+              <a:spcBef>
+                <a:spcPts val="0"/>
+              </a:spcBef>
+              <a:buNone/>
+            </a:pPr>
+            <a:r>
+              <a:rPr lang="en-US" sz="1800" dirty="0" smtClean="0">
                 <a:solidFill>
                   <a:srgbClr val="000000"/>
                 </a:solidFill>
@@ -29383,10 +30089,13 @@
           </a:p>
           <a:p>
             <a:pPr algn="l" rtl="0">
-              <a:buNone/>
-            </a:pPr>
-            <a:r>
-              <a:rPr lang="en-US" sz="2800" dirty="0" smtClean="0">
+              <a:spcBef>
+                <a:spcPts val="0"/>
+              </a:spcBef>
+              <a:buNone/>
+            </a:pPr>
+            <a:r>
+              <a:rPr lang="en-US" sz="1800" dirty="0" smtClean="0">
                 <a:solidFill>
                   <a:srgbClr val="000000"/>
                 </a:solidFill>
@@ -29395,7 +30104,7 @@
               <a:t>xlabel(</a:t>
             </a:r>
             <a:r>
-              <a:rPr lang="en-US" sz="2800" dirty="0" smtClean="0">
+              <a:rPr lang="en-US" sz="1800" dirty="0" smtClean="0">
                 <a:solidFill>
                   <a:srgbClr val="A020F0"/>
                 </a:solidFill>
@@ -29404,7 +30113,7 @@
               <a:t>'Time [sec]'</a:t>
             </a:r>
             <a:r>
-              <a:rPr lang="en-US" sz="2800" dirty="0" smtClean="0">
+              <a:rPr lang="en-US" sz="1800" dirty="0" smtClean="0">
                 <a:solidFill>
                   <a:srgbClr val="000000"/>
                 </a:solidFill>
@@ -29415,10 +30124,13 @@
           </a:p>
           <a:p>
             <a:pPr algn="l" rtl="0">
-              <a:buNone/>
-            </a:pPr>
-            <a:r>
-              <a:rPr lang="en-US" sz="2800" dirty="0" smtClean="0">
+              <a:spcBef>
+                <a:spcPts val="0"/>
+              </a:spcBef>
+              <a:buNone/>
+            </a:pPr>
+            <a:r>
+              <a:rPr lang="en-US" sz="1800" dirty="0" smtClean="0">
                 <a:solidFill>
                   <a:srgbClr val="000000"/>
                 </a:solidFill>
@@ -29429,10 +30141,13 @@
           </a:p>
           <a:p>
             <a:pPr algn="l" rtl="0">
-              <a:buNone/>
-            </a:pPr>
-            <a:r>
-              <a:rPr lang="en-US" sz="2800" dirty="0" smtClean="0">
+              <a:spcBef>
+                <a:spcPts val="0"/>
+              </a:spcBef>
+              <a:buNone/>
+            </a:pPr>
+            <a:r>
+              <a:rPr lang="en-US" sz="1800" dirty="0" smtClean="0">
                 <a:solidFill>
                   <a:srgbClr val="000000"/>
                 </a:solidFill>
@@ -29441,7 +30156,7 @@
               <a:t>ylabel(</a:t>
             </a:r>
             <a:r>
-              <a:rPr lang="en-US" sz="2800" dirty="0" smtClean="0">
+              <a:rPr lang="en-US" sz="1800" dirty="0" smtClean="0">
                 <a:solidFill>
                   <a:srgbClr val="A020F0"/>
                 </a:solidFill>
@@ -29450,7 +30165,7 @@
               <a:t>'volt, volt/s'</a:t>
             </a:r>
             <a:r>
-              <a:rPr lang="en-US" sz="2800" dirty="0" smtClean="0">
+              <a:rPr lang="en-US" sz="1800" dirty="0" smtClean="0">
                 <a:solidFill>
                   <a:srgbClr val="000000"/>
                 </a:solidFill>
@@ -29461,10 +30176,13 @@
           </a:p>
           <a:p>
             <a:pPr algn="l" rtl="0">
-              <a:buNone/>
-            </a:pPr>
-            <a:r>
-              <a:rPr lang="en-US" sz="2800" dirty="0" smtClean="0">
+              <a:spcBef>
+                <a:spcPts val="0"/>
+              </a:spcBef>
+              <a:buNone/>
+            </a:pPr>
+            <a:r>
+              <a:rPr lang="en-US" sz="1800" dirty="0" smtClean="0">
                 <a:solidFill>
                   <a:srgbClr val="000000"/>
                 </a:solidFill>
@@ -29473,7 +30191,7 @@
               <a:t>title(</a:t>
             </a:r>
             <a:r>
-              <a:rPr lang="en-US" sz="2800" dirty="0" smtClean="0">
+              <a:rPr lang="en-US" sz="1800" dirty="0" smtClean="0">
                 <a:solidFill>
                   <a:srgbClr val="A020F0"/>
                 </a:solidFill>
@@ -29482,7 +30200,7 @@
               <a:t>'y(t) and its derivatives'</a:t>
             </a:r>
             <a:r>
-              <a:rPr lang="en-US" sz="2800" dirty="0" smtClean="0">
+              <a:rPr lang="en-US" sz="1800" dirty="0" smtClean="0">
                 <a:solidFill>
                   <a:srgbClr val="000000"/>
                 </a:solidFill>
@@ -29493,10 +30211,13 @@
           </a:p>
           <a:p>
             <a:pPr algn="l" rtl="0">
-              <a:buNone/>
-            </a:pPr>
-            <a:r>
-              <a:rPr lang="en-US" sz="2800" dirty="0" smtClean="0">
+              <a:spcBef>
+                <a:spcPts val="0"/>
+              </a:spcBef>
+              <a:buNone/>
+            </a:pPr>
+            <a:r>
+              <a:rPr lang="en-US" sz="1800" dirty="0" smtClean="0">
                 <a:solidFill>
                   <a:srgbClr val="000000"/>
                 </a:solidFill>
@@ -29505,7 +30226,7 @@
               <a:t>legend(</a:t>
             </a:r>
             <a:r>
-              <a:rPr lang="en-US" sz="2800" dirty="0" smtClean="0">
+              <a:rPr lang="en-US" sz="1800" dirty="0" smtClean="0">
                 <a:solidFill>
                   <a:srgbClr val="A020F0"/>
                 </a:solidFill>
@@ -29514,7 +30235,7 @@
               <a:t>'y'</a:t>
             </a:r>
             <a:r>
-              <a:rPr lang="en-US" sz="2800" dirty="0" smtClean="0">
+              <a:rPr lang="en-US" sz="1800" dirty="0" smtClean="0">
                 <a:solidFill>
                   <a:srgbClr val="000000"/>
                 </a:solidFill>
@@ -29523,7 +30244,7 @@
               <a:t>,</a:t>
             </a:r>
             <a:r>
-              <a:rPr lang="en-US" sz="2800" dirty="0" smtClean="0">
+              <a:rPr lang="en-US" sz="1800" dirty="0" smtClean="0">
                 <a:solidFill>
                   <a:srgbClr val="A020F0"/>
                 </a:solidFill>
@@ -29532,7 +30253,7 @@
               <a:t>'dy/dt'</a:t>
             </a:r>
             <a:r>
-              <a:rPr lang="en-US" sz="2800" dirty="0" smtClean="0">
+              <a:rPr lang="en-US" sz="1800" dirty="0" smtClean="0">
                 <a:solidFill>
                   <a:srgbClr val="000000"/>
                 </a:solidFill>
@@ -29543,10 +30264,13 @@
           </a:p>
           <a:p>
             <a:pPr algn="l" rtl="0">
-              <a:buNone/>
-            </a:pPr>
-            <a:r>
-              <a:rPr lang="en-US" sz="2800" dirty="0" smtClean="0">
+              <a:spcBef>
+                <a:spcPts val="0"/>
+              </a:spcBef>
+              <a:buNone/>
+            </a:pPr>
+            <a:r>
+              <a:rPr lang="en-US" sz="1800" dirty="0" smtClean="0">
                 <a:solidFill>
                   <a:srgbClr val="000000"/>
                 </a:solidFill>
@@ -29557,10 +30281,13 @@
           </a:p>
           <a:p>
             <a:pPr algn="l" rtl="0">
-              <a:buNone/>
-            </a:pPr>
-            <a:r>
-              <a:rPr lang="en-US" sz="2800" dirty="0" smtClean="0">
+              <a:spcBef>
+                <a:spcPts val="0"/>
+              </a:spcBef>
+              <a:buNone/>
+            </a:pPr>
+            <a:r>
+              <a:rPr lang="en-US" sz="1800" dirty="0" smtClean="0">
                 <a:solidFill>
                   <a:srgbClr val="000000"/>
                 </a:solidFill>
@@ -29569,16 +30296,25 @@
               <a:t>ylabel(</a:t>
             </a:r>
             <a:r>
-              <a:rPr lang="en-US" sz="2800" dirty="0" smtClean="0">
+              <a:rPr lang="en-US" sz="1800" dirty="0">
                 <a:solidFill>
                   <a:srgbClr val="A020F0"/>
                 </a:solidFill>
                 <a:latin typeface="Courier New"/>
               </a:rPr>
-              <a:t>'volt/s^2‘</a:t>
-            </a:r>
-            <a:r>
-              <a:rPr lang="en-US" sz="2800" dirty="0" smtClean="0">
+              <a:t>'volt/s^2</a:t>
+            </a:r>
+            <a:r>
+              <a:rPr lang="en-US" sz="1800" dirty="0" smtClean="0">
+                <a:solidFill>
+                  <a:srgbClr val="A020F0"/>
+                </a:solidFill>
+                <a:latin typeface="Courier New"/>
+              </a:rPr>
+              <a:t>'</a:t>
+            </a:r>
+            <a:r>
+              <a:rPr lang="en-US" sz="1800" dirty="0" smtClean="0">
                 <a:solidFill>
                   <a:srgbClr val="000000"/>
                 </a:solidFill>
@@ -29586,6 +30322,12 @@
               </a:rPr>
               <a:t>)</a:t>
             </a:r>
+            <a:endParaRPr lang="en-US" sz="1800" dirty="0" smtClean="0">
+              <a:solidFill>
+                <a:srgbClr val="000000"/>
+              </a:solidFill>
+              <a:latin typeface="Courier New"/>
+            </a:endParaRPr>
           </a:p>
         </p:txBody>
       </p:sp>
@@ -29683,7 +30425,14 @@
                 <a:latin typeface="Courier New" pitchFamily="49" charset="0"/>
                 <a:cs typeface="Courier New" pitchFamily="49" charset="0"/>
               </a:rPr>
-              <a:t>&gt;&gt;k=[0:30];</a:t>
+              <a:t>&gt;&gt; k</a:t>
+            </a:r>
+            <a:r>
+              <a:rPr lang="en-US" sz="1800" dirty="0" smtClean="0">
+                <a:latin typeface="Courier New" pitchFamily="49" charset="0"/>
+                <a:cs typeface="Courier New" pitchFamily="49" charset="0"/>
+              </a:rPr>
+              <a:t>=[0:30];</a:t>
             </a:r>
           </a:p>
           <a:p>
@@ -29695,7 +30444,14 @@
                 <a:latin typeface="Courier New" pitchFamily="49" charset="0"/>
                 <a:cs typeface="Courier New" pitchFamily="49" charset="0"/>
               </a:rPr>
-              <a:t>&gt;&gt;x=sin(k/5);</a:t>
+              <a:t>&gt;&gt; x=sin(k/5</a:t>
+            </a:r>
+            <a:r>
+              <a:rPr lang="en-US" sz="1800" dirty="0" smtClean="0">
+                <a:latin typeface="Courier New" pitchFamily="49" charset="0"/>
+                <a:cs typeface="Courier New" pitchFamily="49" charset="0"/>
+              </a:rPr>
+              <a:t>);</a:t>
             </a:r>
           </a:p>
           <a:p>
@@ -29707,7 +30463,14 @@
                 <a:latin typeface="Courier New" pitchFamily="49" charset="0"/>
                 <a:cs typeface="Courier New" pitchFamily="49" charset="0"/>
               </a:rPr>
-              <a:t>&gt;&gt;stem(k,x)    or    stairs(k,x)</a:t>
+              <a:t>&gt;&gt; stem(k,x</a:t>
+            </a:r>
+            <a:r>
+              <a:rPr lang="en-US" sz="1800" dirty="0" smtClean="0">
+                <a:latin typeface="Courier New" pitchFamily="49" charset="0"/>
+                <a:cs typeface="Courier New" pitchFamily="49" charset="0"/>
+              </a:rPr>
+              <a:t>)    or    stairs(k,x)</a:t>
             </a:r>
           </a:p>
           <a:p>
@@ -30928,7 +31691,15 @@
           <a:p>
             <a:r>
               <a:rPr lang="he-IL" sz="2000" dirty="0" smtClean="0"/>
-              <a:t>יש להשלים את השורה בירוקה:</a:t>
+              <a:t>יש להשלים את השורה </a:t>
+            </a:r>
+            <a:r>
+              <a:rPr lang="he-IL" sz="2000" dirty="0" smtClean="0"/>
+              <a:t>הירוקה</a:t>
+            </a:r>
+            <a:r>
+              <a:rPr lang="he-IL" sz="2000" dirty="0" smtClean="0"/>
+              <a:t>:</a:t>
             </a:r>
           </a:p>
           <a:p>
@@ -31241,7 +32012,7 @@
           <a:graphicData uri="http://schemas.openxmlformats.org/presentationml/2006/ole">
             <mc:AlternateContent xmlns:mc="http://schemas.openxmlformats.org/markup-compatibility/2006">
               <mc:Choice xmlns:v="urn:schemas-microsoft-com:vml" Requires="v">
-                <p:oleObj spid="_x0000_s95245" name="Equation" r:id="rId3" imgW="850531" imgH="253890" progId="Equation.DSMT4">
+                <p:oleObj spid="_x0000_s95250" name="Equation" r:id="rId3" imgW="850531" imgH="253890" progId="Equation.DSMT4">
                   <p:embed/>
                 </p:oleObj>
               </mc:Choice>
@@ -34849,7 +35620,7 @@
           <a:graphicData uri="http://schemas.openxmlformats.org/presentationml/2006/ole">
             <mc:AlternateContent xmlns:mc="http://schemas.openxmlformats.org/markup-compatibility/2006">
               <mc:Choice xmlns:v="urn:schemas-microsoft-com:vml" Requires="v">
-                <p:oleObj spid="_x0000_s109593" name="Equation" r:id="rId3" imgW="710891" imgH="266584" progId="Equation.DSMT4">
+                <p:oleObj spid="_x0000_s109601" name="Equation" r:id="rId3" imgW="710891" imgH="266584" progId="Equation.DSMT4">
                   <p:embed/>
                 </p:oleObj>
               </mc:Choice>
@@ -34957,7 +35728,7 @@
           <a:graphicData uri="http://schemas.openxmlformats.org/presentationml/2006/ole">
             <mc:AlternateContent xmlns:mc="http://schemas.openxmlformats.org/markup-compatibility/2006">
               <mc:Choice xmlns:v="urn:schemas-microsoft-com:vml" Requires="v">
-                <p:oleObj spid="_x0000_s109594" name="Equation" r:id="rId5" imgW="1256755" imgH="482391" progId="Equation.DSMT4">
+                <p:oleObj spid="_x0000_s109602" name="Equation" r:id="rId5" imgW="1256755" imgH="482391" progId="Equation.DSMT4">
                   <p:embed/>
                 </p:oleObj>
               </mc:Choice>
@@ -35396,7 +36167,7 @@
           <a:graphicData uri="http://schemas.openxmlformats.org/presentationml/2006/ole">
             <mc:AlternateContent xmlns:mc="http://schemas.openxmlformats.org/markup-compatibility/2006">
               <mc:Choice xmlns:v="urn:schemas-microsoft-com:vml" Requires="v">
-                <p:oleObj spid="_x0000_s140378" name="Equation" r:id="rId3" imgW="1256755" imgH="253890" progId="Equation.DSMT4">
+                <p:oleObj spid="_x0000_s140406" name="Equation" r:id="rId3" imgW="1256755" imgH="253890" progId="Equation.DSMT4">
                   <p:embed/>
                 </p:oleObj>
               </mc:Choice>
@@ -35542,7 +36313,7 @@
           <a:graphicData uri="http://schemas.openxmlformats.org/presentationml/2006/ole">
             <mc:AlternateContent xmlns:mc="http://schemas.openxmlformats.org/markup-compatibility/2006">
               <mc:Choice xmlns:v="urn:schemas-microsoft-com:vml" Requires="v">
-                <p:oleObj spid="_x0000_s140379" name="Equation" r:id="rId5" imgW="1129810" imgH="253890" progId="Equation.DSMT4">
+                <p:oleObj spid="_x0000_s140407" name="Equation" r:id="rId5" imgW="1129810" imgH="253890" progId="Equation.DSMT4">
                   <p:embed/>
                 </p:oleObj>
               </mc:Choice>
@@ -35688,7 +36459,7 @@
           <a:graphicData uri="http://schemas.openxmlformats.org/presentationml/2006/ole">
             <mc:AlternateContent xmlns:mc="http://schemas.openxmlformats.org/markup-compatibility/2006">
               <mc:Choice xmlns:v="urn:schemas-microsoft-com:vml" Requires="v">
-                <p:oleObj spid="_x0000_s140380" name="Equation" r:id="rId7" imgW="469696" imgH="177723" progId="Equation.DSMT4">
+                <p:oleObj spid="_x0000_s140408" name="Equation" r:id="rId7" imgW="469696" imgH="177723" progId="Equation.DSMT4">
                   <p:embed/>
                 </p:oleObj>
               </mc:Choice>
@@ -35834,7 +36605,7 @@
           <a:graphicData uri="http://schemas.openxmlformats.org/presentationml/2006/ole">
             <mc:AlternateContent xmlns:mc="http://schemas.openxmlformats.org/markup-compatibility/2006">
               <mc:Choice xmlns:v="urn:schemas-microsoft-com:vml" Requires="v">
-                <p:oleObj spid="_x0000_s140381" name="Equation" r:id="rId9" imgW="710891" imgH="266584" progId="Equation.DSMT4">
+                <p:oleObj spid="_x0000_s140409" name="Equation" r:id="rId9" imgW="710891" imgH="266584" progId="Equation.DSMT4">
                   <p:embed/>
                 </p:oleObj>
               </mc:Choice>
@@ -35980,7 +36751,7 @@
           <a:graphicData uri="http://schemas.openxmlformats.org/presentationml/2006/ole">
             <mc:AlternateContent xmlns:mc="http://schemas.openxmlformats.org/markup-compatibility/2006">
               <mc:Choice xmlns:v="urn:schemas-microsoft-com:vml" Requires="v">
-                <p:oleObj spid="_x0000_s140382" name="Equation" r:id="rId11" imgW="850900" imgH="228600" progId="Equation.DSMT4">
+                <p:oleObj spid="_x0000_s140410" name="Equation" r:id="rId11" imgW="850900" imgH="228600" progId="Equation.DSMT4">
                   <p:embed/>
                 </p:oleObj>
               </mc:Choice>
@@ -36126,7 +36897,7 @@
           <a:graphicData uri="http://schemas.openxmlformats.org/presentationml/2006/ole">
             <mc:AlternateContent xmlns:mc="http://schemas.openxmlformats.org/markup-compatibility/2006">
               <mc:Choice xmlns:v="urn:schemas-microsoft-com:vml" Requires="v">
-                <p:oleObj spid="_x0000_s140383" name="Equation" r:id="rId13" imgW="1803400" imgH="508000" progId="Equation.DSMT4">
+                <p:oleObj spid="_x0000_s140411" name="Equation" r:id="rId13" imgW="1803400" imgH="508000" progId="Equation.DSMT4">
                   <p:embed/>
                 </p:oleObj>
               </mc:Choice>
@@ -36272,7 +37043,7 @@
           <a:graphicData uri="http://schemas.openxmlformats.org/presentationml/2006/ole">
             <mc:AlternateContent xmlns:mc="http://schemas.openxmlformats.org/markup-compatibility/2006">
               <mc:Choice xmlns:v="urn:schemas-microsoft-com:vml" Requires="v">
-                <p:oleObj spid="_x0000_s140384" name="Equation" r:id="rId15" imgW="126780" imgH="215526" progId="Equation.DSMT4">
+                <p:oleObj spid="_x0000_s140412" name="Equation" r:id="rId15" imgW="126780" imgH="215526" progId="Equation.DSMT4">
                   <p:embed/>
                 </p:oleObj>
               </mc:Choice>
@@ -36833,7 +37604,7 @@
           <a:graphicData uri="http://schemas.openxmlformats.org/presentationml/2006/ole">
             <mc:AlternateContent xmlns:mc="http://schemas.openxmlformats.org/markup-compatibility/2006">
               <mc:Choice xmlns:v="urn:schemas-microsoft-com:vml" Requires="v">
-                <p:oleObj spid="_x0000_s108571" name="Equation" r:id="rId3" imgW="1205977" imgH="393529" progId="Equation.DSMT4">
+                <p:oleObj spid="_x0000_s108579" name="Equation" r:id="rId3" imgW="1205977" imgH="393529" progId="Equation.DSMT4">
                   <p:embed/>
                 </p:oleObj>
               </mc:Choice>
@@ -37012,7 +37783,7 @@
           <a:graphicData uri="http://schemas.openxmlformats.org/presentationml/2006/ole">
             <mc:AlternateContent xmlns:mc="http://schemas.openxmlformats.org/markup-compatibility/2006">
               <mc:Choice xmlns:v="urn:schemas-microsoft-com:vml" Requires="v">
-                <p:oleObj spid="_x0000_s108572" name="Equation" r:id="rId6" imgW="825500" imgH="393700" progId="Equation.DSMT4">
+                <p:oleObj spid="_x0000_s108580" name="Equation" r:id="rId6" imgW="825500" imgH="393700" progId="Equation.DSMT4">
                   <p:embed/>
                 </p:oleObj>
               </mc:Choice>
